--- a/13-15-05-2020/EXPERIMENTS_Marc_Rios.pptx
+++ b/13-15-05-2020/EXPERIMENTS_Marc_Rios.pptx
@@ -1,33 +1,37 @@
 
 <file path=ppt/presentation.xml><?xml version="1.0" encoding="utf-8"?>
-<p:presentation xmlns:a="http://schemas.openxmlformats.org/drawingml/2006/main" xmlns:r="http://schemas.openxmlformats.org/officeDocument/2006/relationships" xmlns:mc="http://schemas.openxmlformats.org/markup-compatibility/2006" xmlns:mv="urn:schemas-microsoft-com:mac:vml" xmlns:p="http://schemas.openxmlformats.org/presentationml/2006/main" xmlns:c="http://schemas.openxmlformats.org/drawingml/2006/chart" xmlns:dgm="http://schemas.openxmlformats.org/drawingml/2006/diagram" xmlns:o="urn:schemas-microsoft-com:office:office" xmlns:v="urn:schemas-microsoft-com:vml" xmlns:pvml="urn:schemas-microsoft-com:office:powerpoint" xmlns:com="http://schemas.openxmlformats.org/drawingml/2006/compatibility" xmlns:p14="http://schemas.microsoft.com/office/powerpoint/2010/main" xmlns:p15="http://schemas.microsoft.com/office/powerpoint/2012/main" autoCompressPictures="0" embedTrueTypeFonts="1" strictFirstAndLastChars="0" saveSubsetFonts="1">
+<p:presentation xmlns:a="http://schemas.openxmlformats.org/drawingml/2006/main" xmlns:r="http://schemas.openxmlformats.org/officeDocument/2006/relationships" xmlns:p="http://schemas.openxmlformats.org/presentationml/2006/main" strictFirstAndLastChars="0" embedTrueTypeFonts="1" saveSubsetFonts="1" autoCompressPictures="0">
   <p:sldMasterIdLst>
-    <p:sldMasterId id="2147483648" r:id="rId3"/>
+    <p:sldMasterId id="2147483648" r:id="rId1"/>
   </p:sldMasterIdLst>
   <p:notesMasterIdLst>
-    <p:notesMasterId r:id="rId4"/>
+    <p:notesMasterId r:id="rId10"/>
   </p:notesMasterIdLst>
   <p:sldIdLst>
-    <p:sldId id="256" r:id="rId5"/>
-    <p:sldId id="257" r:id="rId6"/>
-    <p:sldId id="258" r:id="rId7"/>
-    <p:sldId id="259" r:id="rId8"/>
-    <p:sldId id="260" r:id="rId9"/>
-    <p:sldId id="261" r:id="rId10"/>
-    <p:sldId id="262" r:id="rId11"/>
-    <p:sldId id="263" r:id="rId12"/>
+    <p:sldId id="256" r:id="rId2"/>
+    <p:sldId id="257" r:id="rId3"/>
+    <p:sldId id="258" r:id="rId4"/>
+    <p:sldId id="259" r:id="rId5"/>
+    <p:sldId id="260" r:id="rId6"/>
+    <p:sldId id="261" r:id="rId7"/>
+    <p:sldId id="262" r:id="rId8"/>
+    <p:sldId id="263" r:id="rId9"/>
   </p:sldIdLst>
-  <p:sldSz cy="6858000" cx="12192000"/>
+  <p:sldSz cx="12192000" cy="6858000"/>
   <p:notesSz cx="6858000" cy="9144000"/>
   <p:embeddedFontLst>
     <p:embeddedFont>
-      <p:font typeface="Gill Sans"/>
+      <p:font typeface="Gill Sans" panose="020B0604020202020204" charset="0"/>
+      <p:regular r:id="rId11"/>
+      <p:bold r:id="rId12"/>
+    </p:embeddedFont>
+    <p:embeddedFont>
+      <p:font typeface="Impact" panose="020B0806030902050204" pitchFamily="34" charset="0"/>
       <p:regular r:id="rId13"/>
-      <p:bold r:id="rId14"/>
     </p:embeddedFont>
   </p:embeddedFontLst>
   <p:defaultTextStyle>
-    <a:defPPr lvl="0" marR="0" rtl="0" algn="l">
+    <a:defPPr marR="0" lvl="0" algn="l" rtl="0">
       <a:lnSpc>
         <a:spcPct val="100000"/>
       </a:lnSpc>
@@ -38,7 +42,7 @@
         <a:spcPts val="0"/>
       </a:spcAft>
     </a:defPPr>
-    <a:lvl1pPr lvl="0" marR="0" rtl="0" algn="l">
+    <a:lvl1pPr marR="0" lvl="0" algn="l" rtl="0">
       <a:lnSpc>
         <a:spcPct val="100000"/>
       </a:lnSpc>
@@ -52,7 +56,7 @@
         <a:srgbClr val="000000"/>
       </a:buClr>
       <a:buFont typeface="Arial"/>
-      <a:defRPr b="0" i="0" sz="1400" u="none" cap="none" strike="noStrike">
+      <a:defRPr sz="1400" b="0" i="0" u="none" strike="noStrike" cap="none">
         <a:solidFill>
           <a:srgbClr val="000000"/>
         </a:solidFill>
@@ -62,7 +66,7 @@
         <a:sym typeface="Arial"/>
       </a:defRPr>
     </a:lvl1pPr>
-    <a:lvl2pPr lvl="1" marR="0" rtl="0" algn="l">
+    <a:lvl2pPr marR="0" lvl="1" algn="l" rtl="0">
       <a:lnSpc>
         <a:spcPct val="100000"/>
       </a:lnSpc>
@@ -76,7 +80,7 @@
         <a:srgbClr val="000000"/>
       </a:buClr>
       <a:buFont typeface="Arial"/>
-      <a:defRPr b="0" i="0" sz="1400" u="none" cap="none" strike="noStrike">
+      <a:defRPr sz="1400" b="0" i="0" u="none" strike="noStrike" cap="none">
         <a:solidFill>
           <a:srgbClr val="000000"/>
         </a:solidFill>
@@ -86,7 +90,7 @@
         <a:sym typeface="Arial"/>
       </a:defRPr>
     </a:lvl2pPr>
-    <a:lvl3pPr lvl="2" marR="0" rtl="0" algn="l">
+    <a:lvl3pPr marR="0" lvl="2" algn="l" rtl="0">
       <a:lnSpc>
         <a:spcPct val="100000"/>
       </a:lnSpc>
@@ -100,7 +104,7 @@
         <a:srgbClr val="000000"/>
       </a:buClr>
       <a:buFont typeface="Arial"/>
-      <a:defRPr b="0" i="0" sz="1400" u="none" cap="none" strike="noStrike">
+      <a:defRPr sz="1400" b="0" i="0" u="none" strike="noStrike" cap="none">
         <a:solidFill>
           <a:srgbClr val="000000"/>
         </a:solidFill>
@@ -110,7 +114,7 @@
         <a:sym typeface="Arial"/>
       </a:defRPr>
     </a:lvl3pPr>
-    <a:lvl4pPr lvl="3" marR="0" rtl="0" algn="l">
+    <a:lvl4pPr marR="0" lvl="3" algn="l" rtl="0">
       <a:lnSpc>
         <a:spcPct val="100000"/>
       </a:lnSpc>
@@ -124,7 +128,7 @@
         <a:srgbClr val="000000"/>
       </a:buClr>
       <a:buFont typeface="Arial"/>
-      <a:defRPr b="0" i="0" sz="1400" u="none" cap="none" strike="noStrike">
+      <a:defRPr sz="1400" b="0" i="0" u="none" strike="noStrike" cap="none">
         <a:solidFill>
           <a:srgbClr val="000000"/>
         </a:solidFill>
@@ -134,7 +138,7 @@
         <a:sym typeface="Arial"/>
       </a:defRPr>
     </a:lvl4pPr>
-    <a:lvl5pPr lvl="4" marR="0" rtl="0" algn="l">
+    <a:lvl5pPr marR="0" lvl="4" algn="l" rtl="0">
       <a:lnSpc>
         <a:spcPct val="100000"/>
       </a:lnSpc>
@@ -148,7 +152,7 @@
         <a:srgbClr val="000000"/>
       </a:buClr>
       <a:buFont typeface="Arial"/>
-      <a:defRPr b="0" i="0" sz="1400" u="none" cap="none" strike="noStrike">
+      <a:defRPr sz="1400" b="0" i="0" u="none" strike="noStrike" cap="none">
         <a:solidFill>
           <a:srgbClr val="000000"/>
         </a:solidFill>
@@ -158,7 +162,7 @@
         <a:sym typeface="Arial"/>
       </a:defRPr>
     </a:lvl5pPr>
-    <a:lvl6pPr lvl="5" marR="0" rtl="0" algn="l">
+    <a:lvl6pPr marR="0" lvl="5" algn="l" rtl="0">
       <a:lnSpc>
         <a:spcPct val="100000"/>
       </a:lnSpc>
@@ -172,7 +176,7 @@
         <a:srgbClr val="000000"/>
       </a:buClr>
       <a:buFont typeface="Arial"/>
-      <a:defRPr b="0" i="0" sz="1400" u="none" cap="none" strike="noStrike">
+      <a:defRPr sz="1400" b="0" i="0" u="none" strike="noStrike" cap="none">
         <a:solidFill>
           <a:srgbClr val="000000"/>
         </a:solidFill>
@@ -182,7 +186,7 @@
         <a:sym typeface="Arial"/>
       </a:defRPr>
     </a:lvl6pPr>
-    <a:lvl7pPr lvl="6" marR="0" rtl="0" algn="l">
+    <a:lvl7pPr marR="0" lvl="6" algn="l" rtl="0">
       <a:lnSpc>
         <a:spcPct val="100000"/>
       </a:lnSpc>
@@ -196,7 +200,7 @@
         <a:srgbClr val="000000"/>
       </a:buClr>
       <a:buFont typeface="Arial"/>
-      <a:defRPr b="0" i="0" sz="1400" u="none" cap="none" strike="noStrike">
+      <a:defRPr sz="1400" b="0" i="0" u="none" strike="noStrike" cap="none">
         <a:solidFill>
           <a:srgbClr val="000000"/>
         </a:solidFill>
@@ -206,7 +210,7 @@
         <a:sym typeface="Arial"/>
       </a:defRPr>
     </a:lvl7pPr>
-    <a:lvl8pPr lvl="7" marR="0" rtl="0" algn="l">
+    <a:lvl8pPr marR="0" lvl="7" algn="l" rtl="0">
       <a:lnSpc>
         <a:spcPct val="100000"/>
       </a:lnSpc>
@@ -220,7 +224,7 @@
         <a:srgbClr val="000000"/>
       </a:buClr>
       <a:buFont typeface="Arial"/>
-      <a:defRPr b="0" i="0" sz="1400" u="none" cap="none" strike="noStrike">
+      <a:defRPr sz="1400" b="0" i="0" u="none" strike="noStrike" cap="none">
         <a:solidFill>
           <a:srgbClr val="000000"/>
         </a:solidFill>
@@ -230,7 +234,7 @@
         <a:sym typeface="Arial"/>
       </a:defRPr>
     </a:lvl8pPr>
-    <a:lvl9pPr lvl="8" marR="0" rtl="0" algn="l">
+    <a:lvl9pPr marR="0" lvl="8" algn="l" rtl="0">
       <a:lnSpc>
         <a:spcPct val="100000"/>
       </a:lnSpc>
@@ -244,7 +248,7 @@
         <a:srgbClr val="000000"/>
       </a:buClr>
       <a:buFont typeface="Arial"/>
-      <a:defRPr b="0" i="0" sz="1400" u="none" cap="none" strike="noStrike">
+      <a:defRPr sz="1400" b="0" i="0" u="none" strike="noStrike" cap="none">
         <a:solidFill>
           <a:srgbClr val="000000"/>
         </a:solidFill>
@@ -257,18 +261,23 @@
   </p:defaultTextStyle>
   <p:extLst>
     <p:ext uri="http://customooxmlschemas.google.com/">
-      <go:slidesCustomData xmlns:go="http://customooxmlschemas.google.com/" r:id="rId15" roundtripDataSignature="AMtx7mgvbT2buEx5iWy6Fjj57lzKVqGT1w=="/>
+      <go:slidesCustomData xmlns:go="http://customooxmlschemas.google.com/" xmlns:p15="http://schemas.microsoft.com/office/powerpoint/2012/main" xmlns:p14="http://schemas.microsoft.com/office/powerpoint/2010/main" xmlns:com="http://schemas.openxmlformats.org/drawingml/2006/compatibility" xmlns:pvml="urn:schemas-microsoft-com:office:powerpoint" xmlns:v="urn:schemas-microsoft-com:vml" xmlns:o="urn:schemas-microsoft-com:office:office" xmlns:dgm="http://schemas.openxmlformats.org/drawingml/2006/diagram" xmlns:c="http://schemas.openxmlformats.org/drawingml/2006/chart" xmlns:mv="urn:schemas-microsoft-com:mac:vml" xmlns:mc="http://schemas.openxmlformats.org/markup-compatibility/2006" xmlns="" r:id="rId15" roundtripDataSignature="AMtx7mgvbT2buEx5iWy6Fjj57lzKVqGT1w=="/>
     </p:ext>
   </p:extLst>
 </p:presentation>
 </file>
 
 <file path=ppt/notesMasters/notesMaster1.xml><?xml version="1.0" encoding="utf-8"?>
-<p:notesMaster xmlns:a="http://schemas.openxmlformats.org/drawingml/2006/main" xmlns:r="http://schemas.openxmlformats.org/officeDocument/2006/relationships" xmlns:mc="http://schemas.openxmlformats.org/markup-compatibility/2006" xmlns:mv="urn:schemas-microsoft-com:mac:vml" xmlns:p="http://schemas.openxmlformats.org/presentationml/2006/main" xmlns:c="http://schemas.openxmlformats.org/drawingml/2006/chart" xmlns:dgm="http://schemas.openxmlformats.org/drawingml/2006/diagram" xmlns:o="urn:schemas-microsoft-com:office:office" xmlns:v="urn:schemas-microsoft-com:vml" xmlns:pvml="urn:schemas-microsoft-com:office:powerpoint" xmlns:com="http://schemas.openxmlformats.org/drawingml/2006/compatibility" xmlns:p14="http://schemas.microsoft.com/office/powerpoint/2010/main" xmlns:p15="http://schemas.microsoft.com/office/powerpoint/2012/main">
+<p:notesMaster xmlns:a="http://schemas.openxmlformats.org/drawingml/2006/main" xmlns:r="http://schemas.openxmlformats.org/officeDocument/2006/relationships" xmlns:p="http://schemas.openxmlformats.org/presentationml/2006/main">
   <p:cSld>
+    <p:bg>
+      <p:bgRef idx="1001">
+        <a:schemeClr val="bg1"/>
+      </p:bgRef>
+    </p:bg>
     <p:spTree>
       <p:nvGrpSpPr>
-        <p:cNvPr id="2" name="Shape 2"/>
+        <p:cNvPr id="1" name="Shape 2"/>
         <p:cNvGrpSpPr/>
         <p:nvPr/>
       </p:nvGrpSpPr>
@@ -283,9 +292,11 @@
       <p:sp>
         <p:nvSpPr>
           <p:cNvPr id="3" name="Google Shape;3;n"/>
-          <p:cNvSpPr/>
+          <p:cNvSpPr>
+            <a:spLocks noGrp="1" noRot="1" noChangeAspect="1"/>
+          </p:cNvSpPr>
           <p:nvPr>
-            <p:ph idx="2" type="sldImg"/>
+            <p:ph type="sldImg" idx="2"/>
           </p:nvPr>
         </p:nvSpPr>
         <p:spPr>
@@ -294,9 +305,13 @@
             <a:ext cx="4572225" cy="3429000"/>
           </a:xfrm>
           <a:custGeom>
-            <a:rect b="b" l="l" r="r" t="t"/>
+            <a:avLst/>
+            <a:gdLst/>
+            <a:ahLst/>
+            <a:cxnLst/>
+            <a:rect l="l" t="t" r="r" b="b"/>
             <a:pathLst>
-              <a:path extrusionOk="0" h="120000" w="120000">
+              <a:path w="120000" h="120000" extrusionOk="0">
                 <a:moveTo>
                   <a:pt x="0" y="0"/>
                 </a:moveTo>
@@ -314,23 +329,25 @@
             </a:pathLst>
           </a:custGeom>
           <a:noFill/>
-          <a:ln cap="flat" cmpd="sng" w="9525">
+          <a:ln w="9525" cap="flat" cmpd="sng">
             <a:solidFill>
               <a:srgbClr val="000000"/>
             </a:solidFill>
             <a:prstDash val="solid"/>
             <a:round/>
-            <a:headEnd len="sm" w="sm" type="none"/>
-            <a:tailEnd len="sm" w="sm" type="none"/>
+            <a:headEnd type="none" w="sm" len="sm"/>
+            <a:tailEnd type="none" w="sm" len="sm"/>
           </a:ln>
         </p:spPr>
       </p:sp>
       <p:sp>
         <p:nvSpPr>
           <p:cNvPr id="4" name="Google Shape;4;n"/>
-          <p:cNvSpPr txBox="1"/>
+          <p:cNvSpPr txBox="1">
+            <a:spLocks noGrp="1"/>
+          </p:cNvSpPr>
           <p:nvPr>
-            <p:ph idx="1" type="body"/>
+            <p:ph type="body" idx="1"/>
           </p:nvPr>
         </p:nvSpPr>
         <p:spPr>
@@ -347,11 +364,11 @@
           </a:ln>
         </p:spPr>
         <p:txBody>
-          <a:bodyPr anchorCtr="0" anchor="t" bIns="91425" lIns="91425" spcFirstLastPara="1" rIns="91425" wrap="square" tIns="91425">
+          <a:bodyPr spcFirstLastPara="1" wrap="square" lIns="91425" tIns="91425" rIns="91425" bIns="91425" anchor="t" anchorCtr="0">
             <a:noAutofit/>
           </a:bodyPr>
           <a:lstStyle>
-            <a:lvl1pPr indent="-298450" lvl="0" marL="457200">
+            <a:lvl1pPr marL="457200" lvl="0" indent="-298450">
               <a:spcBef>
                 <a:spcPts val="0"/>
               </a:spcBef>
@@ -362,7 +379,7 @@
               <a:buChar char="●"/>
               <a:defRPr sz="1100"/>
             </a:lvl1pPr>
-            <a:lvl2pPr indent="-298450" lvl="1" marL="914400">
+            <a:lvl2pPr marL="914400" lvl="1" indent="-298450">
               <a:spcBef>
                 <a:spcPts val="0"/>
               </a:spcBef>
@@ -373,7 +390,7 @@
               <a:buChar char="○"/>
               <a:defRPr sz="1100"/>
             </a:lvl2pPr>
-            <a:lvl3pPr indent="-298450" lvl="2" marL="1371600">
+            <a:lvl3pPr marL="1371600" lvl="2" indent="-298450">
               <a:spcBef>
                 <a:spcPts val="0"/>
               </a:spcBef>
@@ -384,7 +401,7 @@
               <a:buChar char="■"/>
               <a:defRPr sz="1100"/>
             </a:lvl3pPr>
-            <a:lvl4pPr indent="-298450" lvl="3" marL="1828800">
+            <a:lvl4pPr marL="1828800" lvl="3" indent="-298450">
               <a:spcBef>
                 <a:spcPts val="0"/>
               </a:spcBef>
@@ -395,7 +412,7 @@
               <a:buChar char="●"/>
               <a:defRPr sz="1100"/>
             </a:lvl4pPr>
-            <a:lvl5pPr indent="-298450" lvl="4" marL="2286000">
+            <a:lvl5pPr marL="2286000" lvl="4" indent="-298450">
               <a:spcBef>
                 <a:spcPts val="0"/>
               </a:spcBef>
@@ -406,7 +423,7 @@
               <a:buChar char="○"/>
               <a:defRPr sz="1100"/>
             </a:lvl5pPr>
-            <a:lvl6pPr indent="-298450" lvl="5" marL="2743200">
+            <a:lvl6pPr marL="2743200" lvl="5" indent="-298450">
               <a:spcBef>
                 <a:spcPts val="0"/>
               </a:spcBef>
@@ -417,7 +434,7 @@
               <a:buChar char="■"/>
               <a:defRPr sz="1100"/>
             </a:lvl6pPr>
-            <a:lvl7pPr indent="-298450" lvl="6" marL="3200400">
+            <a:lvl7pPr marL="3200400" lvl="6" indent="-298450">
               <a:spcBef>
                 <a:spcPts val="0"/>
               </a:spcBef>
@@ -428,7 +445,7 @@
               <a:buChar char="●"/>
               <a:defRPr sz="1100"/>
             </a:lvl7pPr>
-            <a:lvl8pPr indent="-298450" lvl="7" marL="3657600">
+            <a:lvl8pPr marL="3657600" lvl="7" indent="-298450">
               <a:spcBef>
                 <a:spcPts val="0"/>
               </a:spcBef>
@@ -439,7 +456,7 @@
               <a:buChar char="○"/>
               <a:defRPr sz="1100"/>
             </a:lvl8pPr>
-            <a:lvl9pPr indent="-298450" lvl="8" marL="4114800">
+            <a:lvl9pPr marL="4114800" lvl="8" indent="-298450">
               <a:spcBef>
                 <a:spcPts val="0"/>
               </a:spcBef>
@@ -451,14 +468,21 @@
               <a:defRPr sz="1100"/>
             </a:lvl9pPr>
           </a:lstStyle>
-          <a:p/>
+          <a:p>
+            <a:endParaRPr/>
+          </a:p>
         </p:txBody>
       </p:sp>
     </p:spTree>
+    <p:extLst>
+      <p:ext uri="{BB962C8B-B14F-4D97-AF65-F5344CB8AC3E}">
+        <p14:creationId xmlns:p14="http://schemas.microsoft.com/office/powerpoint/2010/main" val="4024958245"/>
+      </p:ext>
+    </p:extLst>
   </p:cSld>
-  <p:clrMap accent1="accent1" accent2="accent2" accent3="accent3" accent4="accent4" accent5="accent5" accent6="accent6" bg1="lt1" bg2="dk2" tx1="dk1" tx2="lt2" folHlink="folHlink" hlink="hlink"/>
+  <p:clrMap bg1="lt1" tx1="dk1" bg2="dk2" tx2="lt2" accent1="accent1" accent2="accent2" accent3="accent3" accent4="accent4" accent5="accent5" accent6="accent6" hlink="hlink" folHlink="folHlink"/>
   <p:notesStyle>
-    <a:defPPr lvl="0" marR="0" rtl="0" algn="l">
+    <a:defPPr marR="0" lvl="0" algn="l" rtl="0">
       <a:lnSpc>
         <a:spcPct val="100000"/>
       </a:lnSpc>
@@ -469,7 +493,7 @@
         <a:spcPts val="0"/>
       </a:spcAft>
     </a:defPPr>
-    <a:lvl1pPr lvl="0" marR="0" rtl="0" algn="l">
+    <a:lvl1pPr marR="0" lvl="0" algn="l" rtl="0">
       <a:lnSpc>
         <a:spcPct val="100000"/>
       </a:lnSpc>
@@ -483,7 +507,7 @@
         <a:srgbClr val="000000"/>
       </a:buClr>
       <a:buFont typeface="Arial"/>
-      <a:defRPr b="0" i="0" sz="1400" u="none" cap="none" strike="noStrike">
+      <a:defRPr sz="1400" b="0" i="0" u="none" strike="noStrike" cap="none">
         <a:solidFill>
           <a:srgbClr val="000000"/>
         </a:solidFill>
@@ -493,7 +517,7 @@
         <a:sym typeface="Arial"/>
       </a:defRPr>
     </a:lvl1pPr>
-    <a:lvl2pPr lvl="1" marR="0" rtl="0" algn="l">
+    <a:lvl2pPr marR="0" lvl="1" algn="l" rtl="0">
       <a:lnSpc>
         <a:spcPct val="100000"/>
       </a:lnSpc>
@@ -507,7 +531,7 @@
         <a:srgbClr val="000000"/>
       </a:buClr>
       <a:buFont typeface="Arial"/>
-      <a:defRPr b="0" i="0" sz="1400" u="none" cap="none" strike="noStrike">
+      <a:defRPr sz="1400" b="0" i="0" u="none" strike="noStrike" cap="none">
         <a:solidFill>
           <a:srgbClr val="000000"/>
         </a:solidFill>
@@ -517,7 +541,7 @@
         <a:sym typeface="Arial"/>
       </a:defRPr>
     </a:lvl2pPr>
-    <a:lvl3pPr lvl="2" marR="0" rtl="0" algn="l">
+    <a:lvl3pPr marR="0" lvl="2" algn="l" rtl="0">
       <a:lnSpc>
         <a:spcPct val="100000"/>
       </a:lnSpc>
@@ -531,7 +555,7 @@
         <a:srgbClr val="000000"/>
       </a:buClr>
       <a:buFont typeface="Arial"/>
-      <a:defRPr b="0" i="0" sz="1400" u="none" cap="none" strike="noStrike">
+      <a:defRPr sz="1400" b="0" i="0" u="none" strike="noStrike" cap="none">
         <a:solidFill>
           <a:srgbClr val="000000"/>
         </a:solidFill>
@@ -541,7 +565,7 @@
         <a:sym typeface="Arial"/>
       </a:defRPr>
     </a:lvl3pPr>
-    <a:lvl4pPr lvl="3" marR="0" rtl="0" algn="l">
+    <a:lvl4pPr marR="0" lvl="3" algn="l" rtl="0">
       <a:lnSpc>
         <a:spcPct val="100000"/>
       </a:lnSpc>
@@ -555,7 +579,7 @@
         <a:srgbClr val="000000"/>
       </a:buClr>
       <a:buFont typeface="Arial"/>
-      <a:defRPr b="0" i="0" sz="1400" u="none" cap="none" strike="noStrike">
+      <a:defRPr sz="1400" b="0" i="0" u="none" strike="noStrike" cap="none">
         <a:solidFill>
           <a:srgbClr val="000000"/>
         </a:solidFill>
@@ -565,7 +589,7 @@
         <a:sym typeface="Arial"/>
       </a:defRPr>
     </a:lvl4pPr>
-    <a:lvl5pPr lvl="4" marR="0" rtl="0" algn="l">
+    <a:lvl5pPr marR="0" lvl="4" algn="l" rtl="0">
       <a:lnSpc>
         <a:spcPct val="100000"/>
       </a:lnSpc>
@@ -579,7 +603,7 @@
         <a:srgbClr val="000000"/>
       </a:buClr>
       <a:buFont typeface="Arial"/>
-      <a:defRPr b="0" i="0" sz="1400" u="none" cap="none" strike="noStrike">
+      <a:defRPr sz="1400" b="0" i="0" u="none" strike="noStrike" cap="none">
         <a:solidFill>
           <a:srgbClr val="000000"/>
         </a:solidFill>
@@ -589,7 +613,7 @@
         <a:sym typeface="Arial"/>
       </a:defRPr>
     </a:lvl5pPr>
-    <a:lvl6pPr lvl="5" marR="0" rtl="0" algn="l">
+    <a:lvl6pPr marR="0" lvl="5" algn="l" rtl="0">
       <a:lnSpc>
         <a:spcPct val="100000"/>
       </a:lnSpc>
@@ -603,7 +627,7 @@
         <a:srgbClr val="000000"/>
       </a:buClr>
       <a:buFont typeface="Arial"/>
-      <a:defRPr b="0" i="0" sz="1400" u="none" cap="none" strike="noStrike">
+      <a:defRPr sz="1400" b="0" i="0" u="none" strike="noStrike" cap="none">
         <a:solidFill>
           <a:srgbClr val="000000"/>
         </a:solidFill>
@@ -613,7 +637,7 @@
         <a:sym typeface="Arial"/>
       </a:defRPr>
     </a:lvl6pPr>
-    <a:lvl7pPr lvl="6" marR="0" rtl="0" algn="l">
+    <a:lvl7pPr marR="0" lvl="6" algn="l" rtl="0">
       <a:lnSpc>
         <a:spcPct val="100000"/>
       </a:lnSpc>
@@ -627,7 +651,7 @@
         <a:srgbClr val="000000"/>
       </a:buClr>
       <a:buFont typeface="Arial"/>
-      <a:defRPr b="0" i="0" sz="1400" u="none" cap="none" strike="noStrike">
+      <a:defRPr sz="1400" b="0" i="0" u="none" strike="noStrike" cap="none">
         <a:solidFill>
           <a:srgbClr val="000000"/>
         </a:solidFill>
@@ -637,7 +661,7 @@
         <a:sym typeface="Arial"/>
       </a:defRPr>
     </a:lvl7pPr>
-    <a:lvl8pPr lvl="7" marR="0" rtl="0" algn="l">
+    <a:lvl8pPr marR="0" lvl="7" algn="l" rtl="0">
       <a:lnSpc>
         <a:spcPct val="100000"/>
       </a:lnSpc>
@@ -651,7 +675,7 @@
         <a:srgbClr val="000000"/>
       </a:buClr>
       <a:buFont typeface="Arial"/>
-      <a:defRPr b="0" i="0" sz="1400" u="none" cap="none" strike="noStrike">
+      <a:defRPr sz="1400" b="0" i="0" u="none" strike="noStrike" cap="none">
         <a:solidFill>
           <a:srgbClr val="000000"/>
         </a:solidFill>
@@ -661,7 +685,7 @@
         <a:sym typeface="Arial"/>
       </a:defRPr>
     </a:lvl8pPr>
-    <a:lvl9pPr lvl="8" marR="0" rtl="0" algn="l">
+    <a:lvl9pPr marR="0" lvl="8" algn="l" rtl="0">
       <a:lnSpc>
         <a:spcPct val="100000"/>
       </a:lnSpc>
@@ -675,7 +699,7 @@
         <a:srgbClr val="000000"/>
       </a:buClr>
       <a:buFont typeface="Arial"/>
-      <a:defRPr b="0" i="0" sz="1400" u="none" cap="none" strike="noStrike">
+      <a:defRPr sz="1400" b="0" i="0" u="none" strike="noStrike" cap="none">
         <a:solidFill>
           <a:srgbClr val="000000"/>
         </a:solidFill>
@@ -690,11 +714,11 @@
 </file>
 
 <file path=ppt/notesSlides/notesSlide1.xml><?xml version="1.0" encoding="utf-8"?>
-<p:notes xmlns:a="http://schemas.openxmlformats.org/drawingml/2006/main" xmlns:r="http://schemas.openxmlformats.org/officeDocument/2006/relationships" xmlns:mc="http://schemas.openxmlformats.org/markup-compatibility/2006" xmlns:mv="urn:schemas-microsoft-com:mac:vml" xmlns:p="http://schemas.openxmlformats.org/presentationml/2006/main" xmlns:c="http://schemas.openxmlformats.org/drawingml/2006/chart" xmlns:dgm="http://schemas.openxmlformats.org/drawingml/2006/diagram" xmlns:o="urn:schemas-microsoft-com:office:office" xmlns:v="urn:schemas-microsoft-com:vml" xmlns:pvml="urn:schemas-microsoft-com:office:powerpoint" xmlns:com="http://schemas.openxmlformats.org/drawingml/2006/compatibility" xmlns:p14="http://schemas.microsoft.com/office/powerpoint/2010/main" xmlns:p15="http://schemas.microsoft.com/office/powerpoint/2012/main" showMasterPhAnim="0" showMasterSp="0">
+<p:notes xmlns:a="http://schemas.openxmlformats.org/drawingml/2006/main" xmlns:r="http://schemas.openxmlformats.org/officeDocument/2006/relationships" xmlns:p="http://schemas.openxmlformats.org/presentationml/2006/main" showMasterSp="0" showMasterPhAnim="0">
   <p:cSld>
     <p:spTree>
       <p:nvGrpSpPr>
-        <p:cNvPr id="91" name="Shape 91"/>
+        <p:cNvPr id="1" name="Shape 91"/>
         <p:cNvGrpSpPr/>
         <p:nvPr/>
       </p:nvGrpSpPr>
@@ -709,9 +733,11 @@
       <p:sp>
         <p:nvSpPr>
           <p:cNvPr id="92" name="Google Shape;92;p1:notes"/>
-          <p:cNvSpPr txBox="1"/>
+          <p:cNvSpPr txBox="1">
+            <a:spLocks noGrp="1"/>
+          </p:cNvSpPr>
           <p:nvPr>
-            <p:ph idx="1" type="body"/>
+            <p:ph type="body" idx="1"/>
           </p:nvPr>
         </p:nvSpPr>
         <p:spPr>
@@ -724,12 +750,12 @@
           </a:prstGeom>
         </p:spPr>
         <p:txBody>
-          <a:bodyPr anchorCtr="0" anchor="t" bIns="91425" lIns="91425" spcFirstLastPara="1" rIns="91425" wrap="square" tIns="91425">
+          <a:bodyPr spcFirstLastPara="1" wrap="square" lIns="91425" tIns="91425" rIns="91425" bIns="91425" anchor="t" anchorCtr="0">
             <a:noAutofit/>
           </a:bodyPr>
           <a:lstStyle/>
           <a:p>
-            <a:pPr indent="0" lvl="0" marL="0" rtl="0" algn="l">
+            <a:pPr marL="0" lvl="0" indent="0" algn="l" rtl="0">
               <a:spcBef>
                 <a:spcPts val="0"/>
               </a:spcBef>
@@ -738,30 +764,33 @@
               </a:spcAft>
               <a:buNone/>
             </a:pPr>
-            <a:r>
-              <a:t/>
-            </a:r>
-            <a:endParaRPr/>
+            <a:endParaRPr dirty="0"/>
           </a:p>
         </p:txBody>
       </p:sp>
       <p:sp>
         <p:nvSpPr>
           <p:cNvPr id="93" name="Google Shape;93;p1:notes"/>
-          <p:cNvSpPr/>
+          <p:cNvSpPr>
+            <a:spLocks noGrp="1" noRot="1" noChangeAspect="1"/>
+          </p:cNvSpPr>
           <p:nvPr>
-            <p:ph idx="2" type="sldImg"/>
+            <p:ph type="sldImg" idx="2"/>
           </p:nvPr>
         </p:nvSpPr>
         <p:spPr>
           <a:xfrm>
-            <a:off x="1143225" y="685800"/>
-            <a:ext cx="4572225" cy="3429000"/>
+            <a:off x="381000" y="685800"/>
+            <a:ext cx="6096000" cy="3429000"/>
           </a:xfrm>
           <a:custGeom>
-            <a:rect b="b" l="l" r="r" t="t"/>
+            <a:avLst/>
+            <a:gdLst/>
+            <a:ahLst/>
+            <a:cxnLst/>
+            <a:rect l="l" t="t" r="r" b="b"/>
             <a:pathLst>
-              <a:path extrusionOk="0" h="120000" w="120000">
+              <a:path w="120000" h="120000" extrusionOk="0">
                 <a:moveTo>
                   <a:pt x="0" y="0"/>
                 </a:moveTo>
@@ -781,6 +810,11 @@
         </p:spPr>
       </p:sp>
     </p:spTree>
+    <p:extLst>
+      <p:ext uri="{BB962C8B-B14F-4D97-AF65-F5344CB8AC3E}">
+        <p14:creationId xmlns:p14="http://schemas.microsoft.com/office/powerpoint/2010/main" val="1490532960"/>
+      </p:ext>
+    </p:extLst>
   </p:cSld>
   <p:clrMapOvr>
     <a:masterClrMapping/>
@@ -789,11 +823,11 @@
 </file>
 
 <file path=ppt/notesSlides/notesSlide2.xml><?xml version="1.0" encoding="utf-8"?>
-<p:notes xmlns:a="http://schemas.openxmlformats.org/drawingml/2006/main" xmlns:r="http://schemas.openxmlformats.org/officeDocument/2006/relationships" xmlns:mc="http://schemas.openxmlformats.org/markup-compatibility/2006" xmlns:mv="urn:schemas-microsoft-com:mac:vml" xmlns:p="http://schemas.openxmlformats.org/presentationml/2006/main" xmlns:c="http://schemas.openxmlformats.org/drawingml/2006/chart" xmlns:dgm="http://schemas.openxmlformats.org/drawingml/2006/diagram" xmlns:o="urn:schemas-microsoft-com:office:office" xmlns:v="urn:schemas-microsoft-com:vml" xmlns:pvml="urn:schemas-microsoft-com:office:powerpoint" xmlns:com="http://schemas.openxmlformats.org/drawingml/2006/compatibility" xmlns:p14="http://schemas.microsoft.com/office/powerpoint/2010/main" xmlns:p15="http://schemas.microsoft.com/office/powerpoint/2012/main" showMasterPhAnim="0" showMasterSp="0">
+<p:notes xmlns:a="http://schemas.openxmlformats.org/drawingml/2006/main" xmlns:r="http://schemas.openxmlformats.org/officeDocument/2006/relationships" xmlns:p="http://schemas.openxmlformats.org/presentationml/2006/main" showMasterSp="0" showMasterPhAnim="0">
   <p:cSld>
     <p:spTree>
       <p:nvGrpSpPr>
-        <p:cNvPr id="98" name="Shape 98"/>
+        <p:cNvPr id="1" name="Shape 98"/>
         <p:cNvGrpSpPr/>
         <p:nvPr/>
       </p:nvGrpSpPr>
@@ -808,9 +842,11 @@
       <p:sp>
         <p:nvSpPr>
           <p:cNvPr id="99" name="Google Shape;99;p2:notes"/>
-          <p:cNvSpPr txBox="1"/>
+          <p:cNvSpPr txBox="1">
+            <a:spLocks noGrp="1"/>
+          </p:cNvSpPr>
           <p:nvPr>
-            <p:ph idx="1" type="body"/>
+            <p:ph type="body" idx="1"/>
           </p:nvPr>
         </p:nvSpPr>
         <p:spPr>
@@ -823,12 +859,12 @@
           </a:prstGeom>
         </p:spPr>
         <p:txBody>
-          <a:bodyPr anchorCtr="0" anchor="t" bIns="91425" lIns="91425" spcFirstLastPara="1" rIns="91425" wrap="square" tIns="91425">
+          <a:bodyPr spcFirstLastPara="1" wrap="square" lIns="91425" tIns="91425" rIns="91425" bIns="91425" anchor="t" anchorCtr="0">
             <a:noAutofit/>
           </a:bodyPr>
           <a:lstStyle/>
           <a:p>
-            <a:pPr indent="0" lvl="0" marL="0" rtl="0" algn="l">
+            <a:pPr marL="0" lvl="0" indent="0" algn="l" rtl="0">
               <a:spcBef>
                 <a:spcPts val="0"/>
               </a:spcBef>
@@ -837,30 +873,33 @@
               </a:spcAft>
               <a:buNone/>
             </a:pPr>
-            <a:r>
-              <a:t/>
-            </a:r>
-            <a:endParaRPr/>
+            <a:endParaRPr dirty="0"/>
           </a:p>
         </p:txBody>
       </p:sp>
       <p:sp>
         <p:nvSpPr>
           <p:cNvPr id="100" name="Google Shape;100;p2:notes"/>
-          <p:cNvSpPr/>
+          <p:cNvSpPr>
+            <a:spLocks noGrp="1" noRot="1" noChangeAspect="1"/>
+          </p:cNvSpPr>
           <p:nvPr>
-            <p:ph idx="2" type="sldImg"/>
+            <p:ph type="sldImg" idx="2"/>
           </p:nvPr>
         </p:nvSpPr>
         <p:spPr>
           <a:xfrm>
-            <a:off x="1143225" y="685800"/>
-            <a:ext cx="4572225" cy="3429000"/>
+            <a:off x="381000" y="685800"/>
+            <a:ext cx="6096000" cy="3429000"/>
           </a:xfrm>
           <a:custGeom>
-            <a:rect b="b" l="l" r="r" t="t"/>
+            <a:avLst/>
+            <a:gdLst/>
+            <a:ahLst/>
+            <a:cxnLst/>
+            <a:rect l="l" t="t" r="r" b="b"/>
             <a:pathLst>
-              <a:path extrusionOk="0" h="120000" w="120000">
+              <a:path w="120000" h="120000" extrusionOk="0">
                 <a:moveTo>
                   <a:pt x="0" y="0"/>
                 </a:moveTo>
@@ -880,6 +919,11 @@
         </p:spPr>
       </p:sp>
     </p:spTree>
+    <p:extLst>
+      <p:ext uri="{BB962C8B-B14F-4D97-AF65-F5344CB8AC3E}">
+        <p14:creationId xmlns:p14="http://schemas.microsoft.com/office/powerpoint/2010/main" val="159579977"/>
+      </p:ext>
+    </p:extLst>
   </p:cSld>
   <p:clrMapOvr>
     <a:masterClrMapping/>
@@ -888,11 +932,11 @@
 </file>
 
 <file path=ppt/notesSlides/notesSlide3.xml><?xml version="1.0" encoding="utf-8"?>
-<p:notes xmlns:a="http://schemas.openxmlformats.org/drawingml/2006/main" xmlns:r="http://schemas.openxmlformats.org/officeDocument/2006/relationships" xmlns:mc="http://schemas.openxmlformats.org/markup-compatibility/2006" xmlns:mv="urn:schemas-microsoft-com:mac:vml" xmlns:p="http://schemas.openxmlformats.org/presentationml/2006/main" xmlns:c="http://schemas.openxmlformats.org/drawingml/2006/chart" xmlns:dgm="http://schemas.openxmlformats.org/drawingml/2006/diagram" xmlns:o="urn:schemas-microsoft-com:office:office" xmlns:v="urn:schemas-microsoft-com:vml" xmlns:pvml="urn:schemas-microsoft-com:office:powerpoint" xmlns:com="http://schemas.openxmlformats.org/drawingml/2006/compatibility" xmlns:p14="http://schemas.microsoft.com/office/powerpoint/2010/main" xmlns:p15="http://schemas.microsoft.com/office/powerpoint/2012/main" showMasterPhAnim="0" showMasterSp="0">
+<p:notes xmlns:a="http://schemas.openxmlformats.org/drawingml/2006/main" xmlns:r="http://schemas.openxmlformats.org/officeDocument/2006/relationships" xmlns:p="http://schemas.openxmlformats.org/presentationml/2006/main" showMasterSp="0" showMasterPhAnim="0">
   <p:cSld>
     <p:spTree>
       <p:nvGrpSpPr>
-        <p:cNvPr id="104" name="Shape 104"/>
+        <p:cNvPr id="1" name="Shape 104"/>
         <p:cNvGrpSpPr/>
         <p:nvPr/>
       </p:nvGrpSpPr>
@@ -907,9 +951,11 @@
       <p:sp>
         <p:nvSpPr>
           <p:cNvPr id="105" name="Google Shape;105;p3:notes"/>
-          <p:cNvSpPr txBox="1"/>
+          <p:cNvSpPr txBox="1">
+            <a:spLocks noGrp="1"/>
+          </p:cNvSpPr>
           <p:nvPr>
-            <p:ph idx="1" type="body"/>
+            <p:ph type="body" idx="1"/>
           </p:nvPr>
         </p:nvSpPr>
         <p:spPr>
@@ -922,12 +968,12 @@
           </a:prstGeom>
         </p:spPr>
         <p:txBody>
-          <a:bodyPr anchorCtr="0" anchor="t" bIns="91425" lIns="91425" spcFirstLastPara="1" rIns="91425" wrap="square" tIns="91425">
+          <a:bodyPr spcFirstLastPara="1" wrap="square" lIns="91425" tIns="91425" rIns="91425" bIns="91425" anchor="t" anchorCtr="0">
             <a:noAutofit/>
           </a:bodyPr>
           <a:lstStyle/>
           <a:p>
-            <a:pPr indent="0" lvl="0" marL="0" rtl="0" algn="l">
+            <a:pPr marL="0" lvl="0" indent="0" algn="l" rtl="0">
               <a:spcBef>
                 <a:spcPts val="0"/>
               </a:spcBef>
@@ -936,30 +982,33 @@
               </a:spcAft>
               <a:buNone/>
             </a:pPr>
-            <a:r>
-              <a:t/>
-            </a:r>
-            <a:endParaRPr/>
+            <a:endParaRPr dirty="0"/>
           </a:p>
         </p:txBody>
       </p:sp>
       <p:sp>
         <p:nvSpPr>
           <p:cNvPr id="106" name="Google Shape;106;p3:notes"/>
-          <p:cNvSpPr/>
+          <p:cNvSpPr>
+            <a:spLocks noGrp="1" noRot="1" noChangeAspect="1"/>
+          </p:cNvSpPr>
           <p:nvPr>
-            <p:ph idx="2" type="sldImg"/>
+            <p:ph type="sldImg" idx="2"/>
           </p:nvPr>
         </p:nvSpPr>
         <p:spPr>
           <a:xfrm>
-            <a:off x="1143225" y="685800"/>
-            <a:ext cx="4572225" cy="3429000"/>
+            <a:off x="381000" y="685800"/>
+            <a:ext cx="6096000" cy="3429000"/>
           </a:xfrm>
           <a:custGeom>
-            <a:rect b="b" l="l" r="r" t="t"/>
+            <a:avLst/>
+            <a:gdLst/>
+            <a:ahLst/>
+            <a:cxnLst/>
+            <a:rect l="l" t="t" r="r" b="b"/>
             <a:pathLst>
-              <a:path extrusionOk="0" h="120000" w="120000">
+              <a:path w="120000" h="120000" extrusionOk="0">
                 <a:moveTo>
                   <a:pt x="0" y="0"/>
                 </a:moveTo>
@@ -979,6 +1028,11 @@
         </p:spPr>
       </p:sp>
     </p:spTree>
+    <p:extLst>
+      <p:ext uri="{BB962C8B-B14F-4D97-AF65-F5344CB8AC3E}">
+        <p14:creationId xmlns:p14="http://schemas.microsoft.com/office/powerpoint/2010/main" val="1731302537"/>
+      </p:ext>
+    </p:extLst>
   </p:cSld>
   <p:clrMapOvr>
     <a:masterClrMapping/>
@@ -987,11 +1041,11 @@
 </file>
 
 <file path=ppt/notesSlides/notesSlide4.xml><?xml version="1.0" encoding="utf-8"?>
-<p:notes xmlns:a="http://schemas.openxmlformats.org/drawingml/2006/main" xmlns:r="http://schemas.openxmlformats.org/officeDocument/2006/relationships" xmlns:mc="http://schemas.openxmlformats.org/markup-compatibility/2006" xmlns:mv="urn:schemas-microsoft-com:mac:vml" xmlns:p="http://schemas.openxmlformats.org/presentationml/2006/main" xmlns:c="http://schemas.openxmlformats.org/drawingml/2006/chart" xmlns:dgm="http://schemas.openxmlformats.org/drawingml/2006/diagram" xmlns:o="urn:schemas-microsoft-com:office:office" xmlns:v="urn:schemas-microsoft-com:vml" xmlns:pvml="urn:schemas-microsoft-com:office:powerpoint" xmlns:com="http://schemas.openxmlformats.org/drawingml/2006/compatibility" xmlns:p14="http://schemas.microsoft.com/office/powerpoint/2010/main" xmlns:p15="http://schemas.microsoft.com/office/powerpoint/2012/main" showMasterPhAnim="0" showMasterSp="0">
+<p:notes xmlns:a="http://schemas.openxmlformats.org/drawingml/2006/main" xmlns:r="http://schemas.openxmlformats.org/officeDocument/2006/relationships" xmlns:p="http://schemas.openxmlformats.org/presentationml/2006/main" showMasterSp="0" showMasterPhAnim="0">
   <p:cSld>
     <p:spTree>
       <p:nvGrpSpPr>
-        <p:cNvPr id="110" name="Shape 110"/>
+        <p:cNvPr id="1" name="Shape 110"/>
         <p:cNvGrpSpPr/>
         <p:nvPr/>
       </p:nvGrpSpPr>
@@ -1006,20 +1060,26 @@
       <p:sp>
         <p:nvSpPr>
           <p:cNvPr id="111" name="Google Shape;111;g7767cbbf3f_3_0:notes"/>
-          <p:cNvSpPr/>
+          <p:cNvSpPr>
+            <a:spLocks noGrp="1" noRot="1" noChangeAspect="1"/>
+          </p:cNvSpPr>
           <p:nvPr>
-            <p:ph idx="2" type="sldImg"/>
+            <p:ph type="sldImg" idx="2"/>
           </p:nvPr>
         </p:nvSpPr>
         <p:spPr>
           <a:xfrm>
-            <a:off x="1143225" y="685800"/>
-            <a:ext cx="4572300" cy="3429000"/>
+            <a:off x="381000" y="685800"/>
+            <a:ext cx="6096000" cy="3429000"/>
           </a:xfrm>
           <a:custGeom>
-            <a:rect b="b" l="l" r="r" t="t"/>
+            <a:avLst/>
+            <a:gdLst/>
+            <a:ahLst/>
+            <a:cxnLst/>
+            <a:rect l="l" t="t" r="r" b="b"/>
             <a:pathLst>
-              <a:path extrusionOk="0" h="120000" w="120000">
+              <a:path w="120000" h="120000" extrusionOk="0">
                 <a:moveTo>
                   <a:pt x="0" y="0"/>
                 </a:moveTo>
@@ -1041,9 +1101,11 @@
       <p:sp>
         <p:nvSpPr>
           <p:cNvPr id="112" name="Google Shape;112;g7767cbbf3f_3_0:notes"/>
-          <p:cNvSpPr txBox="1"/>
+          <p:cNvSpPr txBox="1">
+            <a:spLocks noGrp="1"/>
+          </p:cNvSpPr>
           <p:nvPr>
-            <p:ph idx="1" type="body"/>
+            <p:ph type="body" idx="1"/>
           </p:nvPr>
         </p:nvSpPr>
         <p:spPr>
@@ -1056,12 +1118,12 @@
           </a:prstGeom>
         </p:spPr>
         <p:txBody>
-          <a:bodyPr anchorCtr="0" anchor="t" bIns="91425" lIns="91425" spcFirstLastPara="1" rIns="91425" wrap="square" tIns="91425">
+          <a:bodyPr spcFirstLastPara="1" wrap="square" lIns="91425" tIns="91425" rIns="91425" bIns="91425" anchor="t" anchorCtr="0">
             <a:noAutofit/>
           </a:bodyPr>
           <a:lstStyle/>
           <a:p>
-            <a:pPr indent="0" lvl="0" marL="0" rtl="0" algn="l">
+            <a:pPr marL="0" lvl="0" indent="0" algn="l" rtl="0">
               <a:spcBef>
                 <a:spcPts val="0"/>
               </a:spcBef>
@@ -1070,14 +1132,16 @@
               </a:spcAft>
               <a:buNone/>
             </a:pPr>
-            <a:r>
-              <a:t/>
-            </a:r>
-            <a:endParaRPr/>
+            <a:endParaRPr dirty="0"/>
           </a:p>
         </p:txBody>
       </p:sp>
     </p:spTree>
+    <p:extLst>
+      <p:ext uri="{BB962C8B-B14F-4D97-AF65-F5344CB8AC3E}">
+        <p14:creationId xmlns:p14="http://schemas.microsoft.com/office/powerpoint/2010/main" val="10776765"/>
+      </p:ext>
+    </p:extLst>
   </p:cSld>
   <p:clrMapOvr>
     <a:masterClrMapping/>
@@ -1086,11 +1150,11 @@
 </file>
 
 <file path=ppt/notesSlides/notesSlide5.xml><?xml version="1.0" encoding="utf-8"?>
-<p:notes xmlns:a="http://schemas.openxmlformats.org/drawingml/2006/main" xmlns:r="http://schemas.openxmlformats.org/officeDocument/2006/relationships" xmlns:mc="http://schemas.openxmlformats.org/markup-compatibility/2006" xmlns:mv="urn:schemas-microsoft-com:mac:vml" xmlns:p="http://schemas.openxmlformats.org/presentationml/2006/main" xmlns:c="http://schemas.openxmlformats.org/drawingml/2006/chart" xmlns:dgm="http://schemas.openxmlformats.org/drawingml/2006/diagram" xmlns:o="urn:schemas-microsoft-com:office:office" xmlns:v="urn:schemas-microsoft-com:vml" xmlns:pvml="urn:schemas-microsoft-com:office:powerpoint" xmlns:com="http://schemas.openxmlformats.org/drawingml/2006/compatibility" xmlns:p14="http://schemas.microsoft.com/office/powerpoint/2010/main" xmlns:p15="http://schemas.microsoft.com/office/powerpoint/2012/main" showMasterPhAnim="0" showMasterSp="0">
+<p:notes xmlns:a="http://schemas.openxmlformats.org/drawingml/2006/main" xmlns:r="http://schemas.openxmlformats.org/officeDocument/2006/relationships" xmlns:p="http://schemas.openxmlformats.org/presentationml/2006/main" showMasterSp="0" showMasterPhAnim="0">
   <p:cSld>
     <p:spTree>
       <p:nvGrpSpPr>
-        <p:cNvPr id="116" name="Shape 116"/>
+        <p:cNvPr id="1" name="Shape 116"/>
         <p:cNvGrpSpPr/>
         <p:nvPr/>
       </p:nvGrpSpPr>
@@ -1105,20 +1169,26 @@
       <p:sp>
         <p:nvSpPr>
           <p:cNvPr id="117" name="Google Shape;117;g7767cbbf3f_3_10:notes"/>
-          <p:cNvSpPr/>
+          <p:cNvSpPr>
+            <a:spLocks noGrp="1" noRot="1" noChangeAspect="1"/>
+          </p:cNvSpPr>
           <p:nvPr>
-            <p:ph idx="2" type="sldImg"/>
+            <p:ph type="sldImg" idx="2"/>
           </p:nvPr>
         </p:nvSpPr>
         <p:spPr>
           <a:xfrm>
-            <a:off x="1143225" y="685800"/>
-            <a:ext cx="4572300" cy="3429000"/>
+            <a:off x="381000" y="685800"/>
+            <a:ext cx="6096000" cy="3429000"/>
           </a:xfrm>
           <a:custGeom>
-            <a:rect b="b" l="l" r="r" t="t"/>
+            <a:avLst/>
+            <a:gdLst/>
+            <a:ahLst/>
+            <a:cxnLst/>
+            <a:rect l="l" t="t" r="r" b="b"/>
             <a:pathLst>
-              <a:path extrusionOk="0" h="120000" w="120000">
+              <a:path w="120000" h="120000" extrusionOk="0">
                 <a:moveTo>
                   <a:pt x="0" y="0"/>
                 </a:moveTo>
@@ -1140,9 +1210,11 @@
       <p:sp>
         <p:nvSpPr>
           <p:cNvPr id="118" name="Google Shape;118;g7767cbbf3f_3_10:notes"/>
-          <p:cNvSpPr txBox="1"/>
+          <p:cNvSpPr txBox="1">
+            <a:spLocks noGrp="1"/>
+          </p:cNvSpPr>
           <p:nvPr>
-            <p:ph idx="1" type="body"/>
+            <p:ph type="body" idx="1"/>
           </p:nvPr>
         </p:nvSpPr>
         <p:spPr>
@@ -1155,12 +1227,12 @@
           </a:prstGeom>
         </p:spPr>
         <p:txBody>
-          <a:bodyPr anchorCtr="0" anchor="t" bIns="91425" lIns="91425" spcFirstLastPara="1" rIns="91425" wrap="square" tIns="91425">
+          <a:bodyPr spcFirstLastPara="1" wrap="square" lIns="91425" tIns="91425" rIns="91425" bIns="91425" anchor="t" anchorCtr="0">
             <a:noAutofit/>
           </a:bodyPr>
           <a:lstStyle/>
           <a:p>
-            <a:pPr indent="0" lvl="0" marL="0" rtl="0" algn="l">
+            <a:pPr marL="0" lvl="0" indent="0" algn="l" rtl="0">
               <a:spcBef>
                 <a:spcPts val="0"/>
               </a:spcBef>
@@ -1169,14 +1241,16 @@
               </a:spcAft>
               <a:buNone/>
             </a:pPr>
-            <a:r>
-              <a:t/>
-            </a:r>
             <a:endParaRPr/>
           </a:p>
         </p:txBody>
       </p:sp>
     </p:spTree>
+    <p:extLst>
+      <p:ext uri="{BB962C8B-B14F-4D97-AF65-F5344CB8AC3E}">
+        <p14:creationId xmlns:p14="http://schemas.microsoft.com/office/powerpoint/2010/main" val="4045416978"/>
+      </p:ext>
+    </p:extLst>
   </p:cSld>
   <p:clrMapOvr>
     <a:masterClrMapping/>
@@ -1185,11 +1259,11 @@
 </file>
 
 <file path=ppt/notesSlides/notesSlide6.xml><?xml version="1.0" encoding="utf-8"?>
-<p:notes xmlns:a="http://schemas.openxmlformats.org/drawingml/2006/main" xmlns:r="http://schemas.openxmlformats.org/officeDocument/2006/relationships" xmlns:mc="http://schemas.openxmlformats.org/markup-compatibility/2006" xmlns:mv="urn:schemas-microsoft-com:mac:vml" xmlns:p="http://schemas.openxmlformats.org/presentationml/2006/main" xmlns:c="http://schemas.openxmlformats.org/drawingml/2006/chart" xmlns:dgm="http://schemas.openxmlformats.org/drawingml/2006/diagram" xmlns:o="urn:schemas-microsoft-com:office:office" xmlns:v="urn:schemas-microsoft-com:vml" xmlns:pvml="urn:schemas-microsoft-com:office:powerpoint" xmlns:com="http://schemas.openxmlformats.org/drawingml/2006/compatibility" xmlns:p14="http://schemas.microsoft.com/office/powerpoint/2010/main" xmlns:p15="http://schemas.microsoft.com/office/powerpoint/2012/main" showMasterPhAnim="0" showMasterSp="0">
+<p:notes xmlns:a="http://schemas.openxmlformats.org/drawingml/2006/main" xmlns:r="http://schemas.openxmlformats.org/officeDocument/2006/relationships" xmlns:p="http://schemas.openxmlformats.org/presentationml/2006/main" showMasterSp="0" showMasterPhAnim="0">
   <p:cSld>
     <p:spTree>
       <p:nvGrpSpPr>
-        <p:cNvPr id="125" name="Shape 125"/>
+        <p:cNvPr id="1" name="Shape 125"/>
         <p:cNvGrpSpPr/>
         <p:nvPr/>
       </p:nvGrpSpPr>
@@ -1204,20 +1278,26 @@
       <p:sp>
         <p:nvSpPr>
           <p:cNvPr id="126" name="Google Shape;126;g7767cbbf3f_3_5:notes"/>
-          <p:cNvSpPr/>
+          <p:cNvSpPr>
+            <a:spLocks noGrp="1" noRot="1" noChangeAspect="1"/>
+          </p:cNvSpPr>
           <p:nvPr>
-            <p:ph idx="2" type="sldImg"/>
+            <p:ph type="sldImg" idx="2"/>
           </p:nvPr>
         </p:nvSpPr>
         <p:spPr>
           <a:xfrm>
-            <a:off x="1143225" y="685800"/>
-            <a:ext cx="4572300" cy="3429000"/>
+            <a:off x="381000" y="685800"/>
+            <a:ext cx="6096000" cy="3429000"/>
           </a:xfrm>
           <a:custGeom>
-            <a:rect b="b" l="l" r="r" t="t"/>
+            <a:avLst/>
+            <a:gdLst/>
+            <a:ahLst/>
+            <a:cxnLst/>
+            <a:rect l="l" t="t" r="r" b="b"/>
             <a:pathLst>
-              <a:path extrusionOk="0" h="120000" w="120000">
+              <a:path w="120000" h="120000" extrusionOk="0">
                 <a:moveTo>
                   <a:pt x="0" y="0"/>
                 </a:moveTo>
@@ -1239,9 +1319,11 @@
       <p:sp>
         <p:nvSpPr>
           <p:cNvPr id="127" name="Google Shape;127;g7767cbbf3f_3_5:notes"/>
-          <p:cNvSpPr txBox="1"/>
+          <p:cNvSpPr txBox="1">
+            <a:spLocks noGrp="1"/>
+          </p:cNvSpPr>
           <p:nvPr>
-            <p:ph idx="1" type="body"/>
+            <p:ph type="body" idx="1"/>
           </p:nvPr>
         </p:nvSpPr>
         <p:spPr>
@@ -1254,12 +1336,12 @@
           </a:prstGeom>
         </p:spPr>
         <p:txBody>
-          <a:bodyPr anchorCtr="0" anchor="t" bIns="91425" lIns="91425" spcFirstLastPara="1" rIns="91425" wrap="square" tIns="91425">
+          <a:bodyPr spcFirstLastPara="1" wrap="square" lIns="91425" tIns="91425" rIns="91425" bIns="91425" anchor="t" anchorCtr="0">
             <a:noAutofit/>
           </a:bodyPr>
           <a:lstStyle/>
           <a:p>
-            <a:pPr indent="0" lvl="0" marL="0" rtl="0" algn="l">
+            <a:pPr marL="0" lvl="0" indent="0" algn="l" rtl="0">
               <a:spcBef>
                 <a:spcPts val="0"/>
               </a:spcBef>
@@ -1268,14 +1350,16 @@
               </a:spcAft>
               <a:buNone/>
             </a:pPr>
-            <a:r>
-              <a:t/>
-            </a:r>
             <a:endParaRPr/>
           </a:p>
         </p:txBody>
       </p:sp>
     </p:spTree>
+    <p:extLst>
+      <p:ext uri="{BB962C8B-B14F-4D97-AF65-F5344CB8AC3E}">
+        <p14:creationId xmlns:p14="http://schemas.microsoft.com/office/powerpoint/2010/main" val="1153492605"/>
+      </p:ext>
+    </p:extLst>
   </p:cSld>
   <p:clrMapOvr>
     <a:masterClrMapping/>
@@ -1284,11 +1368,11 @@
 </file>
 
 <file path=ppt/notesSlides/notesSlide7.xml><?xml version="1.0" encoding="utf-8"?>
-<p:notes xmlns:a="http://schemas.openxmlformats.org/drawingml/2006/main" xmlns:r="http://schemas.openxmlformats.org/officeDocument/2006/relationships" xmlns:mc="http://schemas.openxmlformats.org/markup-compatibility/2006" xmlns:mv="urn:schemas-microsoft-com:mac:vml" xmlns:p="http://schemas.openxmlformats.org/presentationml/2006/main" xmlns:c="http://schemas.openxmlformats.org/drawingml/2006/chart" xmlns:dgm="http://schemas.openxmlformats.org/drawingml/2006/diagram" xmlns:o="urn:schemas-microsoft-com:office:office" xmlns:v="urn:schemas-microsoft-com:vml" xmlns:pvml="urn:schemas-microsoft-com:office:powerpoint" xmlns:com="http://schemas.openxmlformats.org/drawingml/2006/compatibility" xmlns:p14="http://schemas.microsoft.com/office/powerpoint/2010/main" xmlns:p15="http://schemas.microsoft.com/office/powerpoint/2012/main" showMasterPhAnim="0" showMasterSp="0">
+<p:notes xmlns:a="http://schemas.openxmlformats.org/drawingml/2006/main" xmlns:r="http://schemas.openxmlformats.org/officeDocument/2006/relationships" xmlns:p="http://schemas.openxmlformats.org/presentationml/2006/main" showMasterSp="0" showMasterPhAnim="0">
   <p:cSld>
     <p:spTree>
       <p:nvGrpSpPr>
-        <p:cNvPr id="131" name="Shape 131"/>
+        <p:cNvPr id="1" name="Shape 131"/>
         <p:cNvGrpSpPr/>
         <p:nvPr/>
       </p:nvGrpSpPr>
@@ -1303,20 +1387,26 @@
       <p:sp>
         <p:nvSpPr>
           <p:cNvPr id="132" name="Google Shape;132;g7754dcdee0_0_0:notes"/>
-          <p:cNvSpPr/>
+          <p:cNvSpPr>
+            <a:spLocks noGrp="1" noRot="1" noChangeAspect="1"/>
+          </p:cNvSpPr>
           <p:nvPr>
-            <p:ph idx="2" type="sldImg"/>
+            <p:ph type="sldImg" idx="2"/>
           </p:nvPr>
         </p:nvSpPr>
         <p:spPr>
           <a:xfrm>
-            <a:off x="1143225" y="685800"/>
-            <a:ext cx="4572300" cy="3429000"/>
+            <a:off x="381000" y="685800"/>
+            <a:ext cx="6096000" cy="3429000"/>
           </a:xfrm>
           <a:custGeom>
-            <a:rect b="b" l="l" r="r" t="t"/>
+            <a:avLst/>
+            <a:gdLst/>
+            <a:ahLst/>
+            <a:cxnLst/>
+            <a:rect l="l" t="t" r="r" b="b"/>
             <a:pathLst>
-              <a:path extrusionOk="0" h="120000" w="120000">
+              <a:path w="120000" h="120000" extrusionOk="0">
                 <a:moveTo>
                   <a:pt x="0" y="0"/>
                 </a:moveTo>
@@ -1338,9 +1428,11 @@
       <p:sp>
         <p:nvSpPr>
           <p:cNvPr id="133" name="Google Shape;133;g7754dcdee0_0_0:notes"/>
-          <p:cNvSpPr txBox="1"/>
+          <p:cNvSpPr txBox="1">
+            <a:spLocks noGrp="1"/>
+          </p:cNvSpPr>
           <p:nvPr>
-            <p:ph idx="1" type="body"/>
+            <p:ph type="body" idx="1"/>
           </p:nvPr>
         </p:nvSpPr>
         <p:spPr>
@@ -1353,12 +1445,12 @@
           </a:prstGeom>
         </p:spPr>
         <p:txBody>
-          <a:bodyPr anchorCtr="0" anchor="t" bIns="91425" lIns="91425" spcFirstLastPara="1" rIns="91425" wrap="square" tIns="91425">
+          <a:bodyPr spcFirstLastPara="1" wrap="square" lIns="91425" tIns="91425" rIns="91425" bIns="91425" anchor="t" anchorCtr="0">
             <a:noAutofit/>
           </a:bodyPr>
           <a:lstStyle/>
           <a:p>
-            <a:pPr indent="0" lvl="0" marL="0" rtl="0" algn="l">
+            <a:pPr marL="0" lvl="0" indent="0" algn="l" rtl="0">
               <a:spcBef>
                 <a:spcPts val="0"/>
               </a:spcBef>
@@ -1367,14 +1459,16 @@
               </a:spcAft>
               <a:buNone/>
             </a:pPr>
-            <a:r>
-              <a:t/>
-            </a:r>
             <a:endParaRPr/>
           </a:p>
         </p:txBody>
       </p:sp>
     </p:spTree>
+    <p:extLst>
+      <p:ext uri="{BB962C8B-B14F-4D97-AF65-F5344CB8AC3E}">
+        <p14:creationId xmlns:p14="http://schemas.microsoft.com/office/powerpoint/2010/main" val="2405477885"/>
+      </p:ext>
+    </p:extLst>
   </p:cSld>
   <p:clrMapOvr>
     <a:masterClrMapping/>
@@ -1383,11 +1477,11 @@
 </file>
 
 <file path=ppt/notesSlides/notesSlide8.xml><?xml version="1.0" encoding="utf-8"?>
-<p:notes xmlns:a="http://schemas.openxmlformats.org/drawingml/2006/main" xmlns:r="http://schemas.openxmlformats.org/officeDocument/2006/relationships" xmlns:mc="http://schemas.openxmlformats.org/markup-compatibility/2006" xmlns:mv="urn:schemas-microsoft-com:mac:vml" xmlns:p="http://schemas.openxmlformats.org/presentationml/2006/main" xmlns:c="http://schemas.openxmlformats.org/drawingml/2006/chart" xmlns:dgm="http://schemas.openxmlformats.org/drawingml/2006/diagram" xmlns:o="urn:schemas-microsoft-com:office:office" xmlns:v="urn:schemas-microsoft-com:vml" xmlns:pvml="urn:schemas-microsoft-com:office:powerpoint" xmlns:com="http://schemas.openxmlformats.org/drawingml/2006/compatibility" xmlns:p14="http://schemas.microsoft.com/office/powerpoint/2010/main" xmlns:p15="http://schemas.microsoft.com/office/powerpoint/2012/main" showMasterPhAnim="0" showMasterSp="0">
+<p:notes xmlns:a="http://schemas.openxmlformats.org/drawingml/2006/main" xmlns:r="http://schemas.openxmlformats.org/officeDocument/2006/relationships" xmlns:p="http://schemas.openxmlformats.org/presentationml/2006/main" showMasterSp="0" showMasterPhAnim="0">
   <p:cSld>
     <p:spTree>
       <p:nvGrpSpPr>
-        <p:cNvPr id="138" name="Shape 138"/>
+        <p:cNvPr id="1" name="Shape 138"/>
         <p:cNvGrpSpPr/>
         <p:nvPr/>
       </p:nvGrpSpPr>
@@ -1402,20 +1496,26 @@
       <p:sp>
         <p:nvSpPr>
           <p:cNvPr id="139" name="Google Shape;139;g776c8fe929_0_0:notes"/>
-          <p:cNvSpPr/>
+          <p:cNvSpPr>
+            <a:spLocks noGrp="1" noRot="1" noChangeAspect="1"/>
+          </p:cNvSpPr>
           <p:nvPr>
-            <p:ph idx="2" type="sldImg"/>
+            <p:ph type="sldImg" idx="2"/>
           </p:nvPr>
         </p:nvSpPr>
         <p:spPr>
           <a:xfrm>
-            <a:off x="1143225" y="685800"/>
-            <a:ext cx="4572300" cy="3429000"/>
+            <a:off x="381000" y="685800"/>
+            <a:ext cx="6096000" cy="3429000"/>
           </a:xfrm>
           <a:custGeom>
-            <a:rect b="b" l="l" r="r" t="t"/>
+            <a:avLst/>
+            <a:gdLst/>
+            <a:ahLst/>
+            <a:cxnLst/>
+            <a:rect l="l" t="t" r="r" b="b"/>
             <a:pathLst>
-              <a:path extrusionOk="0" h="120000" w="120000">
+              <a:path w="120000" h="120000" extrusionOk="0">
                 <a:moveTo>
                   <a:pt x="0" y="0"/>
                 </a:moveTo>
@@ -1437,9 +1537,11 @@
       <p:sp>
         <p:nvSpPr>
           <p:cNvPr id="140" name="Google Shape;140;g776c8fe929_0_0:notes"/>
-          <p:cNvSpPr txBox="1"/>
+          <p:cNvSpPr txBox="1">
+            <a:spLocks noGrp="1"/>
+          </p:cNvSpPr>
           <p:nvPr>
-            <p:ph idx="1" type="body"/>
+            <p:ph type="body" idx="1"/>
           </p:nvPr>
         </p:nvSpPr>
         <p:spPr>
@@ -1452,12 +1554,12 @@
           </a:prstGeom>
         </p:spPr>
         <p:txBody>
-          <a:bodyPr anchorCtr="0" anchor="t" bIns="91425" lIns="91425" spcFirstLastPara="1" rIns="91425" wrap="square" tIns="91425">
+          <a:bodyPr spcFirstLastPara="1" wrap="square" lIns="91425" tIns="91425" rIns="91425" bIns="91425" anchor="t" anchorCtr="0">
             <a:noAutofit/>
           </a:bodyPr>
           <a:lstStyle/>
           <a:p>
-            <a:pPr indent="0" lvl="0" marL="0" rtl="0" algn="l">
+            <a:pPr marL="0" lvl="0" indent="0" algn="l" rtl="0">
               <a:spcBef>
                 <a:spcPts val="0"/>
               </a:spcBef>
@@ -1466,14 +1568,16 @@
               </a:spcAft>
               <a:buNone/>
             </a:pPr>
-            <a:r>
-              <a:t/>
-            </a:r>
             <a:endParaRPr/>
           </a:p>
         </p:txBody>
       </p:sp>
     </p:spTree>
+    <p:extLst>
+      <p:ext uri="{BB962C8B-B14F-4D97-AF65-F5344CB8AC3E}">
+        <p14:creationId xmlns:p14="http://schemas.microsoft.com/office/powerpoint/2010/main" val="3447097747"/>
+      </p:ext>
+    </p:extLst>
   </p:cSld>
   <p:clrMapOvr>
     <a:masterClrMapping/>
@@ -1482,18 +1586,19 @@
 </file>
 
 <file path=ppt/slideLayouts/slideLayout1.xml><?xml version="1.0" encoding="utf-8"?>
-<p:sldLayout xmlns:a="http://schemas.openxmlformats.org/drawingml/2006/main" xmlns:r="http://schemas.openxmlformats.org/officeDocument/2006/relationships" xmlns:mc="http://schemas.openxmlformats.org/markup-compatibility/2006" xmlns:mv="urn:schemas-microsoft-com:mac:vml" xmlns:p="http://schemas.openxmlformats.org/presentationml/2006/main" xmlns:c="http://schemas.openxmlformats.org/drawingml/2006/chart" xmlns:dgm="http://schemas.openxmlformats.org/drawingml/2006/diagram" xmlns:o="urn:schemas-microsoft-com:office:office" xmlns:v="urn:schemas-microsoft-com:vml" xmlns:pvml="urn:schemas-microsoft-com:office:powerpoint" xmlns:com="http://schemas.openxmlformats.org/drawingml/2006/compatibility" xmlns:p14="http://schemas.microsoft.com/office/powerpoint/2010/main" xmlns:p15="http://schemas.microsoft.com/office/powerpoint/2012/main" matchingName="Diapositiva de título" showMasterSp="0" type="title">
+<p:sldLayout xmlns:a="http://schemas.openxmlformats.org/drawingml/2006/main" xmlns:r="http://schemas.openxmlformats.org/officeDocument/2006/relationships" xmlns:p="http://schemas.openxmlformats.org/presentationml/2006/main" showMasterSp="0" matchingName="Diapositiva de título" type="title">
   <p:cSld name="TITLE">
     <p:bg>
       <p:bgPr>
         <a:solidFill>
           <a:schemeClr val="accent1"/>
         </a:solidFill>
+        <a:effectLst/>
       </p:bgPr>
     </p:bg>
     <p:spTree>
       <p:nvGrpSpPr>
-        <p:cNvPr id="13" name="Shape 13"/>
+        <p:cNvPr id="1" name="Shape 13"/>
         <p:cNvGrpSpPr/>
         <p:nvPr/>
       </p:nvGrpSpPr>
@@ -1517,9 +1622,13 @@
             <a:ext cx="5235575" cy="5229225"/>
           </a:xfrm>
           <a:custGeom>
-            <a:rect b="b" l="l" r="r" t="t"/>
+            <a:avLst/>
+            <a:gdLst/>
+            <a:ahLst/>
+            <a:cxnLst/>
+            <a:rect l="l" t="t" r="r" b="b"/>
             <a:pathLst>
-              <a:path extrusionOk="0" h="3294" w="3298">
+              <a:path w="3298" h="3294" extrusionOk="0">
                 <a:moveTo>
                   <a:pt x="1649" y="0"/>
                 </a:moveTo>
@@ -2546,7 +2655,9 @@
       <p:sp>
         <p:nvSpPr>
           <p:cNvPr id="15" name="Google Shape;15;p5"/>
-          <p:cNvSpPr txBox="1"/>
+          <p:cNvSpPr txBox="1">
+            <a:spLocks noGrp="1"/>
+          </p:cNvSpPr>
           <p:nvPr>
             <p:ph type="ctrTitle"/>
           </p:nvPr>
@@ -2565,7 +2676,7 @@
           </a:ln>
         </p:spPr>
         <p:txBody>
-          <a:bodyPr anchorCtr="0" anchor="ctr" bIns="45700" lIns="91425" spcFirstLastPara="1" rIns="91425" wrap="square" tIns="45700">
+          <a:bodyPr spcFirstLastPara="1" wrap="square" lIns="91425" tIns="45700" rIns="91425" bIns="45700" anchor="ctr" anchorCtr="0">
             <a:noAutofit/>
           </a:bodyPr>
           <a:lstStyle>
@@ -2676,15 +2787,19 @@
               <a:defRPr/>
             </a:lvl9pPr>
           </a:lstStyle>
-          <a:p/>
+          <a:p>
+            <a:endParaRPr/>
+          </a:p>
         </p:txBody>
       </p:sp>
       <p:sp>
         <p:nvSpPr>
           <p:cNvPr id="16" name="Google Shape;16;p5"/>
-          <p:cNvSpPr txBox="1"/>
+          <p:cNvSpPr txBox="1">
+            <a:spLocks noGrp="1"/>
+          </p:cNvSpPr>
           <p:nvPr>
-            <p:ph idx="1" type="subTitle"/>
+            <p:ph type="subTitle" idx="1"/>
           </p:nvPr>
         </p:nvSpPr>
         <p:spPr>
@@ -2701,7 +2816,7 @@
           </a:ln>
         </p:spPr>
         <p:txBody>
-          <a:bodyPr anchorCtr="0" anchor="t" bIns="45700" lIns="91425" spcFirstLastPara="1" rIns="91425" wrap="square" tIns="45700">
+          <a:bodyPr spcFirstLastPara="1" wrap="square" lIns="91425" tIns="45700" rIns="91425" bIns="45700" anchor="t" anchorCtr="0">
             <a:normAutofit/>
           </a:bodyPr>
           <a:lstStyle>
@@ -2717,7 +2832,7 @@
               </a:spcAft>
               <a:buSzPts val="2000"/>
               <a:buNone/>
-              <a:defRPr b="1" i="0" sz="2000" cap="none">
+              <a:defRPr sz="2000" b="1" i="0" cap="none">
                 <a:solidFill>
                   <a:schemeClr val="dk2"/>
                 </a:solidFill>
@@ -2836,15 +2951,19 @@
               <a:defRPr sz="1600"/>
             </a:lvl9pPr>
           </a:lstStyle>
-          <a:p/>
+          <a:p>
+            <a:endParaRPr/>
+          </a:p>
         </p:txBody>
       </p:sp>
       <p:sp>
         <p:nvSpPr>
           <p:cNvPr id="17" name="Google Shape;17;p5"/>
-          <p:cNvSpPr txBox="1"/>
+          <p:cNvSpPr txBox="1">
+            <a:spLocks noGrp="1"/>
+          </p:cNvSpPr>
           <p:nvPr>
-            <p:ph idx="10" type="dt"/>
+            <p:ph type="dt" idx="10"/>
           </p:nvPr>
         </p:nvSpPr>
         <p:spPr>
@@ -2861,7 +2980,7 @@
           </a:ln>
         </p:spPr>
         <p:txBody>
-          <a:bodyPr anchorCtr="0" anchor="ctr" bIns="45700" lIns="91425" spcFirstLastPara="1" rIns="91425" wrap="square" tIns="45700">
+          <a:bodyPr spcFirstLastPara="1" wrap="square" lIns="91425" tIns="45700" rIns="91425" bIns="45700" anchor="ctr" anchorCtr="0">
             <a:noAutofit/>
           </a:bodyPr>
           <a:lstStyle>
@@ -2969,15 +3088,19 @@
               <a:defRPr/>
             </a:lvl9pPr>
           </a:lstStyle>
-          <a:p/>
+          <a:p>
+            <a:endParaRPr/>
+          </a:p>
         </p:txBody>
       </p:sp>
       <p:sp>
         <p:nvSpPr>
           <p:cNvPr id="18" name="Google Shape;18;p5"/>
-          <p:cNvSpPr txBox="1"/>
+          <p:cNvSpPr txBox="1">
+            <a:spLocks noGrp="1"/>
+          </p:cNvSpPr>
           <p:nvPr>
-            <p:ph idx="11" type="ftr"/>
+            <p:ph type="ftr" idx="11"/>
           </p:nvPr>
         </p:nvSpPr>
         <p:spPr>
@@ -2994,7 +3117,7 @@
           </a:ln>
         </p:spPr>
         <p:txBody>
-          <a:bodyPr anchorCtr="0" anchor="ctr" bIns="45700" lIns="91425" spcFirstLastPara="1" rIns="91425" wrap="square" tIns="45700">
+          <a:bodyPr spcFirstLastPara="1" wrap="square" lIns="91425" tIns="45700" rIns="91425" bIns="45700" anchor="ctr" anchorCtr="0">
             <a:noAutofit/>
           </a:bodyPr>
           <a:lstStyle>
@@ -3102,15 +3225,19 @@
               <a:defRPr/>
             </a:lvl9pPr>
           </a:lstStyle>
-          <a:p/>
+          <a:p>
+            <a:endParaRPr/>
+          </a:p>
         </p:txBody>
       </p:sp>
       <p:sp>
         <p:nvSpPr>
           <p:cNvPr id="19" name="Google Shape;19;p5"/>
-          <p:cNvSpPr txBox="1"/>
+          <p:cNvSpPr txBox="1">
+            <a:spLocks noGrp="1"/>
+          </p:cNvSpPr>
           <p:nvPr>
-            <p:ph idx="12" type="sldNum"/>
+            <p:ph type="sldNum" idx="12"/>
           </p:nvPr>
         </p:nvSpPr>
         <p:spPr>
@@ -3127,16 +3254,16 @@
           </a:ln>
         </p:spPr>
         <p:txBody>
-          <a:bodyPr anchorCtr="0" anchor="ctr" bIns="45700" lIns="91425" spcFirstLastPara="1" rIns="91425" wrap="square" tIns="45700">
+          <a:bodyPr spcFirstLastPara="1" wrap="square" lIns="91425" tIns="45700" rIns="91425" bIns="45700" anchor="ctr" anchorCtr="0">
             <a:noAutofit/>
           </a:bodyPr>
           <a:lstStyle>
-            <a:lvl1pPr indent="0" lvl="0" marL="0" algn="r">
-              <a:spcBef>
-                <a:spcPts val="0"/>
-              </a:spcBef>
-              <a:buNone/>
-              <a:defRPr b="0" i="0" sz="1200" u="none" cap="none" strike="noStrike">
+            <a:lvl1pPr marL="0" lvl="0" indent="0" algn="r">
+              <a:spcBef>
+                <a:spcPts val="0"/>
+              </a:spcBef>
+              <a:buNone/>
+              <a:defRPr sz="1200" b="0" i="0" u="none" strike="noStrike" cap="none">
                 <a:solidFill>
                   <a:srgbClr val="295736"/>
                 </a:solidFill>
@@ -3146,12 +3273,12 @@
                 <a:sym typeface="Gill Sans"/>
               </a:defRPr>
             </a:lvl1pPr>
-            <a:lvl2pPr indent="0" lvl="1" marL="0" algn="r">
-              <a:spcBef>
-                <a:spcPts val="0"/>
-              </a:spcBef>
-              <a:buNone/>
-              <a:defRPr b="0" i="0" sz="1200" u="none" cap="none" strike="noStrike">
+            <a:lvl2pPr marL="0" lvl="1" indent="0" algn="r">
+              <a:spcBef>
+                <a:spcPts val="0"/>
+              </a:spcBef>
+              <a:buNone/>
+              <a:defRPr sz="1200" b="0" i="0" u="none" strike="noStrike" cap="none">
                 <a:solidFill>
                   <a:srgbClr val="295736"/>
                 </a:solidFill>
@@ -3161,12 +3288,12 @@
                 <a:sym typeface="Gill Sans"/>
               </a:defRPr>
             </a:lvl2pPr>
-            <a:lvl3pPr indent="0" lvl="2" marL="0" algn="r">
-              <a:spcBef>
-                <a:spcPts val="0"/>
-              </a:spcBef>
-              <a:buNone/>
-              <a:defRPr b="0" i="0" sz="1200" u="none" cap="none" strike="noStrike">
+            <a:lvl3pPr marL="0" lvl="2" indent="0" algn="r">
+              <a:spcBef>
+                <a:spcPts val="0"/>
+              </a:spcBef>
+              <a:buNone/>
+              <a:defRPr sz="1200" b="0" i="0" u="none" strike="noStrike" cap="none">
                 <a:solidFill>
                   <a:srgbClr val="295736"/>
                 </a:solidFill>
@@ -3176,12 +3303,12 @@
                 <a:sym typeface="Gill Sans"/>
               </a:defRPr>
             </a:lvl3pPr>
-            <a:lvl4pPr indent="0" lvl="3" marL="0" algn="r">
-              <a:spcBef>
-                <a:spcPts val="0"/>
-              </a:spcBef>
-              <a:buNone/>
-              <a:defRPr b="0" i="0" sz="1200" u="none" cap="none" strike="noStrike">
+            <a:lvl4pPr marL="0" lvl="3" indent="0" algn="r">
+              <a:spcBef>
+                <a:spcPts val="0"/>
+              </a:spcBef>
+              <a:buNone/>
+              <a:defRPr sz="1200" b="0" i="0" u="none" strike="noStrike" cap="none">
                 <a:solidFill>
                   <a:srgbClr val="295736"/>
                 </a:solidFill>
@@ -3191,12 +3318,12 @@
                 <a:sym typeface="Gill Sans"/>
               </a:defRPr>
             </a:lvl4pPr>
-            <a:lvl5pPr indent="0" lvl="4" marL="0" algn="r">
-              <a:spcBef>
-                <a:spcPts val="0"/>
-              </a:spcBef>
-              <a:buNone/>
-              <a:defRPr b="0" i="0" sz="1200" u="none" cap="none" strike="noStrike">
+            <a:lvl5pPr marL="0" lvl="4" indent="0" algn="r">
+              <a:spcBef>
+                <a:spcPts val="0"/>
+              </a:spcBef>
+              <a:buNone/>
+              <a:defRPr sz="1200" b="0" i="0" u="none" strike="noStrike" cap="none">
                 <a:solidFill>
                   <a:srgbClr val="295736"/>
                 </a:solidFill>
@@ -3206,12 +3333,12 @@
                 <a:sym typeface="Gill Sans"/>
               </a:defRPr>
             </a:lvl5pPr>
-            <a:lvl6pPr indent="0" lvl="5" marL="0" algn="r">
-              <a:spcBef>
-                <a:spcPts val="0"/>
-              </a:spcBef>
-              <a:buNone/>
-              <a:defRPr b="0" i="0" sz="1200" u="none" cap="none" strike="noStrike">
+            <a:lvl6pPr marL="0" lvl="5" indent="0" algn="r">
+              <a:spcBef>
+                <a:spcPts val="0"/>
+              </a:spcBef>
+              <a:buNone/>
+              <a:defRPr sz="1200" b="0" i="0" u="none" strike="noStrike" cap="none">
                 <a:solidFill>
                   <a:srgbClr val="295736"/>
                 </a:solidFill>
@@ -3221,12 +3348,12 @@
                 <a:sym typeface="Gill Sans"/>
               </a:defRPr>
             </a:lvl6pPr>
-            <a:lvl7pPr indent="0" lvl="6" marL="0" algn="r">
-              <a:spcBef>
-                <a:spcPts val="0"/>
-              </a:spcBef>
-              <a:buNone/>
-              <a:defRPr b="0" i="0" sz="1200" u="none" cap="none" strike="noStrike">
+            <a:lvl7pPr marL="0" lvl="6" indent="0" algn="r">
+              <a:spcBef>
+                <a:spcPts val="0"/>
+              </a:spcBef>
+              <a:buNone/>
+              <a:defRPr sz="1200" b="0" i="0" u="none" strike="noStrike" cap="none">
                 <a:solidFill>
                   <a:srgbClr val="295736"/>
                 </a:solidFill>
@@ -3236,12 +3363,12 @@
                 <a:sym typeface="Gill Sans"/>
               </a:defRPr>
             </a:lvl7pPr>
-            <a:lvl8pPr indent="0" lvl="7" marL="0" algn="r">
-              <a:spcBef>
-                <a:spcPts val="0"/>
-              </a:spcBef>
-              <a:buNone/>
-              <a:defRPr b="0" i="0" sz="1200" u="none" cap="none" strike="noStrike">
+            <a:lvl8pPr marL="0" lvl="7" indent="0" algn="r">
+              <a:spcBef>
+                <a:spcPts val="0"/>
+              </a:spcBef>
+              <a:buNone/>
+              <a:defRPr sz="1200" b="0" i="0" u="none" strike="noStrike" cap="none">
                 <a:solidFill>
                   <a:srgbClr val="295736"/>
                 </a:solidFill>
@@ -3251,12 +3378,12 @@
                 <a:sym typeface="Gill Sans"/>
               </a:defRPr>
             </a:lvl8pPr>
-            <a:lvl9pPr indent="0" lvl="8" marL="0" algn="r">
-              <a:spcBef>
-                <a:spcPts val="0"/>
-              </a:spcBef>
-              <a:buNone/>
-              <a:defRPr b="0" i="0" sz="1200" u="none" cap="none" strike="noStrike">
+            <a:lvl9pPr marL="0" lvl="8" indent="0" algn="r">
+              <a:spcBef>
+                <a:spcPts val="0"/>
+              </a:spcBef>
+              <a:buNone/>
+              <a:defRPr sz="1200" b="0" i="0" u="none" strike="noStrike" cap="none">
                 <a:solidFill>
                   <a:srgbClr val="295736"/>
                 </a:solidFill>
@@ -3268,7 +3395,7 @@
             </a:lvl9pPr>
           </a:lstStyle>
           <a:p>
-            <a:pPr indent="0" lvl="0" marL="0" rtl="0" algn="r">
+            <a:pPr marL="0" lvl="0" indent="0" algn="r" rtl="0">
               <a:spcBef>
                 <a:spcPts val="0"/>
               </a:spcBef>
@@ -3279,7 +3406,7 @@
             </a:pPr>
             <a:fld id="{00000000-1234-1234-1234-123412341234}" type="slidenum">
               <a:rPr lang="es-ES"/>
-              <a:t>‹#›</a:t>
+              <a:t>‹Nº›</a:t>
             </a:fld>
             <a:endParaRPr/>
           </a:p>
@@ -3307,12 +3434,12 @@
           </a:ln>
         </p:spPr>
         <p:txBody>
-          <a:bodyPr anchorCtr="0" anchor="ctr" bIns="91425" lIns="91425" spcFirstLastPara="1" rIns="91425" wrap="square" tIns="91425">
+          <a:bodyPr spcFirstLastPara="1" wrap="square" lIns="91425" tIns="91425" rIns="91425" bIns="91425" anchor="ctr" anchorCtr="0">
             <a:noAutofit/>
           </a:bodyPr>
           <a:lstStyle/>
           <a:p>
-            <a:pPr indent="0" lvl="0" marL="0" rtl="0" algn="l">
+            <a:pPr marL="0" lvl="0" indent="0" algn="l" rtl="0">
               <a:spcBef>
                 <a:spcPts val="0"/>
               </a:spcBef>
@@ -3321,9 +3448,6 @@
               </a:spcAft>
               <a:buNone/>
             </a:pPr>
-            <a:r>
-              <a:t/>
-            </a:r>
             <a:endParaRPr/>
           </a:p>
         </p:txBody>
@@ -3337,11 +3461,11 @@
 </file>
 
 <file path=ppt/slideLayouts/slideLayout10.xml><?xml version="1.0" encoding="utf-8"?>
-<p:sldLayout xmlns:a="http://schemas.openxmlformats.org/drawingml/2006/main" xmlns:r="http://schemas.openxmlformats.org/officeDocument/2006/relationships" xmlns:mc="http://schemas.openxmlformats.org/markup-compatibility/2006" xmlns:mv="urn:schemas-microsoft-com:mac:vml" xmlns:p="http://schemas.openxmlformats.org/presentationml/2006/main" xmlns:c="http://schemas.openxmlformats.org/drawingml/2006/chart" xmlns:dgm="http://schemas.openxmlformats.org/drawingml/2006/diagram" xmlns:o="urn:schemas-microsoft-com:office:office" xmlns:v="urn:schemas-microsoft-com:vml" xmlns:pvml="urn:schemas-microsoft-com:office:powerpoint" xmlns:com="http://schemas.openxmlformats.org/drawingml/2006/compatibility" xmlns:p14="http://schemas.microsoft.com/office/powerpoint/2010/main" xmlns:p15="http://schemas.microsoft.com/office/powerpoint/2012/main" matchingName="Título y texto vertical" type="vertTx">
+<p:sldLayout xmlns:a="http://schemas.openxmlformats.org/drawingml/2006/main" xmlns:r="http://schemas.openxmlformats.org/officeDocument/2006/relationships" xmlns:p="http://schemas.openxmlformats.org/presentationml/2006/main" matchingName="Título y texto vertical" type="vertTx">
   <p:cSld name="VERTICAL_TEXT">
     <p:spTree>
       <p:nvGrpSpPr>
-        <p:cNvPr id="79" name="Shape 79"/>
+        <p:cNvPr id="1" name="Shape 79"/>
         <p:cNvGrpSpPr/>
         <p:nvPr/>
       </p:nvGrpSpPr>
@@ -3356,7 +3480,9 @@
       <p:sp>
         <p:nvSpPr>
           <p:cNvPr id="80" name="Google Shape;80;p14"/>
-          <p:cNvSpPr txBox="1"/>
+          <p:cNvSpPr txBox="1">
+            <a:spLocks noGrp="1"/>
+          </p:cNvSpPr>
           <p:nvPr>
             <p:ph type="title"/>
           </p:nvPr>
@@ -3375,7 +3501,7 @@
           </a:ln>
         </p:spPr>
         <p:txBody>
-          <a:bodyPr anchorCtr="0" anchor="t" bIns="45700" lIns="91425" spcFirstLastPara="1" rIns="91425" wrap="square" tIns="45700">
+          <a:bodyPr spcFirstLastPara="1" wrap="square" lIns="91425" tIns="45700" rIns="91425" bIns="45700" anchor="t" anchorCtr="0">
             <a:normAutofit/>
           </a:bodyPr>
           <a:lstStyle>
@@ -3485,15 +3611,19 @@
               <a:defRPr/>
             </a:lvl9pPr>
           </a:lstStyle>
-          <a:p/>
+          <a:p>
+            <a:endParaRPr/>
+          </a:p>
         </p:txBody>
       </p:sp>
       <p:sp>
         <p:nvSpPr>
           <p:cNvPr id="81" name="Google Shape;81;p14"/>
-          <p:cNvSpPr txBox="1"/>
+          <p:cNvSpPr txBox="1">
+            <a:spLocks noGrp="1"/>
+          </p:cNvSpPr>
           <p:nvPr>
-            <p:ph idx="1" type="body"/>
+            <p:ph type="body" idx="1"/>
           </p:nvPr>
         </p:nvSpPr>
         <p:spPr>
@@ -3510,11 +3640,11 @@
           </a:ln>
         </p:spPr>
         <p:txBody>
-          <a:bodyPr anchorCtr="0" anchor="t" bIns="45700" lIns="91425" spcFirstLastPara="1" rIns="91425" wrap="square" tIns="45700">
+          <a:bodyPr spcFirstLastPara="1" wrap="square" lIns="91425" tIns="45700" rIns="91425" bIns="45700" anchor="t" anchorCtr="0">
             <a:normAutofit/>
           </a:bodyPr>
           <a:lstStyle>
-            <a:lvl1pPr indent="-342900" lvl="0" marL="457200" algn="l">
+            <a:lvl1pPr marL="457200" lvl="0" indent="-342900" algn="l">
               <a:lnSpc>
                 <a:spcPct val="110000"/>
               </a:lnSpc>
@@ -3528,7 +3658,7 @@
               <a:buChar char="•"/>
               <a:defRPr/>
             </a:lvl1pPr>
-            <a:lvl2pPr indent="-342900" lvl="1" marL="914400" algn="l">
+            <a:lvl2pPr marL="914400" lvl="1" indent="-342900" algn="l">
               <a:lnSpc>
                 <a:spcPct val="110000"/>
               </a:lnSpc>
@@ -3542,7 +3672,7 @@
               <a:buChar char="–"/>
               <a:defRPr/>
             </a:lvl2pPr>
-            <a:lvl3pPr indent="-342900" lvl="2" marL="1371600" algn="l">
+            <a:lvl3pPr marL="1371600" lvl="2" indent="-342900" algn="l">
               <a:lnSpc>
                 <a:spcPct val="110000"/>
               </a:lnSpc>
@@ -3556,7 +3686,7 @@
               <a:buChar char="•"/>
               <a:defRPr/>
             </a:lvl3pPr>
-            <a:lvl4pPr indent="-342900" lvl="3" marL="1828800" algn="l">
+            <a:lvl4pPr marL="1828800" lvl="3" indent="-342900" algn="l">
               <a:lnSpc>
                 <a:spcPct val="110000"/>
               </a:lnSpc>
@@ -3570,7 +3700,7 @@
               <a:buChar char="–"/>
               <a:defRPr/>
             </a:lvl4pPr>
-            <a:lvl5pPr indent="-342900" lvl="4" marL="2286000" algn="l">
+            <a:lvl5pPr marL="2286000" lvl="4" indent="-342900" algn="l">
               <a:lnSpc>
                 <a:spcPct val="110000"/>
               </a:lnSpc>
@@ -3584,7 +3714,7 @@
               <a:buChar char="•"/>
               <a:defRPr/>
             </a:lvl5pPr>
-            <a:lvl6pPr indent="-342900" lvl="5" marL="2743200" algn="l">
+            <a:lvl6pPr marL="2743200" lvl="5" indent="-342900" algn="l">
               <a:lnSpc>
                 <a:spcPct val="110000"/>
               </a:lnSpc>
@@ -3598,7 +3728,7 @@
               <a:buChar char="–"/>
               <a:defRPr/>
             </a:lvl6pPr>
-            <a:lvl7pPr indent="-342900" lvl="6" marL="3200400" algn="l">
+            <a:lvl7pPr marL="3200400" lvl="6" indent="-342900" algn="l">
               <a:lnSpc>
                 <a:spcPct val="110000"/>
               </a:lnSpc>
@@ -3612,7 +3742,7 @@
               <a:buChar char="•"/>
               <a:defRPr/>
             </a:lvl7pPr>
-            <a:lvl8pPr indent="-342900" lvl="7" marL="3657600" algn="l">
+            <a:lvl8pPr marL="3657600" lvl="7" indent="-342900" algn="l">
               <a:lnSpc>
                 <a:spcPct val="110000"/>
               </a:lnSpc>
@@ -3626,7 +3756,7 @@
               <a:buChar char="–"/>
               <a:defRPr/>
             </a:lvl8pPr>
-            <a:lvl9pPr indent="-342900" lvl="8" marL="4114800" algn="l">
+            <a:lvl9pPr marL="4114800" lvl="8" indent="-342900" algn="l">
               <a:lnSpc>
                 <a:spcPct val="110000"/>
               </a:lnSpc>
@@ -3641,15 +3771,19 @@
               <a:defRPr/>
             </a:lvl9pPr>
           </a:lstStyle>
-          <a:p/>
+          <a:p>
+            <a:endParaRPr/>
+          </a:p>
         </p:txBody>
       </p:sp>
       <p:sp>
         <p:nvSpPr>
           <p:cNvPr id="82" name="Google Shape;82;p14"/>
-          <p:cNvSpPr txBox="1"/>
+          <p:cNvSpPr txBox="1">
+            <a:spLocks noGrp="1"/>
+          </p:cNvSpPr>
           <p:nvPr>
-            <p:ph idx="10" type="dt"/>
+            <p:ph type="dt" idx="10"/>
           </p:nvPr>
         </p:nvSpPr>
         <p:spPr>
@@ -3666,7 +3800,7 @@
           </a:ln>
         </p:spPr>
         <p:txBody>
-          <a:bodyPr anchorCtr="0" anchor="ctr" bIns="45700" lIns="91425" spcFirstLastPara="1" rIns="91425" wrap="square" tIns="45700">
+          <a:bodyPr spcFirstLastPara="1" wrap="square" lIns="91425" tIns="45700" rIns="91425" bIns="45700" anchor="ctr" anchorCtr="0">
             <a:noAutofit/>
           </a:bodyPr>
           <a:lstStyle>
@@ -3770,15 +3904,19 @@
               <a:defRPr/>
             </a:lvl9pPr>
           </a:lstStyle>
-          <a:p/>
+          <a:p>
+            <a:endParaRPr/>
+          </a:p>
         </p:txBody>
       </p:sp>
       <p:sp>
         <p:nvSpPr>
           <p:cNvPr id="83" name="Google Shape;83;p14"/>
-          <p:cNvSpPr txBox="1"/>
+          <p:cNvSpPr txBox="1">
+            <a:spLocks noGrp="1"/>
+          </p:cNvSpPr>
           <p:nvPr>
-            <p:ph idx="11" type="ftr"/>
+            <p:ph type="ftr" idx="11"/>
           </p:nvPr>
         </p:nvSpPr>
         <p:spPr>
@@ -3795,7 +3933,7 @@
           </a:ln>
         </p:spPr>
         <p:txBody>
-          <a:bodyPr anchorCtr="0" anchor="ctr" bIns="45700" lIns="91425" spcFirstLastPara="1" rIns="91425" wrap="square" tIns="45700">
+          <a:bodyPr spcFirstLastPara="1" wrap="square" lIns="91425" tIns="45700" rIns="91425" bIns="45700" anchor="ctr" anchorCtr="0">
             <a:noAutofit/>
           </a:bodyPr>
           <a:lstStyle>
@@ -3899,15 +4037,19 @@
               <a:defRPr/>
             </a:lvl9pPr>
           </a:lstStyle>
-          <a:p/>
+          <a:p>
+            <a:endParaRPr/>
+          </a:p>
         </p:txBody>
       </p:sp>
       <p:sp>
         <p:nvSpPr>
           <p:cNvPr id="84" name="Google Shape;84;p14"/>
-          <p:cNvSpPr txBox="1"/>
+          <p:cNvSpPr txBox="1">
+            <a:spLocks noGrp="1"/>
+          </p:cNvSpPr>
           <p:nvPr>
-            <p:ph idx="12" type="sldNum"/>
+            <p:ph type="sldNum" idx="12"/>
           </p:nvPr>
         </p:nvSpPr>
         <p:spPr>
@@ -3924,67 +4066,67 @@
           </a:ln>
         </p:spPr>
         <p:txBody>
-          <a:bodyPr anchorCtr="0" anchor="ctr" bIns="45700" lIns="91425" spcFirstLastPara="1" rIns="91425" wrap="square" tIns="45700">
+          <a:bodyPr spcFirstLastPara="1" wrap="square" lIns="91425" tIns="45700" rIns="91425" bIns="45700" anchor="ctr" anchorCtr="0">
             <a:noAutofit/>
           </a:bodyPr>
           <a:lstStyle>
-            <a:lvl1pPr indent="0" lvl="0" marL="0" algn="r">
+            <a:lvl1pPr marL="0" lvl="0" indent="0" algn="r">
               <a:spcBef>
                 <a:spcPts val="0"/>
               </a:spcBef>
               <a:buNone/>
               <a:defRPr/>
             </a:lvl1pPr>
-            <a:lvl2pPr indent="0" lvl="1" marL="0" algn="r">
+            <a:lvl2pPr marL="0" lvl="1" indent="0" algn="r">
               <a:spcBef>
                 <a:spcPts val="0"/>
               </a:spcBef>
               <a:buNone/>
               <a:defRPr/>
             </a:lvl2pPr>
-            <a:lvl3pPr indent="0" lvl="2" marL="0" algn="r">
+            <a:lvl3pPr marL="0" lvl="2" indent="0" algn="r">
               <a:spcBef>
                 <a:spcPts val="0"/>
               </a:spcBef>
               <a:buNone/>
               <a:defRPr/>
             </a:lvl3pPr>
-            <a:lvl4pPr indent="0" lvl="3" marL="0" algn="r">
+            <a:lvl4pPr marL="0" lvl="3" indent="0" algn="r">
               <a:spcBef>
                 <a:spcPts val="0"/>
               </a:spcBef>
               <a:buNone/>
               <a:defRPr/>
             </a:lvl4pPr>
-            <a:lvl5pPr indent="0" lvl="4" marL="0" algn="r">
+            <a:lvl5pPr marL="0" lvl="4" indent="0" algn="r">
               <a:spcBef>
                 <a:spcPts val="0"/>
               </a:spcBef>
               <a:buNone/>
               <a:defRPr/>
             </a:lvl5pPr>
-            <a:lvl6pPr indent="0" lvl="5" marL="0" algn="r">
+            <a:lvl6pPr marL="0" lvl="5" indent="0" algn="r">
               <a:spcBef>
                 <a:spcPts val="0"/>
               </a:spcBef>
               <a:buNone/>
               <a:defRPr/>
             </a:lvl6pPr>
-            <a:lvl7pPr indent="0" lvl="6" marL="0" algn="r">
+            <a:lvl7pPr marL="0" lvl="6" indent="0" algn="r">
               <a:spcBef>
                 <a:spcPts val="0"/>
               </a:spcBef>
               <a:buNone/>
               <a:defRPr/>
             </a:lvl7pPr>
-            <a:lvl8pPr indent="0" lvl="7" marL="0" algn="r">
+            <a:lvl8pPr marL="0" lvl="7" indent="0" algn="r">
               <a:spcBef>
                 <a:spcPts val="0"/>
               </a:spcBef>
               <a:buNone/>
               <a:defRPr/>
             </a:lvl8pPr>
-            <a:lvl9pPr indent="0" lvl="8" marL="0" algn="r">
+            <a:lvl9pPr marL="0" lvl="8" indent="0" algn="r">
               <a:spcBef>
                 <a:spcPts val="0"/>
               </a:spcBef>
@@ -3993,7 +4135,7 @@
             </a:lvl9pPr>
           </a:lstStyle>
           <a:p>
-            <a:pPr indent="0" lvl="0" marL="0" rtl="0" algn="r">
+            <a:pPr marL="0" lvl="0" indent="0" algn="r" rtl="0">
               <a:spcBef>
                 <a:spcPts val="0"/>
               </a:spcBef>
@@ -4004,7 +4146,7 @@
             </a:pPr>
             <a:fld id="{00000000-1234-1234-1234-123412341234}" type="slidenum">
               <a:rPr lang="es-ES"/>
-              <a:t>‹#›</a:t>
+              <a:t>‹Nº›</a:t>
             </a:fld>
             <a:endParaRPr/>
           </a:p>
@@ -4019,11 +4161,11 @@
 </file>
 
 <file path=ppt/slideLayouts/slideLayout11.xml><?xml version="1.0" encoding="utf-8"?>
-<p:sldLayout xmlns:a="http://schemas.openxmlformats.org/drawingml/2006/main" xmlns:r="http://schemas.openxmlformats.org/officeDocument/2006/relationships" xmlns:mc="http://schemas.openxmlformats.org/markup-compatibility/2006" xmlns:mv="urn:schemas-microsoft-com:mac:vml" xmlns:p="http://schemas.openxmlformats.org/presentationml/2006/main" xmlns:c="http://schemas.openxmlformats.org/drawingml/2006/chart" xmlns:dgm="http://schemas.openxmlformats.org/drawingml/2006/diagram" xmlns:o="urn:schemas-microsoft-com:office:office" xmlns:v="urn:schemas-microsoft-com:vml" xmlns:pvml="urn:schemas-microsoft-com:office:powerpoint" xmlns:com="http://schemas.openxmlformats.org/drawingml/2006/compatibility" xmlns:p14="http://schemas.microsoft.com/office/powerpoint/2010/main" xmlns:p15="http://schemas.microsoft.com/office/powerpoint/2012/main" matchingName="Título vertical y texto" type="vertTitleAndTx">
+<p:sldLayout xmlns:a="http://schemas.openxmlformats.org/drawingml/2006/main" xmlns:r="http://schemas.openxmlformats.org/officeDocument/2006/relationships" xmlns:p="http://schemas.openxmlformats.org/presentationml/2006/main" matchingName="Título vertical y texto" type="vertTitleAndTx">
   <p:cSld name="VERTICAL_TITLE_AND_VERTICAL_TEXT">
     <p:spTree>
       <p:nvGrpSpPr>
-        <p:cNvPr id="85" name="Shape 85"/>
+        <p:cNvPr id="1" name="Shape 85"/>
         <p:cNvGrpSpPr/>
         <p:nvPr/>
       </p:nvGrpSpPr>
@@ -4038,7 +4180,9 @@
       <p:sp>
         <p:nvSpPr>
           <p:cNvPr id="86" name="Google Shape;86;p15"/>
-          <p:cNvSpPr txBox="1"/>
+          <p:cNvSpPr txBox="1">
+            <a:spLocks noGrp="1"/>
+          </p:cNvSpPr>
           <p:nvPr>
             <p:ph type="title"/>
           </p:nvPr>
@@ -4057,7 +4201,7 @@
           </a:ln>
         </p:spPr>
         <p:txBody>
-          <a:bodyPr anchorCtr="0" anchor="t" bIns="45700" lIns="91425" spcFirstLastPara="1" rIns="91425" wrap="square" tIns="45700">
+          <a:bodyPr spcFirstLastPara="1" wrap="square" lIns="91425" tIns="45700" rIns="91425" bIns="45700" anchor="t" anchorCtr="0">
             <a:normAutofit/>
           </a:bodyPr>
           <a:lstStyle>
@@ -4167,15 +4311,19 @@
               <a:defRPr/>
             </a:lvl9pPr>
           </a:lstStyle>
-          <a:p/>
+          <a:p>
+            <a:endParaRPr/>
+          </a:p>
         </p:txBody>
       </p:sp>
       <p:sp>
         <p:nvSpPr>
           <p:cNvPr id="87" name="Google Shape;87;p15"/>
-          <p:cNvSpPr txBox="1"/>
+          <p:cNvSpPr txBox="1">
+            <a:spLocks noGrp="1"/>
+          </p:cNvSpPr>
           <p:nvPr>
-            <p:ph idx="1" type="body"/>
+            <p:ph type="body" idx="1"/>
           </p:nvPr>
         </p:nvSpPr>
         <p:spPr>
@@ -4192,11 +4340,11 @@
           </a:ln>
         </p:spPr>
         <p:txBody>
-          <a:bodyPr anchorCtr="0" anchor="t" bIns="45700" lIns="91425" spcFirstLastPara="1" rIns="91425" wrap="square" tIns="45700">
+          <a:bodyPr spcFirstLastPara="1" wrap="square" lIns="91425" tIns="45700" rIns="91425" bIns="45700" anchor="t" anchorCtr="0">
             <a:normAutofit/>
           </a:bodyPr>
           <a:lstStyle>
-            <a:lvl1pPr indent="-342900" lvl="0" marL="457200" algn="l">
+            <a:lvl1pPr marL="457200" lvl="0" indent="-342900" algn="l">
               <a:lnSpc>
                 <a:spcPct val="110000"/>
               </a:lnSpc>
@@ -4210,7 +4358,7 @@
               <a:buChar char="•"/>
               <a:defRPr/>
             </a:lvl1pPr>
-            <a:lvl2pPr indent="-342900" lvl="1" marL="914400" algn="l">
+            <a:lvl2pPr marL="914400" lvl="1" indent="-342900" algn="l">
               <a:lnSpc>
                 <a:spcPct val="110000"/>
               </a:lnSpc>
@@ -4224,7 +4372,7 @@
               <a:buChar char="–"/>
               <a:defRPr/>
             </a:lvl2pPr>
-            <a:lvl3pPr indent="-342900" lvl="2" marL="1371600" algn="l">
+            <a:lvl3pPr marL="1371600" lvl="2" indent="-342900" algn="l">
               <a:lnSpc>
                 <a:spcPct val="110000"/>
               </a:lnSpc>
@@ -4238,7 +4386,7 @@
               <a:buChar char="•"/>
               <a:defRPr/>
             </a:lvl3pPr>
-            <a:lvl4pPr indent="-342900" lvl="3" marL="1828800" algn="l">
+            <a:lvl4pPr marL="1828800" lvl="3" indent="-342900" algn="l">
               <a:lnSpc>
                 <a:spcPct val="110000"/>
               </a:lnSpc>
@@ -4252,7 +4400,7 @@
               <a:buChar char="–"/>
               <a:defRPr/>
             </a:lvl4pPr>
-            <a:lvl5pPr indent="-342900" lvl="4" marL="2286000" algn="l">
+            <a:lvl5pPr marL="2286000" lvl="4" indent="-342900" algn="l">
               <a:lnSpc>
                 <a:spcPct val="110000"/>
               </a:lnSpc>
@@ -4266,7 +4414,7 @@
               <a:buChar char="•"/>
               <a:defRPr/>
             </a:lvl5pPr>
-            <a:lvl6pPr indent="-342900" lvl="5" marL="2743200" algn="l">
+            <a:lvl6pPr marL="2743200" lvl="5" indent="-342900" algn="l">
               <a:lnSpc>
                 <a:spcPct val="110000"/>
               </a:lnSpc>
@@ -4280,7 +4428,7 @@
               <a:buChar char="–"/>
               <a:defRPr/>
             </a:lvl6pPr>
-            <a:lvl7pPr indent="-342900" lvl="6" marL="3200400" algn="l">
+            <a:lvl7pPr marL="3200400" lvl="6" indent="-342900" algn="l">
               <a:lnSpc>
                 <a:spcPct val="110000"/>
               </a:lnSpc>
@@ -4294,7 +4442,7 @@
               <a:buChar char="•"/>
               <a:defRPr/>
             </a:lvl7pPr>
-            <a:lvl8pPr indent="-342900" lvl="7" marL="3657600" algn="l">
+            <a:lvl8pPr marL="3657600" lvl="7" indent="-342900" algn="l">
               <a:lnSpc>
                 <a:spcPct val="110000"/>
               </a:lnSpc>
@@ -4308,7 +4456,7 @@
               <a:buChar char="–"/>
               <a:defRPr/>
             </a:lvl8pPr>
-            <a:lvl9pPr indent="-342900" lvl="8" marL="4114800" algn="l">
+            <a:lvl9pPr marL="4114800" lvl="8" indent="-342900" algn="l">
               <a:lnSpc>
                 <a:spcPct val="110000"/>
               </a:lnSpc>
@@ -4323,15 +4471,19 @@
               <a:defRPr/>
             </a:lvl9pPr>
           </a:lstStyle>
-          <a:p/>
+          <a:p>
+            <a:endParaRPr/>
+          </a:p>
         </p:txBody>
       </p:sp>
       <p:sp>
         <p:nvSpPr>
           <p:cNvPr id="88" name="Google Shape;88;p15"/>
-          <p:cNvSpPr txBox="1"/>
+          <p:cNvSpPr txBox="1">
+            <a:spLocks noGrp="1"/>
+          </p:cNvSpPr>
           <p:nvPr>
-            <p:ph idx="10" type="dt"/>
+            <p:ph type="dt" idx="10"/>
           </p:nvPr>
         </p:nvSpPr>
         <p:spPr>
@@ -4348,7 +4500,7 @@
           </a:ln>
         </p:spPr>
         <p:txBody>
-          <a:bodyPr anchorCtr="0" anchor="ctr" bIns="45700" lIns="91425" spcFirstLastPara="1" rIns="91425" wrap="square" tIns="45700">
+          <a:bodyPr spcFirstLastPara="1" wrap="square" lIns="91425" tIns="45700" rIns="91425" bIns="45700" anchor="ctr" anchorCtr="0">
             <a:noAutofit/>
           </a:bodyPr>
           <a:lstStyle>
@@ -4452,15 +4604,19 @@
               <a:defRPr/>
             </a:lvl9pPr>
           </a:lstStyle>
-          <a:p/>
+          <a:p>
+            <a:endParaRPr/>
+          </a:p>
         </p:txBody>
       </p:sp>
       <p:sp>
         <p:nvSpPr>
           <p:cNvPr id="89" name="Google Shape;89;p15"/>
-          <p:cNvSpPr txBox="1"/>
+          <p:cNvSpPr txBox="1">
+            <a:spLocks noGrp="1"/>
+          </p:cNvSpPr>
           <p:nvPr>
-            <p:ph idx="11" type="ftr"/>
+            <p:ph type="ftr" idx="11"/>
           </p:nvPr>
         </p:nvSpPr>
         <p:spPr>
@@ -4477,7 +4633,7 @@
           </a:ln>
         </p:spPr>
         <p:txBody>
-          <a:bodyPr anchorCtr="0" anchor="ctr" bIns="45700" lIns="91425" spcFirstLastPara="1" rIns="91425" wrap="square" tIns="45700">
+          <a:bodyPr spcFirstLastPara="1" wrap="square" lIns="91425" tIns="45700" rIns="91425" bIns="45700" anchor="ctr" anchorCtr="0">
             <a:noAutofit/>
           </a:bodyPr>
           <a:lstStyle>
@@ -4581,15 +4737,19 @@
               <a:defRPr/>
             </a:lvl9pPr>
           </a:lstStyle>
-          <a:p/>
+          <a:p>
+            <a:endParaRPr/>
+          </a:p>
         </p:txBody>
       </p:sp>
       <p:sp>
         <p:nvSpPr>
           <p:cNvPr id="90" name="Google Shape;90;p15"/>
-          <p:cNvSpPr txBox="1"/>
+          <p:cNvSpPr txBox="1">
+            <a:spLocks noGrp="1"/>
+          </p:cNvSpPr>
           <p:nvPr>
-            <p:ph idx="12" type="sldNum"/>
+            <p:ph type="sldNum" idx="12"/>
           </p:nvPr>
         </p:nvSpPr>
         <p:spPr>
@@ -4606,67 +4766,67 @@
           </a:ln>
         </p:spPr>
         <p:txBody>
-          <a:bodyPr anchorCtr="0" anchor="ctr" bIns="45700" lIns="91425" spcFirstLastPara="1" rIns="91425" wrap="square" tIns="45700">
+          <a:bodyPr spcFirstLastPara="1" wrap="square" lIns="91425" tIns="45700" rIns="91425" bIns="45700" anchor="ctr" anchorCtr="0">
             <a:noAutofit/>
           </a:bodyPr>
           <a:lstStyle>
-            <a:lvl1pPr indent="0" lvl="0" marL="0" algn="r">
+            <a:lvl1pPr marL="0" lvl="0" indent="0" algn="r">
               <a:spcBef>
                 <a:spcPts val="0"/>
               </a:spcBef>
               <a:buNone/>
               <a:defRPr/>
             </a:lvl1pPr>
-            <a:lvl2pPr indent="0" lvl="1" marL="0" algn="r">
+            <a:lvl2pPr marL="0" lvl="1" indent="0" algn="r">
               <a:spcBef>
                 <a:spcPts val="0"/>
               </a:spcBef>
               <a:buNone/>
               <a:defRPr/>
             </a:lvl2pPr>
-            <a:lvl3pPr indent="0" lvl="2" marL="0" algn="r">
+            <a:lvl3pPr marL="0" lvl="2" indent="0" algn="r">
               <a:spcBef>
                 <a:spcPts val="0"/>
               </a:spcBef>
               <a:buNone/>
               <a:defRPr/>
             </a:lvl3pPr>
-            <a:lvl4pPr indent="0" lvl="3" marL="0" algn="r">
+            <a:lvl4pPr marL="0" lvl="3" indent="0" algn="r">
               <a:spcBef>
                 <a:spcPts val="0"/>
               </a:spcBef>
               <a:buNone/>
               <a:defRPr/>
             </a:lvl4pPr>
-            <a:lvl5pPr indent="0" lvl="4" marL="0" algn="r">
+            <a:lvl5pPr marL="0" lvl="4" indent="0" algn="r">
               <a:spcBef>
                 <a:spcPts val="0"/>
               </a:spcBef>
               <a:buNone/>
               <a:defRPr/>
             </a:lvl5pPr>
-            <a:lvl6pPr indent="0" lvl="5" marL="0" algn="r">
+            <a:lvl6pPr marL="0" lvl="5" indent="0" algn="r">
               <a:spcBef>
                 <a:spcPts val="0"/>
               </a:spcBef>
               <a:buNone/>
               <a:defRPr/>
             </a:lvl6pPr>
-            <a:lvl7pPr indent="0" lvl="6" marL="0" algn="r">
+            <a:lvl7pPr marL="0" lvl="6" indent="0" algn="r">
               <a:spcBef>
                 <a:spcPts val="0"/>
               </a:spcBef>
               <a:buNone/>
               <a:defRPr/>
             </a:lvl7pPr>
-            <a:lvl8pPr indent="0" lvl="7" marL="0" algn="r">
+            <a:lvl8pPr marL="0" lvl="7" indent="0" algn="r">
               <a:spcBef>
                 <a:spcPts val="0"/>
               </a:spcBef>
               <a:buNone/>
               <a:defRPr/>
             </a:lvl8pPr>
-            <a:lvl9pPr indent="0" lvl="8" marL="0" algn="r">
+            <a:lvl9pPr marL="0" lvl="8" indent="0" algn="r">
               <a:spcBef>
                 <a:spcPts val="0"/>
               </a:spcBef>
@@ -4675,7 +4835,7 @@
             </a:lvl9pPr>
           </a:lstStyle>
           <a:p>
-            <a:pPr indent="0" lvl="0" marL="0" rtl="0" algn="r">
+            <a:pPr marL="0" lvl="0" indent="0" algn="r" rtl="0">
               <a:spcBef>
                 <a:spcPts val="0"/>
               </a:spcBef>
@@ -4686,7 +4846,7 @@
             </a:pPr>
             <a:fld id="{00000000-1234-1234-1234-123412341234}" type="slidenum">
               <a:rPr lang="es-ES"/>
-              <a:t>‹#›</a:t>
+              <a:t>‹Nº›</a:t>
             </a:fld>
             <a:endParaRPr/>
           </a:p>
@@ -4701,11 +4861,11 @@
 </file>
 
 <file path=ppt/slideLayouts/slideLayout2.xml><?xml version="1.0" encoding="utf-8"?>
-<p:sldLayout xmlns:a="http://schemas.openxmlformats.org/drawingml/2006/main" xmlns:r="http://schemas.openxmlformats.org/officeDocument/2006/relationships" xmlns:mc="http://schemas.openxmlformats.org/markup-compatibility/2006" xmlns:mv="urn:schemas-microsoft-com:mac:vml" xmlns:p="http://schemas.openxmlformats.org/presentationml/2006/main" xmlns:c="http://schemas.openxmlformats.org/drawingml/2006/chart" xmlns:dgm="http://schemas.openxmlformats.org/drawingml/2006/diagram" xmlns:o="urn:schemas-microsoft-com:office:office" xmlns:v="urn:schemas-microsoft-com:vml" xmlns:pvml="urn:schemas-microsoft-com:office:powerpoint" xmlns:com="http://schemas.openxmlformats.org/drawingml/2006/compatibility" xmlns:p14="http://schemas.microsoft.com/office/powerpoint/2010/main" xmlns:p15="http://schemas.microsoft.com/office/powerpoint/2012/main" matchingName="Título y objetos" type="obj">
+<p:sldLayout xmlns:a="http://schemas.openxmlformats.org/drawingml/2006/main" xmlns:r="http://schemas.openxmlformats.org/officeDocument/2006/relationships" xmlns:p="http://schemas.openxmlformats.org/presentationml/2006/main" matchingName="Título y objetos" type="obj">
   <p:cSld name="OBJECT">
     <p:spTree>
       <p:nvGrpSpPr>
-        <p:cNvPr id="21" name="Shape 21"/>
+        <p:cNvPr id="1" name="Shape 21"/>
         <p:cNvGrpSpPr/>
         <p:nvPr/>
       </p:nvGrpSpPr>
@@ -4720,7 +4880,9 @@
       <p:sp>
         <p:nvSpPr>
           <p:cNvPr id="22" name="Google Shape;22;p6"/>
-          <p:cNvSpPr txBox="1"/>
+          <p:cNvSpPr txBox="1">
+            <a:spLocks noGrp="1"/>
+          </p:cNvSpPr>
           <p:nvPr>
             <p:ph type="title"/>
           </p:nvPr>
@@ -4739,7 +4901,7 @@
           </a:ln>
         </p:spPr>
         <p:txBody>
-          <a:bodyPr anchorCtr="0" anchor="t" bIns="45700" lIns="91425" spcFirstLastPara="1" rIns="91425" wrap="square" tIns="45700">
+          <a:bodyPr spcFirstLastPara="1" wrap="square" lIns="91425" tIns="45700" rIns="91425" bIns="45700" anchor="t" anchorCtr="0">
             <a:normAutofit/>
           </a:bodyPr>
           <a:lstStyle>
@@ -4849,15 +5011,19 @@
               <a:defRPr/>
             </a:lvl9pPr>
           </a:lstStyle>
-          <a:p/>
+          <a:p>
+            <a:endParaRPr/>
+          </a:p>
         </p:txBody>
       </p:sp>
       <p:sp>
         <p:nvSpPr>
           <p:cNvPr id="23" name="Google Shape;23;p6"/>
-          <p:cNvSpPr txBox="1"/>
+          <p:cNvSpPr txBox="1">
+            <a:spLocks noGrp="1"/>
+          </p:cNvSpPr>
           <p:nvPr>
-            <p:ph idx="1" type="body"/>
+            <p:ph type="body" idx="1"/>
           </p:nvPr>
         </p:nvSpPr>
         <p:spPr>
@@ -4874,11 +5040,11 @@
           </a:ln>
         </p:spPr>
         <p:txBody>
-          <a:bodyPr anchorCtr="0" anchor="t" bIns="45700" lIns="91425" spcFirstLastPara="1" rIns="91425" wrap="square" tIns="45700">
+          <a:bodyPr spcFirstLastPara="1" wrap="square" lIns="91425" tIns="45700" rIns="91425" bIns="45700" anchor="t" anchorCtr="0">
             <a:normAutofit/>
           </a:bodyPr>
           <a:lstStyle>
-            <a:lvl1pPr indent="-342900" lvl="0" marL="457200" algn="l">
+            <a:lvl1pPr marL="457200" lvl="0" indent="-342900" algn="l">
               <a:lnSpc>
                 <a:spcPct val="110000"/>
               </a:lnSpc>
@@ -4892,7 +5058,7 @@
               <a:buChar char="•"/>
               <a:defRPr/>
             </a:lvl1pPr>
-            <a:lvl2pPr indent="-342900" lvl="1" marL="914400" algn="l">
+            <a:lvl2pPr marL="914400" lvl="1" indent="-342900" algn="l">
               <a:lnSpc>
                 <a:spcPct val="110000"/>
               </a:lnSpc>
@@ -4906,7 +5072,7 @@
               <a:buChar char="–"/>
               <a:defRPr/>
             </a:lvl2pPr>
-            <a:lvl3pPr indent="-342900" lvl="2" marL="1371600" algn="l">
+            <a:lvl3pPr marL="1371600" lvl="2" indent="-342900" algn="l">
               <a:lnSpc>
                 <a:spcPct val="110000"/>
               </a:lnSpc>
@@ -4920,7 +5086,7 @@
               <a:buChar char="•"/>
               <a:defRPr/>
             </a:lvl3pPr>
-            <a:lvl4pPr indent="-342900" lvl="3" marL="1828800" algn="l">
+            <a:lvl4pPr marL="1828800" lvl="3" indent="-342900" algn="l">
               <a:lnSpc>
                 <a:spcPct val="110000"/>
               </a:lnSpc>
@@ -4934,7 +5100,7 @@
               <a:buChar char="–"/>
               <a:defRPr/>
             </a:lvl4pPr>
-            <a:lvl5pPr indent="-342900" lvl="4" marL="2286000" algn="l">
+            <a:lvl5pPr marL="2286000" lvl="4" indent="-342900" algn="l">
               <a:lnSpc>
                 <a:spcPct val="110000"/>
               </a:lnSpc>
@@ -4948,7 +5114,7 @@
               <a:buChar char="•"/>
               <a:defRPr/>
             </a:lvl5pPr>
-            <a:lvl6pPr indent="-342900" lvl="5" marL="2743200" algn="l">
+            <a:lvl6pPr marL="2743200" lvl="5" indent="-342900" algn="l">
               <a:lnSpc>
                 <a:spcPct val="110000"/>
               </a:lnSpc>
@@ -4962,7 +5128,7 @@
               <a:buChar char="–"/>
               <a:defRPr/>
             </a:lvl6pPr>
-            <a:lvl7pPr indent="-342900" lvl="6" marL="3200400" algn="l">
+            <a:lvl7pPr marL="3200400" lvl="6" indent="-342900" algn="l">
               <a:lnSpc>
                 <a:spcPct val="110000"/>
               </a:lnSpc>
@@ -4976,7 +5142,7 @@
               <a:buChar char="•"/>
               <a:defRPr/>
             </a:lvl7pPr>
-            <a:lvl8pPr indent="-342900" lvl="7" marL="3657600" algn="l">
+            <a:lvl8pPr marL="3657600" lvl="7" indent="-342900" algn="l">
               <a:lnSpc>
                 <a:spcPct val="110000"/>
               </a:lnSpc>
@@ -4990,7 +5156,7 @@
               <a:buChar char="–"/>
               <a:defRPr/>
             </a:lvl8pPr>
-            <a:lvl9pPr indent="-342900" lvl="8" marL="4114800" algn="l">
+            <a:lvl9pPr marL="4114800" lvl="8" indent="-342900" algn="l">
               <a:lnSpc>
                 <a:spcPct val="110000"/>
               </a:lnSpc>
@@ -5005,15 +5171,19 @@
               <a:defRPr/>
             </a:lvl9pPr>
           </a:lstStyle>
-          <a:p/>
+          <a:p>
+            <a:endParaRPr/>
+          </a:p>
         </p:txBody>
       </p:sp>
       <p:sp>
         <p:nvSpPr>
           <p:cNvPr id="24" name="Google Shape;24;p6"/>
-          <p:cNvSpPr txBox="1"/>
+          <p:cNvSpPr txBox="1">
+            <a:spLocks noGrp="1"/>
+          </p:cNvSpPr>
           <p:nvPr>
-            <p:ph idx="10" type="dt"/>
+            <p:ph type="dt" idx="10"/>
           </p:nvPr>
         </p:nvSpPr>
         <p:spPr>
@@ -5030,7 +5200,7 @@
           </a:ln>
         </p:spPr>
         <p:txBody>
-          <a:bodyPr anchorCtr="0" anchor="ctr" bIns="45700" lIns="91425" spcFirstLastPara="1" rIns="91425" wrap="square" tIns="45700">
+          <a:bodyPr spcFirstLastPara="1" wrap="square" lIns="91425" tIns="45700" rIns="91425" bIns="45700" anchor="ctr" anchorCtr="0">
             <a:noAutofit/>
           </a:bodyPr>
           <a:lstStyle>
@@ -5134,15 +5304,19 @@
               <a:defRPr/>
             </a:lvl9pPr>
           </a:lstStyle>
-          <a:p/>
+          <a:p>
+            <a:endParaRPr/>
+          </a:p>
         </p:txBody>
       </p:sp>
       <p:sp>
         <p:nvSpPr>
           <p:cNvPr id="25" name="Google Shape;25;p6"/>
-          <p:cNvSpPr txBox="1"/>
+          <p:cNvSpPr txBox="1">
+            <a:spLocks noGrp="1"/>
+          </p:cNvSpPr>
           <p:nvPr>
-            <p:ph idx="11" type="ftr"/>
+            <p:ph type="ftr" idx="11"/>
           </p:nvPr>
         </p:nvSpPr>
         <p:spPr>
@@ -5159,7 +5333,7 @@
           </a:ln>
         </p:spPr>
         <p:txBody>
-          <a:bodyPr anchorCtr="0" anchor="ctr" bIns="45700" lIns="91425" spcFirstLastPara="1" rIns="91425" wrap="square" tIns="45700">
+          <a:bodyPr spcFirstLastPara="1" wrap="square" lIns="91425" tIns="45700" rIns="91425" bIns="45700" anchor="ctr" anchorCtr="0">
             <a:noAutofit/>
           </a:bodyPr>
           <a:lstStyle>
@@ -5263,15 +5437,19 @@
               <a:defRPr/>
             </a:lvl9pPr>
           </a:lstStyle>
-          <a:p/>
+          <a:p>
+            <a:endParaRPr/>
+          </a:p>
         </p:txBody>
       </p:sp>
       <p:sp>
         <p:nvSpPr>
           <p:cNvPr id="26" name="Google Shape;26;p6"/>
-          <p:cNvSpPr txBox="1"/>
+          <p:cNvSpPr txBox="1">
+            <a:spLocks noGrp="1"/>
+          </p:cNvSpPr>
           <p:nvPr>
-            <p:ph idx="12" type="sldNum"/>
+            <p:ph type="sldNum" idx="12"/>
           </p:nvPr>
         </p:nvSpPr>
         <p:spPr>
@@ -5288,67 +5466,67 @@
           </a:ln>
         </p:spPr>
         <p:txBody>
-          <a:bodyPr anchorCtr="0" anchor="ctr" bIns="45700" lIns="91425" spcFirstLastPara="1" rIns="91425" wrap="square" tIns="45700">
+          <a:bodyPr spcFirstLastPara="1" wrap="square" lIns="91425" tIns="45700" rIns="91425" bIns="45700" anchor="ctr" anchorCtr="0">
             <a:noAutofit/>
           </a:bodyPr>
           <a:lstStyle>
-            <a:lvl1pPr indent="0" lvl="0" marL="0" algn="r">
+            <a:lvl1pPr marL="0" lvl="0" indent="0" algn="r">
               <a:spcBef>
                 <a:spcPts val="0"/>
               </a:spcBef>
               <a:buNone/>
               <a:defRPr/>
             </a:lvl1pPr>
-            <a:lvl2pPr indent="0" lvl="1" marL="0" algn="r">
+            <a:lvl2pPr marL="0" lvl="1" indent="0" algn="r">
               <a:spcBef>
                 <a:spcPts val="0"/>
               </a:spcBef>
               <a:buNone/>
               <a:defRPr/>
             </a:lvl2pPr>
-            <a:lvl3pPr indent="0" lvl="2" marL="0" algn="r">
+            <a:lvl3pPr marL="0" lvl="2" indent="0" algn="r">
               <a:spcBef>
                 <a:spcPts val="0"/>
               </a:spcBef>
               <a:buNone/>
               <a:defRPr/>
             </a:lvl3pPr>
-            <a:lvl4pPr indent="0" lvl="3" marL="0" algn="r">
+            <a:lvl4pPr marL="0" lvl="3" indent="0" algn="r">
               <a:spcBef>
                 <a:spcPts val="0"/>
               </a:spcBef>
               <a:buNone/>
               <a:defRPr/>
             </a:lvl4pPr>
-            <a:lvl5pPr indent="0" lvl="4" marL="0" algn="r">
+            <a:lvl5pPr marL="0" lvl="4" indent="0" algn="r">
               <a:spcBef>
                 <a:spcPts val="0"/>
               </a:spcBef>
               <a:buNone/>
               <a:defRPr/>
             </a:lvl5pPr>
-            <a:lvl6pPr indent="0" lvl="5" marL="0" algn="r">
+            <a:lvl6pPr marL="0" lvl="5" indent="0" algn="r">
               <a:spcBef>
                 <a:spcPts val="0"/>
               </a:spcBef>
               <a:buNone/>
               <a:defRPr/>
             </a:lvl6pPr>
-            <a:lvl7pPr indent="0" lvl="6" marL="0" algn="r">
+            <a:lvl7pPr marL="0" lvl="6" indent="0" algn="r">
               <a:spcBef>
                 <a:spcPts val="0"/>
               </a:spcBef>
               <a:buNone/>
               <a:defRPr/>
             </a:lvl7pPr>
-            <a:lvl8pPr indent="0" lvl="7" marL="0" algn="r">
+            <a:lvl8pPr marL="0" lvl="7" indent="0" algn="r">
               <a:spcBef>
                 <a:spcPts val="0"/>
               </a:spcBef>
               <a:buNone/>
               <a:defRPr/>
             </a:lvl8pPr>
-            <a:lvl9pPr indent="0" lvl="8" marL="0" algn="r">
+            <a:lvl9pPr marL="0" lvl="8" indent="0" algn="r">
               <a:spcBef>
                 <a:spcPts val="0"/>
               </a:spcBef>
@@ -5357,7 +5535,7 @@
             </a:lvl9pPr>
           </a:lstStyle>
           <a:p>
-            <a:pPr indent="0" lvl="0" marL="0" rtl="0" algn="r">
+            <a:pPr marL="0" lvl="0" indent="0" algn="r" rtl="0">
               <a:spcBef>
                 <a:spcPts val="0"/>
               </a:spcBef>
@@ -5368,7 +5546,7 @@
             </a:pPr>
             <a:fld id="{00000000-1234-1234-1234-123412341234}" type="slidenum">
               <a:rPr lang="es-ES"/>
-              <a:t>‹#›</a:t>
+              <a:t>‹Nº›</a:t>
             </a:fld>
             <a:endParaRPr/>
           </a:p>
@@ -5383,18 +5561,19 @@
 </file>
 
 <file path=ppt/slideLayouts/slideLayout3.xml><?xml version="1.0" encoding="utf-8"?>
-<p:sldLayout xmlns:a="http://schemas.openxmlformats.org/drawingml/2006/main" xmlns:r="http://schemas.openxmlformats.org/officeDocument/2006/relationships" xmlns:mc="http://schemas.openxmlformats.org/markup-compatibility/2006" xmlns:mv="urn:schemas-microsoft-com:mac:vml" xmlns:p="http://schemas.openxmlformats.org/presentationml/2006/main" xmlns:c="http://schemas.openxmlformats.org/drawingml/2006/chart" xmlns:dgm="http://schemas.openxmlformats.org/drawingml/2006/diagram" xmlns:o="urn:schemas-microsoft-com:office:office" xmlns:v="urn:schemas-microsoft-com:vml" xmlns:pvml="urn:schemas-microsoft-com:office:powerpoint" xmlns:com="http://schemas.openxmlformats.org/drawingml/2006/compatibility" xmlns:p14="http://schemas.microsoft.com/office/powerpoint/2010/main" xmlns:p15="http://schemas.microsoft.com/office/powerpoint/2012/main" matchingName="Encabezado de sección" showMasterSp="0" type="secHead">
+<p:sldLayout xmlns:a="http://schemas.openxmlformats.org/drawingml/2006/main" xmlns:r="http://schemas.openxmlformats.org/officeDocument/2006/relationships" xmlns:p="http://schemas.openxmlformats.org/presentationml/2006/main" showMasterSp="0" matchingName="Encabezado de sección" type="secHead">
   <p:cSld name="SECTION_HEADER">
     <p:bg>
       <p:bgPr>
         <a:solidFill>
           <a:schemeClr val="dk2"/>
         </a:solidFill>
+        <a:effectLst/>
       </p:bgPr>
     </p:bg>
     <p:spTree>
       <p:nvGrpSpPr>
-        <p:cNvPr id="27" name="Shape 27"/>
+        <p:cNvPr id="1" name="Shape 27"/>
         <p:cNvGrpSpPr/>
         <p:nvPr/>
       </p:nvGrpSpPr>
@@ -5409,7 +5588,9 @@
       <p:sp>
         <p:nvSpPr>
           <p:cNvPr id="28" name="Google Shape;28;p7"/>
-          <p:cNvSpPr txBox="1"/>
+          <p:cNvSpPr txBox="1">
+            <a:spLocks noGrp="1"/>
+          </p:cNvSpPr>
           <p:nvPr>
             <p:ph type="title"/>
           </p:nvPr>
@@ -5428,7 +5609,7 @@
           </a:ln>
         </p:spPr>
         <p:txBody>
-          <a:bodyPr anchorCtr="0" anchor="b" bIns="45700" lIns="91425" spcFirstLastPara="1" rIns="91425" wrap="square" tIns="45700">
+          <a:bodyPr spcFirstLastPara="1" wrap="square" lIns="91425" tIns="45700" rIns="91425" bIns="45700" anchor="b" anchorCtr="0">
             <a:normAutofit/>
           </a:bodyPr>
           <a:lstStyle>
@@ -5543,15 +5724,19 @@
               <a:defRPr/>
             </a:lvl9pPr>
           </a:lstStyle>
-          <a:p/>
+          <a:p>
+            <a:endParaRPr/>
+          </a:p>
         </p:txBody>
       </p:sp>
       <p:sp>
         <p:nvSpPr>
           <p:cNvPr id="29" name="Google Shape;29;p7"/>
-          <p:cNvSpPr txBox="1"/>
+          <p:cNvSpPr txBox="1">
+            <a:spLocks noGrp="1"/>
+          </p:cNvSpPr>
           <p:nvPr>
-            <p:ph idx="1" type="body"/>
+            <p:ph type="body" idx="1"/>
           </p:nvPr>
         </p:nvSpPr>
         <p:spPr>
@@ -5568,11 +5753,11 @@
           </a:ln>
         </p:spPr>
         <p:txBody>
-          <a:bodyPr anchorCtr="0" anchor="t" bIns="45700" lIns="91425" spcFirstLastPara="1" rIns="91425" wrap="square" tIns="45700">
+          <a:bodyPr spcFirstLastPara="1" wrap="square" lIns="91425" tIns="45700" rIns="91425" bIns="45700" anchor="t" anchorCtr="0">
             <a:normAutofit/>
           </a:bodyPr>
           <a:lstStyle>
-            <a:lvl1pPr indent="-228600" lvl="0" marL="457200" algn="l">
+            <a:lvl1pPr marL="457200" lvl="0" indent="-228600" algn="l">
               <a:lnSpc>
                 <a:spcPct val="100000"/>
               </a:lnSpc>
@@ -5584,13 +5769,13 @@
               </a:spcAft>
               <a:buSzPts val="2000"/>
               <a:buNone/>
-              <a:defRPr b="1" i="0" sz="2000" cap="none">
+              <a:defRPr sz="2000" b="1" i="0" cap="none">
                 <a:solidFill>
                   <a:schemeClr val="accent1"/>
                 </a:solidFill>
               </a:defRPr>
             </a:lvl1pPr>
-            <a:lvl2pPr indent="-228600" lvl="1" marL="914400" algn="l">
+            <a:lvl2pPr marL="914400" lvl="1" indent="-228600" algn="l">
               <a:lnSpc>
                 <a:spcPct val="110000"/>
               </a:lnSpc>
@@ -5608,7 +5793,7 @@
                 </a:solidFill>
               </a:defRPr>
             </a:lvl2pPr>
-            <a:lvl3pPr indent="-228600" lvl="2" marL="1371600" algn="l">
+            <a:lvl3pPr marL="1371600" lvl="2" indent="-228600" algn="l">
               <a:lnSpc>
                 <a:spcPct val="110000"/>
               </a:lnSpc>
@@ -5626,7 +5811,7 @@
                 </a:solidFill>
               </a:defRPr>
             </a:lvl3pPr>
-            <a:lvl4pPr indent="-228600" lvl="3" marL="1828800" algn="l">
+            <a:lvl4pPr marL="1828800" lvl="3" indent="-228600" algn="l">
               <a:lnSpc>
                 <a:spcPct val="110000"/>
               </a:lnSpc>
@@ -5644,7 +5829,7 @@
                 </a:solidFill>
               </a:defRPr>
             </a:lvl4pPr>
-            <a:lvl5pPr indent="-228600" lvl="4" marL="2286000" algn="l">
+            <a:lvl5pPr marL="2286000" lvl="4" indent="-228600" algn="l">
               <a:lnSpc>
                 <a:spcPct val="110000"/>
               </a:lnSpc>
@@ -5662,7 +5847,7 @@
                 </a:solidFill>
               </a:defRPr>
             </a:lvl5pPr>
-            <a:lvl6pPr indent="-228600" lvl="5" marL="2743200" algn="l">
+            <a:lvl6pPr marL="2743200" lvl="5" indent="-228600" algn="l">
               <a:lnSpc>
                 <a:spcPct val="110000"/>
               </a:lnSpc>
@@ -5680,7 +5865,7 @@
                 </a:solidFill>
               </a:defRPr>
             </a:lvl6pPr>
-            <a:lvl7pPr indent="-228600" lvl="6" marL="3200400" algn="l">
+            <a:lvl7pPr marL="3200400" lvl="6" indent="-228600" algn="l">
               <a:lnSpc>
                 <a:spcPct val="110000"/>
               </a:lnSpc>
@@ -5698,7 +5883,7 @@
                 </a:solidFill>
               </a:defRPr>
             </a:lvl7pPr>
-            <a:lvl8pPr indent="-228600" lvl="7" marL="3657600" algn="l">
+            <a:lvl8pPr marL="3657600" lvl="7" indent="-228600" algn="l">
               <a:lnSpc>
                 <a:spcPct val="110000"/>
               </a:lnSpc>
@@ -5716,7 +5901,7 @@
                 </a:solidFill>
               </a:defRPr>
             </a:lvl8pPr>
-            <a:lvl9pPr indent="-228600" lvl="8" marL="4114800" algn="l">
+            <a:lvl9pPr marL="4114800" lvl="8" indent="-228600" algn="l">
               <a:lnSpc>
                 <a:spcPct val="110000"/>
               </a:lnSpc>
@@ -5735,15 +5920,19 @@
               </a:defRPr>
             </a:lvl9pPr>
           </a:lstStyle>
-          <a:p/>
+          <a:p>
+            <a:endParaRPr/>
+          </a:p>
         </p:txBody>
       </p:sp>
       <p:sp>
         <p:nvSpPr>
           <p:cNvPr id="30" name="Google Shape;30;p7"/>
-          <p:cNvSpPr txBox="1"/>
+          <p:cNvSpPr txBox="1">
+            <a:spLocks noGrp="1"/>
+          </p:cNvSpPr>
           <p:nvPr>
-            <p:ph idx="10" type="dt"/>
+            <p:ph type="dt" idx="10"/>
           </p:nvPr>
         </p:nvSpPr>
         <p:spPr>
@@ -5760,7 +5949,7 @@
           </a:ln>
         </p:spPr>
         <p:txBody>
-          <a:bodyPr anchorCtr="0" anchor="ctr" bIns="45700" lIns="91425" spcFirstLastPara="1" rIns="91425" wrap="square" tIns="45700">
+          <a:bodyPr spcFirstLastPara="1" wrap="square" lIns="91425" tIns="45700" rIns="91425" bIns="45700" anchor="ctr" anchorCtr="0">
             <a:noAutofit/>
           </a:bodyPr>
           <a:lstStyle>
@@ -5868,15 +6057,19 @@
               <a:defRPr/>
             </a:lvl9pPr>
           </a:lstStyle>
-          <a:p/>
+          <a:p>
+            <a:endParaRPr/>
+          </a:p>
         </p:txBody>
       </p:sp>
       <p:sp>
         <p:nvSpPr>
           <p:cNvPr id="31" name="Google Shape;31;p7"/>
-          <p:cNvSpPr txBox="1"/>
+          <p:cNvSpPr txBox="1">
+            <a:spLocks noGrp="1"/>
+          </p:cNvSpPr>
           <p:nvPr>
-            <p:ph idx="11" type="ftr"/>
+            <p:ph type="ftr" idx="11"/>
           </p:nvPr>
         </p:nvSpPr>
         <p:spPr>
@@ -5893,7 +6086,7 @@
           </a:ln>
         </p:spPr>
         <p:txBody>
-          <a:bodyPr anchorCtr="0" anchor="ctr" bIns="45700" lIns="91425" spcFirstLastPara="1" rIns="91425" wrap="square" tIns="45700">
+          <a:bodyPr spcFirstLastPara="1" wrap="square" lIns="91425" tIns="45700" rIns="91425" bIns="45700" anchor="ctr" anchorCtr="0">
             <a:noAutofit/>
           </a:bodyPr>
           <a:lstStyle>
@@ -6001,15 +6194,19 @@
               <a:defRPr/>
             </a:lvl9pPr>
           </a:lstStyle>
-          <a:p/>
+          <a:p>
+            <a:endParaRPr/>
+          </a:p>
         </p:txBody>
       </p:sp>
       <p:sp>
         <p:nvSpPr>
           <p:cNvPr id="32" name="Google Shape;32;p7"/>
-          <p:cNvSpPr txBox="1"/>
+          <p:cNvSpPr txBox="1">
+            <a:spLocks noGrp="1"/>
+          </p:cNvSpPr>
           <p:nvPr>
-            <p:ph idx="12" type="sldNum"/>
+            <p:ph type="sldNum" idx="12"/>
           </p:nvPr>
         </p:nvSpPr>
         <p:spPr>
@@ -6026,16 +6223,16 @@
           </a:ln>
         </p:spPr>
         <p:txBody>
-          <a:bodyPr anchorCtr="0" anchor="ctr" bIns="45700" lIns="91425" spcFirstLastPara="1" rIns="91425" wrap="square" tIns="45700">
+          <a:bodyPr spcFirstLastPara="1" wrap="square" lIns="91425" tIns="45700" rIns="91425" bIns="45700" anchor="ctr" anchorCtr="0">
             <a:noAutofit/>
           </a:bodyPr>
           <a:lstStyle>
-            <a:lvl1pPr indent="0" lvl="0" marL="0" algn="r">
-              <a:spcBef>
-                <a:spcPts val="0"/>
-              </a:spcBef>
-              <a:buNone/>
-              <a:defRPr b="0" i="0" sz="1200" u="none" cap="none" strike="noStrike">
+            <a:lvl1pPr marL="0" lvl="0" indent="0" algn="r">
+              <a:spcBef>
+                <a:spcPts val="0"/>
+              </a:spcBef>
+              <a:buNone/>
+              <a:defRPr sz="1200" b="0" i="0" u="none" strike="noStrike" cap="none">
                 <a:solidFill>
                   <a:schemeClr val="lt2"/>
                 </a:solidFill>
@@ -6045,12 +6242,12 @@
                 <a:sym typeface="Gill Sans"/>
               </a:defRPr>
             </a:lvl1pPr>
-            <a:lvl2pPr indent="0" lvl="1" marL="0" algn="r">
-              <a:spcBef>
-                <a:spcPts val="0"/>
-              </a:spcBef>
-              <a:buNone/>
-              <a:defRPr b="0" i="0" sz="1200" u="none" cap="none" strike="noStrike">
+            <a:lvl2pPr marL="0" lvl="1" indent="0" algn="r">
+              <a:spcBef>
+                <a:spcPts val="0"/>
+              </a:spcBef>
+              <a:buNone/>
+              <a:defRPr sz="1200" b="0" i="0" u="none" strike="noStrike" cap="none">
                 <a:solidFill>
                   <a:schemeClr val="lt2"/>
                 </a:solidFill>
@@ -6060,12 +6257,12 @@
                 <a:sym typeface="Gill Sans"/>
               </a:defRPr>
             </a:lvl2pPr>
-            <a:lvl3pPr indent="0" lvl="2" marL="0" algn="r">
-              <a:spcBef>
-                <a:spcPts val="0"/>
-              </a:spcBef>
-              <a:buNone/>
-              <a:defRPr b="0" i="0" sz="1200" u="none" cap="none" strike="noStrike">
+            <a:lvl3pPr marL="0" lvl="2" indent="0" algn="r">
+              <a:spcBef>
+                <a:spcPts val="0"/>
+              </a:spcBef>
+              <a:buNone/>
+              <a:defRPr sz="1200" b="0" i="0" u="none" strike="noStrike" cap="none">
                 <a:solidFill>
                   <a:schemeClr val="lt2"/>
                 </a:solidFill>
@@ -6075,12 +6272,12 @@
                 <a:sym typeface="Gill Sans"/>
               </a:defRPr>
             </a:lvl3pPr>
-            <a:lvl4pPr indent="0" lvl="3" marL="0" algn="r">
-              <a:spcBef>
-                <a:spcPts val="0"/>
-              </a:spcBef>
-              <a:buNone/>
-              <a:defRPr b="0" i="0" sz="1200" u="none" cap="none" strike="noStrike">
+            <a:lvl4pPr marL="0" lvl="3" indent="0" algn="r">
+              <a:spcBef>
+                <a:spcPts val="0"/>
+              </a:spcBef>
+              <a:buNone/>
+              <a:defRPr sz="1200" b="0" i="0" u="none" strike="noStrike" cap="none">
                 <a:solidFill>
                   <a:schemeClr val="lt2"/>
                 </a:solidFill>
@@ -6090,12 +6287,12 @@
                 <a:sym typeface="Gill Sans"/>
               </a:defRPr>
             </a:lvl4pPr>
-            <a:lvl5pPr indent="0" lvl="4" marL="0" algn="r">
-              <a:spcBef>
-                <a:spcPts val="0"/>
-              </a:spcBef>
-              <a:buNone/>
-              <a:defRPr b="0" i="0" sz="1200" u="none" cap="none" strike="noStrike">
+            <a:lvl5pPr marL="0" lvl="4" indent="0" algn="r">
+              <a:spcBef>
+                <a:spcPts val="0"/>
+              </a:spcBef>
+              <a:buNone/>
+              <a:defRPr sz="1200" b="0" i="0" u="none" strike="noStrike" cap="none">
                 <a:solidFill>
                   <a:schemeClr val="lt2"/>
                 </a:solidFill>
@@ -6105,12 +6302,12 @@
                 <a:sym typeface="Gill Sans"/>
               </a:defRPr>
             </a:lvl5pPr>
-            <a:lvl6pPr indent="0" lvl="5" marL="0" algn="r">
-              <a:spcBef>
-                <a:spcPts val="0"/>
-              </a:spcBef>
-              <a:buNone/>
-              <a:defRPr b="0" i="0" sz="1200" u="none" cap="none" strike="noStrike">
+            <a:lvl6pPr marL="0" lvl="5" indent="0" algn="r">
+              <a:spcBef>
+                <a:spcPts val="0"/>
+              </a:spcBef>
+              <a:buNone/>
+              <a:defRPr sz="1200" b="0" i="0" u="none" strike="noStrike" cap="none">
                 <a:solidFill>
                   <a:schemeClr val="lt2"/>
                 </a:solidFill>
@@ -6120,12 +6317,12 @@
                 <a:sym typeface="Gill Sans"/>
               </a:defRPr>
             </a:lvl6pPr>
-            <a:lvl7pPr indent="0" lvl="6" marL="0" algn="r">
-              <a:spcBef>
-                <a:spcPts val="0"/>
-              </a:spcBef>
-              <a:buNone/>
-              <a:defRPr b="0" i="0" sz="1200" u="none" cap="none" strike="noStrike">
+            <a:lvl7pPr marL="0" lvl="6" indent="0" algn="r">
+              <a:spcBef>
+                <a:spcPts val="0"/>
+              </a:spcBef>
+              <a:buNone/>
+              <a:defRPr sz="1200" b="0" i="0" u="none" strike="noStrike" cap="none">
                 <a:solidFill>
                   <a:schemeClr val="lt2"/>
                 </a:solidFill>
@@ -6135,12 +6332,12 @@
                 <a:sym typeface="Gill Sans"/>
               </a:defRPr>
             </a:lvl7pPr>
-            <a:lvl8pPr indent="0" lvl="7" marL="0" algn="r">
-              <a:spcBef>
-                <a:spcPts val="0"/>
-              </a:spcBef>
-              <a:buNone/>
-              <a:defRPr b="0" i="0" sz="1200" u="none" cap="none" strike="noStrike">
+            <a:lvl8pPr marL="0" lvl="7" indent="0" algn="r">
+              <a:spcBef>
+                <a:spcPts val="0"/>
+              </a:spcBef>
+              <a:buNone/>
+              <a:defRPr sz="1200" b="0" i="0" u="none" strike="noStrike" cap="none">
                 <a:solidFill>
                   <a:schemeClr val="lt2"/>
                 </a:solidFill>
@@ -6150,12 +6347,12 @@
                 <a:sym typeface="Gill Sans"/>
               </a:defRPr>
             </a:lvl8pPr>
-            <a:lvl9pPr indent="0" lvl="8" marL="0" algn="r">
-              <a:spcBef>
-                <a:spcPts val="0"/>
-              </a:spcBef>
-              <a:buNone/>
-              <a:defRPr b="0" i="0" sz="1200" u="none" cap="none" strike="noStrike">
+            <a:lvl9pPr marL="0" lvl="8" indent="0" algn="r">
+              <a:spcBef>
+                <a:spcPts val="0"/>
+              </a:spcBef>
+              <a:buNone/>
+              <a:defRPr sz="1200" b="0" i="0" u="none" strike="noStrike" cap="none">
                 <a:solidFill>
                   <a:schemeClr val="lt2"/>
                 </a:solidFill>
@@ -6167,7 +6364,7 @@
             </a:lvl9pPr>
           </a:lstStyle>
           <a:p>
-            <a:pPr indent="0" lvl="0" marL="0" rtl="0" algn="r">
+            <a:pPr marL="0" lvl="0" indent="0" algn="r" rtl="0">
               <a:spcBef>
                 <a:spcPts val="0"/>
               </a:spcBef>
@@ -6178,7 +6375,7 @@
             </a:pPr>
             <a:fld id="{00000000-1234-1234-1234-123412341234}" type="slidenum">
               <a:rPr lang="es-ES"/>
-              <a:t>‹#›</a:t>
+              <a:t>‹Nº›</a:t>
             </a:fld>
             <a:endParaRPr/>
           </a:p>
@@ -6210,9 +6407,13 @@
               <a:ext cx="2814638" cy="6858000"/>
             </a:xfrm>
             <a:custGeom>
-              <a:rect b="b" l="l" r="r" t="t"/>
+              <a:avLst/>
+              <a:gdLst/>
+              <a:ahLst/>
+              <a:cxnLst/>
+              <a:rect l="l" t="t" r="r" b="b"/>
               <a:pathLst>
-                <a:path extrusionOk="0" h="4320" w="1773">
+                <a:path w="1773" h="4320" extrusionOk="0">
                   <a:moveTo>
                     <a:pt x="0" y="0"/>
                   </a:moveTo>
@@ -6525,9 +6726,13 @@
               <a:ext cx="1646238" cy="6858000"/>
             </a:xfrm>
             <a:custGeom>
-              <a:rect b="b" l="l" r="r" t="t"/>
+              <a:avLst/>
+              <a:gdLst/>
+              <a:ahLst/>
+              <a:cxnLst/>
+              <a:rect l="l" t="t" r="r" b="b"/>
               <a:pathLst>
-                <a:path extrusionOk="0" h="4320" w="1037">
+                <a:path w="1037" h="4320" extrusionOk="0">
                   <a:moveTo>
                     <a:pt x="0" y="0"/>
                   </a:moveTo>
@@ -7120,11 +7325,11 @@
 </file>
 
 <file path=ppt/slideLayouts/slideLayout4.xml><?xml version="1.0" encoding="utf-8"?>
-<p:sldLayout xmlns:a="http://schemas.openxmlformats.org/drawingml/2006/main" xmlns:r="http://schemas.openxmlformats.org/officeDocument/2006/relationships" xmlns:mc="http://schemas.openxmlformats.org/markup-compatibility/2006" xmlns:mv="urn:schemas-microsoft-com:mac:vml" xmlns:p="http://schemas.openxmlformats.org/presentationml/2006/main" xmlns:c="http://schemas.openxmlformats.org/drawingml/2006/chart" xmlns:dgm="http://schemas.openxmlformats.org/drawingml/2006/diagram" xmlns:o="urn:schemas-microsoft-com:office:office" xmlns:v="urn:schemas-microsoft-com:vml" xmlns:pvml="urn:schemas-microsoft-com:office:powerpoint" xmlns:com="http://schemas.openxmlformats.org/drawingml/2006/compatibility" xmlns:p14="http://schemas.microsoft.com/office/powerpoint/2010/main" xmlns:p15="http://schemas.microsoft.com/office/powerpoint/2012/main" matchingName="Dos objetos" type="twoObj">
+<p:sldLayout xmlns:a="http://schemas.openxmlformats.org/drawingml/2006/main" xmlns:r="http://schemas.openxmlformats.org/officeDocument/2006/relationships" xmlns:p="http://schemas.openxmlformats.org/presentationml/2006/main" matchingName="Dos objetos" type="twoObj">
   <p:cSld name="TWO_OBJECTS">
     <p:spTree>
       <p:nvGrpSpPr>
-        <p:cNvPr id="36" name="Shape 36"/>
+        <p:cNvPr id="1" name="Shape 36"/>
         <p:cNvGrpSpPr/>
         <p:nvPr/>
       </p:nvGrpSpPr>
@@ -7139,7 +7344,9 @@
       <p:sp>
         <p:nvSpPr>
           <p:cNvPr id="37" name="Google Shape;37;p8"/>
-          <p:cNvSpPr txBox="1"/>
+          <p:cNvSpPr txBox="1">
+            <a:spLocks noGrp="1"/>
+          </p:cNvSpPr>
           <p:nvPr>
             <p:ph type="title"/>
           </p:nvPr>
@@ -7158,7 +7365,7 @@
           </a:ln>
         </p:spPr>
         <p:txBody>
-          <a:bodyPr anchorCtr="0" anchor="t" bIns="45700" lIns="91425" spcFirstLastPara="1" rIns="91425" wrap="square" tIns="45700">
+          <a:bodyPr spcFirstLastPara="1" wrap="square" lIns="91425" tIns="45700" rIns="91425" bIns="45700" anchor="t" anchorCtr="0">
             <a:normAutofit/>
           </a:bodyPr>
           <a:lstStyle>
@@ -7268,15 +7475,19 @@
               <a:defRPr/>
             </a:lvl9pPr>
           </a:lstStyle>
-          <a:p/>
+          <a:p>
+            <a:endParaRPr/>
+          </a:p>
         </p:txBody>
       </p:sp>
       <p:sp>
         <p:nvSpPr>
           <p:cNvPr id="38" name="Google Shape;38;p8"/>
-          <p:cNvSpPr txBox="1"/>
+          <p:cNvSpPr txBox="1">
+            <a:spLocks noGrp="1"/>
+          </p:cNvSpPr>
           <p:nvPr>
-            <p:ph idx="1" type="body"/>
+            <p:ph type="body" idx="1"/>
           </p:nvPr>
         </p:nvSpPr>
         <p:spPr>
@@ -7293,11 +7504,11 @@
           </a:ln>
         </p:spPr>
         <p:txBody>
-          <a:bodyPr anchorCtr="0" anchor="t" bIns="45700" lIns="91425" spcFirstLastPara="1" rIns="91425" wrap="square" tIns="45700">
+          <a:bodyPr spcFirstLastPara="1" wrap="square" lIns="91425" tIns="45700" rIns="91425" bIns="45700" anchor="t" anchorCtr="0">
             <a:normAutofit/>
           </a:bodyPr>
           <a:lstStyle>
-            <a:lvl1pPr indent="-342900" lvl="0" marL="457200" algn="l">
+            <a:lvl1pPr marL="457200" lvl="0" indent="-342900" algn="l">
               <a:lnSpc>
                 <a:spcPct val="110000"/>
               </a:lnSpc>
@@ -7311,7 +7522,7 @@
               <a:buChar char="•"/>
               <a:defRPr/>
             </a:lvl1pPr>
-            <a:lvl2pPr indent="-342900" lvl="1" marL="914400" algn="l">
+            <a:lvl2pPr marL="914400" lvl="1" indent="-342900" algn="l">
               <a:lnSpc>
                 <a:spcPct val="110000"/>
               </a:lnSpc>
@@ -7325,7 +7536,7 @@
               <a:buChar char="–"/>
               <a:defRPr/>
             </a:lvl2pPr>
-            <a:lvl3pPr indent="-342900" lvl="2" marL="1371600" algn="l">
+            <a:lvl3pPr marL="1371600" lvl="2" indent="-342900" algn="l">
               <a:lnSpc>
                 <a:spcPct val="110000"/>
               </a:lnSpc>
@@ -7339,7 +7550,7 @@
               <a:buChar char="•"/>
               <a:defRPr/>
             </a:lvl3pPr>
-            <a:lvl4pPr indent="-342900" lvl="3" marL="1828800" algn="l">
+            <a:lvl4pPr marL="1828800" lvl="3" indent="-342900" algn="l">
               <a:lnSpc>
                 <a:spcPct val="110000"/>
               </a:lnSpc>
@@ -7353,7 +7564,7 @@
               <a:buChar char="–"/>
               <a:defRPr/>
             </a:lvl4pPr>
-            <a:lvl5pPr indent="-342900" lvl="4" marL="2286000" algn="l">
+            <a:lvl5pPr marL="2286000" lvl="4" indent="-342900" algn="l">
               <a:lnSpc>
                 <a:spcPct val="110000"/>
               </a:lnSpc>
@@ -7367,7 +7578,7 @@
               <a:buChar char="•"/>
               <a:defRPr/>
             </a:lvl5pPr>
-            <a:lvl6pPr indent="-342900" lvl="5" marL="2743200" algn="l">
+            <a:lvl6pPr marL="2743200" lvl="5" indent="-342900" algn="l">
               <a:lnSpc>
                 <a:spcPct val="110000"/>
               </a:lnSpc>
@@ -7381,7 +7592,7 @@
               <a:buChar char="–"/>
               <a:defRPr/>
             </a:lvl6pPr>
-            <a:lvl7pPr indent="-342900" lvl="6" marL="3200400" algn="l">
+            <a:lvl7pPr marL="3200400" lvl="6" indent="-342900" algn="l">
               <a:lnSpc>
                 <a:spcPct val="110000"/>
               </a:lnSpc>
@@ -7395,7 +7606,7 @@
               <a:buChar char="•"/>
               <a:defRPr/>
             </a:lvl7pPr>
-            <a:lvl8pPr indent="-342900" lvl="7" marL="3657600" algn="l">
+            <a:lvl8pPr marL="3657600" lvl="7" indent="-342900" algn="l">
               <a:lnSpc>
                 <a:spcPct val="110000"/>
               </a:lnSpc>
@@ -7409,7 +7620,7 @@
               <a:buChar char="–"/>
               <a:defRPr/>
             </a:lvl8pPr>
-            <a:lvl9pPr indent="-342900" lvl="8" marL="4114800" algn="l">
+            <a:lvl9pPr marL="4114800" lvl="8" indent="-342900" algn="l">
               <a:lnSpc>
                 <a:spcPct val="110000"/>
               </a:lnSpc>
@@ -7424,15 +7635,19 @@
               <a:defRPr/>
             </a:lvl9pPr>
           </a:lstStyle>
-          <a:p/>
+          <a:p>
+            <a:endParaRPr/>
+          </a:p>
         </p:txBody>
       </p:sp>
       <p:sp>
         <p:nvSpPr>
           <p:cNvPr id="39" name="Google Shape;39;p8"/>
-          <p:cNvSpPr txBox="1"/>
+          <p:cNvSpPr txBox="1">
+            <a:spLocks noGrp="1"/>
+          </p:cNvSpPr>
           <p:nvPr>
-            <p:ph idx="2" type="body"/>
+            <p:ph type="body" idx="2"/>
           </p:nvPr>
         </p:nvSpPr>
         <p:spPr>
@@ -7449,11 +7664,11 @@
           </a:ln>
         </p:spPr>
         <p:txBody>
-          <a:bodyPr anchorCtr="0" anchor="t" bIns="45700" lIns="91425" spcFirstLastPara="1" rIns="91425" wrap="square" tIns="45700">
+          <a:bodyPr spcFirstLastPara="1" wrap="square" lIns="91425" tIns="45700" rIns="91425" bIns="45700" anchor="t" anchorCtr="0">
             <a:normAutofit/>
           </a:bodyPr>
           <a:lstStyle>
-            <a:lvl1pPr indent="-342900" lvl="0" marL="457200" algn="l">
+            <a:lvl1pPr marL="457200" lvl="0" indent="-342900" algn="l">
               <a:lnSpc>
                 <a:spcPct val="110000"/>
               </a:lnSpc>
@@ -7467,7 +7682,7 @@
               <a:buChar char="•"/>
               <a:defRPr/>
             </a:lvl1pPr>
-            <a:lvl2pPr indent="-342900" lvl="1" marL="914400" algn="l">
+            <a:lvl2pPr marL="914400" lvl="1" indent="-342900" algn="l">
               <a:lnSpc>
                 <a:spcPct val="110000"/>
               </a:lnSpc>
@@ -7481,7 +7696,7 @@
               <a:buChar char="–"/>
               <a:defRPr/>
             </a:lvl2pPr>
-            <a:lvl3pPr indent="-342900" lvl="2" marL="1371600" algn="l">
+            <a:lvl3pPr marL="1371600" lvl="2" indent="-342900" algn="l">
               <a:lnSpc>
                 <a:spcPct val="110000"/>
               </a:lnSpc>
@@ -7495,7 +7710,7 @@
               <a:buChar char="•"/>
               <a:defRPr/>
             </a:lvl3pPr>
-            <a:lvl4pPr indent="-342900" lvl="3" marL="1828800" algn="l">
+            <a:lvl4pPr marL="1828800" lvl="3" indent="-342900" algn="l">
               <a:lnSpc>
                 <a:spcPct val="110000"/>
               </a:lnSpc>
@@ -7509,7 +7724,7 @@
               <a:buChar char="–"/>
               <a:defRPr/>
             </a:lvl4pPr>
-            <a:lvl5pPr indent="-342900" lvl="4" marL="2286000" algn="l">
+            <a:lvl5pPr marL="2286000" lvl="4" indent="-342900" algn="l">
               <a:lnSpc>
                 <a:spcPct val="110000"/>
               </a:lnSpc>
@@ -7523,7 +7738,7 @@
               <a:buChar char="•"/>
               <a:defRPr/>
             </a:lvl5pPr>
-            <a:lvl6pPr indent="-342900" lvl="5" marL="2743200" algn="l">
+            <a:lvl6pPr marL="2743200" lvl="5" indent="-342900" algn="l">
               <a:lnSpc>
                 <a:spcPct val="110000"/>
               </a:lnSpc>
@@ -7537,7 +7752,7 @@
               <a:buChar char="–"/>
               <a:defRPr/>
             </a:lvl6pPr>
-            <a:lvl7pPr indent="-342900" lvl="6" marL="3200400" algn="l">
+            <a:lvl7pPr marL="3200400" lvl="6" indent="-342900" algn="l">
               <a:lnSpc>
                 <a:spcPct val="110000"/>
               </a:lnSpc>
@@ -7551,7 +7766,7 @@
               <a:buChar char="•"/>
               <a:defRPr/>
             </a:lvl7pPr>
-            <a:lvl8pPr indent="-342900" lvl="7" marL="3657600" algn="l">
+            <a:lvl8pPr marL="3657600" lvl="7" indent="-342900" algn="l">
               <a:lnSpc>
                 <a:spcPct val="110000"/>
               </a:lnSpc>
@@ -7565,7 +7780,7 @@
               <a:buChar char="–"/>
               <a:defRPr/>
             </a:lvl8pPr>
-            <a:lvl9pPr indent="-342900" lvl="8" marL="4114800" algn="l">
+            <a:lvl9pPr marL="4114800" lvl="8" indent="-342900" algn="l">
               <a:lnSpc>
                 <a:spcPct val="110000"/>
               </a:lnSpc>
@@ -7580,15 +7795,19 @@
               <a:defRPr/>
             </a:lvl9pPr>
           </a:lstStyle>
-          <a:p/>
+          <a:p>
+            <a:endParaRPr/>
+          </a:p>
         </p:txBody>
       </p:sp>
       <p:sp>
         <p:nvSpPr>
           <p:cNvPr id="40" name="Google Shape;40;p8"/>
-          <p:cNvSpPr txBox="1"/>
+          <p:cNvSpPr txBox="1">
+            <a:spLocks noGrp="1"/>
+          </p:cNvSpPr>
           <p:nvPr>
-            <p:ph idx="10" type="dt"/>
+            <p:ph type="dt" idx="10"/>
           </p:nvPr>
         </p:nvSpPr>
         <p:spPr>
@@ -7605,7 +7824,7 @@
           </a:ln>
         </p:spPr>
         <p:txBody>
-          <a:bodyPr anchorCtr="0" anchor="ctr" bIns="45700" lIns="91425" spcFirstLastPara="1" rIns="91425" wrap="square" tIns="45700">
+          <a:bodyPr spcFirstLastPara="1" wrap="square" lIns="91425" tIns="45700" rIns="91425" bIns="45700" anchor="ctr" anchorCtr="0">
             <a:noAutofit/>
           </a:bodyPr>
           <a:lstStyle>
@@ -7709,15 +7928,19 @@
               <a:defRPr/>
             </a:lvl9pPr>
           </a:lstStyle>
-          <a:p/>
+          <a:p>
+            <a:endParaRPr/>
+          </a:p>
         </p:txBody>
       </p:sp>
       <p:sp>
         <p:nvSpPr>
           <p:cNvPr id="41" name="Google Shape;41;p8"/>
-          <p:cNvSpPr txBox="1"/>
+          <p:cNvSpPr txBox="1">
+            <a:spLocks noGrp="1"/>
+          </p:cNvSpPr>
           <p:nvPr>
-            <p:ph idx="11" type="ftr"/>
+            <p:ph type="ftr" idx="11"/>
           </p:nvPr>
         </p:nvSpPr>
         <p:spPr>
@@ -7734,7 +7957,7 @@
           </a:ln>
         </p:spPr>
         <p:txBody>
-          <a:bodyPr anchorCtr="0" anchor="ctr" bIns="45700" lIns="91425" spcFirstLastPara="1" rIns="91425" wrap="square" tIns="45700">
+          <a:bodyPr spcFirstLastPara="1" wrap="square" lIns="91425" tIns="45700" rIns="91425" bIns="45700" anchor="ctr" anchorCtr="0">
             <a:noAutofit/>
           </a:bodyPr>
           <a:lstStyle>
@@ -7838,15 +8061,19 @@
               <a:defRPr/>
             </a:lvl9pPr>
           </a:lstStyle>
-          <a:p/>
+          <a:p>
+            <a:endParaRPr/>
+          </a:p>
         </p:txBody>
       </p:sp>
       <p:sp>
         <p:nvSpPr>
           <p:cNvPr id="42" name="Google Shape;42;p8"/>
-          <p:cNvSpPr txBox="1"/>
+          <p:cNvSpPr txBox="1">
+            <a:spLocks noGrp="1"/>
+          </p:cNvSpPr>
           <p:nvPr>
-            <p:ph idx="12" type="sldNum"/>
+            <p:ph type="sldNum" idx="12"/>
           </p:nvPr>
         </p:nvSpPr>
         <p:spPr>
@@ -7863,67 +8090,67 @@
           </a:ln>
         </p:spPr>
         <p:txBody>
-          <a:bodyPr anchorCtr="0" anchor="ctr" bIns="45700" lIns="91425" spcFirstLastPara="1" rIns="91425" wrap="square" tIns="45700">
+          <a:bodyPr spcFirstLastPara="1" wrap="square" lIns="91425" tIns="45700" rIns="91425" bIns="45700" anchor="ctr" anchorCtr="0">
             <a:noAutofit/>
           </a:bodyPr>
           <a:lstStyle>
-            <a:lvl1pPr indent="0" lvl="0" marL="0" algn="r">
+            <a:lvl1pPr marL="0" lvl="0" indent="0" algn="r">
               <a:spcBef>
                 <a:spcPts val="0"/>
               </a:spcBef>
               <a:buNone/>
               <a:defRPr/>
             </a:lvl1pPr>
-            <a:lvl2pPr indent="0" lvl="1" marL="0" algn="r">
+            <a:lvl2pPr marL="0" lvl="1" indent="0" algn="r">
               <a:spcBef>
                 <a:spcPts val="0"/>
               </a:spcBef>
               <a:buNone/>
               <a:defRPr/>
             </a:lvl2pPr>
-            <a:lvl3pPr indent="0" lvl="2" marL="0" algn="r">
+            <a:lvl3pPr marL="0" lvl="2" indent="0" algn="r">
               <a:spcBef>
                 <a:spcPts val="0"/>
               </a:spcBef>
               <a:buNone/>
               <a:defRPr/>
             </a:lvl3pPr>
-            <a:lvl4pPr indent="0" lvl="3" marL="0" algn="r">
+            <a:lvl4pPr marL="0" lvl="3" indent="0" algn="r">
               <a:spcBef>
                 <a:spcPts val="0"/>
               </a:spcBef>
               <a:buNone/>
               <a:defRPr/>
             </a:lvl4pPr>
-            <a:lvl5pPr indent="0" lvl="4" marL="0" algn="r">
+            <a:lvl5pPr marL="0" lvl="4" indent="0" algn="r">
               <a:spcBef>
                 <a:spcPts val="0"/>
               </a:spcBef>
               <a:buNone/>
               <a:defRPr/>
             </a:lvl5pPr>
-            <a:lvl6pPr indent="0" lvl="5" marL="0" algn="r">
+            <a:lvl6pPr marL="0" lvl="5" indent="0" algn="r">
               <a:spcBef>
                 <a:spcPts val="0"/>
               </a:spcBef>
               <a:buNone/>
               <a:defRPr/>
             </a:lvl6pPr>
-            <a:lvl7pPr indent="0" lvl="6" marL="0" algn="r">
+            <a:lvl7pPr marL="0" lvl="6" indent="0" algn="r">
               <a:spcBef>
                 <a:spcPts val="0"/>
               </a:spcBef>
               <a:buNone/>
               <a:defRPr/>
             </a:lvl7pPr>
-            <a:lvl8pPr indent="0" lvl="7" marL="0" algn="r">
+            <a:lvl8pPr marL="0" lvl="7" indent="0" algn="r">
               <a:spcBef>
                 <a:spcPts val="0"/>
               </a:spcBef>
               <a:buNone/>
               <a:defRPr/>
             </a:lvl8pPr>
-            <a:lvl9pPr indent="0" lvl="8" marL="0" algn="r">
+            <a:lvl9pPr marL="0" lvl="8" indent="0" algn="r">
               <a:spcBef>
                 <a:spcPts val="0"/>
               </a:spcBef>
@@ -7932,7 +8159,7 @@
             </a:lvl9pPr>
           </a:lstStyle>
           <a:p>
-            <a:pPr indent="0" lvl="0" marL="0" rtl="0" algn="r">
+            <a:pPr marL="0" lvl="0" indent="0" algn="r" rtl="0">
               <a:spcBef>
                 <a:spcPts val="0"/>
               </a:spcBef>
@@ -7943,7 +8170,7 @@
             </a:pPr>
             <a:fld id="{00000000-1234-1234-1234-123412341234}" type="slidenum">
               <a:rPr lang="es-ES"/>
-              <a:t>‹#›</a:t>
+              <a:t>‹Nº›</a:t>
             </a:fld>
             <a:endParaRPr/>
           </a:p>
@@ -7958,11 +8185,11 @@
 </file>
 
 <file path=ppt/slideLayouts/slideLayout5.xml><?xml version="1.0" encoding="utf-8"?>
-<p:sldLayout xmlns:a="http://schemas.openxmlformats.org/drawingml/2006/main" xmlns:r="http://schemas.openxmlformats.org/officeDocument/2006/relationships" xmlns:mc="http://schemas.openxmlformats.org/markup-compatibility/2006" xmlns:mv="urn:schemas-microsoft-com:mac:vml" xmlns:p="http://schemas.openxmlformats.org/presentationml/2006/main" xmlns:c="http://schemas.openxmlformats.org/drawingml/2006/chart" xmlns:dgm="http://schemas.openxmlformats.org/drawingml/2006/diagram" xmlns:o="urn:schemas-microsoft-com:office:office" xmlns:v="urn:schemas-microsoft-com:vml" xmlns:pvml="urn:schemas-microsoft-com:office:powerpoint" xmlns:com="http://schemas.openxmlformats.org/drawingml/2006/compatibility" xmlns:p14="http://schemas.microsoft.com/office/powerpoint/2010/main" xmlns:p15="http://schemas.microsoft.com/office/powerpoint/2012/main" matchingName="Comparación" type="twoTxTwoObj">
+<p:sldLayout xmlns:a="http://schemas.openxmlformats.org/drawingml/2006/main" xmlns:r="http://schemas.openxmlformats.org/officeDocument/2006/relationships" xmlns:p="http://schemas.openxmlformats.org/presentationml/2006/main" matchingName="Comparación" type="twoTxTwoObj">
   <p:cSld name="TWO_OBJECTS_WITH_TEXT">
     <p:spTree>
       <p:nvGrpSpPr>
-        <p:cNvPr id="43" name="Shape 43"/>
+        <p:cNvPr id="1" name="Shape 43"/>
         <p:cNvGrpSpPr/>
         <p:nvPr/>
       </p:nvGrpSpPr>
@@ -7977,7 +8204,9 @@
       <p:sp>
         <p:nvSpPr>
           <p:cNvPr id="44" name="Google Shape;44;p9"/>
-          <p:cNvSpPr txBox="1"/>
+          <p:cNvSpPr txBox="1">
+            <a:spLocks noGrp="1"/>
+          </p:cNvSpPr>
           <p:nvPr>
             <p:ph type="title"/>
           </p:nvPr>
@@ -7996,7 +8225,7 @@
           </a:ln>
         </p:spPr>
         <p:txBody>
-          <a:bodyPr anchorCtr="0" anchor="t" bIns="45700" lIns="91425" spcFirstLastPara="1" rIns="91425" wrap="square" tIns="45700">
+          <a:bodyPr spcFirstLastPara="1" wrap="square" lIns="91425" tIns="45700" rIns="91425" bIns="45700" anchor="t" anchorCtr="0">
             <a:normAutofit/>
           </a:bodyPr>
           <a:lstStyle>
@@ -8106,15 +8335,19 @@
               <a:defRPr/>
             </a:lvl9pPr>
           </a:lstStyle>
-          <a:p/>
+          <a:p>
+            <a:endParaRPr/>
+          </a:p>
         </p:txBody>
       </p:sp>
       <p:sp>
         <p:nvSpPr>
           <p:cNvPr id="45" name="Google Shape;45;p9"/>
-          <p:cNvSpPr txBox="1"/>
+          <p:cNvSpPr txBox="1">
+            <a:spLocks noGrp="1"/>
+          </p:cNvSpPr>
           <p:nvPr>
-            <p:ph idx="1" type="body"/>
+            <p:ph type="body" idx="1"/>
           </p:nvPr>
         </p:nvSpPr>
         <p:spPr>
@@ -8131,11 +8364,11 @@
           </a:ln>
         </p:spPr>
         <p:txBody>
-          <a:bodyPr anchorCtr="0" anchor="b" bIns="45700" lIns="91425" spcFirstLastPara="1" rIns="91425" wrap="square" tIns="45700">
+          <a:bodyPr spcFirstLastPara="1" wrap="square" lIns="91425" tIns="45700" rIns="91425" bIns="45700" anchor="b" anchorCtr="0">
             <a:noAutofit/>
           </a:bodyPr>
           <a:lstStyle>
-            <a:lvl1pPr indent="-228600" lvl="0" marL="457200" algn="l">
+            <a:lvl1pPr marL="457200" lvl="0" indent="-228600" algn="l">
               <a:lnSpc>
                 <a:spcPct val="100000"/>
               </a:lnSpc>
@@ -8147,13 +8380,13 @@
               </a:spcAft>
               <a:buSzPts val="1900"/>
               <a:buNone/>
-              <a:defRPr b="1" sz="1900" cap="none">
+              <a:defRPr sz="1900" b="1" cap="none">
                 <a:solidFill>
                   <a:schemeClr val="dk2"/>
                 </a:solidFill>
               </a:defRPr>
             </a:lvl1pPr>
-            <a:lvl2pPr indent="-228600" lvl="1" marL="914400" algn="l">
+            <a:lvl2pPr marL="914400" lvl="1" indent="-228600" algn="l">
               <a:lnSpc>
                 <a:spcPct val="110000"/>
               </a:lnSpc>
@@ -8165,9 +8398,9 @@
               </a:spcAft>
               <a:buSzPts val="1900"/>
               <a:buNone/>
-              <a:defRPr b="1" sz="1900"/>
+              <a:defRPr sz="1900" b="1"/>
             </a:lvl2pPr>
-            <a:lvl3pPr indent="-228600" lvl="2" marL="1371600" algn="l">
+            <a:lvl3pPr marL="1371600" lvl="2" indent="-228600" algn="l">
               <a:lnSpc>
                 <a:spcPct val="110000"/>
               </a:lnSpc>
@@ -8179,9 +8412,9 @@
               </a:spcAft>
               <a:buSzPts val="1800"/>
               <a:buNone/>
-              <a:defRPr b="1" sz="1800"/>
+              <a:defRPr sz="1800" b="1"/>
             </a:lvl3pPr>
-            <a:lvl4pPr indent="-228600" lvl="3" marL="1828800" algn="l">
+            <a:lvl4pPr marL="1828800" lvl="3" indent="-228600" algn="l">
               <a:lnSpc>
                 <a:spcPct val="110000"/>
               </a:lnSpc>
@@ -8193,9 +8426,9 @@
               </a:spcAft>
               <a:buSzPts val="1600"/>
               <a:buNone/>
-              <a:defRPr b="1" sz="1600"/>
+              <a:defRPr sz="1600" b="1"/>
             </a:lvl4pPr>
-            <a:lvl5pPr indent="-228600" lvl="4" marL="2286000" algn="l">
+            <a:lvl5pPr marL="2286000" lvl="4" indent="-228600" algn="l">
               <a:lnSpc>
                 <a:spcPct val="110000"/>
               </a:lnSpc>
@@ -8207,9 +8440,9 @@
               </a:spcAft>
               <a:buSzPts val="1600"/>
               <a:buNone/>
-              <a:defRPr b="1" sz="1600"/>
+              <a:defRPr sz="1600" b="1"/>
             </a:lvl5pPr>
-            <a:lvl6pPr indent="-228600" lvl="5" marL="2743200" algn="l">
+            <a:lvl6pPr marL="2743200" lvl="5" indent="-228600" algn="l">
               <a:lnSpc>
                 <a:spcPct val="110000"/>
               </a:lnSpc>
@@ -8221,9 +8454,9 @@
               </a:spcAft>
               <a:buSzPts val="1600"/>
               <a:buNone/>
-              <a:defRPr b="1" sz="1600"/>
+              <a:defRPr sz="1600" b="1"/>
             </a:lvl6pPr>
-            <a:lvl7pPr indent="-228600" lvl="6" marL="3200400" algn="l">
+            <a:lvl7pPr marL="3200400" lvl="6" indent="-228600" algn="l">
               <a:lnSpc>
                 <a:spcPct val="110000"/>
               </a:lnSpc>
@@ -8235,9 +8468,9 @@
               </a:spcAft>
               <a:buSzPts val="1600"/>
               <a:buNone/>
-              <a:defRPr b="1" sz="1600"/>
+              <a:defRPr sz="1600" b="1"/>
             </a:lvl7pPr>
-            <a:lvl8pPr indent="-228600" lvl="7" marL="3657600" algn="l">
+            <a:lvl8pPr marL="3657600" lvl="7" indent="-228600" algn="l">
               <a:lnSpc>
                 <a:spcPct val="110000"/>
               </a:lnSpc>
@@ -8249,9 +8482,9 @@
               </a:spcAft>
               <a:buSzPts val="1600"/>
               <a:buNone/>
-              <a:defRPr b="1" sz="1600"/>
+              <a:defRPr sz="1600" b="1"/>
             </a:lvl8pPr>
-            <a:lvl9pPr indent="-228600" lvl="8" marL="4114800" algn="l">
+            <a:lvl9pPr marL="4114800" lvl="8" indent="-228600" algn="l">
               <a:lnSpc>
                 <a:spcPct val="110000"/>
               </a:lnSpc>
@@ -8263,18 +8496,22 @@
               </a:spcAft>
               <a:buSzPts val="1600"/>
               <a:buNone/>
-              <a:defRPr b="1" sz="1600"/>
+              <a:defRPr sz="1600" b="1"/>
             </a:lvl9pPr>
           </a:lstStyle>
-          <a:p/>
+          <a:p>
+            <a:endParaRPr/>
+          </a:p>
         </p:txBody>
       </p:sp>
       <p:sp>
         <p:nvSpPr>
           <p:cNvPr id="46" name="Google Shape;46;p9"/>
-          <p:cNvSpPr txBox="1"/>
+          <p:cNvSpPr txBox="1">
+            <a:spLocks noGrp="1"/>
+          </p:cNvSpPr>
           <p:nvPr>
-            <p:ph idx="2" type="body"/>
+            <p:ph type="body" idx="2"/>
           </p:nvPr>
         </p:nvSpPr>
         <p:spPr>
@@ -8291,11 +8528,11 @@
           </a:ln>
         </p:spPr>
         <p:txBody>
-          <a:bodyPr anchorCtr="0" anchor="t" bIns="45700" lIns="91425" spcFirstLastPara="1" rIns="91425" wrap="square" tIns="45700">
+          <a:bodyPr spcFirstLastPara="1" wrap="square" lIns="91425" tIns="45700" rIns="91425" bIns="45700" anchor="t" anchorCtr="0">
             <a:normAutofit/>
           </a:bodyPr>
           <a:lstStyle>
-            <a:lvl1pPr indent="-342900" lvl="0" marL="457200" algn="l">
+            <a:lvl1pPr marL="457200" lvl="0" indent="-342900" algn="l">
               <a:lnSpc>
                 <a:spcPct val="110000"/>
               </a:lnSpc>
@@ -8309,7 +8546,7 @@
               <a:buChar char="•"/>
               <a:defRPr/>
             </a:lvl1pPr>
-            <a:lvl2pPr indent="-342900" lvl="1" marL="914400" algn="l">
+            <a:lvl2pPr marL="914400" lvl="1" indent="-342900" algn="l">
               <a:lnSpc>
                 <a:spcPct val="110000"/>
               </a:lnSpc>
@@ -8323,7 +8560,7 @@
               <a:buChar char="–"/>
               <a:defRPr/>
             </a:lvl2pPr>
-            <a:lvl3pPr indent="-342900" lvl="2" marL="1371600" algn="l">
+            <a:lvl3pPr marL="1371600" lvl="2" indent="-342900" algn="l">
               <a:lnSpc>
                 <a:spcPct val="110000"/>
               </a:lnSpc>
@@ -8337,7 +8574,7 @@
               <a:buChar char="•"/>
               <a:defRPr/>
             </a:lvl3pPr>
-            <a:lvl4pPr indent="-342900" lvl="3" marL="1828800" algn="l">
+            <a:lvl4pPr marL="1828800" lvl="3" indent="-342900" algn="l">
               <a:lnSpc>
                 <a:spcPct val="110000"/>
               </a:lnSpc>
@@ -8351,7 +8588,7 @@
               <a:buChar char="–"/>
               <a:defRPr/>
             </a:lvl4pPr>
-            <a:lvl5pPr indent="-342900" lvl="4" marL="2286000" algn="l">
+            <a:lvl5pPr marL="2286000" lvl="4" indent="-342900" algn="l">
               <a:lnSpc>
                 <a:spcPct val="110000"/>
               </a:lnSpc>
@@ -8365,7 +8602,7 @@
               <a:buChar char="•"/>
               <a:defRPr/>
             </a:lvl5pPr>
-            <a:lvl6pPr indent="-342900" lvl="5" marL="2743200" algn="l">
+            <a:lvl6pPr marL="2743200" lvl="5" indent="-342900" algn="l">
               <a:lnSpc>
                 <a:spcPct val="110000"/>
               </a:lnSpc>
@@ -8379,7 +8616,7 @@
               <a:buChar char="–"/>
               <a:defRPr/>
             </a:lvl6pPr>
-            <a:lvl7pPr indent="-342900" lvl="6" marL="3200400" algn="l">
+            <a:lvl7pPr marL="3200400" lvl="6" indent="-342900" algn="l">
               <a:lnSpc>
                 <a:spcPct val="110000"/>
               </a:lnSpc>
@@ -8393,7 +8630,7 @@
               <a:buChar char="•"/>
               <a:defRPr/>
             </a:lvl7pPr>
-            <a:lvl8pPr indent="-342900" lvl="7" marL="3657600" algn="l">
+            <a:lvl8pPr marL="3657600" lvl="7" indent="-342900" algn="l">
               <a:lnSpc>
                 <a:spcPct val="110000"/>
               </a:lnSpc>
@@ -8407,7 +8644,7 @@
               <a:buChar char="–"/>
               <a:defRPr/>
             </a:lvl8pPr>
-            <a:lvl9pPr indent="-342900" lvl="8" marL="4114800" algn="l">
+            <a:lvl9pPr marL="4114800" lvl="8" indent="-342900" algn="l">
               <a:lnSpc>
                 <a:spcPct val="110000"/>
               </a:lnSpc>
@@ -8422,15 +8659,19 @@
               <a:defRPr/>
             </a:lvl9pPr>
           </a:lstStyle>
-          <a:p/>
+          <a:p>
+            <a:endParaRPr/>
+          </a:p>
         </p:txBody>
       </p:sp>
       <p:sp>
         <p:nvSpPr>
           <p:cNvPr id="47" name="Google Shape;47;p9"/>
-          <p:cNvSpPr txBox="1"/>
+          <p:cNvSpPr txBox="1">
+            <a:spLocks noGrp="1"/>
+          </p:cNvSpPr>
           <p:nvPr>
-            <p:ph idx="3" type="body"/>
+            <p:ph type="body" idx="3"/>
           </p:nvPr>
         </p:nvSpPr>
         <p:spPr>
@@ -8447,11 +8688,11 @@
           </a:ln>
         </p:spPr>
         <p:txBody>
-          <a:bodyPr anchorCtr="0" anchor="b" bIns="45700" lIns="91425" spcFirstLastPara="1" rIns="91425" wrap="square" tIns="45700">
+          <a:bodyPr spcFirstLastPara="1" wrap="square" lIns="91425" tIns="45700" rIns="91425" bIns="45700" anchor="b" anchorCtr="0">
             <a:noAutofit/>
           </a:bodyPr>
           <a:lstStyle>
-            <a:lvl1pPr indent="-228600" lvl="0" marL="457200" algn="l">
+            <a:lvl1pPr marL="457200" lvl="0" indent="-228600" algn="l">
               <a:lnSpc>
                 <a:spcPct val="100000"/>
               </a:lnSpc>
@@ -8463,13 +8704,13 @@
               </a:spcAft>
               <a:buSzPts val="1900"/>
               <a:buNone/>
-              <a:defRPr b="1" sz="1900" cap="none">
+              <a:defRPr sz="1900" b="1" cap="none">
                 <a:solidFill>
                   <a:schemeClr val="dk2"/>
                 </a:solidFill>
               </a:defRPr>
             </a:lvl1pPr>
-            <a:lvl2pPr indent="-228600" lvl="1" marL="914400" algn="l">
+            <a:lvl2pPr marL="914400" lvl="1" indent="-228600" algn="l">
               <a:lnSpc>
                 <a:spcPct val="110000"/>
               </a:lnSpc>
@@ -8481,9 +8722,9 @@
               </a:spcAft>
               <a:buSzPts val="1900"/>
               <a:buNone/>
-              <a:defRPr b="1" sz="1900"/>
+              <a:defRPr sz="1900" b="1"/>
             </a:lvl2pPr>
-            <a:lvl3pPr indent="-228600" lvl="2" marL="1371600" algn="l">
+            <a:lvl3pPr marL="1371600" lvl="2" indent="-228600" algn="l">
               <a:lnSpc>
                 <a:spcPct val="110000"/>
               </a:lnSpc>
@@ -8495,9 +8736,9 @@
               </a:spcAft>
               <a:buSzPts val="1800"/>
               <a:buNone/>
-              <a:defRPr b="1" sz="1800"/>
+              <a:defRPr sz="1800" b="1"/>
             </a:lvl3pPr>
-            <a:lvl4pPr indent="-228600" lvl="3" marL="1828800" algn="l">
+            <a:lvl4pPr marL="1828800" lvl="3" indent="-228600" algn="l">
               <a:lnSpc>
                 <a:spcPct val="110000"/>
               </a:lnSpc>
@@ -8509,9 +8750,9 @@
               </a:spcAft>
               <a:buSzPts val="1600"/>
               <a:buNone/>
-              <a:defRPr b="1" sz="1600"/>
+              <a:defRPr sz="1600" b="1"/>
             </a:lvl4pPr>
-            <a:lvl5pPr indent="-228600" lvl="4" marL="2286000" algn="l">
+            <a:lvl5pPr marL="2286000" lvl="4" indent="-228600" algn="l">
               <a:lnSpc>
                 <a:spcPct val="110000"/>
               </a:lnSpc>
@@ -8523,9 +8764,9 @@
               </a:spcAft>
               <a:buSzPts val="1600"/>
               <a:buNone/>
-              <a:defRPr b="1" sz="1600"/>
+              <a:defRPr sz="1600" b="1"/>
             </a:lvl5pPr>
-            <a:lvl6pPr indent="-228600" lvl="5" marL="2743200" algn="l">
+            <a:lvl6pPr marL="2743200" lvl="5" indent="-228600" algn="l">
               <a:lnSpc>
                 <a:spcPct val="110000"/>
               </a:lnSpc>
@@ -8537,9 +8778,9 @@
               </a:spcAft>
               <a:buSzPts val="1600"/>
               <a:buNone/>
-              <a:defRPr b="1" sz="1600"/>
+              <a:defRPr sz="1600" b="1"/>
             </a:lvl6pPr>
-            <a:lvl7pPr indent="-228600" lvl="6" marL="3200400" algn="l">
+            <a:lvl7pPr marL="3200400" lvl="6" indent="-228600" algn="l">
               <a:lnSpc>
                 <a:spcPct val="110000"/>
               </a:lnSpc>
@@ -8551,9 +8792,9 @@
               </a:spcAft>
               <a:buSzPts val="1600"/>
               <a:buNone/>
-              <a:defRPr b="1" sz="1600"/>
+              <a:defRPr sz="1600" b="1"/>
             </a:lvl7pPr>
-            <a:lvl8pPr indent="-228600" lvl="7" marL="3657600" algn="l">
+            <a:lvl8pPr marL="3657600" lvl="7" indent="-228600" algn="l">
               <a:lnSpc>
                 <a:spcPct val="110000"/>
               </a:lnSpc>
@@ -8565,9 +8806,9 @@
               </a:spcAft>
               <a:buSzPts val="1600"/>
               <a:buNone/>
-              <a:defRPr b="1" sz="1600"/>
+              <a:defRPr sz="1600" b="1"/>
             </a:lvl8pPr>
-            <a:lvl9pPr indent="-228600" lvl="8" marL="4114800" algn="l">
+            <a:lvl9pPr marL="4114800" lvl="8" indent="-228600" algn="l">
               <a:lnSpc>
                 <a:spcPct val="110000"/>
               </a:lnSpc>
@@ -8579,18 +8820,22 @@
               </a:spcAft>
               <a:buSzPts val="1600"/>
               <a:buNone/>
-              <a:defRPr b="1" sz="1600"/>
+              <a:defRPr sz="1600" b="1"/>
             </a:lvl9pPr>
           </a:lstStyle>
-          <a:p/>
+          <a:p>
+            <a:endParaRPr/>
+          </a:p>
         </p:txBody>
       </p:sp>
       <p:sp>
         <p:nvSpPr>
           <p:cNvPr id="48" name="Google Shape;48;p9"/>
-          <p:cNvSpPr txBox="1"/>
+          <p:cNvSpPr txBox="1">
+            <a:spLocks noGrp="1"/>
+          </p:cNvSpPr>
           <p:nvPr>
-            <p:ph idx="4" type="body"/>
+            <p:ph type="body" idx="4"/>
           </p:nvPr>
         </p:nvSpPr>
         <p:spPr>
@@ -8607,11 +8852,11 @@
           </a:ln>
         </p:spPr>
         <p:txBody>
-          <a:bodyPr anchorCtr="0" anchor="t" bIns="45700" lIns="91425" spcFirstLastPara="1" rIns="91425" wrap="square" tIns="45700">
+          <a:bodyPr spcFirstLastPara="1" wrap="square" lIns="91425" tIns="45700" rIns="91425" bIns="45700" anchor="t" anchorCtr="0">
             <a:normAutofit/>
           </a:bodyPr>
           <a:lstStyle>
-            <a:lvl1pPr indent="-342900" lvl="0" marL="457200" algn="l">
+            <a:lvl1pPr marL="457200" lvl="0" indent="-342900" algn="l">
               <a:lnSpc>
                 <a:spcPct val="110000"/>
               </a:lnSpc>
@@ -8625,7 +8870,7 @@
               <a:buChar char="•"/>
               <a:defRPr/>
             </a:lvl1pPr>
-            <a:lvl2pPr indent="-342900" lvl="1" marL="914400" algn="l">
+            <a:lvl2pPr marL="914400" lvl="1" indent="-342900" algn="l">
               <a:lnSpc>
                 <a:spcPct val="110000"/>
               </a:lnSpc>
@@ -8639,7 +8884,7 @@
               <a:buChar char="–"/>
               <a:defRPr/>
             </a:lvl2pPr>
-            <a:lvl3pPr indent="-342900" lvl="2" marL="1371600" algn="l">
+            <a:lvl3pPr marL="1371600" lvl="2" indent="-342900" algn="l">
               <a:lnSpc>
                 <a:spcPct val="110000"/>
               </a:lnSpc>
@@ -8653,7 +8898,7 @@
               <a:buChar char="•"/>
               <a:defRPr/>
             </a:lvl3pPr>
-            <a:lvl4pPr indent="-342900" lvl="3" marL="1828800" algn="l">
+            <a:lvl4pPr marL="1828800" lvl="3" indent="-342900" algn="l">
               <a:lnSpc>
                 <a:spcPct val="110000"/>
               </a:lnSpc>
@@ -8667,7 +8912,7 @@
               <a:buChar char="–"/>
               <a:defRPr/>
             </a:lvl4pPr>
-            <a:lvl5pPr indent="-342900" lvl="4" marL="2286000" algn="l">
+            <a:lvl5pPr marL="2286000" lvl="4" indent="-342900" algn="l">
               <a:lnSpc>
                 <a:spcPct val="110000"/>
               </a:lnSpc>
@@ -8681,7 +8926,7 @@
               <a:buChar char="•"/>
               <a:defRPr/>
             </a:lvl5pPr>
-            <a:lvl6pPr indent="-342900" lvl="5" marL="2743200" algn="l">
+            <a:lvl6pPr marL="2743200" lvl="5" indent="-342900" algn="l">
               <a:lnSpc>
                 <a:spcPct val="110000"/>
               </a:lnSpc>
@@ -8695,7 +8940,7 @@
               <a:buChar char="–"/>
               <a:defRPr/>
             </a:lvl6pPr>
-            <a:lvl7pPr indent="-342900" lvl="6" marL="3200400" algn="l">
+            <a:lvl7pPr marL="3200400" lvl="6" indent="-342900" algn="l">
               <a:lnSpc>
                 <a:spcPct val="110000"/>
               </a:lnSpc>
@@ -8709,7 +8954,7 @@
               <a:buChar char="•"/>
               <a:defRPr/>
             </a:lvl7pPr>
-            <a:lvl8pPr indent="-342900" lvl="7" marL="3657600" algn="l">
+            <a:lvl8pPr marL="3657600" lvl="7" indent="-342900" algn="l">
               <a:lnSpc>
                 <a:spcPct val="110000"/>
               </a:lnSpc>
@@ -8723,7 +8968,7 @@
               <a:buChar char="–"/>
               <a:defRPr/>
             </a:lvl8pPr>
-            <a:lvl9pPr indent="-342900" lvl="8" marL="4114800" algn="l">
+            <a:lvl9pPr marL="4114800" lvl="8" indent="-342900" algn="l">
               <a:lnSpc>
                 <a:spcPct val="110000"/>
               </a:lnSpc>
@@ -8738,15 +8983,19 @@
               <a:defRPr/>
             </a:lvl9pPr>
           </a:lstStyle>
-          <a:p/>
+          <a:p>
+            <a:endParaRPr/>
+          </a:p>
         </p:txBody>
       </p:sp>
       <p:sp>
         <p:nvSpPr>
           <p:cNvPr id="49" name="Google Shape;49;p9"/>
-          <p:cNvSpPr txBox="1"/>
+          <p:cNvSpPr txBox="1">
+            <a:spLocks noGrp="1"/>
+          </p:cNvSpPr>
           <p:nvPr>
-            <p:ph idx="10" type="dt"/>
+            <p:ph type="dt" idx="10"/>
           </p:nvPr>
         </p:nvSpPr>
         <p:spPr>
@@ -8763,7 +9012,7 @@
           </a:ln>
         </p:spPr>
         <p:txBody>
-          <a:bodyPr anchorCtr="0" anchor="ctr" bIns="45700" lIns="91425" spcFirstLastPara="1" rIns="91425" wrap="square" tIns="45700">
+          <a:bodyPr spcFirstLastPara="1" wrap="square" lIns="91425" tIns="45700" rIns="91425" bIns="45700" anchor="ctr" anchorCtr="0">
             <a:noAutofit/>
           </a:bodyPr>
           <a:lstStyle>
@@ -8867,15 +9116,19 @@
               <a:defRPr/>
             </a:lvl9pPr>
           </a:lstStyle>
-          <a:p/>
+          <a:p>
+            <a:endParaRPr/>
+          </a:p>
         </p:txBody>
       </p:sp>
       <p:sp>
         <p:nvSpPr>
           <p:cNvPr id="50" name="Google Shape;50;p9"/>
-          <p:cNvSpPr txBox="1"/>
+          <p:cNvSpPr txBox="1">
+            <a:spLocks noGrp="1"/>
+          </p:cNvSpPr>
           <p:nvPr>
-            <p:ph idx="11" type="ftr"/>
+            <p:ph type="ftr" idx="11"/>
           </p:nvPr>
         </p:nvSpPr>
         <p:spPr>
@@ -8892,7 +9145,7 @@
           </a:ln>
         </p:spPr>
         <p:txBody>
-          <a:bodyPr anchorCtr="0" anchor="ctr" bIns="45700" lIns="91425" spcFirstLastPara="1" rIns="91425" wrap="square" tIns="45700">
+          <a:bodyPr spcFirstLastPara="1" wrap="square" lIns="91425" tIns="45700" rIns="91425" bIns="45700" anchor="ctr" anchorCtr="0">
             <a:noAutofit/>
           </a:bodyPr>
           <a:lstStyle>
@@ -8996,15 +9249,19 @@
               <a:defRPr/>
             </a:lvl9pPr>
           </a:lstStyle>
-          <a:p/>
+          <a:p>
+            <a:endParaRPr/>
+          </a:p>
         </p:txBody>
       </p:sp>
       <p:sp>
         <p:nvSpPr>
           <p:cNvPr id="51" name="Google Shape;51;p9"/>
-          <p:cNvSpPr txBox="1"/>
+          <p:cNvSpPr txBox="1">
+            <a:spLocks noGrp="1"/>
+          </p:cNvSpPr>
           <p:nvPr>
-            <p:ph idx="12" type="sldNum"/>
+            <p:ph type="sldNum" idx="12"/>
           </p:nvPr>
         </p:nvSpPr>
         <p:spPr>
@@ -9021,67 +9278,67 @@
           </a:ln>
         </p:spPr>
         <p:txBody>
-          <a:bodyPr anchorCtr="0" anchor="ctr" bIns="45700" lIns="91425" spcFirstLastPara="1" rIns="91425" wrap="square" tIns="45700">
+          <a:bodyPr spcFirstLastPara="1" wrap="square" lIns="91425" tIns="45700" rIns="91425" bIns="45700" anchor="ctr" anchorCtr="0">
             <a:noAutofit/>
           </a:bodyPr>
           <a:lstStyle>
-            <a:lvl1pPr indent="0" lvl="0" marL="0" algn="r">
+            <a:lvl1pPr marL="0" lvl="0" indent="0" algn="r">
               <a:spcBef>
                 <a:spcPts val="0"/>
               </a:spcBef>
               <a:buNone/>
               <a:defRPr/>
             </a:lvl1pPr>
-            <a:lvl2pPr indent="0" lvl="1" marL="0" algn="r">
+            <a:lvl2pPr marL="0" lvl="1" indent="0" algn="r">
               <a:spcBef>
                 <a:spcPts val="0"/>
               </a:spcBef>
               <a:buNone/>
               <a:defRPr/>
             </a:lvl2pPr>
-            <a:lvl3pPr indent="0" lvl="2" marL="0" algn="r">
+            <a:lvl3pPr marL="0" lvl="2" indent="0" algn="r">
               <a:spcBef>
                 <a:spcPts val="0"/>
               </a:spcBef>
               <a:buNone/>
               <a:defRPr/>
             </a:lvl3pPr>
-            <a:lvl4pPr indent="0" lvl="3" marL="0" algn="r">
+            <a:lvl4pPr marL="0" lvl="3" indent="0" algn="r">
               <a:spcBef>
                 <a:spcPts val="0"/>
               </a:spcBef>
               <a:buNone/>
               <a:defRPr/>
             </a:lvl4pPr>
-            <a:lvl5pPr indent="0" lvl="4" marL="0" algn="r">
+            <a:lvl5pPr marL="0" lvl="4" indent="0" algn="r">
               <a:spcBef>
                 <a:spcPts val="0"/>
               </a:spcBef>
               <a:buNone/>
               <a:defRPr/>
             </a:lvl5pPr>
-            <a:lvl6pPr indent="0" lvl="5" marL="0" algn="r">
+            <a:lvl6pPr marL="0" lvl="5" indent="0" algn="r">
               <a:spcBef>
                 <a:spcPts val="0"/>
               </a:spcBef>
               <a:buNone/>
               <a:defRPr/>
             </a:lvl6pPr>
-            <a:lvl7pPr indent="0" lvl="6" marL="0" algn="r">
+            <a:lvl7pPr marL="0" lvl="6" indent="0" algn="r">
               <a:spcBef>
                 <a:spcPts val="0"/>
               </a:spcBef>
               <a:buNone/>
               <a:defRPr/>
             </a:lvl7pPr>
-            <a:lvl8pPr indent="0" lvl="7" marL="0" algn="r">
+            <a:lvl8pPr marL="0" lvl="7" indent="0" algn="r">
               <a:spcBef>
                 <a:spcPts val="0"/>
               </a:spcBef>
               <a:buNone/>
               <a:defRPr/>
             </a:lvl8pPr>
-            <a:lvl9pPr indent="0" lvl="8" marL="0" algn="r">
+            <a:lvl9pPr marL="0" lvl="8" indent="0" algn="r">
               <a:spcBef>
                 <a:spcPts val="0"/>
               </a:spcBef>
@@ -9090,7 +9347,7 @@
             </a:lvl9pPr>
           </a:lstStyle>
           <a:p>
-            <a:pPr indent="0" lvl="0" marL="0" rtl="0" algn="r">
+            <a:pPr marL="0" lvl="0" indent="0" algn="r" rtl="0">
               <a:spcBef>
                 <a:spcPts val="0"/>
               </a:spcBef>
@@ -9101,7 +9358,7 @@
             </a:pPr>
             <a:fld id="{00000000-1234-1234-1234-123412341234}" type="slidenum">
               <a:rPr lang="es-ES"/>
-              <a:t>‹#›</a:t>
+              <a:t>‹Nº›</a:t>
             </a:fld>
             <a:endParaRPr/>
           </a:p>
@@ -9116,11 +9373,11 @@
 </file>
 
 <file path=ppt/slideLayouts/slideLayout6.xml><?xml version="1.0" encoding="utf-8"?>
-<p:sldLayout xmlns:a="http://schemas.openxmlformats.org/drawingml/2006/main" xmlns:r="http://schemas.openxmlformats.org/officeDocument/2006/relationships" xmlns:mc="http://schemas.openxmlformats.org/markup-compatibility/2006" xmlns:mv="urn:schemas-microsoft-com:mac:vml" xmlns:p="http://schemas.openxmlformats.org/presentationml/2006/main" xmlns:c="http://schemas.openxmlformats.org/drawingml/2006/chart" xmlns:dgm="http://schemas.openxmlformats.org/drawingml/2006/diagram" xmlns:o="urn:schemas-microsoft-com:office:office" xmlns:v="urn:schemas-microsoft-com:vml" xmlns:pvml="urn:schemas-microsoft-com:office:powerpoint" xmlns:com="http://schemas.openxmlformats.org/drawingml/2006/compatibility" xmlns:p14="http://schemas.microsoft.com/office/powerpoint/2010/main" xmlns:p15="http://schemas.microsoft.com/office/powerpoint/2012/main" matchingName="Solo el título" type="titleOnly">
+<p:sldLayout xmlns:a="http://schemas.openxmlformats.org/drawingml/2006/main" xmlns:r="http://schemas.openxmlformats.org/officeDocument/2006/relationships" xmlns:p="http://schemas.openxmlformats.org/presentationml/2006/main" matchingName="Solo el título" type="titleOnly">
   <p:cSld name="TITLE_ONLY">
     <p:spTree>
       <p:nvGrpSpPr>
-        <p:cNvPr id="52" name="Shape 52"/>
+        <p:cNvPr id="1" name="Shape 52"/>
         <p:cNvGrpSpPr/>
         <p:nvPr/>
       </p:nvGrpSpPr>
@@ -9135,7 +9392,9 @@
       <p:sp>
         <p:nvSpPr>
           <p:cNvPr id="53" name="Google Shape;53;p10"/>
-          <p:cNvSpPr txBox="1"/>
+          <p:cNvSpPr txBox="1">
+            <a:spLocks noGrp="1"/>
+          </p:cNvSpPr>
           <p:nvPr>
             <p:ph type="title"/>
           </p:nvPr>
@@ -9154,7 +9413,7 @@
           </a:ln>
         </p:spPr>
         <p:txBody>
-          <a:bodyPr anchorCtr="0" anchor="t" bIns="45700" lIns="91425" spcFirstLastPara="1" rIns="91425" wrap="square" tIns="45700">
+          <a:bodyPr spcFirstLastPara="1" wrap="square" lIns="91425" tIns="45700" rIns="91425" bIns="45700" anchor="t" anchorCtr="0">
             <a:normAutofit/>
           </a:bodyPr>
           <a:lstStyle>
@@ -9264,15 +9523,19 @@
               <a:defRPr/>
             </a:lvl9pPr>
           </a:lstStyle>
-          <a:p/>
+          <a:p>
+            <a:endParaRPr/>
+          </a:p>
         </p:txBody>
       </p:sp>
       <p:sp>
         <p:nvSpPr>
           <p:cNvPr id="54" name="Google Shape;54;p10"/>
-          <p:cNvSpPr txBox="1"/>
+          <p:cNvSpPr txBox="1">
+            <a:spLocks noGrp="1"/>
+          </p:cNvSpPr>
           <p:nvPr>
-            <p:ph idx="10" type="dt"/>
+            <p:ph type="dt" idx="10"/>
           </p:nvPr>
         </p:nvSpPr>
         <p:spPr>
@@ -9289,7 +9552,7 @@
           </a:ln>
         </p:spPr>
         <p:txBody>
-          <a:bodyPr anchorCtr="0" anchor="ctr" bIns="45700" lIns="91425" spcFirstLastPara="1" rIns="91425" wrap="square" tIns="45700">
+          <a:bodyPr spcFirstLastPara="1" wrap="square" lIns="91425" tIns="45700" rIns="91425" bIns="45700" anchor="ctr" anchorCtr="0">
             <a:noAutofit/>
           </a:bodyPr>
           <a:lstStyle>
@@ -9393,15 +9656,19 @@
               <a:defRPr/>
             </a:lvl9pPr>
           </a:lstStyle>
-          <a:p/>
+          <a:p>
+            <a:endParaRPr/>
+          </a:p>
         </p:txBody>
       </p:sp>
       <p:sp>
         <p:nvSpPr>
           <p:cNvPr id="55" name="Google Shape;55;p10"/>
-          <p:cNvSpPr txBox="1"/>
+          <p:cNvSpPr txBox="1">
+            <a:spLocks noGrp="1"/>
+          </p:cNvSpPr>
           <p:nvPr>
-            <p:ph idx="11" type="ftr"/>
+            <p:ph type="ftr" idx="11"/>
           </p:nvPr>
         </p:nvSpPr>
         <p:spPr>
@@ -9418,7 +9685,7 @@
           </a:ln>
         </p:spPr>
         <p:txBody>
-          <a:bodyPr anchorCtr="0" anchor="ctr" bIns="45700" lIns="91425" spcFirstLastPara="1" rIns="91425" wrap="square" tIns="45700">
+          <a:bodyPr spcFirstLastPara="1" wrap="square" lIns="91425" tIns="45700" rIns="91425" bIns="45700" anchor="ctr" anchorCtr="0">
             <a:noAutofit/>
           </a:bodyPr>
           <a:lstStyle>
@@ -9522,15 +9789,19 @@
               <a:defRPr/>
             </a:lvl9pPr>
           </a:lstStyle>
-          <a:p/>
+          <a:p>
+            <a:endParaRPr/>
+          </a:p>
         </p:txBody>
       </p:sp>
       <p:sp>
         <p:nvSpPr>
           <p:cNvPr id="56" name="Google Shape;56;p10"/>
-          <p:cNvSpPr txBox="1"/>
+          <p:cNvSpPr txBox="1">
+            <a:spLocks noGrp="1"/>
+          </p:cNvSpPr>
           <p:nvPr>
-            <p:ph idx="12" type="sldNum"/>
+            <p:ph type="sldNum" idx="12"/>
           </p:nvPr>
         </p:nvSpPr>
         <p:spPr>
@@ -9547,67 +9818,67 @@
           </a:ln>
         </p:spPr>
         <p:txBody>
-          <a:bodyPr anchorCtr="0" anchor="ctr" bIns="45700" lIns="91425" spcFirstLastPara="1" rIns="91425" wrap="square" tIns="45700">
+          <a:bodyPr spcFirstLastPara="1" wrap="square" lIns="91425" tIns="45700" rIns="91425" bIns="45700" anchor="ctr" anchorCtr="0">
             <a:noAutofit/>
           </a:bodyPr>
           <a:lstStyle>
-            <a:lvl1pPr indent="0" lvl="0" marL="0" algn="r">
+            <a:lvl1pPr marL="0" lvl="0" indent="0" algn="r">
               <a:spcBef>
                 <a:spcPts val="0"/>
               </a:spcBef>
               <a:buNone/>
               <a:defRPr/>
             </a:lvl1pPr>
-            <a:lvl2pPr indent="0" lvl="1" marL="0" algn="r">
+            <a:lvl2pPr marL="0" lvl="1" indent="0" algn="r">
               <a:spcBef>
                 <a:spcPts val="0"/>
               </a:spcBef>
               <a:buNone/>
               <a:defRPr/>
             </a:lvl2pPr>
-            <a:lvl3pPr indent="0" lvl="2" marL="0" algn="r">
+            <a:lvl3pPr marL="0" lvl="2" indent="0" algn="r">
               <a:spcBef>
                 <a:spcPts val="0"/>
               </a:spcBef>
               <a:buNone/>
               <a:defRPr/>
             </a:lvl3pPr>
-            <a:lvl4pPr indent="0" lvl="3" marL="0" algn="r">
+            <a:lvl4pPr marL="0" lvl="3" indent="0" algn="r">
               <a:spcBef>
                 <a:spcPts val="0"/>
               </a:spcBef>
               <a:buNone/>
               <a:defRPr/>
             </a:lvl4pPr>
-            <a:lvl5pPr indent="0" lvl="4" marL="0" algn="r">
+            <a:lvl5pPr marL="0" lvl="4" indent="0" algn="r">
               <a:spcBef>
                 <a:spcPts val="0"/>
               </a:spcBef>
               <a:buNone/>
               <a:defRPr/>
             </a:lvl5pPr>
-            <a:lvl6pPr indent="0" lvl="5" marL="0" algn="r">
+            <a:lvl6pPr marL="0" lvl="5" indent="0" algn="r">
               <a:spcBef>
                 <a:spcPts val="0"/>
               </a:spcBef>
               <a:buNone/>
               <a:defRPr/>
             </a:lvl6pPr>
-            <a:lvl7pPr indent="0" lvl="6" marL="0" algn="r">
+            <a:lvl7pPr marL="0" lvl="6" indent="0" algn="r">
               <a:spcBef>
                 <a:spcPts val="0"/>
               </a:spcBef>
               <a:buNone/>
               <a:defRPr/>
             </a:lvl7pPr>
-            <a:lvl8pPr indent="0" lvl="7" marL="0" algn="r">
+            <a:lvl8pPr marL="0" lvl="7" indent="0" algn="r">
               <a:spcBef>
                 <a:spcPts val="0"/>
               </a:spcBef>
               <a:buNone/>
               <a:defRPr/>
             </a:lvl8pPr>
-            <a:lvl9pPr indent="0" lvl="8" marL="0" algn="r">
+            <a:lvl9pPr marL="0" lvl="8" indent="0" algn="r">
               <a:spcBef>
                 <a:spcPts val="0"/>
               </a:spcBef>
@@ -9616,7 +9887,7 @@
             </a:lvl9pPr>
           </a:lstStyle>
           <a:p>
-            <a:pPr indent="0" lvl="0" marL="0" rtl="0" algn="r">
+            <a:pPr marL="0" lvl="0" indent="0" algn="r" rtl="0">
               <a:spcBef>
                 <a:spcPts val="0"/>
               </a:spcBef>
@@ -9627,7 +9898,7 @@
             </a:pPr>
             <a:fld id="{00000000-1234-1234-1234-123412341234}" type="slidenum">
               <a:rPr lang="es-ES"/>
-              <a:t>‹#›</a:t>
+              <a:t>‹Nº›</a:t>
             </a:fld>
             <a:endParaRPr/>
           </a:p>
@@ -9642,11 +9913,11 @@
 </file>
 
 <file path=ppt/slideLayouts/slideLayout7.xml><?xml version="1.0" encoding="utf-8"?>
-<p:sldLayout xmlns:a="http://schemas.openxmlformats.org/drawingml/2006/main" xmlns:r="http://schemas.openxmlformats.org/officeDocument/2006/relationships" xmlns:mc="http://schemas.openxmlformats.org/markup-compatibility/2006" xmlns:mv="urn:schemas-microsoft-com:mac:vml" xmlns:p="http://schemas.openxmlformats.org/presentationml/2006/main" xmlns:c="http://schemas.openxmlformats.org/drawingml/2006/chart" xmlns:dgm="http://schemas.openxmlformats.org/drawingml/2006/diagram" xmlns:o="urn:schemas-microsoft-com:office:office" xmlns:v="urn:schemas-microsoft-com:vml" xmlns:pvml="urn:schemas-microsoft-com:office:powerpoint" xmlns:com="http://schemas.openxmlformats.org/drawingml/2006/compatibility" xmlns:p14="http://schemas.microsoft.com/office/powerpoint/2010/main" xmlns:p15="http://schemas.microsoft.com/office/powerpoint/2012/main" matchingName="En blanco" type="blank">
+<p:sldLayout xmlns:a="http://schemas.openxmlformats.org/drawingml/2006/main" xmlns:r="http://schemas.openxmlformats.org/officeDocument/2006/relationships" xmlns:p="http://schemas.openxmlformats.org/presentationml/2006/main" matchingName="En blanco" type="blank">
   <p:cSld name="BLANK">
     <p:spTree>
       <p:nvGrpSpPr>
-        <p:cNvPr id="57" name="Shape 57"/>
+        <p:cNvPr id="1" name="Shape 57"/>
         <p:cNvGrpSpPr/>
         <p:nvPr/>
       </p:nvGrpSpPr>
@@ -9661,9 +9932,11 @@
       <p:sp>
         <p:nvSpPr>
           <p:cNvPr id="58" name="Google Shape;58;p11"/>
-          <p:cNvSpPr txBox="1"/>
+          <p:cNvSpPr txBox="1">
+            <a:spLocks noGrp="1"/>
+          </p:cNvSpPr>
           <p:nvPr>
-            <p:ph idx="10" type="dt"/>
+            <p:ph type="dt" idx="10"/>
           </p:nvPr>
         </p:nvSpPr>
         <p:spPr>
@@ -9680,7 +9953,7 @@
           </a:ln>
         </p:spPr>
         <p:txBody>
-          <a:bodyPr anchorCtr="0" anchor="ctr" bIns="45700" lIns="91425" spcFirstLastPara="1" rIns="91425" wrap="square" tIns="45700">
+          <a:bodyPr spcFirstLastPara="1" wrap="square" lIns="91425" tIns="45700" rIns="91425" bIns="45700" anchor="ctr" anchorCtr="0">
             <a:noAutofit/>
           </a:bodyPr>
           <a:lstStyle>
@@ -9784,15 +10057,19 @@
               <a:defRPr/>
             </a:lvl9pPr>
           </a:lstStyle>
-          <a:p/>
+          <a:p>
+            <a:endParaRPr/>
+          </a:p>
         </p:txBody>
       </p:sp>
       <p:sp>
         <p:nvSpPr>
           <p:cNvPr id="59" name="Google Shape;59;p11"/>
-          <p:cNvSpPr txBox="1"/>
+          <p:cNvSpPr txBox="1">
+            <a:spLocks noGrp="1"/>
+          </p:cNvSpPr>
           <p:nvPr>
-            <p:ph idx="11" type="ftr"/>
+            <p:ph type="ftr" idx="11"/>
           </p:nvPr>
         </p:nvSpPr>
         <p:spPr>
@@ -9809,7 +10086,7 @@
           </a:ln>
         </p:spPr>
         <p:txBody>
-          <a:bodyPr anchorCtr="0" anchor="ctr" bIns="45700" lIns="91425" spcFirstLastPara="1" rIns="91425" wrap="square" tIns="45700">
+          <a:bodyPr spcFirstLastPara="1" wrap="square" lIns="91425" tIns="45700" rIns="91425" bIns="45700" anchor="ctr" anchorCtr="0">
             <a:noAutofit/>
           </a:bodyPr>
           <a:lstStyle>
@@ -9913,15 +10190,19 @@
               <a:defRPr/>
             </a:lvl9pPr>
           </a:lstStyle>
-          <a:p/>
+          <a:p>
+            <a:endParaRPr/>
+          </a:p>
         </p:txBody>
       </p:sp>
       <p:sp>
         <p:nvSpPr>
           <p:cNvPr id="60" name="Google Shape;60;p11"/>
-          <p:cNvSpPr txBox="1"/>
+          <p:cNvSpPr txBox="1">
+            <a:spLocks noGrp="1"/>
+          </p:cNvSpPr>
           <p:nvPr>
-            <p:ph idx="12" type="sldNum"/>
+            <p:ph type="sldNum" idx="12"/>
           </p:nvPr>
         </p:nvSpPr>
         <p:spPr>
@@ -9938,67 +10219,67 @@
           </a:ln>
         </p:spPr>
         <p:txBody>
-          <a:bodyPr anchorCtr="0" anchor="ctr" bIns="45700" lIns="91425" spcFirstLastPara="1" rIns="91425" wrap="square" tIns="45700">
+          <a:bodyPr spcFirstLastPara="1" wrap="square" lIns="91425" tIns="45700" rIns="91425" bIns="45700" anchor="ctr" anchorCtr="0">
             <a:noAutofit/>
           </a:bodyPr>
           <a:lstStyle>
-            <a:lvl1pPr indent="0" lvl="0" marL="0" algn="r">
+            <a:lvl1pPr marL="0" lvl="0" indent="0" algn="r">
               <a:spcBef>
                 <a:spcPts val="0"/>
               </a:spcBef>
               <a:buNone/>
               <a:defRPr/>
             </a:lvl1pPr>
-            <a:lvl2pPr indent="0" lvl="1" marL="0" algn="r">
+            <a:lvl2pPr marL="0" lvl="1" indent="0" algn="r">
               <a:spcBef>
                 <a:spcPts val="0"/>
               </a:spcBef>
               <a:buNone/>
               <a:defRPr/>
             </a:lvl2pPr>
-            <a:lvl3pPr indent="0" lvl="2" marL="0" algn="r">
+            <a:lvl3pPr marL="0" lvl="2" indent="0" algn="r">
               <a:spcBef>
                 <a:spcPts val="0"/>
               </a:spcBef>
               <a:buNone/>
               <a:defRPr/>
             </a:lvl3pPr>
-            <a:lvl4pPr indent="0" lvl="3" marL="0" algn="r">
+            <a:lvl4pPr marL="0" lvl="3" indent="0" algn="r">
               <a:spcBef>
                 <a:spcPts val="0"/>
               </a:spcBef>
               <a:buNone/>
               <a:defRPr/>
             </a:lvl4pPr>
-            <a:lvl5pPr indent="0" lvl="4" marL="0" algn="r">
+            <a:lvl5pPr marL="0" lvl="4" indent="0" algn="r">
               <a:spcBef>
                 <a:spcPts val="0"/>
               </a:spcBef>
               <a:buNone/>
               <a:defRPr/>
             </a:lvl5pPr>
-            <a:lvl6pPr indent="0" lvl="5" marL="0" algn="r">
+            <a:lvl6pPr marL="0" lvl="5" indent="0" algn="r">
               <a:spcBef>
                 <a:spcPts val="0"/>
               </a:spcBef>
               <a:buNone/>
               <a:defRPr/>
             </a:lvl6pPr>
-            <a:lvl7pPr indent="0" lvl="6" marL="0" algn="r">
+            <a:lvl7pPr marL="0" lvl="6" indent="0" algn="r">
               <a:spcBef>
                 <a:spcPts val="0"/>
               </a:spcBef>
               <a:buNone/>
               <a:defRPr/>
             </a:lvl7pPr>
-            <a:lvl8pPr indent="0" lvl="7" marL="0" algn="r">
+            <a:lvl8pPr marL="0" lvl="7" indent="0" algn="r">
               <a:spcBef>
                 <a:spcPts val="0"/>
               </a:spcBef>
               <a:buNone/>
               <a:defRPr/>
             </a:lvl8pPr>
-            <a:lvl9pPr indent="0" lvl="8" marL="0" algn="r">
+            <a:lvl9pPr marL="0" lvl="8" indent="0" algn="r">
               <a:spcBef>
                 <a:spcPts val="0"/>
               </a:spcBef>
@@ -10007,7 +10288,7 @@
             </a:lvl9pPr>
           </a:lstStyle>
           <a:p>
-            <a:pPr indent="0" lvl="0" marL="0" rtl="0" algn="r">
+            <a:pPr marL="0" lvl="0" indent="0" algn="r" rtl="0">
               <a:spcBef>
                 <a:spcPts val="0"/>
               </a:spcBef>
@@ -10018,7 +10299,7 @@
             </a:pPr>
             <a:fld id="{00000000-1234-1234-1234-123412341234}" type="slidenum">
               <a:rPr lang="es-ES"/>
-              <a:t>‹#›</a:t>
+              <a:t>‹Nº›</a:t>
             </a:fld>
             <a:endParaRPr/>
           </a:p>
@@ -10033,11 +10314,11 @@
 </file>
 
 <file path=ppt/slideLayouts/slideLayout8.xml><?xml version="1.0" encoding="utf-8"?>
-<p:sldLayout xmlns:a="http://schemas.openxmlformats.org/drawingml/2006/main" xmlns:r="http://schemas.openxmlformats.org/officeDocument/2006/relationships" xmlns:mc="http://schemas.openxmlformats.org/markup-compatibility/2006" xmlns:mv="urn:schemas-microsoft-com:mac:vml" xmlns:p="http://schemas.openxmlformats.org/presentationml/2006/main" xmlns:c="http://schemas.openxmlformats.org/drawingml/2006/chart" xmlns:dgm="http://schemas.openxmlformats.org/drawingml/2006/diagram" xmlns:o="urn:schemas-microsoft-com:office:office" xmlns:v="urn:schemas-microsoft-com:vml" xmlns:pvml="urn:schemas-microsoft-com:office:powerpoint" xmlns:com="http://schemas.openxmlformats.org/drawingml/2006/compatibility" xmlns:p14="http://schemas.microsoft.com/office/powerpoint/2010/main" xmlns:p15="http://schemas.microsoft.com/office/powerpoint/2012/main" matchingName="Contenido con título" showMasterSp="0" type="objTx">
+<p:sldLayout xmlns:a="http://schemas.openxmlformats.org/drawingml/2006/main" xmlns:r="http://schemas.openxmlformats.org/officeDocument/2006/relationships" xmlns:p="http://schemas.openxmlformats.org/presentationml/2006/main" showMasterSp="0" matchingName="Contenido con título" type="objTx">
   <p:cSld name="OBJECT_WITH_CAPTION_TEXT">
     <p:spTree>
       <p:nvGrpSpPr>
-        <p:cNvPr id="61" name="Shape 61"/>
+        <p:cNvPr id="1" name="Shape 61"/>
         <p:cNvGrpSpPr/>
         <p:nvPr/>
       </p:nvGrpSpPr>
@@ -10061,9 +10342,13 @@
             <a:ext cx="4802188" cy="6858000"/>
           </a:xfrm>
           <a:custGeom>
-            <a:rect b="b" l="l" r="r" t="t"/>
+            <a:avLst/>
+            <a:gdLst/>
+            <a:ahLst/>
+            <a:cxnLst/>
+            <a:rect l="l" t="t" r="r" b="b"/>
             <a:pathLst>
-              <a:path extrusionOk="0" h="4320" w="3025">
+              <a:path w="3025" h="4320" extrusionOk="0">
                 <a:moveTo>
                   <a:pt x="0" y="0"/>
                 </a:moveTo>
@@ -10505,7 +10790,9 @@
       <p:sp>
         <p:nvSpPr>
           <p:cNvPr id="63" name="Google Shape;63;p12"/>
-          <p:cNvSpPr txBox="1"/>
+          <p:cNvSpPr txBox="1">
+            <a:spLocks noGrp="1"/>
+          </p:cNvSpPr>
           <p:nvPr>
             <p:ph type="title"/>
           </p:nvPr>
@@ -10524,7 +10811,7 @@
           </a:ln>
         </p:spPr>
         <p:txBody>
-          <a:bodyPr anchorCtr="0" anchor="b" bIns="45700" lIns="91425" spcFirstLastPara="1" rIns="91425" wrap="square" tIns="45700">
+          <a:bodyPr spcFirstLastPara="1" wrap="square" lIns="91425" tIns="45700" rIns="91425" bIns="45700" anchor="b" anchorCtr="0">
             <a:normAutofit/>
           </a:bodyPr>
           <a:lstStyle>
@@ -10544,7 +10831,7 @@
               <a:buSzPts val="1900"/>
               <a:buFont typeface="Gill Sans"/>
               <a:buNone/>
-              <a:defRPr b="1" i="0" sz="1900" cap="none">
+              <a:defRPr sz="1900" b="1" i="0" cap="none">
                 <a:solidFill>
                   <a:schemeClr val="accent1"/>
                 </a:solidFill>
@@ -10643,15 +10930,19 @@
               <a:defRPr/>
             </a:lvl9pPr>
           </a:lstStyle>
-          <a:p/>
+          <a:p>
+            <a:endParaRPr/>
+          </a:p>
         </p:txBody>
       </p:sp>
       <p:sp>
         <p:nvSpPr>
           <p:cNvPr id="64" name="Google Shape;64;p12"/>
-          <p:cNvSpPr txBox="1"/>
+          <p:cNvSpPr txBox="1">
+            <a:spLocks noGrp="1"/>
+          </p:cNvSpPr>
           <p:nvPr>
-            <p:ph idx="1" type="body"/>
+            <p:ph type="body" idx="1"/>
           </p:nvPr>
         </p:nvSpPr>
         <p:spPr>
@@ -10668,11 +10959,11 @@
           </a:ln>
         </p:spPr>
         <p:txBody>
-          <a:bodyPr anchorCtr="0" anchor="t" bIns="45700" lIns="91425" spcFirstLastPara="1" rIns="91425" wrap="square" tIns="45700">
+          <a:bodyPr spcFirstLastPara="1" wrap="square" lIns="91425" tIns="45700" rIns="91425" bIns="45700" anchor="t" anchorCtr="0">
             <a:normAutofit/>
           </a:bodyPr>
           <a:lstStyle>
-            <a:lvl1pPr indent="-431800" lvl="0" marL="457200" algn="l">
+            <a:lvl1pPr marL="457200" lvl="0" indent="-431800" algn="l">
               <a:lnSpc>
                 <a:spcPct val="110000"/>
               </a:lnSpc>
@@ -10686,7 +10977,7 @@
               <a:buChar char="•"/>
               <a:defRPr sz="3200"/>
             </a:lvl1pPr>
-            <a:lvl2pPr indent="-406400" lvl="1" marL="914400" algn="l">
+            <a:lvl2pPr marL="914400" lvl="1" indent="-406400" algn="l">
               <a:lnSpc>
                 <a:spcPct val="110000"/>
               </a:lnSpc>
@@ -10700,7 +10991,7 @@
               <a:buChar char="–"/>
               <a:defRPr sz="2800"/>
             </a:lvl2pPr>
-            <a:lvl3pPr indent="-381000" lvl="2" marL="1371600" algn="l">
+            <a:lvl3pPr marL="1371600" lvl="2" indent="-381000" algn="l">
               <a:lnSpc>
                 <a:spcPct val="110000"/>
               </a:lnSpc>
@@ -10714,7 +11005,7 @@
               <a:buChar char="•"/>
               <a:defRPr sz="2400"/>
             </a:lvl3pPr>
-            <a:lvl4pPr indent="-355600" lvl="3" marL="1828800" algn="l">
+            <a:lvl4pPr marL="1828800" lvl="3" indent="-355600" algn="l">
               <a:lnSpc>
                 <a:spcPct val="110000"/>
               </a:lnSpc>
@@ -10728,7 +11019,7 @@
               <a:buChar char="–"/>
               <a:defRPr sz="2000"/>
             </a:lvl4pPr>
-            <a:lvl5pPr indent="-355600" lvl="4" marL="2286000" algn="l">
+            <a:lvl5pPr marL="2286000" lvl="4" indent="-355600" algn="l">
               <a:lnSpc>
                 <a:spcPct val="110000"/>
               </a:lnSpc>
@@ -10742,7 +11033,7 @@
               <a:buChar char="•"/>
               <a:defRPr sz="2000"/>
             </a:lvl5pPr>
-            <a:lvl6pPr indent="-355600" lvl="5" marL="2743200" algn="l">
+            <a:lvl6pPr marL="2743200" lvl="5" indent="-355600" algn="l">
               <a:lnSpc>
                 <a:spcPct val="110000"/>
               </a:lnSpc>
@@ -10756,7 +11047,7 @@
               <a:buChar char="–"/>
               <a:defRPr sz="2000"/>
             </a:lvl6pPr>
-            <a:lvl7pPr indent="-355600" lvl="6" marL="3200400" algn="l">
+            <a:lvl7pPr marL="3200400" lvl="6" indent="-355600" algn="l">
               <a:lnSpc>
                 <a:spcPct val="110000"/>
               </a:lnSpc>
@@ -10770,7 +11061,7 @@
               <a:buChar char="•"/>
               <a:defRPr sz="2000"/>
             </a:lvl7pPr>
-            <a:lvl8pPr indent="-355600" lvl="7" marL="3657600" algn="l">
+            <a:lvl8pPr marL="3657600" lvl="7" indent="-355600" algn="l">
               <a:lnSpc>
                 <a:spcPct val="110000"/>
               </a:lnSpc>
@@ -10784,7 +11075,7 @@
               <a:buChar char="–"/>
               <a:defRPr sz="2000"/>
             </a:lvl8pPr>
-            <a:lvl9pPr indent="-355600" lvl="8" marL="4114800" algn="l">
+            <a:lvl9pPr marL="4114800" lvl="8" indent="-355600" algn="l">
               <a:lnSpc>
                 <a:spcPct val="110000"/>
               </a:lnSpc>
@@ -10799,15 +11090,19 @@
               <a:defRPr sz="2000"/>
             </a:lvl9pPr>
           </a:lstStyle>
-          <a:p/>
+          <a:p>
+            <a:endParaRPr/>
+          </a:p>
         </p:txBody>
       </p:sp>
       <p:sp>
         <p:nvSpPr>
           <p:cNvPr id="65" name="Google Shape;65;p12"/>
-          <p:cNvSpPr txBox="1"/>
+          <p:cNvSpPr txBox="1">
+            <a:spLocks noGrp="1"/>
+          </p:cNvSpPr>
           <p:nvPr>
-            <p:ph idx="2" type="body"/>
+            <p:ph type="body" idx="2"/>
           </p:nvPr>
         </p:nvSpPr>
         <p:spPr>
@@ -10824,11 +11119,11 @@
           </a:ln>
         </p:spPr>
         <p:txBody>
-          <a:bodyPr anchorCtr="0" anchor="t" bIns="45700" lIns="91425" spcFirstLastPara="1" rIns="91425" wrap="square" tIns="45700">
+          <a:bodyPr spcFirstLastPara="1" wrap="square" lIns="91425" tIns="45700" rIns="91425" bIns="45700" anchor="t" anchorCtr="0">
             <a:normAutofit/>
           </a:bodyPr>
           <a:lstStyle>
-            <a:lvl1pPr indent="-228600" lvl="0" marL="457200" algn="l">
+            <a:lvl1pPr marL="457200" lvl="0" indent="-228600" algn="l">
               <a:lnSpc>
                 <a:spcPct val="120000"/>
               </a:lnSpc>
@@ -10846,7 +11141,7 @@
                 </a:solidFill>
               </a:defRPr>
             </a:lvl1pPr>
-            <a:lvl2pPr indent="-228600" lvl="1" marL="914400" algn="l">
+            <a:lvl2pPr marL="914400" lvl="1" indent="-228600" algn="l">
               <a:lnSpc>
                 <a:spcPct val="110000"/>
               </a:lnSpc>
@@ -10860,7 +11155,7 @@
               <a:buNone/>
               <a:defRPr sz="1400"/>
             </a:lvl2pPr>
-            <a:lvl3pPr indent="-228600" lvl="2" marL="1371600" algn="l">
+            <a:lvl3pPr marL="1371600" lvl="2" indent="-228600" algn="l">
               <a:lnSpc>
                 <a:spcPct val="110000"/>
               </a:lnSpc>
@@ -10874,7 +11169,7 @@
               <a:buNone/>
               <a:defRPr sz="1200"/>
             </a:lvl3pPr>
-            <a:lvl4pPr indent="-228600" lvl="3" marL="1828800" algn="l">
+            <a:lvl4pPr marL="1828800" lvl="3" indent="-228600" algn="l">
               <a:lnSpc>
                 <a:spcPct val="110000"/>
               </a:lnSpc>
@@ -10888,7 +11183,7 @@
               <a:buNone/>
               <a:defRPr sz="1000"/>
             </a:lvl4pPr>
-            <a:lvl5pPr indent="-228600" lvl="4" marL="2286000" algn="l">
+            <a:lvl5pPr marL="2286000" lvl="4" indent="-228600" algn="l">
               <a:lnSpc>
                 <a:spcPct val="110000"/>
               </a:lnSpc>
@@ -10902,7 +11197,7 @@
               <a:buNone/>
               <a:defRPr sz="1000"/>
             </a:lvl5pPr>
-            <a:lvl6pPr indent="-228600" lvl="5" marL="2743200" algn="l">
+            <a:lvl6pPr marL="2743200" lvl="5" indent="-228600" algn="l">
               <a:lnSpc>
                 <a:spcPct val="110000"/>
               </a:lnSpc>
@@ -10916,7 +11211,7 @@
               <a:buNone/>
               <a:defRPr sz="1000"/>
             </a:lvl6pPr>
-            <a:lvl7pPr indent="-228600" lvl="6" marL="3200400" algn="l">
+            <a:lvl7pPr marL="3200400" lvl="6" indent="-228600" algn="l">
               <a:lnSpc>
                 <a:spcPct val="110000"/>
               </a:lnSpc>
@@ -10930,7 +11225,7 @@
               <a:buNone/>
               <a:defRPr sz="1000"/>
             </a:lvl7pPr>
-            <a:lvl8pPr indent="-228600" lvl="7" marL="3657600" algn="l">
+            <a:lvl8pPr marL="3657600" lvl="7" indent="-228600" algn="l">
               <a:lnSpc>
                 <a:spcPct val="110000"/>
               </a:lnSpc>
@@ -10944,7 +11239,7 @@
               <a:buNone/>
               <a:defRPr sz="1000"/>
             </a:lvl8pPr>
-            <a:lvl9pPr indent="-228600" lvl="8" marL="4114800" algn="l">
+            <a:lvl9pPr marL="4114800" lvl="8" indent="-228600" algn="l">
               <a:lnSpc>
                 <a:spcPct val="110000"/>
               </a:lnSpc>
@@ -10959,15 +11254,19 @@
               <a:defRPr sz="1000"/>
             </a:lvl9pPr>
           </a:lstStyle>
-          <a:p/>
+          <a:p>
+            <a:endParaRPr/>
+          </a:p>
         </p:txBody>
       </p:sp>
       <p:sp>
         <p:nvSpPr>
           <p:cNvPr id="66" name="Google Shape;66;p12"/>
-          <p:cNvSpPr txBox="1"/>
+          <p:cNvSpPr txBox="1">
+            <a:spLocks noGrp="1"/>
+          </p:cNvSpPr>
           <p:nvPr>
-            <p:ph idx="10" type="dt"/>
+            <p:ph type="dt" idx="10"/>
           </p:nvPr>
         </p:nvSpPr>
         <p:spPr>
@@ -10984,7 +11283,7 @@
           </a:ln>
         </p:spPr>
         <p:txBody>
-          <a:bodyPr anchorCtr="0" anchor="ctr" bIns="45700" lIns="91425" spcFirstLastPara="1" rIns="91425" wrap="square" tIns="45700">
+          <a:bodyPr spcFirstLastPara="1" wrap="square" lIns="91425" tIns="45700" rIns="91425" bIns="45700" anchor="ctr" anchorCtr="0">
             <a:noAutofit/>
           </a:bodyPr>
           <a:lstStyle>
@@ -11088,15 +11387,19 @@
               <a:defRPr/>
             </a:lvl9pPr>
           </a:lstStyle>
-          <a:p/>
+          <a:p>
+            <a:endParaRPr/>
+          </a:p>
         </p:txBody>
       </p:sp>
       <p:sp>
         <p:nvSpPr>
           <p:cNvPr id="67" name="Google Shape;67;p12"/>
-          <p:cNvSpPr txBox="1"/>
+          <p:cNvSpPr txBox="1">
+            <a:spLocks noGrp="1"/>
+          </p:cNvSpPr>
           <p:nvPr>
-            <p:ph idx="11" type="ftr"/>
+            <p:ph type="ftr" idx="11"/>
           </p:nvPr>
         </p:nvSpPr>
         <p:spPr>
@@ -11113,7 +11416,7 @@
           </a:ln>
         </p:spPr>
         <p:txBody>
-          <a:bodyPr anchorCtr="0" anchor="ctr" bIns="45700" lIns="91425" spcFirstLastPara="1" rIns="91425" wrap="square" tIns="45700">
+          <a:bodyPr spcFirstLastPara="1" wrap="square" lIns="91425" tIns="45700" rIns="91425" bIns="45700" anchor="ctr" anchorCtr="0">
             <a:noAutofit/>
           </a:bodyPr>
           <a:lstStyle>
@@ -11217,15 +11520,19 @@
               <a:defRPr/>
             </a:lvl9pPr>
           </a:lstStyle>
-          <a:p/>
+          <a:p>
+            <a:endParaRPr/>
+          </a:p>
         </p:txBody>
       </p:sp>
       <p:sp>
         <p:nvSpPr>
           <p:cNvPr id="68" name="Google Shape;68;p12"/>
-          <p:cNvSpPr txBox="1"/>
+          <p:cNvSpPr txBox="1">
+            <a:spLocks noGrp="1"/>
+          </p:cNvSpPr>
           <p:nvPr>
-            <p:ph idx="12" type="sldNum"/>
+            <p:ph type="sldNum" idx="12"/>
           </p:nvPr>
         </p:nvSpPr>
         <p:spPr>
@@ -11242,67 +11549,67 @@
           </a:ln>
         </p:spPr>
         <p:txBody>
-          <a:bodyPr anchorCtr="0" anchor="ctr" bIns="45700" lIns="91425" spcFirstLastPara="1" rIns="91425" wrap="square" tIns="45700">
+          <a:bodyPr spcFirstLastPara="1" wrap="square" lIns="91425" tIns="45700" rIns="91425" bIns="45700" anchor="ctr" anchorCtr="0">
             <a:noAutofit/>
           </a:bodyPr>
           <a:lstStyle>
-            <a:lvl1pPr indent="0" lvl="0" marL="0" algn="r">
+            <a:lvl1pPr marL="0" lvl="0" indent="0" algn="r">
               <a:spcBef>
                 <a:spcPts val="0"/>
               </a:spcBef>
               <a:buNone/>
               <a:defRPr/>
             </a:lvl1pPr>
-            <a:lvl2pPr indent="0" lvl="1" marL="0" algn="r">
+            <a:lvl2pPr marL="0" lvl="1" indent="0" algn="r">
               <a:spcBef>
                 <a:spcPts val="0"/>
               </a:spcBef>
               <a:buNone/>
               <a:defRPr/>
             </a:lvl2pPr>
-            <a:lvl3pPr indent="0" lvl="2" marL="0" algn="r">
+            <a:lvl3pPr marL="0" lvl="2" indent="0" algn="r">
               <a:spcBef>
                 <a:spcPts val="0"/>
               </a:spcBef>
               <a:buNone/>
               <a:defRPr/>
             </a:lvl3pPr>
-            <a:lvl4pPr indent="0" lvl="3" marL="0" algn="r">
+            <a:lvl4pPr marL="0" lvl="3" indent="0" algn="r">
               <a:spcBef>
                 <a:spcPts val="0"/>
               </a:spcBef>
               <a:buNone/>
               <a:defRPr/>
             </a:lvl4pPr>
-            <a:lvl5pPr indent="0" lvl="4" marL="0" algn="r">
+            <a:lvl5pPr marL="0" lvl="4" indent="0" algn="r">
               <a:spcBef>
                 <a:spcPts val="0"/>
               </a:spcBef>
               <a:buNone/>
               <a:defRPr/>
             </a:lvl5pPr>
-            <a:lvl6pPr indent="0" lvl="5" marL="0" algn="r">
+            <a:lvl6pPr marL="0" lvl="5" indent="0" algn="r">
               <a:spcBef>
                 <a:spcPts val="0"/>
               </a:spcBef>
               <a:buNone/>
               <a:defRPr/>
             </a:lvl6pPr>
-            <a:lvl7pPr indent="0" lvl="6" marL="0" algn="r">
+            <a:lvl7pPr marL="0" lvl="6" indent="0" algn="r">
               <a:spcBef>
                 <a:spcPts val="0"/>
               </a:spcBef>
               <a:buNone/>
               <a:defRPr/>
             </a:lvl7pPr>
-            <a:lvl8pPr indent="0" lvl="7" marL="0" algn="r">
+            <a:lvl8pPr marL="0" lvl="7" indent="0" algn="r">
               <a:spcBef>
                 <a:spcPts val="0"/>
               </a:spcBef>
               <a:buNone/>
               <a:defRPr/>
             </a:lvl8pPr>
-            <a:lvl9pPr indent="0" lvl="8" marL="0" algn="r">
+            <a:lvl9pPr marL="0" lvl="8" indent="0" algn="r">
               <a:spcBef>
                 <a:spcPts val="0"/>
               </a:spcBef>
@@ -11311,7 +11618,7 @@
             </a:lvl9pPr>
           </a:lstStyle>
           <a:p>
-            <a:pPr indent="0" lvl="0" marL="0" rtl="0" algn="r">
+            <a:pPr marL="0" lvl="0" indent="0" algn="r" rtl="0">
               <a:spcBef>
                 <a:spcPts val="0"/>
               </a:spcBef>
@@ -11322,7 +11629,7 @@
             </a:pPr>
             <a:fld id="{00000000-1234-1234-1234-123412341234}" type="slidenum">
               <a:rPr lang="es-ES"/>
-              <a:t>‹#›</a:t>
+              <a:t>‹Nº›</a:t>
             </a:fld>
             <a:endParaRPr/>
           </a:p>
@@ -11350,12 +11657,12 @@
           </a:ln>
         </p:spPr>
         <p:txBody>
-          <a:bodyPr anchorCtr="0" anchor="ctr" bIns="91425" lIns="91425" spcFirstLastPara="1" rIns="91425" wrap="square" tIns="91425">
+          <a:bodyPr spcFirstLastPara="1" wrap="square" lIns="91425" tIns="91425" rIns="91425" bIns="91425" anchor="ctr" anchorCtr="0">
             <a:noAutofit/>
           </a:bodyPr>
           <a:lstStyle/>
           <a:p>
-            <a:pPr indent="0" lvl="0" marL="0" rtl="0" algn="l">
+            <a:pPr marL="0" lvl="0" indent="0" algn="l" rtl="0">
               <a:spcBef>
                 <a:spcPts val="0"/>
               </a:spcBef>
@@ -11364,9 +11671,6 @@
               </a:spcAft>
               <a:buNone/>
             </a:pPr>
-            <a:r>
-              <a:t/>
-            </a:r>
             <a:endParaRPr/>
           </a:p>
         </p:txBody>
@@ -11378,7 +11682,7 @@
   </p:clrMapOvr>
   <p:extLst>
     <p:ext uri="{DCECCB84-F9BA-43D5-87BE-67443E8EF086}">
-      <p15:sldGuideLst>
+      <p15:sldGuideLst xmlns:p15="http://schemas.microsoft.com/office/powerpoint/2012/main">
         <p15:guide id="1" orient="horz" pos="696">
           <p15:clr>
             <a:srgbClr val="FBAE40"/>
@@ -11391,11 +11695,11 @@
 </file>
 
 <file path=ppt/slideLayouts/slideLayout9.xml><?xml version="1.0" encoding="utf-8"?>
-<p:sldLayout xmlns:a="http://schemas.openxmlformats.org/drawingml/2006/main" xmlns:r="http://schemas.openxmlformats.org/officeDocument/2006/relationships" xmlns:mc="http://schemas.openxmlformats.org/markup-compatibility/2006" xmlns:mv="urn:schemas-microsoft-com:mac:vml" xmlns:p="http://schemas.openxmlformats.org/presentationml/2006/main" xmlns:c="http://schemas.openxmlformats.org/drawingml/2006/chart" xmlns:dgm="http://schemas.openxmlformats.org/drawingml/2006/diagram" xmlns:o="urn:schemas-microsoft-com:office:office" xmlns:v="urn:schemas-microsoft-com:vml" xmlns:pvml="urn:schemas-microsoft-com:office:powerpoint" xmlns:com="http://schemas.openxmlformats.org/drawingml/2006/compatibility" xmlns:p14="http://schemas.microsoft.com/office/powerpoint/2010/main" xmlns:p15="http://schemas.microsoft.com/office/powerpoint/2012/main" matchingName="Imagen con título" showMasterSp="0" type="picTx">
+<p:sldLayout xmlns:a="http://schemas.openxmlformats.org/drawingml/2006/main" xmlns:r="http://schemas.openxmlformats.org/officeDocument/2006/relationships" xmlns:p="http://schemas.openxmlformats.org/presentationml/2006/main" showMasterSp="0" matchingName="Imagen con título" type="picTx">
   <p:cSld name="PICTURE_WITH_CAPTION_TEXT">
     <p:spTree>
       <p:nvGrpSpPr>
-        <p:cNvPr id="70" name="Shape 70"/>
+        <p:cNvPr id="1" name="Shape 70"/>
         <p:cNvGrpSpPr/>
         <p:nvPr/>
       </p:nvGrpSpPr>
@@ -11410,9 +11714,11 @@
       <p:sp>
         <p:nvSpPr>
           <p:cNvPr id="71" name="Google Shape;71;p13"/>
-          <p:cNvSpPr/>
+          <p:cNvSpPr>
+            <a:spLocks noGrp="1"/>
+          </p:cNvSpPr>
           <p:nvPr>
-            <p:ph idx="2" type="pic"/>
+            <p:ph type="pic" idx="2"/>
           </p:nvPr>
         </p:nvSpPr>
         <p:spPr>
@@ -11429,11 +11735,11 @@
           </a:ln>
         </p:spPr>
         <p:txBody>
-          <a:bodyPr anchorCtr="0" anchor="t" bIns="45700" lIns="91425" spcFirstLastPara="1" rIns="91425" wrap="square" tIns="45700">
+          <a:bodyPr spcFirstLastPara="1" wrap="square" lIns="91425" tIns="45700" rIns="91425" bIns="45700" anchor="t" anchorCtr="0">
             <a:normAutofit/>
           </a:bodyPr>
           <a:lstStyle>
-            <a:lvl1pPr lvl="0" marR="0" rtl="0" algn="l">
+            <a:lvl1pPr marR="0" lvl="0" algn="l" rtl="0">
               <a:lnSpc>
                 <a:spcPct val="110000"/>
               </a:lnSpc>
@@ -11449,7 +11755,7 @@
               <a:buSzPts val="3200"/>
               <a:buFont typeface="Arial"/>
               <a:buNone/>
-              <a:defRPr b="0" i="0" sz="3200" u="none" cap="none" strike="noStrike">
+              <a:defRPr sz="3200" b="0" i="0" u="none" strike="noStrike" cap="none">
                 <a:solidFill>
                   <a:srgbClr val="595959"/>
                 </a:solidFill>
@@ -11459,7 +11765,7 @@
                 <a:sym typeface="Gill Sans"/>
               </a:defRPr>
             </a:lvl1pPr>
-            <a:lvl2pPr lvl="1" marR="0" rtl="0" algn="l">
+            <a:lvl2pPr marR="0" lvl="1" algn="l" rtl="0">
               <a:lnSpc>
                 <a:spcPct val="110000"/>
               </a:lnSpc>
@@ -11475,7 +11781,7 @@
               <a:buSzPts val="2800"/>
               <a:buFont typeface="Gill Sans"/>
               <a:buNone/>
-              <a:defRPr b="0" i="0" sz="2800" u="none" cap="none" strike="noStrike">
+              <a:defRPr sz="2800" b="0" i="0" u="none" strike="noStrike" cap="none">
                 <a:solidFill>
                   <a:srgbClr val="595959"/>
                 </a:solidFill>
@@ -11485,7 +11791,7 @@
                 <a:sym typeface="Gill Sans"/>
               </a:defRPr>
             </a:lvl2pPr>
-            <a:lvl3pPr lvl="2" marR="0" rtl="0" algn="l">
+            <a:lvl3pPr marR="0" lvl="2" algn="l" rtl="0">
               <a:lnSpc>
                 <a:spcPct val="110000"/>
               </a:lnSpc>
@@ -11501,7 +11807,7 @@
               <a:buSzPts val="2400"/>
               <a:buFont typeface="Arial"/>
               <a:buNone/>
-              <a:defRPr b="0" i="0" sz="2400" u="none" cap="none" strike="noStrike">
+              <a:defRPr sz="2400" b="0" i="0" u="none" strike="noStrike" cap="none">
                 <a:solidFill>
                   <a:srgbClr val="595959"/>
                 </a:solidFill>
@@ -11511,7 +11817,7 @@
                 <a:sym typeface="Gill Sans"/>
               </a:defRPr>
             </a:lvl3pPr>
-            <a:lvl4pPr lvl="3" marR="0" rtl="0" algn="l">
+            <a:lvl4pPr marR="0" lvl="3" algn="l" rtl="0">
               <a:lnSpc>
                 <a:spcPct val="110000"/>
               </a:lnSpc>
@@ -11527,7 +11833,7 @@
               <a:buSzPts val="2000"/>
               <a:buFont typeface="Gill Sans"/>
               <a:buNone/>
-              <a:defRPr b="0" i="0" sz="2000" u="none" cap="none" strike="noStrike">
+              <a:defRPr sz="2000" b="0" i="0" u="none" strike="noStrike" cap="none">
                 <a:solidFill>
                   <a:srgbClr val="595959"/>
                 </a:solidFill>
@@ -11537,7 +11843,7 @@
                 <a:sym typeface="Gill Sans"/>
               </a:defRPr>
             </a:lvl4pPr>
-            <a:lvl5pPr lvl="4" marR="0" rtl="0" algn="l">
+            <a:lvl5pPr marR="0" lvl="4" algn="l" rtl="0">
               <a:lnSpc>
                 <a:spcPct val="110000"/>
               </a:lnSpc>
@@ -11553,7 +11859,7 @@
               <a:buSzPts val="2000"/>
               <a:buFont typeface="Arial"/>
               <a:buNone/>
-              <a:defRPr b="0" i="0" sz="2000" u="none" cap="none" strike="noStrike">
+              <a:defRPr sz="2000" b="0" i="0" u="none" strike="noStrike" cap="none">
                 <a:solidFill>
                   <a:srgbClr val="595959"/>
                 </a:solidFill>
@@ -11563,7 +11869,7 @@
                 <a:sym typeface="Gill Sans"/>
               </a:defRPr>
             </a:lvl5pPr>
-            <a:lvl6pPr lvl="5" marR="0" rtl="0" algn="l">
+            <a:lvl6pPr marR="0" lvl="5" algn="l" rtl="0">
               <a:lnSpc>
                 <a:spcPct val="110000"/>
               </a:lnSpc>
@@ -11579,7 +11885,7 @@
               <a:buSzPts val="2000"/>
               <a:buFont typeface="Gill Sans"/>
               <a:buNone/>
-              <a:defRPr b="0" i="0" sz="2000" u="none" cap="none" strike="noStrike">
+              <a:defRPr sz="2000" b="0" i="0" u="none" strike="noStrike" cap="none">
                 <a:solidFill>
                   <a:srgbClr val="595959"/>
                 </a:solidFill>
@@ -11589,7 +11895,7 @@
                 <a:sym typeface="Gill Sans"/>
               </a:defRPr>
             </a:lvl6pPr>
-            <a:lvl7pPr lvl="6" marR="0" rtl="0" algn="l">
+            <a:lvl7pPr marR="0" lvl="6" algn="l" rtl="0">
               <a:lnSpc>
                 <a:spcPct val="110000"/>
               </a:lnSpc>
@@ -11605,7 +11911,7 @@
               <a:buSzPts val="2000"/>
               <a:buFont typeface="Arial"/>
               <a:buNone/>
-              <a:defRPr b="0" i="0" sz="2000" u="none" cap="none" strike="noStrike">
+              <a:defRPr sz="2000" b="0" i="0" u="none" strike="noStrike" cap="none">
                 <a:solidFill>
                   <a:srgbClr val="595959"/>
                 </a:solidFill>
@@ -11615,7 +11921,7 @@
                 <a:sym typeface="Gill Sans"/>
               </a:defRPr>
             </a:lvl7pPr>
-            <a:lvl8pPr lvl="7" marR="0" rtl="0" algn="l">
+            <a:lvl8pPr marR="0" lvl="7" algn="l" rtl="0">
               <a:lnSpc>
                 <a:spcPct val="110000"/>
               </a:lnSpc>
@@ -11631,7 +11937,7 @@
               <a:buSzPts val="2000"/>
               <a:buFont typeface="Gill Sans"/>
               <a:buNone/>
-              <a:defRPr b="0" i="0" sz="2000" u="none" cap="none" strike="noStrike">
+              <a:defRPr sz="2000" b="0" i="0" u="none" strike="noStrike" cap="none">
                 <a:solidFill>
                   <a:srgbClr val="595959"/>
                 </a:solidFill>
@@ -11641,7 +11947,7 @@
                 <a:sym typeface="Gill Sans"/>
               </a:defRPr>
             </a:lvl8pPr>
-            <a:lvl9pPr lvl="8" marR="0" rtl="0" algn="l">
+            <a:lvl9pPr marR="0" lvl="8" algn="l" rtl="0">
               <a:lnSpc>
                 <a:spcPct val="110000"/>
               </a:lnSpc>
@@ -11657,7 +11963,7 @@
               <a:buSzPts val="2000"/>
               <a:buFont typeface="Arial"/>
               <a:buNone/>
-              <a:defRPr b="0" i="0" sz="2000" u="none" cap="none" strike="noStrike">
+              <a:defRPr sz="2000" b="0" i="0" u="none" strike="noStrike" cap="none">
                 <a:solidFill>
                   <a:srgbClr val="595959"/>
                 </a:solidFill>
@@ -11668,7 +11974,9 @@
               </a:defRPr>
             </a:lvl9pPr>
           </a:lstStyle>
-          <a:p/>
+          <a:p>
+            <a:endParaRPr/>
+          </a:p>
         </p:txBody>
       </p:sp>
       <p:sp>
@@ -11683,9 +11991,13 @@
             <a:ext cx="4802188" cy="6858000"/>
           </a:xfrm>
           <a:custGeom>
-            <a:rect b="b" l="l" r="r" t="t"/>
+            <a:avLst/>
+            <a:gdLst/>
+            <a:ahLst/>
+            <a:cxnLst/>
+            <a:rect l="l" t="t" r="r" b="b"/>
             <a:pathLst>
-              <a:path extrusionOk="0" h="4320" w="3025">
+              <a:path w="3025" h="4320" extrusionOk="0">
                 <a:moveTo>
                   <a:pt x="0" y="0"/>
                 </a:moveTo>
@@ -12146,12 +12458,12 @@
           </a:ln>
         </p:spPr>
         <p:txBody>
-          <a:bodyPr anchorCtr="0" anchor="ctr" bIns="91425" lIns="91425" spcFirstLastPara="1" rIns="91425" wrap="square" tIns="91425">
+          <a:bodyPr spcFirstLastPara="1" wrap="square" lIns="91425" tIns="91425" rIns="91425" bIns="91425" anchor="ctr" anchorCtr="0">
             <a:noAutofit/>
           </a:bodyPr>
           <a:lstStyle/>
           <a:p>
-            <a:pPr indent="0" lvl="0" marL="0" rtl="0" algn="l">
+            <a:pPr marL="0" lvl="0" indent="0" algn="l" rtl="0">
               <a:spcBef>
                 <a:spcPts val="0"/>
               </a:spcBef>
@@ -12160,9 +12472,6 @@
               </a:spcAft>
               <a:buNone/>
             </a:pPr>
-            <a:r>
-              <a:t/>
-            </a:r>
             <a:endParaRPr/>
           </a:p>
         </p:txBody>
@@ -12170,7 +12479,9 @@
       <p:sp>
         <p:nvSpPr>
           <p:cNvPr id="74" name="Google Shape;74;p13"/>
-          <p:cNvSpPr txBox="1"/>
+          <p:cNvSpPr txBox="1">
+            <a:spLocks noGrp="1"/>
+          </p:cNvSpPr>
           <p:nvPr>
             <p:ph type="title"/>
           </p:nvPr>
@@ -12189,7 +12500,7 @@
           </a:ln>
         </p:spPr>
         <p:txBody>
-          <a:bodyPr anchorCtr="0" anchor="b" bIns="45700" lIns="91425" spcFirstLastPara="1" rIns="91425" wrap="square" tIns="45700">
+          <a:bodyPr spcFirstLastPara="1" wrap="square" lIns="91425" tIns="45700" rIns="91425" bIns="45700" anchor="b" anchorCtr="0">
             <a:normAutofit/>
           </a:bodyPr>
           <a:lstStyle>
@@ -12209,7 +12520,7 @@
               <a:buSzPts val="1900"/>
               <a:buFont typeface="Gill Sans"/>
               <a:buNone/>
-              <a:defRPr b="1" i="0" sz="1900">
+              <a:defRPr sz="1900" b="1" i="0">
                 <a:solidFill>
                   <a:schemeClr val="accent1"/>
                 </a:solidFill>
@@ -12308,15 +12619,19 @@
               <a:defRPr/>
             </a:lvl9pPr>
           </a:lstStyle>
-          <a:p/>
+          <a:p>
+            <a:endParaRPr/>
+          </a:p>
         </p:txBody>
       </p:sp>
       <p:sp>
         <p:nvSpPr>
           <p:cNvPr id="75" name="Google Shape;75;p13"/>
-          <p:cNvSpPr txBox="1"/>
+          <p:cNvSpPr txBox="1">
+            <a:spLocks noGrp="1"/>
+          </p:cNvSpPr>
           <p:nvPr>
-            <p:ph idx="1" type="body"/>
+            <p:ph type="body" idx="1"/>
           </p:nvPr>
         </p:nvSpPr>
         <p:spPr>
@@ -12333,11 +12648,11 @@
           </a:ln>
         </p:spPr>
         <p:txBody>
-          <a:bodyPr anchorCtr="0" anchor="t" bIns="45700" lIns="91425" spcFirstLastPara="1" rIns="91425" wrap="square" tIns="45700">
+          <a:bodyPr spcFirstLastPara="1" wrap="square" lIns="91425" tIns="45700" rIns="91425" bIns="45700" anchor="t" anchorCtr="0">
             <a:normAutofit/>
           </a:bodyPr>
           <a:lstStyle>
-            <a:lvl1pPr indent="-228600" lvl="0" marL="457200" algn="l">
+            <a:lvl1pPr marL="457200" lvl="0" indent="-228600" algn="l">
               <a:lnSpc>
                 <a:spcPct val="120000"/>
               </a:lnSpc>
@@ -12355,7 +12670,7 @@
                 </a:solidFill>
               </a:defRPr>
             </a:lvl1pPr>
-            <a:lvl2pPr indent="-228600" lvl="1" marL="914400" algn="l">
+            <a:lvl2pPr marL="914400" lvl="1" indent="-228600" algn="l">
               <a:lnSpc>
                 <a:spcPct val="110000"/>
               </a:lnSpc>
@@ -12369,7 +12684,7 @@
               <a:buNone/>
               <a:defRPr sz="1400"/>
             </a:lvl2pPr>
-            <a:lvl3pPr indent="-228600" lvl="2" marL="1371600" algn="l">
+            <a:lvl3pPr marL="1371600" lvl="2" indent="-228600" algn="l">
               <a:lnSpc>
                 <a:spcPct val="110000"/>
               </a:lnSpc>
@@ -12383,7 +12698,7 @@
               <a:buNone/>
               <a:defRPr sz="1200"/>
             </a:lvl3pPr>
-            <a:lvl4pPr indent="-228600" lvl="3" marL="1828800" algn="l">
+            <a:lvl4pPr marL="1828800" lvl="3" indent="-228600" algn="l">
               <a:lnSpc>
                 <a:spcPct val="110000"/>
               </a:lnSpc>
@@ -12397,7 +12712,7 @@
               <a:buNone/>
               <a:defRPr sz="1000"/>
             </a:lvl4pPr>
-            <a:lvl5pPr indent="-228600" lvl="4" marL="2286000" algn="l">
+            <a:lvl5pPr marL="2286000" lvl="4" indent="-228600" algn="l">
               <a:lnSpc>
                 <a:spcPct val="110000"/>
               </a:lnSpc>
@@ -12411,7 +12726,7 @@
               <a:buNone/>
               <a:defRPr sz="1000"/>
             </a:lvl5pPr>
-            <a:lvl6pPr indent="-228600" lvl="5" marL="2743200" algn="l">
+            <a:lvl6pPr marL="2743200" lvl="5" indent="-228600" algn="l">
               <a:lnSpc>
                 <a:spcPct val="110000"/>
               </a:lnSpc>
@@ -12425,7 +12740,7 @@
               <a:buNone/>
               <a:defRPr sz="1000"/>
             </a:lvl6pPr>
-            <a:lvl7pPr indent="-228600" lvl="6" marL="3200400" algn="l">
+            <a:lvl7pPr marL="3200400" lvl="6" indent="-228600" algn="l">
               <a:lnSpc>
                 <a:spcPct val="110000"/>
               </a:lnSpc>
@@ -12439,7 +12754,7 @@
               <a:buNone/>
               <a:defRPr sz="1000"/>
             </a:lvl7pPr>
-            <a:lvl8pPr indent="-228600" lvl="7" marL="3657600" algn="l">
+            <a:lvl8pPr marL="3657600" lvl="7" indent="-228600" algn="l">
               <a:lnSpc>
                 <a:spcPct val="110000"/>
               </a:lnSpc>
@@ -12453,7 +12768,7 @@
               <a:buNone/>
               <a:defRPr sz="1000"/>
             </a:lvl8pPr>
-            <a:lvl9pPr indent="-228600" lvl="8" marL="4114800" algn="l">
+            <a:lvl9pPr marL="4114800" lvl="8" indent="-228600" algn="l">
               <a:lnSpc>
                 <a:spcPct val="110000"/>
               </a:lnSpc>
@@ -12468,15 +12783,19 @@
               <a:defRPr sz="1000"/>
             </a:lvl9pPr>
           </a:lstStyle>
-          <a:p/>
+          <a:p>
+            <a:endParaRPr/>
+          </a:p>
         </p:txBody>
       </p:sp>
       <p:sp>
         <p:nvSpPr>
           <p:cNvPr id="76" name="Google Shape;76;p13"/>
-          <p:cNvSpPr txBox="1"/>
+          <p:cNvSpPr txBox="1">
+            <a:spLocks noGrp="1"/>
+          </p:cNvSpPr>
           <p:nvPr>
-            <p:ph idx="10" type="dt"/>
+            <p:ph type="dt" idx="10"/>
           </p:nvPr>
         </p:nvSpPr>
         <p:spPr>
@@ -12493,7 +12812,7 @@
           </a:ln>
         </p:spPr>
         <p:txBody>
-          <a:bodyPr anchorCtr="0" anchor="ctr" bIns="45700" lIns="91425" spcFirstLastPara="1" rIns="91425" wrap="square" tIns="45700">
+          <a:bodyPr spcFirstLastPara="1" wrap="square" lIns="91425" tIns="45700" rIns="91425" bIns="45700" anchor="ctr" anchorCtr="0">
             <a:noAutofit/>
           </a:bodyPr>
           <a:lstStyle>
@@ -12597,15 +12916,19 @@
               <a:defRPr/>
             </a:lvl9pPr>
           </a:lstStyle>
-          <a:p/>
+          <a:p>
+            <a:endParaRPr/>
+          </a:p>
         </p:txBody>
       </p:sp>
       <p:sp>
         <p:nvSpPr>
           <p:cNvPr id="77" name="Google Shape;77;p13"/>
-          <p:cNvSpPr txBox="1"/>
+          <p:cNvSpPr txBox="1">
+            <a:spLocks noGrp="1"/>
+          </p:cNvSpPr>
           <p:nvPr>
-            <p:ph idx="11" type="ftr"/>
+            <p:ph type="ftr" idx="11"/>
           </p:nvPr>
         </p:nvSpPr>
         <p:spPr>
@@ -12622,7 +12945,7 @@
           </a:ln>
         </p:spPr>
         <p:txBody>
-          <a:bodyPr anchorCtr="0" anchor="ctr" bIns="45700" lIns="91425" spcFirstLastPara="1" rIns="91425" wrap="square" tIns="45700">
+          <a:bodyPr spcFirstLastPara="1" wrap="square" lIns="91425" tIns="45700" rIns="91425" bIns="45700" anchor="ctr" anchorCtr="0">
             <a:noAutofit/>
           </a:bodyPr>
           <a:lstStyle>
@@ -12726,15 +13049,19 @@
               <a:defRPr/>
             </a:lvl9pPr>
           </a:lstStyle>
-          <a:p/>
+          <a:p>
+            <a:endParaRPr/>
+          </a:p>
         </p:txBody>
       </p:sp>
       <p:sp>
         <p:nvSpPr>
           <p:cNvPr id="78" name="Google Shape;78;p13"/>
-          <p:cNvSpPr txBox="1"/>
+          <p:cNvSpPr txBox="1">
+            <a:spLocks noGrp="1"/>
+          </p:cNvSpPr>
           <p:nvPr>
-            <p:ph idx="12" type="sldNum"/>
+            <p:ph type="sldNum" idx="12"/>
           </p:nvPr>
         </p:nvSpPr>
         <p:spPr>
@@ -12751,67 +13078,67 @@
           </a:ln>
         </p:spPr>
         <p:txBody>
-          <a:bodyPr anchorCtr="0" anchor="ctr" bIns="45700" lIns="91425" spcFirstLastPara="1" rIns="91425" wrap="square" tIns="45700">
+          <a:bodyPr spcFirstLastPara="1" wrap="square" lIns="91425" tIns="45700" rIns="91425" bIns="45700" anchor="ctr" anchorCtr="0">
             <a:noAutofit/>
           </a:bodyPr>
           <a:lstStyle>
-            <a:lvl1pPr indent="0" lvl="0" marL="0" algn="r">
+            <a:lvl1pPr marL="0" lvl="0" indent="0" algn="r">
               <a:spcBef>
                 <a:spcPts val="0"/>
               </a:spcBef>
               <a:buNone/>
               <a:defRPr/>
             </a:lvl1pPr>
-            <a:lvl2pPr indent="0" lvl="1" marL="0" algn="r">
+            <a:lvl2pPr marL="0" lvl="1" indent="0" algn="r">
               <a:spcBef>
                 <a:spcPts val="0"/>
               </a:spcBef>
               <a:buNone/>
               <a:defRPr/>
             </a:lvl2pPr>
-            <a:lvl3pPr indent="0" lvl="2" marL="0" algn="r">
+            <a:lvl3pPr marL="0" lvl="2" indent="0" algn="r">
               <a:spcBef>
                 <a:spcPts val="0"/>
               </a:spcBef>
               <a:buNone/>
               <a:defRPr/>
             </a:lvl3pPr>
-            <a:lvl4pPr indent="0" lvl="3" marL="0" algn="r">
+            <a:lvl4pPr marL="0" lvl="3" indent="0" algn="r">
               <a:spcBef>
                 <a:spcPts val="0"/>
               </a:spcBef>
               <a:buNone/>
               <a:defRPr/>
             </a:lvl4pPr>
-            <a:lvl5pPr indent="0" lvl="4" marL="0" algn="r">
+            <a:lvl5pPr marL="0" lvl="4" indent="0" algn="r">
               <a:spcBef>
                 <a:spcPts val="0"/>
               </a:spcBef>
               <a:buNone/>
               <a:defRPr/>
             </a:lvl5pPr>
-            <a:lvl6pPr indent="0" lvl="5" marL="0" algn="r">
+            <a:lvl6pPr marL="0" lvl="5" indent="0" algn="r">
               <a:spcBef>
                 <a:spcPts val="0"/>
               </a:spcBef>
               <a:buNone/>
               <a:defRPr/>
             </a:lvl6pPr>
-            <a:lvl7pPr indent="0" lvl="6" marL="0" algn="r">
+            <a:lvl7pPr marL="0" lvl="6" indent="0" algn="r">
               <a:spcBef>
                 <a:spcPts val="0"/>
               </a:spcBef>
               <a:buNone/>
               <a:defRPr/>
             </a:lvl7pPr>
-            <a:lvl8pPr indent="0" lvl="7" marL="0" algn="r">
+            <a:lvl8pPr marL="0" lvl="7" indent="0" algn="r">
               <a:spcBef>
                 <a:spcPts val="0"/>
               </a:spcBef>
               <a:buNone/>
               <a:defRPr/>
             </a:lvl8pPr>
-            <a:lvl9pPr indent="0" lvl="8" marL="0" algn="r">
+            <a:lvl9pPr marL="0" lvl="8" indent="0" algn="r">
               <a:spcBef>
                 <a:spcPts val="0"/>
               </a:spcBef>
@@ -12820,7 +13147,7 @@
             </a:lvl9pPr>
           </a:lstStyle>
           <a:p>
-            <a:pPr indent="0" lvl="0" marL="0" rtl="0" algn="r">
+            <a:pPr marL="0" lvl="0" indent="0" algn="r" rtl="0">
               <a:spcBef>
                 <a:spcPts val="0"/>
               </a:spcBef>
@@ -12831,7 +13158,7 @@
             </a:pPr>
             <a:fld id="{00000000-1234-1234-1234-123412341234}" type="slidenum">
               <a:rPr lang="es-ES"/>
-              <a:t>‹#›</a:t>
+              <a:t>‹Nº›</a:t>
             </a:fld>
             <a:endParaRPr/>
           </a:p>
@@ -12846,18 +13173,19 @@
 </file>
 
 <file path=ppt/slideMasters/slideMaster1.xml><?xml version="1.0" encoding="utf-8"?>
-<p:sldMaster xmlns:a="http://schemas.openxmlformats.org/drawingml/2006/main" xmlns:r="http://schemas.openxmlformats.org/officeDocument/2006/relationships" xmlns:mc="http://schemas.openxmlformats.org/markup-compatibility/2006" xmlns:mv="urn:schemas-microsoft-com:mac:vml" xmlns:p="http://schemas.openxmlformats.org/presentationml/2006/main" xmlns:c="http://schemas.openxmlformats.org/drawingml/2006/chart" xmlns:dgm="http://schemas.openxmlformats.org/drawingml/2006/diagram" xmlns:o="urn:schemas-microsoft-com:office:office" xmlns:v="urn:schemas-microsoft-com:vml" xmlns:pvml="urn:schemas-microsoft-com:office:powerpoint" xmlns:com="http://schemas.openxmlformats.org/drawingml/2006/compatibility" xmlns:p14="http://schemas.microsoft.com/office/powerpoint/2010/main" xmlns:p15="http://schemas.microsoft.com/office/powerpoint/2012/main">
+<p:sldMaster xmlns:a="http://schemas.openxmlformats.org/drawingml/2006/main" xmlns:r="http://schemas.openxmlformats.org/officeDocument/2006/relationships" xmlns:p="http://schemas.openxmlformats.org/presentationml/2006/main">
   <p:cSld>
     <p:bg>
       <p:bgPr>
         <a:solidFill>
           <a:schemeClr val="lt2"/>
         </a:solidFill>
+        <a:effectLst/>
       </p:bgPr>
     </p:bg>
     <p:spTree>
       <p:nvGrpSpPr>
-        <p:cNvPr id="5" name="Shape 5"/>
+        <p:cNvPr id="1" name="Shape 5"/>
         <p:cNvGrpSpPr/>
         <p:nvPr/>
       </p:nvGrpSpPr>
@@ -12872,7 +13200,9 @@
       <p:sp>
         <p:nvSpPr>
           <p:cNvPr id="6" name="Google Shape;6;p4"/>
-          <p:cNvSpPr txBox="1"/>
+          <p:cNvSpPr txBox="1">
+            <a:spLocks noGrp="1"/>
+          </p:cNvSpPr>
           <p:nvPr>
             <p:ph type="title"/>
           </p:nvPr>
@@ -12891,11 +13221,11 @@
           </a:ln>
         </p:spPr>
         <p:txBody>
-          <a:bodyPr anchorCtr="0" anchor="t" bIns="45700" lIns="91425" spcFirstLastPara="1" rIns="91425" wrap="square" tIns="45700">
+          <a:bodyPr spcFirstLastPara="1" wrap="square" lIns="91425" tIns="45700" rIns="91425" bIns="45700" anchor="t" anchorCtr="0">
             <a:normAutofit/>
           </a:bodyPr>
           <a:lstStyle>
-            <a:lvl1pPr lvl="0" marR="0" rtl="0" algn="l">
+            <a:lvl1pPr marR="0" lvl="0" algn="l" rtl="0">
               <a:lnSpc>
                 <a:spcPct val="90000"/>
               </a:lnSpc>
@@ -12911,7 +13241,7 @@
               <a:buSzPts val="5100"/>
               <a:buFont typeface="Impact"/>
               <a:buNone/>
-              <a:defRPr b="0" i="0" sz="5100" u="none" cap="none" strike="noStrike">
+              <a:defRPr sz="5100" b="0" i="0" u="none" strike="noStrike" cap="none">
                 <a:solidFill>
                   <a:schemeClr val="dk2"/>
                 </a:solidFill>
@@ -13010,15 +13340,19 @@
               <a:defRPr sz="1800"/>
             </a:lvl9pPr>
           </a:lstStyle>
-          <a:p/>
+          <a:p>
+            <a:endParaRPr/>
+          </a:p>
         </p:txBody>
       </p:sp>
       <p:sp>
         <p:nvSpPr>
           <p:cNvPr id="7" name="Google Shape;7;p4"/>
-          <p:cNvSpPr txBox="1"/>
+          <p:cNvSpPr txBox="1">
+            <a:spLocks noGrp="1"/>
+          </p:cNvSpPr>
           <p:nvPr>
-            <p:ph idx="1" type="body"/>
+            <p:ph type="body" idx="1"/>
           </p:nvPr>
         </p:nvSpPr>
         <p:spPr>
@@ -13035,11 +13369,11 @@
           </a:ln>
         </p:spPr>
         <p:txBody>
-          <a:bodyPr anchorCtr="0" anchor="t" bIns="45700" lIns="91425" spcFirstLastPara="1" rIns="91425" wrap="square" tIns="45700">
+          <a:bodyPr spcFirstLastPara="1" wrap="square" lIns="91425" tIns="45700" rIns="91425" bIns="45700" anchor="t" anchorCtr="0">
             <a:normAutofit/>
           </a:bodyPr>
           <a:lstStyle>
-            <a:lvl1pPr indent="-355600" lvl="0" marL="457200" marR="0" rtl="0" algn="l">
+            <a:lvl1pPr marL="457200" marR="0" lvl="0" indent="-355600" algn="l" rtl="0">
               <a:lnSpc>
                 <a:spcPct val="110000"/>
               </a:lnSpc>
@@ -13055,7 +13389,7 @@
               <a:buSzPts val="2000"/>
               <a:buFont typeface="Arial"/>
               <a:buChar char="•"/>
-              <a:defRPr b="0" i="0" sz="2000" u="none" cap="none" strike="noStrike">
+              <a:defRPr sz="2000" b="0" i="0" u="none" strike="noStrike" cap="none">
                 <a:solidFill>
                   <a:srgbClr val="595959"/>
                 </a:solidFill>
@@ -13065,7 +13399,7 @@
                 <a:sym typeface="Gill Sans"/>
               </a:defRPr>
             </a:lvl1pPr>
-            <a:lvl2pPr indent="-342900" lvl="1" marL="914400" marR="0" rtl="0" algn="l">
+            <a:lvl2pPr marL="914400" marR="0" lvl="1" indent="-342900" algn="l" rtl="0">
               <a:lnSpc>
                 <a:spcPct val="110000"/>
               </a:lnSpc>
@@ -13081,7 +13415,7 @@
               <a:buSzPts val="1800"/>
               <a:buFont typeface="Gill Sans"/>
               <a:buChar char="–"/>
-              <a:defRPr b="0" i="0" sz="1800" u="none" cap="none" strike="noStrike">
+              <a:defRPr sz="1800" b="0" i="0" u="none" strike="noStrike" cap="none">
                 <a:solidFill>
                   <a:srgbClr val="595959"/>
                 </a:solidFill>
@@ -13091,7 +13425,7 @@
                 <a:sym typeface="Gill Sans"/>
               </a:defRPr>
             </a:lvl2pPr>
-            <a:lvl3pPr indent="-330200" lvl="2" marL="1371600" marR="0" rtl="0" algn="l">
+            <a:lvl3pPr marL="1371600" marR="0" lvl="2" indent="-330200" algn="l" rtl="0">
               <a:lnSpc>
                 <a:spcPct val="110000"/>
               </a:lnSpc>
@@ -13107,7 +13441,7 @@
               <a:buSzPts val="1600"/>
               <a:buFont typeface="Arial"/>
               <a:buChar char="•"/>
-              <a:defRPr b="0" i="0" sz="1600" u="none" cap="none" strike="noStrike">
+              <a:defRPr sz="1600" b="0" i="0" u="none" strike="noStrike" cap="none">
                 <a:solidFill>
                   <a:srgbClr val="595959"/>
                 </a:solidFill>
@@ -13117,7 +13451,7 @@
                 <a:sym typeface="Gill Sans"/>
               </a:defRPr>
             </a:lvl3pPr>
-            <a:lvl4pPr indent="-317500" lvl="3" marL="1828800" marR="0" rtl="0" algn="l">
+            <a:lvl4pPr marL="1828800" marR="0" lvl="3" indent="-317500" algn="l" rtl="0">
               <a:lnSpc>
                 <a:spcPct val="110000"/>
               </a:lnSpc>
@@ -13133,7 +13467,7 @@
               <a:buSzPts val="1400"/>
               <a:buFont typeface="Gill Sans"/>
               <a:buChar char="–"/>
-              <a:defRPr b="0" i="0" sz="1400" u="none" cap="none" strike="noStrike">
+              <a:defRPr sz="1400" b="0" i="0" u="none" strike="noStrike" cap="none">
                 <a:solidFill>
                   <a:srgbClr val="595959"/>
                 </a:solidFill>
@@ -13143,7 +13477,7 @@
                 <a:sym typeface="Gill Sans"/>
               </a:defRPr>
             </a:lvl4pPr>
-            <a:lvl5pPr indent="-317500" lvl="4" marL="2286000" marR="0" rtl="0" algn="l">
+            <a:lvl5pPr marL="2286000" marR="0" lvl="4" indent="-317500" algn="l" rtl="0">
               <a:lnSpc>
                 <a:spcPct val="110000"/>
               </a:lnSpc>
@@ -13159,7 +13493,7 @@
               <a:buSzPts val="1400"/>
               <a:buFont typeface="Arial"/>
               <a:buChar char="•"/>
-              <a:defRPr b="0" i="0" sz="1400" u="none" cap="none" strike="noStrike">
+              <a:defRPr sz="1400" b="0" i="0" u="none" strike="noStrike" cap="none">
                 <a:solidFill>
                   <a:srgbClr val="595959"/>
                 </a:solidFill>
@@ -13169,7 +13503,7 @@
                 <a:sym typeface="Gill Sans"/>
               </a:defRPr>
             </a:lvl5pPr>
-            <a:lvl6pPr indent="-317500" lvl="5" marL="2743200" marR="0" rtl="0" algn="l">
+            <a:lvl6pPr marL="2743200" marR="0" lvl="5" indent="-317500" algn="l" rtl="0">
               <a:lnSpc>
                 <a:spcPct val="110000"/>
               </a:lnSpc>
@@ -13185,7 +13519,7 @@
               <a:buSzPts val="1400"/>
               <a:buFont typeface="Gill Sans"/>
               <a:buChar char="–"/>
-              <a:defRPr b="0" i="0" sz="1400" u="none" cap="none" strike="noStrike">
+              <a:defRPr sz="1400" b="0" i="0" u="none" strike="noStrike" cap="none">
                 <a:solidFill>
                   <a:srgbClr val="595959"/>
                 </a:solidFill>
@@ -13195,7 +13529,7 @@
                 <a:sym typeface="Gill Sans"/>
               </a:defRPr>
             </a:lvl6pPr>
-            <a:lvl7pPr indent="-317500" lvl="6" marL="3200400" marR="0" rtl="0" algn="l">
+            <a:lvl7pPr marL="3200400" marR="0" lvl="6" indent="-317500" algn="l" rtl="0">
               <a:lnSpc>
                 <a:spcPct val="110000"/>
               </a:lnSpc>
@@ -13211,7 +13545,7 @@
               <a:buSzPts val="1400"/>
               <a:buFont typeface="Arial"/>
               <a:buChar char="•"/>
-              <a:defRPr b="0" i="0" sz="1400" u="none" cap="none" strike="noStrike">
+              <a:defRPr sz="1400" b="0" i="0" u="none" strike="noStrike" cap="none">
                 <a:solidFill>
                   <a:srgbClr val="595959"/>
                 </a:solidFill>
@@ -13221,7 +13555,7 @@
                 <a:sym typeface="Gill Sans"/>
               </a:defRPr>
             </a:lvl7pPr>
-            <a:lvl8pPr indent="-317500" lvl="7" marL="3657600" marR="0" rtl="0" algn="l">
+            <a:lvl8pPr marL="3657600" marR="0" lvl="7" indent="-317500" algn="l" rtl="0">
               <a:lnSpc>
                 <a:spcPct val="110000"/>
               </a:lnSpc>
@@ -13237,7 +13571,7 @@
               <a:buSzPts val="1400"/>
               <a:buFont typeface="Gill Sans"/>
               <a:buChar char="–"/>
-              <a:defRPr b="0" i="0" sz="1400" u="none" cap="none" strike="noStrike">
+              <a:defRPr sz="1400" b="0" i="0" u="none" strike="noStrike" cap="none">
                 <a:solidFill>
                   <a:srgbClr val="595959"/>
                 </a:solidFill>
@@ -13247,7 +13581,7 @@
                 <a:sym typeface="Gill Sans"/>
               </a:defRPr>
             </a:lvl8pPr>
-            <a:lvl9pPr indent="-317500" lvl="8" marL="4114800" marR="0" rtl="0" algn="l">
+            <a:lvl9pPr marL="4114800" marR="0" lvl="8" indent="-317500" algn="l" rtl="0">
               <a:lnSpc>
                 <a:spcPct val="110000"/>
               </a:lnSpc>
@@ -13263,7 +13597,7 @@
               <a:buSzPts val="1400"/>
               <a:buFont typeface="Arial"/>
               <a:buChar char="•"/>
-              <a:defRPr b="0" i="0" sz="1400" u="none" cap="none" strike="noStrike">
+              <a:defRPr sz="1400" b="0" i="0" u="none" strike="noStrike" cap="none">
                 <a:solidFill>
                   <a:srgbClr val="595959"/>
                 </a:solidFill>
@@ -13274,15 +13608,19 @@
               </a:defRPr>
             </a:lvl9pPr>
           </a:lstStyle>
-          <a:p/>
+          <a:p>
+            <a:endParaRPr/>
+          </a:p>
         </p:txBody>
       </p:sp>
       <p:sp>
         <p:nvSpPr>
           <p:cNvPr id="8" name="Google Shape;8;p4"/>
-          <p:cNvSpPr txBox="1"/>
+          <p:cNvSpPr txBox="1">
+            <a:spLocks noGrp="1"/>
+          </p:cNvSpPr>
           <p:nvPr>
-            <p:ph idx="10" type="dt"/>
+            <p:ph type="dt" idx="10"/>
           </p:nvPr>
         </p:nvSpPr>
         <p:spPr>
@@ -13299,20 +13637,20 @@
           </a:ln>
         </p:spPr>
         <p:txBody>
-          <a:bodyPr anchorCtr="0" anchor="ctr" bIns="45700" lIns="91425" spcFirstLastPara="1" rIns="91425" wrap="square" tIns="45700">
+          <a:bodyPr spcFirstLastPara="1" wrap="square" lIns="91425" tIns="45700" rIns="91425" bIns="45700" anchor="ctr" anchorCtr="0">
             <a:noAutofit/>
           </a:bodyPr>
           <a:lstStyle>
-            <a:lvl1pPr lvl="0" marR="0" rtl="0" algn="l">
-              <a:spcBef>
-                <a:spcPts val="0"/>
-              </a:spcBef>
-              <a:spcAft>
-                <a:spcPts val="0"/>
-              </a:spcAft>
-              <a:buSzPts val="1400"/>
-              <a:buNone/>
-              <a:defRPr b="0" i="0" sz="1200" u="none" cap="none" strike="noStrike">
+            <a:lvl1pPr marR="0" lvl="0" algn="l" rtl="0">
+              <a:spcBef>
+                <a:spcPts val="0"/>
+              </a:spcBef>
+              <a:spcAft>
+                <a:spcPts val="0"/>
+              </a:spcAft>
+              <a:buSzPts val="1400"/>
+              <a:buNone/>
+              <a:defRPr sz="1200" b="0" i="0" u="none" strike="noStrike" cap="none">
                 <a:solidFill>
                   <a:srgbClr val="595959"/>
                 </a:solidFill>
@@ -13322,16 +13660,16 @@
                 <a:sym typeface="Gill Sans"/>
               </a:defRPr>
             </a:lvl1pPr>
-            <a:lvl2pPr lvl="1" marR="0" rtl="0" algn="l">
-              <a:spcBef>
-                <a:spcPts val="0"/>
-              </a:spcBef>
-              <a:spcAft>
-                <a:spcPts val="0"/>
-              </a:spcAft>
-              <a:buSzPts val="1400"/>
-              <a:buNone/>
-              <a:defRPr b="0" i="0" sz="1800" u="none" cap="none" strike="noStrike">
+            <a:lvl2pPr marR="0" lvl="1" algn="l" rtl="0">
+              <a:spcBef>
+                <a:spcPts val="0"/>
+              </a:spcBef>
+              <a:spcAft>
+                <a:spcPts val="0"/>
+              </a:spcAft>
+              <a:buSzPts val="1400"/>
+              <a:buNone/>
+              <a:defRPr sz="1800" b="0" i="0" u="none" strike="noStrike" cap="none">
                 <a:solidFill>
                   <a:schemeClr val="dk1"/>
                 </a:solidFill>
@@ -13341,16 +13679,16 @@
                 <a:sym typeface="Gill Sans"/>
               </a:defRPr>
             </a:lvl2pPr>
-            <a:lvl3pPr lvl="2" marR="0" rtl="0" algn="l">
-              <a:spcBef>
-                <a:spcPts val="0"/>
-              </a:spcBef>
-              <a:spcAft>
-                <a:spcPts val="0"/>
-              </a:spcAft>
-              <a:buSzPts val="1400"/>
-              <a:buNone/>
-              <a:defRPr b="0" i="0" sz="1800" u="none" cap="none" strike="noStrike">
+            <a:lvl3pPr marR="0" lvl="2" algn="l" rtl="0">
+              <a:spcBef>
+                <a:spcPts val="0"/>
+              </a:spcBef>
+              <a:spcAft>
+                <a:spcPts val="0"/>
+              </a:spcAft>
+              <a:buSzPts val="1400"/>
+              <a:buNone/>
+              <a:defRPr sz="1800" b="0" i="0" u="none" strike="noStrike" cap="none">
                 <a:solidFill>
                   <a:schemeClr val="dk1"/>
                 </a:solidFill>
@@ -13360,16 +13698,16 @@
                 <a:sym typeface="Gill Sans"/>
               </a:defRPr>
             </a:lvl3pPr>
-            <a:lvl4pPr lvl="3" marR="0" rtl="0" algn="l">
-              <a:spcBef>
-                <a:spcPts val="0"/>
-              </a:spcBef>
-              <a:spcAft>
-                <a:spcPts val="0"/>
-              </a:spcAft>
-              <a:buSzPts val="1400"/>
-              <a:buNone/>
-              <a:defRPr b="0" i="0" sz="1800" u="none" cap="none" strike="noStrike">
+            <a:lvl4pPr marR="0" lvl="3" algn="l" rtl="0">
+              <a:spcBef>
+                <a:spcPts val="0"/>
+              </a:spcBef>
+              <a:spcAft>
+                <a:spcPts val="0"/>
+              </a:spcAft>
+              <a:buSzPts val="1400"/>
+              <a:buNone/>
+              <a:defRPr sz="1800" b="0" i="0" u="none" strike="noStrike" cap="none">
                 <a:solidFill>
                   <a:schemeClr val="dk1"/>
                 </a:solidFill>
@@ -13379,16 +13717,16 @@
                 <a:sym typeface="Gill Sans"/>
               </a:defRPr>
             </a:lvl4pPr>
-            <a:lvl5pPr lvl="4" marR="0" rtl="0" algn="l">
-              <a:spcBef>
-                <a:spcPts val="0"/>
-              </a:spcBef>
-              <a:spcAft>
-                <a:spcPts val="0"/>
-              </a:spcAft>
-              <a:buSzPts val="1400"/>
-              <a:buNone/>
-              <a:defRPr b="0" i="0" sz="1800" u="none" cap="none" strike="noStrike">
+            <a:lvl5pPr marR="0" lvl="4" algn="l" rtl="0">
+              <a:spcBef>
+                <a:spcPts val="0"/>
+              </a:spcBef>
+              <a:spcAft>
+                <a:spcPts val="0"/>
+              </a:spcAft>
+              <a:buSzPts val="1400"/>
+              <a:buNone/>
+              <a:defRPr sz="1800" b="0" i="0" u="none" strike="noStrike" cap="none">
                 <a:solidFill>
                   <a:schemeClr val="dk1"/>
                 </a:solidFill>
@@ -13398,16 +13736,16 @@
                 <a:sym typeface="Gill Sans"/>
               </a:defRPr>
             </a:lvl5pPr>
-            <a:lvl6pPr lvl="5" marR="0" rtl="0" algn="l">
-              <a:spcBef>
-                <a:spcPts val="0"/>
-              </a:spcBef>
-              <a:spcAft>
-                <a:spcPts val="0"/>
-              </a:spcAft>
-              <a:buSzPts val="1400"/>
-              <a:buNone/>
-              <a:defRPr b="0" i="0" sz="1800" u="none" cap="none" strike="noStrike">
+            <a:lvl6pPr marR="0" lvl="5" algn="l" rtl="0">
+              <a:spcBef>
+                <a:spcPts val="0"/>
+              </a:spcBef>
+              <a:spcAft>
+                <a:spcPts val="0"/>
+              </a:spcAft>
+              <a:buSzPts val="1400"/>
+              <a:buNone/>
+              <a:defRPr sz="1800" b="0" i="0" u="none" strike="noStrike" cap="none">
                 <a:solidFill>
                   <a:schemeClr val="dk1"/>
                 </a:solidFill>
@@ -13417,16 +13755,16 @@
                 <a:sym typeface="Gill Sans"/>
               </a:defRPr>
             </a:lvl6pPr>
-            <a:lvl7pPr lvl="6" marR="0" rtl="0" algn="l">
-              <a:spcBef>
-                <a:spcPts val="0"/>
-              </a:spcBef>
-              <a:spcAft>
-                <a:spcPts val="0"/>
-              </a:spcAft>
-              <a:buSzPts val="1400"/>
-              <a:buNone/>
-              <a:defRPr b="0" i="0" sz="1800" u="none" cap="none" strike="noStrike">
+            <a:lvl7pPr marR="0" lvl="6" algn="l" rtl="0">
+              <a:spcBef>
+                <a:spcPts val="0"/>
+              </a:spcBef>
+              <a:spcAft>
+                <a:spcPts val="0"/>
+              </a:spcAft>
+              <a:buSzPts val="1400"/>
+              <a:buNone/>
+              <a:defRPr sz="1800" b="0" i="0" u="none" strike="noStrike" cap="none">
                 <a:solidFill>
                   <a:schemeClr val="dk1"/>
                 </a:solidFill>
@@ -13436,16 +13774,16 @@
                 <a:sym typeface="Gill Sans"/>
               </a:defRPr>
             </a:lvl7pPr>
-            <a:lvl8pPr lvl="7" marR="0" rtl="0" algn="l">
-              <a:spcBef>
-                <a:spcPts val="0"/>
-              </a:spcBef>
-              <a:spcAft>
-                <a:spcPts val="0"/>
-              </a:spcAft>
-              <a:buSzPts val="1400"/>
-              <a:buNone/>
-              <a:defRPr b="0" i="0" sz="1800" u="none" cap="none" strike="noStrike">
+            <a:lvl8pPr marR="0" lvl="7" algn="l" rtl="0">
+              <a:spcBef>
+                <a:spcPts val="0"/>
+              </a:spcBef>
+              <a:spcAft>
+                <a:spcPts val="0"/>
+              </a:spcAft>
+              <a:buSzPts val="1400"/>
+              <a:buNone/>
+              <a:defRPr sz="1800" b="0" i="0" u="none" strike="noStrike" cap="none">
                 <a:solidFill>
                   <a:schemeClr val="dk1"/>
                 </a:solidFill>
@@ -13455,16 +13793,16 @@
                 <a:sym typeface="Gill Sans"/>
               </a:defRPr>
             </a:lvl8pPr>
-            <a:lvl9pPr lvl="8" marR="0" rtl="0" algn="l">
-              <a:spcBef>
-                <a:spcPts val="0"/>
-              </a:spcBef>
-              <a:spcAft>
-                <a:spcPts val="0"/>
-              </a:spcAft>
-              <a:buSzPts val="1400"/>
-              <a:buNone/>
-              <a:defRPr b="0" i="0" sz="1800" u="none" cap="none" strike="noStrike">
+            <a:lvl9pPr marR="0" lvl="8" algn="l" rtl="0">
+              <a:spcBef>
+                <a:spcPts val="0"/>
+              </a:spcBef>
+              <a:spcAft>
+                <a:spcPts val="0"/>
+              </a:spcAft>
+              <a:buSzPts val="1400"/>
+              <a:buNone/>
+              <a:defRPr sz="1800" b="0" i="0" u="none" strike="noStrike" cap="none">
                 <a:solidFill>
                   <a:schemeClr val="dk1"/>
                 </a:solidFill>
@@ -13475,15 +13813,19 @@
               </a:defRPr>
             </a:lvl9pPr>
           </a:lstStyle>
-          <a:p/>
+          <a:p>
+            <a:endParaRPr/>
+          </a:p>
         </p:txBody>
       </p:sp>
       <p:sp>
         <p:nvSpPr>
           <p:cNvPr id="9" name="Google Shape;9;p4"/>
-          <p:cNvSpPr txBox="1"/>
+          <p:cNvSpPr txBox="1">
+            <a:spLocks noGrp="1"/>
+          </p:cNvSpPr>
           <p:nvPr>
-            <p:ph idx="11" type="ftr"/>
+            <p:ph type="ftr" idx="11"/>
           </p:nvPr>
         </p:nvSpPr>
         <p:spPr>
@@ -13500,20 +13842,20 @@
           </a:ln>
         </p:spPr>
         <p:txBody>
-          <a:bodyPr anchorCtr="0" anchor="ctr" bIns="45700" lIns="91425" spcFirstLastPara="1" rIns="91425" wrap="square" tIns="45700">
+          <a:bodyPr spcFirstLastPara="1" wrap="square" lIns="91425" tIns="45700" rIns="91425" bIns="45700" anchor="ctr" anchorCtr="0">
             <a:noAutofit/>
           </a:bodyPr>
           <a:lstStyle>
-            <a:lvl1pPr lvl="0" marR="0" rtl="0" algn="ctr">
-              <a:spcBef>
-                <a:spcPts val="0"/>
-              </a:spcBef>
-              <a:spcAft>
-                <a:spcPts val="0"/>
-              </a:spcAft>
-              <a:buSzPts val="1400"/>
-              <a:buNone/>
-              <a:defRPr b="0" i="0" sz="1200" u="none" cap="none" strike="noStrike">
+            <a:lvl1pPr marR="0" lvl="0" algn="ctr" rtl="0">
+              <a:spcBef>
+                <a:spcPts val="0"/>
+              </a:spcBef>
+              <a:spcAft>
+                <a:spcPts val="0"/>
+              </a:spcAft>
+              <a:buSzPts val="1400"/>
+              <a:buNone/>
+              <a:defRPr sz="1200" b="0" i="0" u="none" strike="noStrike" cap="none">
                 <a:solidFill>
                   <a:srgbClr val="595959"/>
                 </a:solidFill>
@@ -13523,16 +13865,16 @@
                 <a:sym typeface="Gill Sans"/>
               </a:defRPr>
             </a:lvl1pPr>
-            <a:lvl2pPr lvl="1" marR="0" rtl="0" algn="l">
-              <a:spcBef>
-                <a:spcPts val="0"/>
-              </a:spcBef>
-              <a:spcAft>
-                <a:spcPts val="0"/>
-              </a:spcAft>
-              <a:buSzPts val="1400"/>
-              <a:buNone/>
-              <a:defRPr b="0" i="0" sz="1800" u="none" cap="none" strike="noStrike">
+            <a:lvl2pPr marR="0" lvl="1" algn="l" rtl="0">
+              <a:spcBef>
+                <a:spcPts val="0"/>
+              </a:spcBef>
+              <a:spcAft>
+                <a:spcPts val="0"/>
+              </a:spcAft>
+              <a:buSzPts val="1400"/>
+              <a:buNone/>
+              <a:defRPr sz="1800" b="0" i="0" u="none" strike="noStrike" cap="none">
                 <a:solidFill>
                   <a:schemeClr val="dk1"/>
                 </a:solidFill>
@@ -13542,16 +13884,16 @@
                 <a:sym typeface="Gill Sans"/>
               </a:defRPr>
             </a:lvl2pPr>
-            <a:lvl3pPr lvl="2" marR="0" rtl="0" algn="l">
-              <a:spcBef>
-                <a:spcPts val="0"/>
-              </a:spcBef>
-              <a:spcAft>
-                <a:spcPts val="0"/>
-              </a:spcAft>
-              <a:buSzPts val="1400"/>
-              <a:buNone/>
-              <a:defRPr b="0" i="0" sz="1800" u="none" cap="none" strike="noStrike">
+            <a:lvl3pPr marR="0" lvl="2" algn="l" rtl="0">
+              <a:spcBef>
+                <a:spcPts val="0"/>
+              </a:spcBef>
+              <a:spcAft>
+                <a:spcPts val="0"/>
+              </a:spcAft>
+              <a:buSzPts val="1400"/>
+              <a:buNone/>
+              <a:defRPr sz="1800" b="0" i="0" u="none" strike="noStrike" cap="none">
                 <a:solidFill>
                   <a:schemeClr val="dk1"/>
                 </a:solidFill>
@@ -13561,16 +13903,16 @@
                 <a:sym typeface="Gill Sans"/>
               </a:defRPr>
             </a:lvl3pPr>
-            <a:lvl4pPr lvl="3" marR="0" rtl="0" algn="l">
-              <a:spcBef>
-                <a:spcPts val="0"/>
-              </a:spcBef>
-              <a:spcAft>
-                <a:spcPts val="0"/>
-              </a:spcAft>
-              <a:buSzPts val="1400"/>
-              <a:buNone/>
-              <a:defRPr b="0" i="0" sz="1800" u="none" cap="none" strike="noStrike">
+            <a:lvl4pPr marR="0" lvl="3" algn="l" rtl="0">
+              <a:spcBef>
+                <a:spcPts val="0"/>
+              </a:spcBef>
+              <a:spcAft>
+                <a:spcPts val="0"/>
+              </a:spcAft>
+              <a:buSzPts val="1400"/>
+              <a:buNone/>
+              <a:defRPr sz="1800" b="0" i="0" u="none" strike="noStrike" cap="none">
                 <a:solidFill>
                   <a:schemeClr val="dk1"/>
                 </a:solidFill>
@@ -13580,16 +13922,16 @@
                 <a:sym typeface="Gill Sans"/>
               </a:defRPr>
             </a:lvl4pPr>
-            <a:lvl5pPr lvl="4" marR="0" rtl="0" algn="l">
-              <a:spcBef>
-                <a:spcPts val="0"/>
-              </a:spcBef>
-              <a:spcAft>
-                <a:spcPts val="0"/>
-              </a:spcAft>
-              <a:buSzPts val="1400"/>
-              <a:buNone/>
-              <a:defRPr b="0" i="0" sz="1800" u="none" cap="none" strike="noStrike">
+            <a:lvl5pPr marR="0" lvl="4" algn="l" rtl="0">
+              <a:spcBef>
+                <a:spcPts val="0"/>
+              </a:spcBef>
+              <a:spcAft>
+                <a:spcPts val="0"/>
+              </a:spcAft>
+              <a:buSzPts val="1400"/>
+              <a:buNone/>
+              <a:defRPr sz="1800" b="0" i="0" u="none" strike="noStrike" cap="none">
                 <a:solidFill>
                   <a:schemeClr val="dk1"/>
                 </a:solidFill>
@@ -13599,16 +13941,16 @@
                 <a:sym typeface="Gill Sans"/>
               </a:defRPr>
             </a:lvl5pPr>
-            <a:lvl6pPr lvl="5" marR="0" rtl="0" algn="l">
-              <a:spcBef>
-                <a:spcPts val="0"/>
-              </a:spcBef>
-              <a:spcAft>
-                <a:spcPts val="0"/>
-              </a:spcAft>
-              <a:buSzPts val="1400"/>
-              <a:buNone/>
-              <a:defRPr b="0" i="0" sz="1800" u="none" cap="none" strike="noStrike">
+            <a:lvl6pPr marR="0" lvl="5" algn="l" rtl="0">
+              <a:spcBef>
+                <a:spcPts val="0"/>
+              </a:spcBef>
+              <a:spcAft>
+                <a:spcPts val="0"/>
+              </a:spcAft>
+              <a:buSzPts val="1400"/>
+              <a:buNone/>
+              <a:defRPr sz="1800" b="0" i="0" u="none" strike="noStrike" cap="none">
                 <a:solidFill>
                   <a:schemeClr val="dk1"/>
                 </a:solidFill>
@@ -13618,16 +13960,16 @@
                 <a:sym typeface="Gill Sans"/>
               </a:defRPr>
             </a:lvl6pPr>
-            <a:lvl7pPr lvl="6" marR="0" rtl="0" algn="l">
-              <a:spcBef>
-                <a:spcPts val="0"/>
-              </a:spcBef>
-              <a:spcAft>
-                <a:spcPts val="0"/>
-              </a:spcAft>
-              <a:buSzPts val="1400"/>
-              <a:buNone/>
-              <a:defRPr b="0" i="0" sz="1800" u="none" cap="none" strike="noStrike">
+            <a:lvl7pPr marR="0" lvl="6" algn="l" rtl="0">
+              <a:spcBef>
+                <a:spcPts val="0"/>
+              </a:spcBef>
+              <a:spcAft>
+                <a:spcPts val="0"/>
+              </a:spcAft>
+              <a:buSzPts val="1400"/>
+              <a:buNone/>
+              <a:defRPr sz="1800" b="0" i="0" u="none" strike="noStrike" cap="none">
                 <a:solidFill>
                   <a:schemeClr val="dk1"/>
                 </a:solidFill>
@@ -13637,16 +13979,16 @@
                 <a:sym typeface="Gill Sans"/>
               </a:defRPr>
             </a:lvl7pPr>
-            <a:lvl8pPr lvl="7" marR="0" rtl="0" algn="l">
-              <a:spcBef>
-                <a:spcPts val="0"/>
-              </a:spcBef>
-              <a:spcAft>
-                <a:spcPts val="0"/>
-              </a:spcAft>
-              <a:buSzPts val="1400"/>
-              <a:buNone/>
-              <a:defRPr b="0" i="0" sz="1800" u="none" cap="none" strike="noStrike">
+            <a:lvl8pPr marR="0" lvl="7" algn="l" rtl="0">
+              <a:spcBef>
+                <a:spcPts val="0"/>
+              </a:spcBef>
+              <a:spcAft>
+                <a:spcPts val="0"/>
+              </a:spcAft>
+              <a:buSzPts val="1400"/>
+              <a:buNone/>
+              <a:defRPr sz="1800" b="0" i="0" u="none" strike="noStrike" cap="none">
                 <a:solidFill>
                   <a:schemeClr val="dk1"/>
                 </a:solidFill>
@@ -13656,16 +13998,16 @@
                 <a:sym typeface="Gill Sans"/>
               </a:defRPr>
             </a:lvl8pPr>
-            <a:lvl9pPr lvl="8" marR="0" rtl="0" algn="l">
-              <a:spcBef>
-                <a:spcPts val="0"/>
-              </a:spcBef>
-              <a:spcAft>
-                <a:spcPts val="0"/>
-              </a:spcAft>
-              <a:buSzPts val="1400"/>
-              <a:buNone/>
-              <a:defRPr b="0" i="0" sz="1800" u="none" cap="none" strike="noStrike">
+            <a:lvl9pPr marR="0" lvl="8" algn="l" rtl="0">
+              <a:spcBef>
+                <a:spcPts val="0"/>
+              </a:spcBef>
+              <a:spcAft>
+                <a:spcPts val="0"/>
+              </a:spcAft>
+              <a:buSzPts val="1400"/>
+              <a:buNone/>
+              <a:defRPr sz="1800" b="0" i="0" u="none" strike="noStrike" cap="none">
                 <a:solidFill>
                   <a:schemeClr val="dk1"/>
                 </a:solidFill>
@@ -13676,15 +14018,19 @@
               </a:defRPr>
             </a:lvl9pPr>
           </a:lstStyle>
-          <a:p/>
+          <a:p>
+            <a:endParaRPr/>
+          </a:p>
         </p:txBody>
       </p:sp>
       <p:sp>
         <p:nvSpPr>
           <p:cNvPr id="10" name="Google Shape;10;p4"/>
-          <p:cNvSpPr txBox="1"/>
+          <p:cNvSpPr txBox="1">
+            <a:spLocks noGrp="1"/>
+          </p:cNvSpPr>
           <p:nvPr>
-            <p:ph idx="12" type="sldNum"/>
+            <p:ph type="sldNum" idx="12"/>
           </p:nvPr>
         </p:nvSpPr>
         <p:spPr>
@@ -13701,16 +14047,16 @@
           </a:ln>
         </p:spPr>
         <p:txBody>
-          <a:bodyPr anchorCtr="0" anchor="ctr" bIns="45700" lIns="91425" spcFirstLastPara="1" rIns="91425" wrap="square" tIns="45700">
+          <a:bodyPr spcFirstLastPara="1" wrap="square" lIns="91425" tIns="45700" rIns="91425" bIns="45700" anchor="ctr" anchorCtr="0">
             <a:noAutofit/>
           </a:bodyPr>
           <a:lstStyle>
-            <a:lvl1pPr indent="0" lvl="0" marL="0" marR="0" rtl="0" algn="r">
-              <a:spcBef>
-                <a:spcPts val="0"/>
-              </a:spcBef>
-              <a:buNone/>
-              <a:defRPr b="0" i="0" sz="1200" u="none" cap="none" strike="noStrike">
+            <a:lvl1pPr marL="0" marR="0" lvl="0" indent="0" algn="r" rtl="0">
+              <a:spcBef>
+                <a:spcPts val="0"/>
+              </a:spcBef>
+              <a:buNone/>
+              <a:defRPr sz="1200" b="0" i="0" u="none" strike="noStrike" cap="none">
                 <a:solidFill>
                   <a:srgbClr val="595959"/>
                 </a:solidFill>
@@ -13720,12 +14066,12 @@
                 <a:sym typeface="Gill Sans"/>
               </a:defRPr>
             </a:lvl1pPr>
-            <a:lvl2pPr indent="0" lvl="1" marL="0" marR="0" rtl="0" algn="r">
-              <a:spcBef>
-                <a:spcPts val="0"/>
-              </a:spcBef>
-              <a:buNone/>
-              <a:defRPr b="0" i="0" sz="1200" u="none" cap="none" strike="noStrike">
+            <a:lvl2pPr marL="0" marR="0" lvl="1" indent="0" algn="r" rtl="0">
+              <a:spcBef>
+                <a:spcPts val="0"/>
+              </a:spcBef>
+              <a:buNone/>
+              <a:defRPr sz="1200" b="0" i="0" u="none" strike="noStrike" cap="none">
                 <a:solidFill>
                   <a:srgbClr val="595959"/>
                 </a:solidFill>
@@ -13735,12 +14081,12 @@
                 <a:sym typeface="Gill Sans"/>
               </a:defRPr>
             </a:lvl2pPr>
-            <a:lvl3pPr indent="0" lvl="2" marL="0" marR="0" rtl="0" algn="r">
-              <a:spcBef>
-                <a:spcPts val="0"/>
-              </a:spcBef>
-              <a:buNone/>
-              <a:defRPr b="0" i="0" sz="1200" u="none" cap="none" strike="noStrike">
+            <a:lvl3pPr marL="0" marR="0" lvl="2" indent="0" algn="r" rtl="0">
+              <a:spcBef>
+                <a:spcPts val="0"/>
+              </a:spcBef>
+              <a:buNone/>
+              <a:defRPr sz="1200" b="0" i="0" u="none" strike="noStrike" cap="none">
                 <a:solidFill>
                   <a:srgbClr val="595959"/>
                 </a:solidFill>
@@ -13750,12 +14096,12 @@
                 <a:sym typeface="Gill Sans"/>
               </a:defRPr>
             </a:lvl3pPr>
-            <a:lvl4pPr indent="0" lvl="3" marL="0" marR="0" rtl="0" algn="r">
-              <a:spcBef>
-                <a:spcPts val="0"/>
-              </a:spcBef>
-              <a:buNone/>
-              <a:defRPr b="0" i="0" sz="1200" u="none" cap="none" strike="noStrike">
+            <a:lvl4pPr marL="0" marR="0" lvl="3" indent="0" algn="r" rtl="0">
+              <a:spcBef>
+                <a:spcPts val="0"/>
+              </a:spcBef>
+              <a:buNone/>
+              <a:defRPr sz="1200" b="0" i="0" u="none" strike="noStrike" cap="none">
                 <a:solidFill>
                   <a:srgbClr val="595959"/>
                 </a:solidFill>
@@ -13765,12 +14111,12 @@
                 <a:sym typeface="Gill Sans"/>
               </a:defRPr>
             </a:lvl4pPr>
-            <a:lvl5pPr indent="0" lvl="4" marL="0" marR="0" rtl="0" algn="r">
-              <a:spcBef>
-                <a:spcPts val="0"/>
-              </a:spcBef>
-              <a:buNone/>
-              <a:defRPr b="0" i="0" sz="1200" u="none" cap="none" strike="noStrike">
+            <a:lvl5pPr marL="0" marR="0" lvl="4" indent="0" algn="r" rtl="0">
+              <a:spcBef>
+                <a:spcPts val="0"/>
+              </a:spcBef>
+              <a:buNone/>
+              <a:defRPr sz="1200" b="0" i="0" u="none" strike="noStrike" cap="none">
                 <a:solidFill>
                   <a:srgbClr val="595959"/>
                 </a:solidFill>
@@ -13780,12 +14126,12 @@
                 <a:sym typeface="Gill Sans"/>
               </a:defRPr>
             </a:lvl5pPr>
-            <a:lvl6pPr indent="0" lvl="5" marL="0" marR="0" rtl="0" algn="r">
-              <a:spcBef>
-                <a:spcPts val="0"/>
-              </a:spcBef>
-              <a:buNone/>
-              <a:defRPr b="0" i="0" sz="1200" u="none" cap="none" strike="noStrike">
+            <a:lvl6pPr marL="0" marR="0" lvl="5" indent="0" algn="r" rtl="0">
+              <a:spcBef>
+                <a:spcPts val="0"/>
+              </a:spcBef>
+              <a:buNone/>
+              <a:defRPr sz="1200" b="0" i="0" u="none" strike="noStrike" cap="none">
                 <a:solidFill>
                   <a:srgbClr val="595959"/>
                 </a:solidFill>
@@ -13795,12 +14141,12 @@
                 <a:sym typeface="Gill Sans"/>
               </a:defRPr>
             </a:lvl6pPr>
-            <a:lvl7pPr indent="0" lvl="6" marL="0" marR="0" rtl="0" algn="r">
-              <a:spcBef>
-                <a:spcPts val="0"/>
-              </a:spcBef>
-              <a:buNone/>
-              <a:defRPr b="0" i="0" sz="1200" u="none" cap="none" strike="noStrike">
+            <a:lvl7pPr marL="0" marR="0" lvl="6" indent="0" algn="r" rtl="0">
+              <a:spcBef>
+                <a:spcPts val="0"/>
+              </a:spcBef>
+              <a:buNone/>
+              <a:defRPr sz="1200" b="0" i="0" u="none" strike="noStrike" cap="none">
                 <a:solidFill>
                   <a:srgbClr val="595959"/>
                 </a:solidFill>
@@ -13810,12 +14156,12 @@
                 <a:sym typeface="Gill Sans"/>
               </a:defRPr>
             </a:lvl7pPr>
-            <a:lvl8pPr indent="0" lvl="7" marL="0" marR="0" rtl="0" algn="r">
-              <a:spcBef>
-                <a:spcPts val="0"/>
-              </a:spcBef>
-              <a:buNone/>
-              <a:defRPr b="0" i="0" sz="1200" u="none" cap="none" strike="noStrike">
+            <a:lvl8pPr marL="0" marR="0" lvl="7" indent="0" algn="r" rtl="0">
+              <a:spcBef>
+                <a:spcPts val="0"/>
+              </a:spcBef>
+              <a:buNone/>
+              <a:defRPr sz="1200" b="0" i="0" u="none" strike="noStrike" cap="none">
                 <a:solidFill>
                   <a:srgbClr val="595959"/>
                 </a:solidFill>
@@ -13825,12 +14171,12 @@
                 <a:sym typeface="Gill Sans"/>
               </a:defRPr>
             </a:lvl8pPr>
-            <a:lvl9pPr indent="0" lvl="8" marL="0" marR="0" rtl="0" algn="r">
-              <a:spcBef>
-                <a:spcPts val="0"/>
-              </a:spcBef>
-              <a:buNone/>
-              <a:defRPr b="0" i="0" sz="1200" u="none" cap="none" strike="noStrike">
+            <a:lvl9pPr marL="0" marR="0" lvl="8" indent="0" algn="r" rtl="0">
+              <a:spcBef>
+                <a:spcPts val="0"/>
+              </a:spcBef>
+              <a:buNone/>
+              <a:defRPr sz="1200" b="0" i="0" u="none" strike="noStrike" cap="none">
                 <a:solidFill>
                   <a:srgbClr val="595959"/>
                 </a:solidFill>
@@ -13842,7 +14188,7 @@
             </a:lvl9pPr>
           </a:lstStyle>
           <a:p>
-            <a:pPr indent="0" lvl="0" marL="0" rtl="0" algn="r">
+            <a:pPr marL="0" lvl="0" indent="0" algn="r" rtl="0">
               <a:spcBef>
                 <a:spcPts val="0"/>
               </a:spcBef>
@@ -13853,7 +14199,7 @@
             </a:pPr>
             <a:fld id="{00000000-1234-1234-1234-123412341234}" type="slidenum">
               <a:rPr lang="es-ES"/>
-              <a:t>‹#›</a:t>
+              <a:t>‹Nº›</a:t>
             </a:fld>
             <a:endParaRPr/>
           </a:p>
@@ -13871,9 +14217,13 @@
             <a:ext cx="885825" cy="6858000"/>
           </a:xfrm>
           <a:custGeom>
-            <a:rect b="b" l="l" r="r" t="t"/>
+            <a:avLst/>
+            <a:gdLst/>
+            <a:ahLst/>
+            <a:cxnLst/>
+            <a:rect l="l" t="t" r="r" b="b"/>
             <a:pathLst>
-              <a:path extrusionOk="0" h="4320" w="558">
+              <a:path w="558" h="4320" extrusionOk="0">
                 <a:moveTo>
                   <a:pt x="0" y="0"/>
                 </a:moveTo>
@@ -14337,12 +14687,12 @@
           </a:ln>
         </p:spPr>
         <p:txBody>
-          <a:bodyPr anchorCtr="0" anchor="ctr" bIns="91425" lIns="91425" spcFirstLastPara="1" rIns="91425" wrap="square" tIns="91425">
+          <a:bodyPr spcFirstLastPara="1" wrap="square" lIns="91425" tIns="91425" rIns="91425" bIns="91425" anchor="ctr" anchorCtr="0">
             <a:noAutofit/>
           </a:bodyPr>
           <a:lstStyle/>
           <a:p>
-            <a:pPr indent="0" lvl="0" marL="0" rtl="0" algn="l">
+            <a:pPr marL="0" lvl="0" indent="0" algn="l" rtl="0">
               <a:spcBef>
                 <a:spcPts val="0"/>
               </a:spcBef>
@@ -14351,16 +14701,13 @@
               </a:spcAft>
               <a:buNone/>
             </a:pPr>
-            <a:r>
-              <a:t/>
-            </a:r>
             <a:endParaRPr/>
           </a:p>
         </p:txBody>
       </p:sp>
     </p:spTree>
   </p:cSld>
-  <p:clrMap accent1="accent1" accent2="accent2" accent3="accent3" accent4="accent4" accent5="accent5" accent6="accent6" bg1="lt1" bg2="dk2" tx1="dk1" tx2="lt2" folHlink="folHlink" hlink="hlink"/>
+  <p:clrMap bg1="lt1" tx1="dk1" bg2="dk2" tx2="lt2" accent1="accent1" accent2="accent2" accent3="accent3" accent4="accent4" accent5="accent5" accent6="accent6" hlink="hlink" folHlink="folHlink"/>
   <p:sldLayoutIdLst>
     <p:sldLayoutId id="2147483649" r:id="rId1"/>
     <p:sldLayoutId id="2147483650" r:id="rId2"/>
@@ -14374,10 +14721,10 @@
     <p:sldLayoutId id="2147483658" r:id="rId10"/>
     <p:sldLayoutId id="2147483659" r:id="rId11"/>
   </p:sldLayoutIdLst>
-  <p:hf dt="0" ftr="0" hdr="0" sldNum="0"/>
+  <p:hf sldNum="0" hdr="0" ftr="0" dt="0"/>
   <p:txStyles>
     <p:titleStyle>
-      <a:defPPr lvl="0" marR="0" rtl="0" algn="l">
+      <a:defPPr marR="0" lvl="0" algn="l" rtl="0">
         <a:lnSpc>
           <a:spcPct val="100000"/>
         </a:lnSpc>
@@ -14388,7 +14735,7 @@
           <a:spcPts val="0"/>
         </a:spcAft>
       </a:defPPr>
-      <a:lvl1pPr lvl="0" marR="0" rtl="0" algn="l">
+      <a:lvl1pPr marR="0" lvl="0" algn="l" rtl="0">
         <a:lnSpc>
           <a:spcPct val="100000"/>
         </a:lnSpc>
@@ -14402,7 +14749,7 @@
           <a:srgbClr val="000000"/>
         </a:buClr>
         <a:buFont typeface="Arial"/>
-        <a:defRPr b="0" i="0" sz="1400" u="none" cap="none" strike="noStrike">
+        <a:defRPr sz="1400" b="0" i="0" u="none" strike="noStrike" cap="none">
           <a:solidFill>
             <a:srgbClr val="000000"/>
           </a:solidFill>
@@ -14412,7 +14759,7 @@
           <a:sym typeface="Arial"/>
         </a:defRPr>
       </a:lvl1pPr>
-      <a:lvl2pPr lvl="1" marR="0" rtl="0" algn="l">
+      <a:lvl2pPr marR="0" lvl="1" algn="l" rtl="0">
         <a:lnSpc>
           <a:spcPct val="100000"/>
         </a:lnSpc>
@@ -14426,7 +14773,7 @@
           <a:srgbClr val="000000"/>
         </a:buClr>
         <a:buFont typeface="Arial"/>
-        <a:defRPr b="0" i="0" sz="1400" u="none" cap="none" strike="noStrike">
+        <a:defRPr sz="1400" b="0" i="0" u="none" strike="noStrike" cap="none">
           <a:solidFill>
             <a:srgbClr val="000000"/>
           </a:solidFill>
@@ -14436,7 +14783,7 @@
           <a:sym typeface="Arial"/>
         </a:defRPr>
       </a:lvl2pPr>
-      <a:lvl3pPr lvl="2" marR="0" rtl="0" algn="l">
+      <a:lvl3pPr marR="0" lvl="2" algn="l" rtl="0">
         <a:lnSpc>
           <a:spcPct val="100000"/>
         </a:lnSpc>
@@ -14450,7 +14797,7 @@
           <a:srgbClr val="000000"/>
         </a:buClr>
         <a:buFont typeface="Arial"/>
-        <a:defRPr b="0" i="0" sz="1400" u="none" cap="none" strike="noStrike">
+        <a:defRPr sz="1400" b="0" i="0" u="none" strike="noStrike" cap="none">
           <a:solidFill>
             <a:srgbClr val="000000"/>
           </a:solidFill>
@@ -14460,7 +14807,7 @@
           <a:sym typeface="Arial"/>
         </a:defRPr>
       </a:lvl3pPr>
-      <a:lvl4pPr lvl="3" marR="0" rtl="0" algn="l">
+      <a:lvl4pPr marR="0" lvl="3" algn="l" rtl="0">
         <a:lnSpc>
           <a:spcPct val="100000"/>
         </a:lnSpc>
@@ -14474,7 +14821,7 @@
           <a:srgbClr val="000000"/>
         </a:buClr>
         <a:buFont typeface="Arial"/>
-        <a:defRPr b="0" i="0" sz="1400" u="none" cap="none" strike="noStrike">
+        <a:defRPr sz="1400" b="0" i="0" u="none" strike="noStrike" cap="none">
           <a:solidFill>
             <a:srgbClr val="000000"/>
           </a:solidFill>
@@ -14484,7 +14831,7 @@
           <a:sym typeface="Arial"/>
         </a:defRPr>
       </a:lvl4pPr>
-      <a:lvl5pPr lvl="4" marR="0" rtl="0" algn="l">
+      <a:lvl5pPr marR="0" lvl="4" algn="l" rtl="0">
         <a:lnSpc>
           <a:spcPct val="100000"/>
         </a:lnSpc>
@@ -14498,7 +14845,7 @@
           <a:srgbClr val="000000"/>
         </a:buClr>
         <a:buFont typeface="Arial"/>
-        <a:defRPr b="0" i="0" sz="1400" u="none" cap="none" strike="noStrike">
+        <a:defRPr sz="1400" b="0" i="0" u="none" strike="noStrike" cap="none">
           <a:solidFill>
             <a:srgbClr val="000000"/>
           </a:solidFill>
@@ -14508,7 +14855,7 @@
           <a:sym typeface="Arial"/>
         </a:defRPr>
       </a:lvl5pPr>
-      <a:lvl6pPr lvl="5" marR="0" rtl="0" algn="l">
+      <a:lvl6pPr marR="0" lvl="5" algn="l" rtl="0">
         <a:lnSpc>
           <a:spcPct val="100000"/>
         </a:lnSpc>
@@ -14522,7 +14869,7 @@
           <a:srgbClr val="000000"/>
         </a:buClr>
         <a:buFont typeface="Arial"/>
-        <a:defRPr b="0" i="0" sz="1400" u="none" cap="none" strike="noStrike">
+        <a:defRPr sz="1400" b="0" i="0" u="none" strike="noStrike" cap="none">
           <a:solidFill>
             <a:srgbClr val="000000"/>
           </a:solidFill>
@@ -14532,7 +14879,7 @@
           <a:sym typeface="Arial"/>
         </a:defRPr>
       </a:lvl6pPr>
-      <a:lvl7pPr lvl="6" marR="0" rtl="0" algn="l">
+      <a:lvl7pPr marR="0" lvl="6" algn="l" rtl="0">
         <a:lnSpc>
           <a:spcPct val="100000"/>
         </a:lnSpc>
@@ -14546,7 +14893,7 @@
           <a:srgbClr val="000000"/>
         </a:buClr>
         <a:buFont typeface="Arial"/>
-        <a:defRPr b="0" i="0" sz="1400" u="none" cap="none" strike="noStrike">
+        <a:defRPr sz="1400" b="0" i="0" u="none" strike="noStrike" cap="none">
           <a:solidFill>
             <a:srgbClr val="000000"/>
           </a:solidFill>
@@ -14556,7 +14903,7 @@
           <a:sym typeface="Arial"/>
         </a:defRPr>
       </a:lvl7pPr>
-      <a:lvl8pPr lvl="7" marR="0" rtl="0" algn="l">
+      <a:lvl8pPr marR="0" lvl="7" algn="l" rtl="0">
         <a:lnSpc>
           <a:spcPct val="100000"/>
         </a:lnSpc>
@@ -14570,7 +14917,7 @@
           <a:srgbClr val="000000"/>
         </a:buClr>
         <a:buFont typeface="Arial"/>
-        <a:defRPr b="0" i="0" sz="1400" u="none" cap="none" strike="noStrike">
+        <a:defRPr sz="1400" b="0" i="0" u="none" strike="noStrike" cap="none">
           <a:solidFill>
             <a:srgbClr val="000000"/>
           </a:solidFill>
@@ -14580,7 +14927,7 @@
           <a:sym typeface="Arial"/>
         </a:defRPr>
       </a:lvl8pPr>
-      <a:lvl9pPr lvl="8" marR="0" rtl="0" algn="l">
+      <a:lvl9pPr marR="0" lvl="8" algn="l" rtl="0">
         <a:lnSpc>
           <a:spcPct val="100000"/>
         </a:lnSpc>
@@ -14594,7 +14941,7 @@
           <a:srgbClr val="000000"/>
         </a:buClr>
         <a:buFont typeface="Arial"/>
-        <a:defRPr b="0" i="0" sz="1400" u="none" cap="none" strike="noStrike">
+        <a:defRPr sz="1400" b="0" i="0" u="none" strike="noStrike" cap="none">
           <a:solidFill>
             <a:srgbClr val="000000"/>
           </a:solidFill>
@@ -14606,7 +14953,7 @@
       </a:lvl9pPr>
     </p:titleStyle>
     <p:bodyStyle>
-      <a:defPPr lvl="0" marR="0" rtl="0" algn="l">
+      <a:defPPr marR="0" lvl="0" algn="l" rtl="0">
         <a:lnSpc>
           <a:spcPct val="100000"/>
         </a:lnSpc>
@@ -14617,7 +14964,7 @@
           <a:spcPts val="0"/>
         </a:spcAft>
       </a:defPPr>
-      <a:lvl1pPr lvl="0" marR="0" rtl="0" algn="l">
+      <a:lvl1pPr marR="0" lvl="0" algn="l" rtl="0">
         <a:lnSpc>
           <a:spcPct val="100000"/>
         </a:lnSpc>
@@ -14631,7 +14978,7 @@
           <a:srgbClr val="000000"/>
         </a:buClr>
         <a:buFont typeface="Arial"/>
-        <a:defRPr b="0" i="0" sz="1400" u="none" cap="none" strike="noStrike">
+        <a:defRPr sz="1400" b="0" i="0" u="none" strike="noStrike" cap="none">
           <a:solidFill>
             <a:srgbClr val="000000"/>
           </a:solidFill>
@@ -14641,7 +14988,7 @@
           <a:sym typeface="Arial"/>
         </a:defRPr>
       </a:lvl1pPr>
-      <a:lvl2pPr lvl="1" marR="0" rtl="0" algn="l">
+      <a:lvl2pPr marR="0" lvl="1" algn="l" rtl="0">
         <a:lnSpc>
           <a:spcPct val="100000"/>
         </a:lnSpc>
@@ -14655,7 +15002,7 @@
           <a:srgbClr val="000000"/>
         </a:buClr>
         <a:buFont typeface="Arial"/>
-        <a:defRPr b="0" i="0" sz="1400" u="none" cap="none" strike="noStrike">
+        <a:defRPr sz="1400" b="0" i="0" u="none" strike="noStrike" cap="none">
           <a:solidFill>
             <a:srgbClr val="000000"/>
           </a:solidFill>
@@ -14665,7 +15012,7 @@
           <a:sym typeface="Arial"/>
         </a:defRPr>
       </a:lvl2pPr>
-      <a:lvl3pPr lvl="2" marR="0" rtl="0" algn="l">
+      <a:lvl3pPr marR="0" lvl="2" algn="l" rtl="0">
         <a:lnSpc>
           <a:spcPct val="100000"/>
         </a:lnSpc>
@@ -14679,7 +15026,7 @@
           <a:srgbClr val="000000"/>
         </a:buClr>
         <a:buFont typeface="Arial"/>
-        <a:defRPr b="0" i="0" sz="1400" u="none" cap="none" strike="noStrike">
+        <a:defRPr sz="1400" b="0" i="0" u="none" strike="noStrike" cap="none">
           <a:solidFill>
             <a:srgbClr val="000000"/>
           </a:solidFill>
@@ -14689,7 +15036,7 @@
           <a:sym typeface="Arial"/>
         </a:defRPr>
       </a:lvl3pPr>
-      <a:lvl4pPr lvl="3" marR="0" rtl="0" algn="l">
+      <a:lvl4pPr marR="0" lvl="3" algn="l" rtl="0">
         <a:lnSpc>
           <a:spcPct val="100000"/>
         </a:lnSpc>
@@ -14703,7 +15050,7 @@
           <a:srgbClr val="000000"/>
         </a:buClr>
         <a:buFont typeface="Arial"/>
-        <a:defRPr b="0" i="0" sz="1400" u="none" cap="none" strike="noStrike">
+        <a:defRPr sz="1400" b="0" i="0" u="none" strike="noStrike" cap="none">
           <a:solidFill>
             <a:srgbClr val="000000"/>
           </a:solidFill>
@@ -14713,7 +15060,7 @@
           <a:sym typeface="Arial"/>
         </a:defRPr>
       </a:lvl4pPr>
-      <a:lvl5pPr lvl="4" marR="0" rtl="0" algn="l">
+      <a:lvl5pPr marR="0" lvl="4" algn="l" rtl="0">
         <a:lnSpc>
           <a:spcPct val="100000"/>
         </a:lnSpc>
@@ -14727,7 +15074,7 @@
           <a:srgbClr val="000000"/>
         </a:buClr>
         <a:buFont typeface="Arial"/>
-        <a:defRPr b="0" i="0" sz="1400" u="none" cap="none" strike="noStrike">
+        <a:defRPr sz="1400" b="0" i="0" u="none" strike="noStrike" cap="none">
           <a:solidFill>
             <a:srgbClr val="000000"/>
           </a:solidFill>
@@ -14737,7 +15084,7 @@
           <a:sym typeface="Arial"/>
         </a:defRPr>
       </a:lvl5pPr>
-      <a:lvl6pPr lvl="5" marR="0" rtl="0" algn="l">
+      <a:lvl6pPr marR="0" lvl="5" algn="l" rtl="0">
         <a:lnSpc>
           <a:spcPct val="100000"/>
         </a:lnSpc>
@@ -14751,7 +15098,7 @@
           <a:srgbClr val="000000"/>
         </a:buClr>
         <a:buFont typeface="Arial"/>
-        <a:defRPr b="0" i="0" sz="1400" u="none" cap="none" strike="noStrike">
+        <a:defRPr sz="1400" b="0" i="0" u="none" strike="noStrike" cap="none">
           <a:solidFill>
             <a:srgbClr val="000000"/>
           </a:solidFill>
@@ -14761,7 +15108,7 @@
           <a:sym typeface="Arial"/>
         </a:defRPr>
       </a:lvl6pPr>
-      <a:lvl7pPr lvl="6" marR="0" rtl="0" algn="l">
+      <a:lvl7pPr marR="0" lvl="6" algn="l" rtl="0">
         <a:lnSpc>
           <a:spcPct val="100000"/>
         </a:lnSpc>
@@ -14775,7 +15122,7 @@
           <a:srgbClr val="000000"/>
         </a:buClr>
         <a:buFont typeface="Arial"/>
-        <a:defRPr b="0" i="0" sz="1400" u="none" cap="none" strike="noStrike">
+        <a:defRPr sz="1400" b="0" i="0" u="none" strike="noStrike" cap="none">
           <a:solidFill>
             <a:srgbClr val="000000"/>
           </a:solidFill>
@@ -14785,7 +15132,7 @@
           <a:sym typeface="Arial"/>
         </a:defRPr>
       </a:lvl7pPr>
-      <a:lvl8pPr lvl="7" marR="0" rtl="0" algn="l">
+      <a:lvl8pPr marR="0" lvl="7" algn="l" rtl="0">
         <a:lnSpc>
           <a:spcPct val="100000"/>
         </a:lnSpc>
@@ -14799,7 +15146,7 @@
           <a:srgbClr val="000000"/>
         </a:buClr>
         <a:buFont typeface="Arial"/>
-        <a:defRPr b="0" i="0" sz="1400" u="none" cap="none" strike="noStrike">
+        <a:defRPr sz="1400" b="0" i="0" u="none" strike="noStrike" cap="none">
           <a:solidFill>
             <a:srgbClr val="000000"/>
           </a:solidFill>
@@ -14809,7 +15156,7 @@
           <a:sym typeface="Arial"/>
         </a:defRPr>
       </a:lvl8pPr>
-      <a:lvl9pPr lvl="8" marR="0" rtl="0" algn="l">
+      <a:lvl9pPr marR="0" lvl="8" algn="l" rtl="0">
         <a:lnSpc>
           <a:spcPct val="100000"/>
         </a:lnSpc>
@@ -14823,7 +15170,7 @@
           <a:srgbClr val="000000"/>
         </a:buClr>
         <a:buFont typeface="Arial"/>
-        <a:defRPr b="0" i="0" sz="1400" u="none" cap="none" strike="noStrike">
+        <a:defRPr sz="1400" b="0" i="0" u="none" strike="noStrike" cap="none">
           <a:solidFill>
             <a:srgbClr val="000000"/>
           </a:solidFill>
@@ -14835,7 +15182,7 @@
       </a:lvl9pPr>
     </p:bodyStyle>
     <p:otherStyle>
-      <a:defPPr lvl="0" marR="0" rtl="0" algn="l">
+      <a:defPPr marR="0" lvl="0" algn="l" rtl="0">
         <a:lnSpc>
           <a:spcPct val="100000"/>
         </a:lnSpc>
@@ -14846,7 +15193,7 @@
           <a:spcPts val="0"/>
         </a:spcAft>
       </a:defPPr>
-      <a:lvl1pPr lvl="0" marR="0" rtl="0" algn="l">
+      <a:lvl1pPr marR="0" lvl="0" algn="l" rtl="0">
         <a:lnSpc>
           <a:spcPct val="100000"/>
         </a:lnSpc>
@@ -14860,7 +15207,7 @@
           <a:srgbClr val="000000"/>
         </a:buClr>
         <a:buFont typeface="Arial"/>
-        <a:defRPr b="0" i="0" sz="1400" u="none" cap="none" strike="noStrike">
+        <a:defRPr sz="1400" b="0" i="0" u="none" strike="noStrike" cap="none">
           <a:solidFill>
             <a:srgbClr val="000000"/>
           </a:solidFill>
@@ -14870,7 +15217,7 @@
           <a:sym typeface="Arial"/>
         </a:defRPr>
       </a:lvl1pPr>
-      <a:lvl2pPr lvl="1" marR="0" rtl="0" algn="l">
+      <a:lvl2pPr marR="0" lvl="1" algn="l" rtl="0">
         <a:lnSpc>
           <a:spcPct val="100000"/>
         </a:lnSpc>
@@ -14884,7 +15231,7 @@
           <a:srgbClr val="000000"/>
         </a:buClr>
         <a:buFont typeface="Arial"/>
-        <a:defRPr b="0" i="0" sz="1400" u="none" cap="none" strike="noStrike">
+        <a:defRPr sz="1400" b="0" i="0" u="none" strike="noStrike" cap="none">
           <a:solidFill>
             <a:srgbClr val="000000"/>
           </a:solidFill>
@@ -14894,7 +15241,7 @@
           <a:sym typeface="Arial"/>
         </a:defRPr>
       </a:lvl2pPr>
-      <a:lvl3pPr lvl="2" marR="0" rtl="0" algn="l">
+      <a:lvl3pPr marR="0" lvl="2" algn="l" rtl="0">
         <a:lnSpc>
           <a:spcPct val="100000"/>
         </a:lnSpc>
@@ -14908,7 +15255,7 @@
           <a:srgbClr val="000000"/>
         </a:buClr>
         <a:buFont typeface="Arial"/>
-        <a:defRPr b="0" i="0" sz="1400" u="none" cap="none" strike="noStrike">
+        <a:defRPr sz="1400" b="0" i="0" u="none" strike="noStrike" cap="none">
           <a:solidFill>
             <a:srgbClr val="000000"/>
           </a:solidFill>
@@ -14918,7 +15265,7 @@
           <a:sym typeface="Arial"/>
         </a:defRPr>
       </a:lvl3pPr>
-      <a:lvl4pPr lvl="3" marR="0" rtl="0" algn="l">
+      <a:lvl4pPr marR="0" lvl="3" algn="l" rtl="0">
         <a:lnSpc>
           <a:spcPct val="100000"/>
         </a:lnSpc>
@@ -14932,7 +15279,7 @@
           <a:srgbClr val="000000"/>
         </a:buClr>
         <a:buFont typeface="Arial"/>
-        <a:defRPr b="0" i="0" sz="1400" u="none" cap="none" strike="noStrike">
+        <a:defRPr sz="1400" b="0" i="0" u="none" strike="noStrike" cap="none">
           <a:solidFill>
             <a:srgbClr val="000000"/>
           </a:solidFill>
@@ -14942,7 +15289,7 @@
           <a:sym typeface="Arial"/>
         </a:defRPr>
       </a:lvl4pPr>
-      <a:lvl5pPr lvl="4" marR="0" rtl="0" algn="l">
+      <a:lvl5pPr marR="0" lvl="4" algn="l" rtl="0">
         <a:lnSpc>
           <a:spcPct val="100000"/>
         </a:lnSpc>
@@ -14956,7 +15303,7 @@
           <a:srgbClr val="000000"/>
         </a:buClr>
         <a:buFont typeface="Arial"/>
-        <a:defRPr b="0" i="0" sz="1400" u="none" cap="none" strike="noStrike">
+        <a:defRPr sz="1400" b="0" i="0" u="none" strike="noStrike" cap="none">
           <a:solidFill>
             <a:srgbClr val="000000"/>
           </a:solidFill>
@@ -14966,7 +15313,7 @@
           <a:sym typeface="Arial"/>
         </a:defRPr>
       </a:lvl5pPr>
-      <a:lvl6pPr lvl="5" marR="0" rtl="0" algn="l">
+      <a:lvl6pPr marR="0" lvl="5" algn="l" rtl="0">
         <a:lnSpc>
           <a:spcPct val="100000"/>
         </a:lnSpc>
@@ -14980,7 +15327,7 @@
           <a:srgbClr val="000000"/>
         </a:buClr>
         <a:buFont typeface="Arial"/>
-        <a:defRPr b="0" i="0" sz="1400" u="none" cap="none" strike="noStrike">
+        <a:defRPr sz="1400" b="0" i="0" u="none" strike="noStrike" cap="none">
           <a:solidFill>
             <a:srgbClr val="000000"/>
           </a:solidFill>
@@ -14990,7 +15337,7 @@
           <a:sym typeface="Arial"/>
         </a:defRPr>
       </a:lvl6pPr>
-      <a:lvl7pPr lvl="6" marR="0" rtl="0" algn="l">
+      <a:lvl7pPr marR="0" lvl="6" algn="l" rtl="0">
         <a:lnSpc>
           <a:spcPct val="100000"/>
         </a:lnSpc>
@@ -15004,7 +15351,7 @@
           <a:srgbClr val="000000"/>
         </a:buClr>
         <a:buFont typeface="Arial"/>
-        <a:defRPr b="0" i="0" sz="1400" u="none" cap="none" strike="noStrike">
+        <a:defRPr sz="1400" b="0" i="0" u="none" strike="noStrike" cap="none">
           <a:solidFill>
             <a:srgbClr val="000000"/>
           </a:solidFill>
@@ -15014,7 +15361,7 @@
           <a:sym typeface="Arial"/>
         </a:defRPr>
       </a:lvl7pPr>
-      <a:lvl8pPr lvl="7" marR="0" rtl="0" algn="l">
+      <a:lvl8pPr marR="0" lvl="7" algn="l" rtl="0">
         <a:lnSpc>
           <a:spcPct val="100000"/>
         </a:lnSpc>
@@ -15028,7 +15375,7 @@
           <a:srgbClr val="000000"/>
         </a:buClr>
         <a:buFont typeface="Arial"/>
-        <a:defRPr b="0" i="0" sz="1400" u="none" cap="none" strike="noStrike">
+        <a:defRPr sz="1400" b="0" i="0" u="none" strike="noStrike" cap="none">
           <a:solidFill>
             <a:srgbClr val="000000"/>
           </a:solidFill>
@@ -15038,7 +15385,7 @@
           <a:sym typeface="Arial"/>
         </a:defRPr>
       </a:lvl8pPr>
-      <a:lvl9pPr lvl="8" marR="0" rtl="0" algn="l">
+      <a:lvl9pPr marR="0" lvl="8" algn="l" rtl="0">
         <a:lnSpc>
           <a:spcPct val="100000"/>
         </a:lnSpc>
@@ -15052,7 +15399,7 @@
           <a:srgbClr val="000000"/>
         </a:buClr>
         <a:buFont typeface="Arial"/>
-        <a:defRPr b="0" i="0" sz="1400" u="none" cap="none" strike="noStrike">
+        <a:defRPr sz="1400" b="0" i="0" u="none" strike="noStrike" cap="none">
           <a:solidFill>
             <a:srgbClr val="000000"/>
           </a:solidFill>
@@ -15066,7 +15413,7 @@
   </p:txStyles>
   <p:extLst>
     <p:ext uri="{27BBF7A9-308A-43DC-89C8-2F10F3537804}">
-      <p15:sldGuideLst>
+      <p15:sldGuideLst xmlns:p15="http://schemas.microsoft.com/office/powerpoint/2012/main">
         <p15:guide id="1" pos="792">
           <p15:clr>
             <a:srgbClr val="F26B43"/>
@@ -15104,11 +15451,11 @@
 </file>
 
 <file path=ppt/slides/slide1.xml><?xml version="1.0" encoding="utf-8"?>
-<p:sld xmlns:a="http://schemas.openxmlformats.org/drawingml/2006/main" xmlns:r="http://schemas.openxmlformats.org/officeDocument/2006/relationships" xmlns:mc="http://schemas.openxmlformats.org/markup-compatibility/2006" xmlns:mv="urn:schemas-microsoft-com:mac:vml" xmlns:p="http://schemas.openxmlformats.org/presentationml/2006/main" xmlns:c="http://schemas.openxmlformats.org/drawingml/2006/chart" xmlns:dgm="http://schemas.openxmlformats.org/drawingml/2006/diagram" xmlns:o="urn:schemas-microsoft-com:office:office" xmlns:v="urn:schemas-microsoft-com:vml" xmlns:pvml="urn:schemas-microsoft-com:office:powerpoint" xmlns:com="http://schemas.openxmlformats.org/drawingml/2006/compatibility" xmlns:p14="http://schemas.microsoft.com/office/powerpoint/2010/main" xmlns:p15="http://schemas.microsoft.com/office/powerpoint/2012/main">
+<p:sld xmlns:a="http://schemas.openxmlformats.org/drawingml/2006/main" xmlns:r="http://schemas.openxmlformats.org/officeDocument/2006/relationships" xmlns:p="http://schemas.openxmlformats.org/presentationml/2006/main">
   <p:cSld>
     <p:spTree>
       <p:nvGrpSpPr>
-        <p:cNvPr id="94" name="Shape 94"/>
+        <p:cNvPr id="1" name="Shape 94"/>
         <p:cNvGrpSpPr/>
         <p:nvPr/>
       </p:nvGrpSpPr>
@@ -15123,7 +15470,9 @@
       <p:sp>
         <p:nvSpPr>
           <p:cNvPr id="95" name="Google Shape;95;p1"/>
-          <p:cNvSpPr txBox="1"/>
+          <p:cNvSpPr txBox="1">
+            <a:spLocks noGrp="1"/>
+          </p:cNvSpPr>
           <p:nvPr>
             <p:ph type="ctrTitle"/>
           </p:nvPr>
@@ -15142,12 +15491,12 @@
           </a:ln>
         </p:spPr>
         <p:txBody>
-          <a:bodyPr anchorCtr="0" anchor="ctr" bIns="45700" lIns="91425" spcFirstLastPara="1" rIns="91425" wrap="square" tIns="45700">
+          <a:bodyPr spcFirstLastPara="1" wrap="square" lIns="91425" tIns="45700" rIns="91425" bIns="45700" anchor="ctr" anchorCtr="0">
             <a:noAutofit/>
           </a:bodyPr>
           <a:lstStyle/>
           <a:p>
-            <a:pPr indent="0" lvl="0" marL="0" rtl="0" algn="ctr">
+            <a:pPr marL="0" lvl="0" indent="0" algn="ctr" rtl="0">
               <a:lnSpc>
                 <a:spcPct val="90000"/>
               </a:lnSpc>
@@ -15165,19 +15514,21 @@
               <a:buNone/>
             </a:pPr>
             <a:r>
-              <a:rPr lang="es-ES"/>
+              <a:rPr lang="es-ES" dirty="0"/>
               <a:t>EXPERIMENTS</a:t>
             </a:r>
-            <a:endParaRPr/>
+            <a:endParaRPr dirty="0"/>
           </a:p>
         </p:txBody>
       </p:sp>
       <p:sp>
         <p:nvSpPr>
           <p:cNvPr id="96" name="Google Shape;96;p1"/>
-          <p:cNvSpPr txBox="1"/>
+          <p:cNvSpPr txBox="1">
+            <a:spLocks noGrp="1"/>
+          </p:cNvSpPr>
           <p:nvPr>
-            <p:ph idx="1" type="subTitle"/>
+            <p:ph type="subTitle" idx="1"/>
           </p:nvPr>
         </p:nvSpPr>
         <p:spPr>
@@ -15194,12 +15545,12 @@
           </a:ln>
         </p:spPr>
         <p:txBody>
-          <a:bodyPr anchorCtr="0" anchor="t" bIns="45700" lIns="91425" spcFirstLastPara="1" rIns="91425" wrap="square" tIns="45700">
+          <a:bodyPr spcFirstLastPara="1" wrap="square" lIns="91425" tIns="45700" rIns="91425" bIns="45700" anchor="t" anchorCtr="0">
             <a:normAutofit/>
           </a:bodyPr>
           <a:lstStyle/>
           <a:p>
-            <a:pPr indent="0" lvl="0" marL="0" rtl="0" algn="ctr">
+            <a:pPr marL="0" lvl="0" indent="0" algn="ctr" rtl="0">
               <a:lnSpc>
                 <a:spcPct val="100000"/>
               </a:lnSpc>
@@ -15213,16 +15564,16 @@
               <a:buNone/>
             </a:pPr>
             <a:r>
-              <a:rPr lang="es-ES"/>
+              <a:rPr lang="es-ES" dirty="0"/>
               <a:t>CICLE MITJÀ</a:t>
             </a:r>
-            <a:endParaRPr/>
+            <a:endParaRPr dirty="0"/>
           </a:p>
         </p:txBody>
       </p:sp>
       <p:pic>
         <p:nvPicPr>
-          <p:cNvPr descr="Download Free png Free Chemistry Icon Png 410515 | Download ..." id="97" name="Google Shape;97;p1"/>
+          <p:cNvPr id="97" name="Google Shape;97;p1" descr="Download Free png Free Chemistry Icon Png 410515 | Download ..."/>
           <p:cNvPicPr preferRelativeResize="0"/>
           <p:nvPr/>
         </p:nvPicPr>
@@ -15230,7 +15581,7 @@
           <a:blip r:embed="rId3">
             <a:alphaModFix/>
           </a:blip>
-          <a:srcRect b="0" l="0" r="0" t="0"/>
+          <a:srcRect/>
           <a:stretch/>
         </p:blipFill>
         <p:spPr>
@@ -15256,11 +15607,11 @@
 </file>
 
 <file path=ppt/slides/slide2.xml><?xml version="1.0" encoding="utf-8"?>
-<p:sld xmlns:a="http://schemas.openxmlformats.org/drawingml/2006/main" xmlns:r="http://schemas.openxmlformats.org/officeDocument/2006/relationships" xmlns:mc="http://schemas.openxmlformats.org/markup-compatibility/2006" xmlns:mv="urn:schemas-microsoft-com:mac:vml" xmlns:p="http://schemas.openxmlformats.org/presentationml/2006/main" xmlns:c="http://schemas.openxmlformats.org/drawingml/2006/chart" xmlns:dgm="http://schemas.openxmlformats.org/drawingml/2006/diagram" xmlns:o="urn:schemas-microsoft-com:office:office" xmlns:v="urn:schemas-microsoft-com:vml" xmlns:pvml="urn:schemas-microsoft-com:office:powerpoint" xmlns:com="http://schemas.openxmlformats.org/drawingml/2006/compatibility" xmlns:p14="http://schemas.microsoft.com/office/powerpoint/2010/main" xmlns:p15="http://schemas.microsoft.com/office/powerpoint/2012/main">
+<p:sld xmlns:a="http://schemas.openxmlformats.org/drawingml/2006/main" xmlns:r="http://schemas.openxmlformats.org/officeDocument/2006/relationships" xmlns:p="http://schemas.openxmlformats.org/presentationml/2006/main">
   <p:cSld>
     <p:spTree>
       <p:nvGrpSpPr>
-        <p:cNvPr id="101" name="Shape 101"/>
+        <p:cNvPr id="1" name="Shape 101"/>
         <p:cNvGrpSpPr/>
         <p:nvPr/>
       </p:nvGrpSpPr>
@@ -15275,7 +15626,9 @@
       <p:sp>
         <p:nvSpPr>
           <p:cNvPr id="102" name="Google Shape;102;p2"/>
-          <p:cNvSpPr txBox="1"/>
+          <p:cNvSpPr txBox="1">
+            <a:spLocks noGrp="1"/>
+          </p:cNvSpPr>
           <p:nvPr>
             <p:ph type="title"/>
           </p:nvPr>
@@ -15294,12 +15647,12 @@
           </a:ln>
         </p:spPr>
         <p:txBody>
-          <a:bodyPr anchorCtr="0" anchor="t" bIns="45700" lIns="91425" spcFirstLastPara="1" rIns="91425" wrap="square" tIns="45700">
+          <a:bodyPr spcFirstLastPara="1" wrap="square" lIns="91425" tIns="45700" rIns="91425" bIns="45700" anchor="t" anchorCtr="0">
             <a:normAutofit/>
           </a:bodyPr>
           <a:lstStyle/>
           <a:p>
-            <a:pPr indent="0" lvl="0" marL="0" rtl="0" algn="l">
+            <a:pPr marL="0" lvl="0" indent="0" algn="l" rtl="0">
               <a:lnSpc>
                 <a:spcPct val="90000"/>
               </a:lnSpc>
@@ -15317,13 +15670,13 @@
               <a:buNone/>
             </a:pPr>
             <a:r>
-              <a:rPr lang="es-ES" sz="4800"/>
+              <a:rPr lang="es-ES" sz="4800" dirty="0"/>
               <a:t>QUÈ CREUS QUÈ ÉS LA CIÈNCIA?</a:t>
             </a:r>
-            <a:endParaRPr sz="4800"/>
+            <a:endParaRPr sz="4800" dirty="0"/>
           </a:p>
           <a:p>
-            <a:pPr indent="0" lvl="0" marL="0" rtl="0" algn="just">
+            <a:pPr marL="0" lvl="0" indent="0" algn="just" rtl="0">
               <a:lnSpc>
                 <a:spcPct val="90000"/>
               </a:lnSpc>
@@ -15340,6 +15693,15 @@
               <a:buFont typeface="Impact"/>
               <a:buNone/>
             </a:pPr>
+            <a:r>
+              <a:rPr lang="es-ES" sz="2400" dirty="0" err="1">
+                <a:latin typeface="Arial"/>
+                <a:ea typeface="Arial"/>
+                <a:cs typeface="Arial"/>
+                <a:sym typeface="Arial"/>
+              </a:rPr>
+              <a:t>Escriu</a:t>
+            </a:r>
             <a:r>
               <a:rPr lang="es-ES" sz="2400">
                 <a:latin typeface="Arial"/>
@@ -15347,7 +15709,7 @@
                 <a:cs typeface="Arial"/>
                 <a:sym typeface="Arial"/>
               </a:rPr>
-              <a:t>Escriu a continuació què és per a tu la ciència. Explica-ho amb les teves paraules. </a:t>
+              <a:t> a continuació què és per a tu la ciència. Explica-ho amb les teves paraules. </a:t>
             </a:r>
             <a:endParaRPr sz="2400">
               <a:latin typeface="Arial"/>
@@ -15361,9 +15723,11 @@
       <p:sp>
         <p:nvSpPr>
           <p:cNvPr id="103" name="Google Shape;103;p2"/>
-          <p:cNvSpPr txBox="1"/>
+          <p:cNvSpPr txBox="1">
+            <a:spLocks noGrp="1"/>
+          </p:cNvSpPr>
           <p:nvPr>
-            <p:ph idx="1" type="body"/>
+            <p:ph type="body" idx="1"/>
           </p:nvPr>
         </p:nvSpPr>
         <p:spPr>
@@ -15380,28 +15744,133 @@
           </a:ln>
         </p:spPr>
         <p:txBody>
-          <a:bodyPr anchorCtr="0" anchor="t" bIns="45700" lIns="91425" spcFirstLastPara="1" rIns="91425" wrap="square" tIns="45700">
+          <a:bodyPr spcFirstLastPara="1" wrap="square" lIns="91425" tIns="45700" rIns="91425" bIns="45700" anchor="t" anchorCtr="0">
             <a:normAutofit/>
           </a:bodyPr>
           <a:lstStyle/>
           <a:p>
-            <a:pPr indent="-342900" lvl="0" marL="457200" rtl="0" algn="l">
-              <a:lnSpc>
-                <a:spcPct val="110000"/>
-              </a:lnSpc>
-              <a:spcBef>
-                <a:spcPts val="0"/>
-              </a:spcBef>
-              <a:spcAft>
-                <a:spcPts val="0"/>
-              </a:spcAft>
-              <a:buSzPts val="1800"/>
-              <a:buChar char="•"/>
+            <a:pPr marL="114300" lvl="0" indent="0">
+              <a:spcBef>
+                <a:spcPts val="0"/>
+              </a:spcBef>
+              <a:buNone/>
             </a:pPr>
+            <a:endParaRPr lang="es-ES" dirty="0" smtClean="0"/>
+          </a:p>
+          <a:p>
             <a:r>
-              <a:t/>
+              <a:rPr lang="ca-ES" dirty="0"/>
+              <a:t>La ciència es la facultat dels éssers humans que ens permet explorar, conèixer, analitzar i observar, donant curs a la nostra curiositat i trobant respostes a tot el que ens puguem arribar a preguntar.</a:t>
             </a:r>
-            <a:endParaRPr/>
+            <a:endParaRPr lang="es-ES" dirty="0"/>
+          </a:p>
+          <a:p>
+            <a:r>
+              <a:rPr lang="ca-ES" dirty="0"/>
+              <a:t>Tenim el mètode científic que consisteix en Plantejar un problema, di una idea de com resoldrà lo, si cal fe un experiment o una proba, fe una conclusió de aquet problema y si cal tornar a fer un nou plantejament. </a:t>
+            </a:r>
+            <a:endParaRPr lang="es-ES" dirty="0"/>
+          </a:p>
+          <a:p>
+            <a:pPr marL="114300" lvl="0" indent="0">
+              <a:spcBef>
+                <a:spcPts val="0"/>
+              </a:spcBef>
+              <a:buNone/>
+            </a:pPr>
+            <a:endParaRPr lang="es-ES" dirty="0"/>
+          </a:p>
+          <a:p>
+            <a:pPr marL="114300" lvl="0" indent="0">
+              <a:spcBef>
+                <a:spcPts val="0"/>
+              </a:spcBef>
+              <a:buNone/>
+            </a:pPr>
+            <a:endParaRPr lang="es-ES" dirty="0" smtClean="0"/>
+          </a:p>
+          <a:p>
+            <a:pPr marL="114300" lvl="0" indent="0">
+              <a:spcBef>
+                <a:spcPts val="0"/>
+              </a:spcBef>
+              <a:buNone/>
+            </a:pPr>
+            <a:endParaRPr lang="es-ES" dirty="0"/>
+          </a:p>
+          <a:p>
+            <a:pPr marL="114300" lvl="0" indent="0">
+              <a:spcBef>
+                <a:spcPts val="0"/>
+              </a:spcBef>
+              <a:buNone/>
+            </a:pPr>
+            <a:endParaRPr lang="es-ES" dirty="0" smtClean="0"/>
+          </a:p>
+          <a:p>
+            <a:pPr marL="114300" lvl="0" indent="0">
+              <a:spcBef>
+                <a:spcPts val="0"/>
+              </a:spcBef>
+              <a:buNone/>
+            </a:pPr>
+            <a:endParaRPr lang="ca-ES" dirty="0" smtClean="0"/>
+          </a:p>
+          <a:p>
+            <a:pPr lvl="0">
+              <a:spcBef>
+                <a:spcPts val="0"/>
+              </a:spcBef>
+            </a:pPr>
+            <a:endParaRPr lang="es-ES" dirty="0"/>
+          </a:p>
+          <a:p>
+            <a:pPr lvl="0">
+              <a:spcBef>
+                <a:spcPts val="0"/>
+              </a:spcBef>
+            </a:pPr>
+            <a:endParaRPr lang="es-ES" dirty="0" smtClean="0"/>
+          </a:p>
+          <a:p>
+            <a:pPr lvl="0">
+              <a:spcBef>
+                <a:spcPts val="0"/>
+              </a:spcBef>
+            </a:pPr>
+            <a:endParaRPr lang="es-ES" dirty="0"/>
+          </a:p>
+          <a:p>
+            <a:pPr lvl="0">
+              <a:spcBef>
+                <a:spcPts val="0"/>
+              </a:spcBef>
+            </a:pPr>
+            <a:endParaRPr lang="es-ES" dirty="0" smtClean="0"/>
+          </a:p>
+          <a:p>
+            <a:pPr lvl="0">
+              <a:spcBef>
+                <a:spcPts val="0"/>
+              </a:spcBef>
+            </a:pPr>
+            <a:endParaRPr lang="es-ES" dirty="0"/>
+          </a:p>
+          <a:p>
+            <a:pPr lvl="0">
+              <a:spcBef>
+                <a:spcPts val="0"/>
+              </a:spcBef>
+            </a:pPr>
+            <a:endParaRPr lang="es-ES" dirty="0" smtClean="0"/>
+          </a:p>
+          <a:p>
+            <a:pPr lvl="0">
+              <a:spcBef>
+                <a:spcPts val="0"/>
+              </a:spcBef>
+            </a:pPr>
+            <a:endParaRPr lang="es-ES" dirty="0"/>
           </a:p>
         </p:txBody>
       </p:sp>
@@ -15410,15 +15879,22 @@
   <p:clrMapOvr>
     <a:masterClrMapping/>
   </p:clrMapOvr>
+  <p:timing>
+    <p:tnLst>
+      <p:par>
+        <p:cTn id="1" dur="indefinite" restart="never" nodeType="tmRoot"/>
+      </p:par>
+    </p:tnLst>
+  </p:timing>
 </p:sld>
 </file>
 
 <file path=ppt/slides/slide3.xml><?xml version="1.0" encoding="utf-8"?>
-<p:sld xmlns:a="http://schemas.openxmlformats.org/drawingml/2006/main" xmlns:r="http://schemas.openxmlformats.org/officeDocument/2006/relationships" xmlns:mc="http://schemas.openxmlformats.org/markup-compatibility/2006" xmlns:mv="urn:schemas-microsoft-com:mac:vml" xmlns:p="http://schemas.openxmlformats.org/presentationml/2006/main" xmlns:c="http://schemas.openxmlformats.org/drawingml/2006/chart" xmlns:dgm="http://schemas.openxmlformats.org/drawingml/2006/diagram" xmlns:o="urn:schemas-microsoft-com:office:office" xmlns:v="urn:schemas-microsoft-com:vml" xmlns:pvml="urn:schemas-microsoft-com:office:powerpoint" xmlns:com="http://schemas.openxmlformats.org/drawingml/2006/compatibility" xmlns:p14="http://schemas.microsoft.com/office/powerpoint/2010/main" xmlns:p15="http://schemas.microsoft.com/office/powerpoint/2012/main">
+<p:sld xmlns:a="http://schemas.openxmlformats.org/drawingml/2006/main" xmlns:r="http://schemas.openxmlformats.org/officeDocument/2006/relationships" xmlns:p="http://schemas.openxmlformats.org/presentationml/2006/main">
   <p:cSld>
     <p:spTree>
       <p:nvGrpSpPr>
-        <p:cNvPr id="107" name="Shape 107"/>
+        <p:cNvPr id="1" name="Shape 107"/>
         <p:cNvGrpSpPr/>
         <p:nvPr/>
       </p:nvGrpSpPr>
@@ -15433,7 +15909,9 @@
       <p:sp>
         <p:nvSpPr>
           <p:cNvPr id="108" name="Google Shape;108;p3"/>
-          <p:cNvSpPr txBox="1"/>
+          <p:cNvSpPr txBox="1">
+            <a:spLocks noGrp="1"/>
+          </p:cNvSpPr>
           <p:nvPr>
             <p:ph type="title"/>
           </p:nvPr>
@@ -15452,12 +15930,12 @@
           </a:ln>
         </p:spPr>
         <p:txBody>
-          <a:bodyPr anchorCtr="0" anchor="t" bIns="45700" lIns="91425" spcFirstLastPara="1" rIns="91425" wrap="square" tIns="45700">
+          <a:bodyPr spcFirstLastPara="1" wrap="square" lIns="91425" tIns="45700" rIns="91425" bIns="45700" anchor="t" anchorCtr="0">
             <a:normAutofit/>
           </a:bodyPr>
           <a:lstStyle/>
           <a:p>
-            <a:pPr indent="0" lvl="0" marL="0" rtl="0" algn="just">
+            <a:pPr marL="0" lvl="0" indent="0" algn="just" rtl="0">
               <a:lnSpc>
                 <a:spcPct val="90000"/>
               </a:lnSpc>
@@ -15475,13 +15953,13 @@
               <a:buNone/>
             </a:pPr>
             <a:r>
-              <a:rPr lang="es-ES" sz="4800"/>
+              <a:rPr lang="es-ES" sz="4800" dirty="0"/>
               <a:t>QUE T’IMAGINES QUÈ FA UN CIENTÍFIC? </a:t>
             </a:r>
-            <a:endParaRPr sz="4800"/>
+            <a:endParaRPr sz="4800" dirty="0"/>
           </a:p>
           <a:p>
-            <a:pPr indent="0" lvl="0" marL="0" rtl="0" algn="just">
+            <a:pPr marL="0" lvl="0" indent="0" algn="just" rtl="0">
               <a:lnSpc>
                 <a:spcPct val="90000"/>
               </a:lnSpc>
@@ -15499,15 +15977,222 @@
               <a:buNone/>
             </a:pPr>
             <a:r>
-              <a:rPr lang="es-ES" sz="2400">
+              <a:rPr lang="es-ES" sz="2400" dirty="0">
                 <a:latin typeface="Arial"/>
                 <a:ea typeface="Arial"/>
                 <a:cs typeface="Arial"/>
                 <a:sym typeface="Arial"/>
               </a:rPr>
-              <a:t>Escriu a continuació que t’imagines què fa un científic en el seu dia a dia, què fa quan està al laboratori...</a:t>
+              <a:t>Escriu</a:t>
             </a:r>
-            <a:endParaRPr sz="2400">
+            <a:r>
+              <a:rPr lang="es-ES" sz="2400" dirty="0">
+                <a:latin typeface="Arial"/>
+                <a:ea typeface="Arial"/>
+                <a:cs typeface="Arial"/>
+                <a:sym typeface="Arial"/>
+              </a:rPr>
+              <a:t> a </a:t>
+            </a:r>
+            <a:r>
+              <a:rPr lang="es-ES" sz="2400" dirty="0">
+                <a:latin typeface="Arial"/>
+                <a:ea typeface="Arial"/>
+                <a:cs typeface="Arial"/>
+                <a:sym typeface="Arial"/>
+              </a:rPr>
+              <a:t>continuació</a:t>
+            </a:r>
+            <a:r>
+              <a:rPr lang="es-ES" sz="2400" dirty="0">
+                <a:latin typeface="Arial"/>
+                <a:ea typeface="Arial"/>
+                <a:cs typeface="Arial"/>
+                <a:sym typeface="Arial"/>
+              </a:rPr>
+              <a:t> que </a:t>
+            </a:r>
+            <a:r>
+              <a:rPr lang="es-ES" sz="2400" dirty="0">
+                <a:latin typeface="Arial"/>
+                <a:ea typeface="Arial"/>
+                <a:cs typeface="Arial"/>
+                <a:sym typeface="Arial"/>
+              </a:rPr>
+              <a:t>t’imagines</a:t>
+            </a:r>
+            <a:r>
+              <a:rPr lang="es-ES" sz="2400" dirty="0">
+                <a:latin typeface="Arial"/>
+                <a:ea typeface="Arial"/>
+                <a:cs typeface="Arial"/>
+                <a:sym typeface="Arial"/>
+              </a:rPr>
+              <a:t> </a:t>
+            </a:r>
+            <a:r>
+              <a:rPr lang="es-ES" sz="2400" dirty="0">
+                <a:latin typeface="Arial"/>
+                <a:ea typeface="Arial"/>
+                <a:cs typeface="Arial"/>
+                <a:sym typeface="Arial"/>
+              </a:rPr>
+              <a:t>què</a:t>
+            </a:r>
+            <a:r>
+              <a:rPr lang="es-ES" sz="2400" dirty="0">
+                <a:latin typeface="Arial"/>
+                <a:ea typeface="Arial"/>
+                <a:cs typeface="Arial"/>
+                <a:sym typeface="Arial"/>
+              </a:rPr>
+              <a:t> fa un </a:t>
+            </a:r>
+            <a:r>
+              <a:rPr lang="es-ES" sz="2400" dirty="0">
+                <a:latin typeface="Arial"/>
+                <a:ea typeface="Arial"/>
+                <a:cs typeface="Arial"/>
+                <a:sym typeface="Arial"/>
+              </a:rPr>
+              <a:t>científic</a:t>
+            </a:r>
+            <a:r>
+              <a:rPr lang="es-ES" sz="2400" dirty="0">
+                <a:latin typeface="Arial"/>
+                <a:ea typeface="Arial"/>
+                <a:cs typeface="Arial"/>
+                <a:sym typeface="Arial"/>
+              </a:rPr>
+              <a:t> en el </a:t>
+            </a:r>
+            <a:r>
+              <a:rPr lang="es-ES" sz="2400" dirty="0">
+                <a:latin typeface="Arial"/>
+                <a:ea typeface="Arial"/>
+                <a:cs typeface="Arial"/>
+                <a:sym typeface="Arial"/>
+              </a:rPr>
+              <a:t>seu</a:t>
+            </a:r>
+            <a:r>
+              <a:rPr lang="es-ES" sz="2400" dirty="0">
+                <a:latin typeface="Arial"/>
+                <a:ea typeface="Arial"/>
+                <a:cs typeface="Arial"/>
+                <a:sym typeface="Arial"/>
+              </a:rPr>
+              <a:t> </a:t>
+            </a:r>
+            <a:r>
+              <a:rPr lang="es-ES" sz="2400" dirty="0">
+                <a:latin typeface="Arial"/>
+                <a:ea typeface="Arial"/>
+                <a:cs typeface="Arial"/>
+                <a:sym typeface="Arial"/>
+              </a:rPr>
+              <a:t>dia</a:t>
+            </a:r>
+            <a:r>
+              <a:rPr lang="es-ES" sz="2400" dirty="0">
+                <a:latin typeface="Arial"/>
+                <a:ea typeface="Arial"/>
+                <a:cs typeface="Arial"/>
+                <a:sym typeface="Arial"/>
+              </a:rPr>
+              <a:t> a </a:t>
+            </a:r>
+            <a:r>
+              <a:rPr lang="es-ES" sz="2400" dirty="0">
+                <a:latin typeface="Arial"/>
+                <a:ea typeface="Arial"/>
+                <a:cs typeface="Arial"/>
+                <a:sym typeface="Arial"/>
+              </a:rPr>
+              <a:t>dia</a:t>
+            </a:r>
+            <a:r>
+              <a:rPr lang="es-ES" sz="2400" dirty="0">
+                <a:latin typeface="Arial"/>
+                <a:ea typeface="Arial"/>
+                <a:cs typeface="Arial"/>
+                <a:sym typeface="Arial"/>
+              </a:rPr>
+              <a:t>, </a:t>
+            </a:r>
+            <a:r>
+              <a:rPr lang="es-ES" sz="2400" dirty="0">
+                <a:latin typeface="Arial"/>
+                <a:ea typeface="Arial"/>
+                <a:cs typeface="Arial"/>
+                <a:sym typeface="Arial"/>
+              </a:rPr>
+              <a:t>què</a:t>
+            </a:r>
+            <a:r>
+              <a:rPr lang="es-ES" sz="2400" dirty="0">
+                <a:latin typeface="Arial"/>
+                <a:ea typeface="Arial"/>
+                <a:cs typeface="Arial"/>
+                <a:sym typeface="Arial"/>
+              </a:rPr>
+              <a:t> fa </a:t>
+            </a:r>
+            <a:r>
+              <a:rPr lang="es-ES" sz="2400" dirty="0">
+                <a:latin typeface="Arial"/>
+                <a:ea typeface="Arial"/>
+                <a:cs typeface="Arial"/>
+                <a:sym typeface="Arial"/>
+              </a:rPr>
+              <a:t>quan</a:t>
+            </a:r>
+            <a:r>
+              <a:rPr lang="es-ES" sz="2400" dirty="0">
+                <a:latin typeface="Arial"/>
+                <a:ea typeface="Arial"/>
+                <a:cs typeface="Arial"/>
+                <a:sym typeface="Arial"/>
+              </a:rPr>
+              <a:t> </a:t>
+            </a:r>
+            <a:r>
+              <a:rPr lang="es-ES" sz="2400" dirty="0">
+                <a:latin typeface="Arial"/>
+                <a:ea typeface="Arial"/>
+                <a:cs typeface="Arial"/>
+                <a:sym typeface="Arial"/>
+              </a:rPr>
+              <a:t>està</a:t>
+            </a:r>
+            <a:r>
+              <a:rPr lang="es-ES" sz="2400" dirty="0">
+                <a:latin typeface="Arial"/>
+                <a:ea typeface="Arial"/>
+                <a:cs typeface="Arial"/>
+                <a:sym typeface="Arial"/>
+              </a:rPr>
+              <a:t> al </a:t>
+            </a:r>
+            <a:r>
+              <a:rPr lang="es-ES" sz="2400" dirty="0">
+                <a:latin typeface="Arial"/>
+                <a:ea typeface="Arial"/>
+                <a:cs typeface="Arial"/>
+                <a:sym typeface="Arial"/>
+              </a:rPr>
+              <a:t>laboratori</a:t>
+            </a:r>
+            <a:r>
+              <a:rPr lang="es-ES" sz="2400" dirty="0">
+                <a:latin typeface="Arial"/>
+                <a:ea typeface="Arial"/>
+                <a:cs typeface="Arial"/>
+                <a:sym typeface="Arial"/>
+              </a:rPr>
+              <a:t>...</a:t>
+            </a:r>
+            <a:endParaRPr sz="2400" dirty="0">
               <a:latin typeface="Arial"/>
               <a:ea typeface="Arial"/>
               <a:cs typeface="Arial"/>
@@ -15519,9 +16204,11 @@
       <p:sp>
         <p:nvSpPr>
           <p:cNvPr id="109" name="Google Shape;109;p3"/>
-          <p:cNvSpPr txBox="1"/>
+          <p:cNvSpPr txBox="1">
+            <a:spLocks noGrp="1"/>
+          </p:cNvSpPr>
           <p:nvPr>
-            <p:ph idx="1" type="body"/>
+            <p:ph type="body" idx="1"/>
           </p:nvPr>
         </p:nvSpPr>
         <p:spPr>
@@ -15538,28 +16225,37 @@
           </a:ln>
         </p:spPr>
         <p:txBody>
-          <a:bodyPr anchorCtr="0" anchor="t" bIns="45700" lIns="91425" spcFirstLastPara="1" rIns="91425" wrap="square" tIns="45700">
+          <a:bodyPr spcFirstLastPara="1" wrap="square" lIns="91425" tIns="45700" rIns="91425" bIns="45700" anchor="t" anchorCtr="0">
             <a:normAutofit/>
           </a:bodyPr>
           <a:lstStyle/>
           <a:p>
-            <a:pPr indent="-342900" lvl="0" marL="457200" rtl="0" algn="l">
-              <a:lnSpc>
-                <a:spcPct val="110000"/>
-              </a:lnSpc>
-              <a:spcBef>
-                <a:spcPts val="0"/>
-              </a:spcBef>
-              <a:spcAft>
-                <a:spcPts val="0"/>
-              </a:spcAft>
-              <a:buSzPts val="1800"/>
-              <a:buChar char="•"/>
+            <a:pPr lvl="0">
+              <a:spcBef>
+                <a:spcPts val="0"/>
+              </a:spcBef>
             </a:pPr>
             <a:r>
-              <a:t/>
+              <a:rPr lang="es-ES" dirty="0"/>
+              <a:t>Jo me imagino que un científico es una persona que es dedica a la </a:t>
             </a:r>
-            <a:endParaRPr/>
+            <a:r>
+              <a:rPr lang="ca-ES" dirty="0"/>
+              <a:t>investigació</a:t>
+            </a:r>
+            <a:r>
+              <a:rPr lang="es-ES" dirty="0"/>
+              <a:t> i </a:t>
+            </a:r>
+            <a:r>
+              <a:rPr lang="ca-ES" dirty="0"/>
+              <a:t>desenvolupament  d'una cura per una malaltia, nous sistemes informàtics y mecànics, de les noves tecnologies. </a:t>
+            </a:r>
+            <a:r>
+              <a:rPr lang="ca-ES"/>
+              <a:t>No només al que mira per un microscopi es científic</a:t>
+            </a:r>
+            <a:endParaRPr dirty="0"/>
           </a:p>
         </p:txBody>
       </p:sp>
@@ -15572,11 +16268,11 @@
 </file>
 
 <file path=ppt/slides/slide4.xml><?xml version="1.0" encoding="utf-8"?>
-<p:sld xmlns:a="http://schemas.openxmlformats.org/drawingml/2006/main" xmlns:r="http://schemas.openxmlformats.org/officeDocument/2006/relationships" xmlns:mc="http://schemas.openxmlformats.org/markup-compatibility/2006" xmlns:mv="urn:schemas-microsoft-com:mac:vml" xmlns:p="http://schemas.openxmlformats.org/presentationml/2006/main" xmlns:c="http://schemas.openxmlformats.org/drawingml/2006/chart" xmlns:dgm="http://schemas.openxmlformats.org/drawingml/2006/diagram" xmlns:o="urn:schemas-microsoft-com:office:office" xmlns:v="urn:schemas-microsoft-com:vml" xmlns:pvml="urn:schemas-microsoft-com:office:powerpoint" xmlns:com="http://schemas.openxmlformats.org/drawingml/2006/compatibility" xmlns:p14="http://schemas.microsoft.com/office/powerpoint/2010/main" xmlns:p15="http://schemas.microsoft.com/office/powerpoint/2012/main">
+<p:sld xmlns:a="http://schemas.openxmlformats.org/drawingml/2006/main" xmlns:r="http://schemas.openxmlformats.org/officeDocument/2006/relationships" xmlns:p="http://schemas.openxmlformats.org/presentationml/2006/main">
   <p:cSld>
     <p:spTree>
       <p:nvGrpSpPr>
-        <p:cNvPr id="113" name="Shape 113"/>
+        <p:cNvPr id="1" name="Shape 113"/>
         <p:cNvGrpSpPr/>
         <p:nvPr/>
       </p:nvGrpSpPr>
@@ -15591,7 +16287,9 @@
       <p:sp>
         <p:nvSpPr>
           <p:cNvPr id="114" name="Google Shape;114;g7767cbbf3f_3_0"/>
-          <p:cNvSpPr txBox="1"/>
+          <p:cNvSpPr txBox="1">
+            <a:spLocks noGrp="1"/>
+          </p:cNvSpPr>
           <p:nvPr>
             <p:ph type="title"/>
           </p:nvPr>
@@ -15606,12 +16304,12 @@
           </a:prstGeom>
         </p:spPr>
         <p:txBody>
-          <a:bodyPr anchorCtr="0" anchor="b" bIns="45700" lIns="91425" spcFirstLastPara="1" rIns="91425" wrap="square" tIns="45700">
+          <a:bodyPr spcFirstLastPara="1" wrap="square" lIns="91425" tIns="45700" rIns="91425" bIns="45700" anchor="b" anchorCtr="0">
             <a:noAutofit/>
           </a:bodyPr>
           <a:lstStyle/>
           <a:p>
-            <a:pPr indent="0" lvl="0" marL="0" rtl="0" algn="ctr">
+            <a:pPr marL="0" lvl="0" indent="0" algn="ctr" rtl="0">
               <a:spcBef>
                 <a:spcPts val="0"/>
               </a:spcBef>
@@ -15621,19 +16319,21 @@
               <a:buNone/>
             </a:pPr>
             <a:r>
-              <a:rPr lang="es-ES" sz="8000"/>
+              <a:rPr lang="es-ES" sz="8000" dirty="0"/>
               <a:t>POSA’T A PROVA JUGANT A SER CIENTÍFIC</a:t>
             </a:r>
-            <a:endParaRPr sz="8000"/>
+            <a:endParaRPr sz="8000" dirty="0"/>
           </a:p>
         </p:txBody>
       </p:sp>
       <p:sp>
         <p:nvSpPr>
           <p:cNvPr id="115" name="Google Shape;115;g7767cbbf3f_3_0"/>
-          <p:cNvSpPr txBox="1"/>
+          <p:cNvSpPr txBox="1">
+            <a:spLocks noGrp="1"/>
+          </p:cNvSpPr>
           <p:nvPr>
-            <p:ph idx="1" type="body"/>
+            <p:ph type="body" idx="1"/>
           </p:nvPr>
         </p:nvSpPr>
         <p:spPr>
@@ -15646,12 +16346,12 @@
           </a:prstGeom>
         </p:spPr>
         <p:txBody>
-          <a:bodyPr anchorCtr="0" anchor="t" bIns="45700" lIns="91425" spcFirstLastPara="1" rIns="91425" wrap="square" tIns="45700">
+          <a:bodyPr spcFirstLastPara="1" wrap="square" lIns="91425" tIns="45700" rIns="91425" bIns="45700" anchor="t" anchorCtr="0">
             <a:noAutofit/>
           </a:bodyPr>
           <a:lstStyle/>
           <a:p>
-            <a:pPr indent="0" lvl="0" marL="0" rtl="0" algn="ctr">
+            <a:pPr marL="0" lvl="0" indent="0" algn="ctr" rtl="0">
               <a:spcBef>
                 <a:spcPts val="700"/>
               </a:spcBef>
@@ -15661,7 +16361,7 @@
               <a:buNone/>
             </a:pPr>
             <a:r>
-              <a:rPr b="0" lang="es-ES" sz="2900">
+              <a:rPr lang="es-ES" sz="2900" b="0" dirty="0">
                 <a:solidFill>
                   <a:schemeClr val="hlink"/>
                 </a:solidFill>
@@ -15676,7 +16376,7 @@
               </a:rPr>
               <a:t>http://www.eresuncientificosabio.csic.es/index.php</a:t>
             </a:r>
-            <a:endParaRPr b="0" sz="3800"/>
+            <a:endParaRPr sz="3800" b="0" dirty="0"/>
           </a:p>
         </p:txBody>
       </p:sp>
@@ -15689,11 +16389,11 @@
 </file>
 
 <file path=ppt/slides/slide5.xml><?xml version="1.0" encoding="utf-8"?>
-<p:sld xmlns:a="http://schemas.openxmlformats.org/drawingml/2006/main" xmlns:r="http://schemas.openxmlformats.org/officeDocument/2006/relationships" xmlns:mc="http://schemas.openxmlformats.org/markup-compatibility/2006" xmlns:mv="urn:schemas-microsoft-com:mac:vml" xmlns:p="http://schemas.openxmlformats.org/presentationml/2006/main" xmlns:c="http://schemas.openxmlformats.org/drawingml/2006/chart" xmlns:dgm="http://schemas.openxmlformats.org/drawingml/2006/diagram" xmlns:o="urn:schemas-microsoft-com:office:office" xmlns:v="urn:schemas-microsoft-com:vml" xmlns:pvml="urn:schemas-microsoft-com:office:powerpoint" xmlns:com="http://schemas.openxmlformats.org/drawingml/2006/compatibility" xmlns:p14="http://schemas.microsoft.com/office/powerpoint/2010/main" xmlns:p15="http://schemas.microsoft.com/office/powerpoint/2012/main">
+<p:sld xmlns:a="http://schemas.openxmlformats.org/drawingml/2006/main" xmlns:r="http://schemas.openxmlformats.org/officeDocument/2006/relationships" xmlns:p="http://schemas.openxmlformats.org/presentationml/2006/main">
   <p:cSld>
     <p:spTree>
       <p:nvGrpSpPr>
-        <p:cNvPr id="119" name="Shape 119"/>
+        <p:cNvPr id="1" name="Shape 119"/>
         <p:cNvGrpSpPr/>
         <p:nvPr/>
       </p:nvGrpSpPr>
@@ -15708,7 +16408,9 @@
       <p:sp>
         <p:nvSpPr>
           <p:cNvPr id="120" name="Google Shape;120;g7767cbbf3f_3_10"/>
-          <p:cNvSpPr txBox="1"/>
+          <p:cNvSpPr txBox="1">
+            <a:spLocks noGrp="1"/>
+          </p:cNvSpPr>
           <p:nvPr>
             <p:ph type="title"/>
           </p:nvPr>
@@ -15723,12 +16425,12 @@
           </a:prstGeom>
         </p:spPr>
         <p:txBody>
-          <a:bodyPr anchorCtr="0" anchor="b" bIns="45700" lIns="91425" spcFirstLastPara="1" rIns="91425" wrap="square" tIns="45700">
+          <a:bodyPr spcFirstLastPara="1" wrap="square" lIns="91425" tIns="45700" rIns="91425" bIns="45700" anchor="b" anchorCtr="0">
             <a:noAutofit/>
           </a:bodyPr>
           <a:lstStyle/>
           <a:p>
-            <a:pPr indent="0" lvl="0" marL="0" rtl="0" algn="l">
+            <a:pPr marL="0" lvl="0" indent="0" algn="l" rtl="0">
               <a:spcBef>
                 <a:spcPts val="0"/>
               </a:spcBef>
@@ -15738,7 +16440,7 @@
               <a:buNone/>
             </a:pPr>
             <a:r>
-              <a:rPr b="0" lang="es-ES" sz="2000">
+              <a:rPr lang="es-ES" sz="2000" b="0" dirty="0">
                 <a:solidFill>
                   <a:schemeClr val="accent5"/>
                 </a:solidFill>
@@ -15753,7 +16455,7 @@
               </a:rPr>
               <a:t>https://www.youtube.com/watch?v=XMHeyovhCO8</a:t>
             </a:r>
-            <a:endParaRPr sz="2800">
+            <a:endParaRPr sz="2800" dirty="0">
               <a:solidFill>
                 <a:schemeClr val="accent5"/>
               </a:solidFill>
@@ -15764,9 +16466,11 @@
       <p:sp>
         <p:nvSpPr>
           <p:cNvPr id="121" name="Google Shape;121;g7767cbbf3f_3_10"/>
-          <p:cNvSpPr txBox="1"/>
+          <p:cNvSpPr txBox="1">
+            <a:spLocks noGrp="1"/>
+          </p:cNvSpPr>
           <p:nvPr>
-            <p:ph idx="1" type="body"/>
+            <p:ph type="body" idx="1"/>
           </p:nvPr>
         </p:nvSpPr>
         <p:spPr>
@@ -15779,12 +16483,12 @@
           </a:prstGeom>
         </p:spPr>
         <p:txBody>
-          <a:bodyPr anchorCtr="0" anchor="t" bIns="45700" lIns="91425" spcFirstLastPara="1" rIns="91425" wrap="square" tIns="45700">
+          <a:bodyPr spcFirstLastPara="1" wrap="square" lIns="91425" tIns="45700" rIns="91425" bIns="45700" anchor="t" anchorCtr="0">
             <a:noAutofit/>
           </a:bodyPr>
           <a:lstStyle/>
           <a:p>
-            <a:pPr indent="0" lvl="0" marL="0" rtl="0" algn="just">
+            <a:pPr marL="0" lvl="0" indent="0" algn="just" rtl="0">
               <a:spcBef>
                 <a:spcPts val="1200"/>
               </a:spcBef>
@@ -15794,7 +16498,7 @@
               <a:buNone/>
             </a:pPr>
             <a:r>
-              <a:rPr b="1" lang="es-ES" sz="2400">
+              <a:rPr lang="es-ES" sz="2400" b="1" dirty="0">
                 <a:latin typeface="Arial"/>
                 <a:ea typeface="Arial"/>
                 <a:cs typeface="Arial"/>
@@ -15802,7 +16506,7 @@
               </a:rPr>
               <a:t>SI NO POTS VEURE EL VÍDEO CLICA EN EL SEGÜENT ENLLAÇ</a:t>
             </a:r>
-            <a:endParaRPr b="1" sz="2400">
+            <a:endParaRPr sz="2400" b="1" dirty="0">
               <a:latin typeface="Arial"/>
               <a:ea typeface="Arial"/>
               <a:cs typeface="Arial"/>
@@ -15814,9 +16518,11 @@
       <p:sp>
         <p:nvSpPr>
           <p:cNvPr id="122" name="Google Shape;122;g7767cbbf3f_3_10"/>
-          <p:cNvSpPr/>
+          <p:cNvSpPr>
+            <a:spLocks noGrp="1"/>
+          </p:cNvSpPr>
           <p:nvPr>
-            <p:ph idx="2" type="pic"/>
+            <p:ph type="pic" idx="2"/>
           </p:nvPr>
         </p:nvSpPr>
         <p:spPr>
@@ -15829,12 +16535,12 @@
           </a:prstGeom>
         </p:spPr>
         <p:txBody>
-          <a:bodyPr anchorCtr="0" anchor="t" bIns="45700" lIns="91425" spcFirstLastPara="1" rIns="91425" wrap="square" tIns="45700">
+          <a:bodyPr spcFirstLastPara="1" wrap="square" lIns="91425" tIns="45700" rIns="91425" bIns="45700" anchor="t" anchorCtr="0">
             <a:noAutofit/>
           </a:bodyPr>
           <a:lstStyle/>
           <a:p>
-            <a:pPr indent="0" lvl="0" marL="0" rtl="0" algn="ctr">
+            <a:pPr marL="0" lvl="0" indent="0" algn="ctr" rtl="0">
               <a:spcBef>
                 <a:spcPts val="700"/>
               </a:spcBef>
@@ -15844,7 +16550,7 @@
               <a:buNone/>
             </a:pPr>
             <a:r>
-              <a:rPr lang="es-ES" sz="5400">
+              <a:rPr lang="es-ES" sz="5400" dirty="0">
                 <a:solidFill>
                   <a:srgbClr val="000000"/>
                 </a:solidFill>
@@ -15855,7 +16561,7 @@
               </a:rPr>
               <a:t>EN MÓN D’EN BEAKMAN</a:t>
             </a:r>
-            <a:endParaRPr sz="5400">
+            <a:endParaRPr sz="5400" dirty="0">
               <a:solidFill>
                 <a:srgbClr val="000000"/>
               </a:solidFill>
@@ -15866,7 +16572,7 @@
             </a:endParaRPr>
           </a:p>
           <a:p>
-            <a:pPr indent="0" lvl="0" marL="0" rtl="0" algn="ctr">
+            <a:pPr marL="0" lvl="0" indent="0" algn="ctr" rtl="0">
               <a:spcBef>
                 <a:spcPts val="700"/>
               </a:spcBef>
@@ -15875,10 +16581,7 @@
               </a:spcAft>
               <a:buNone/>
             </a:pPr>
-            <a:r>
-              <a:t/>
-            </a:r>
-            <a:endParaRPr sz="5400">
+            <a:endParaRPr sz="5400" dirty="0">
               <a:solidFill>
                 <a:srgbClr val="000000"/>
               </a:solidFill>
@@ -15889,7 +16592,7 @@
             </a:endParaRPr>
           </a:p>
           <a:p>
-            <a:pPr indent="0" lvl="0" marL="0" rtl="0" algn="ctr">
+            <a:pPr marL="0" lvl="0" indent="0" algn="ctr" rtl="0">
               <a:spcBef>
                 <a:spcPts val="700"/>
               </a:spcBef>
@@ -15898,10 +16601,7 @@
               </a:spcAft>
               <a:buNone/>
             </a:pPr>
-            <a:r>
-              <a:t/>
-            </a:r>
-            <a:endParaRPr sz="5400">
+            <a:endParaRPr sz="5400" dirty="0">
               <a:solidFill>
                 <a:srgbClr val="000000"/>
               </a:solidFill>
@@ -15912,7 +16612,7 @@
             </a:endParaRPr>
           </a:p>
           <a:p>
-            <a:pPr indent="0" lvl="0" marL="0" rtl="0" algn="ctr">
+            <a:pPr marL="0" lvl="0" indent="0" algn="ctr" rtl="0">
               <a:spcBef>
                 <a:spcPts val="700"/>
               </a:spcBef>
@@ -15921,10 +16621,7 @@
               </a:spcAft>
               <a:buNone/>
             </a:pPr>
-            <a:r>
-              <a:t/>
-            </a:r>
-            <a:endParaRPr sz="5400">
+            <a:endParaRPr sz="5400" dirty="0">
               <a:solidFill>
                 <a:srgbClr val="000000"/>
               </a:solidFill>
@@ -15935,7 +16632,7 @@
             </a:endParaRPr>
           </a:p>
           <a:p>
-            <a:pPr indent="0" lvl="0" marL="0" rtl="0" algn="ctr">
+            <a:pPr marL="0" lvl="0" indent="0" algn="ctr" rtl="0">
               <a:spcBef>
                 <a:spcPts val="700"/>
               </a:spcBef>
@@ -15944,10 +16641,7 @@
               </a:spcAft>
               <a:buNone/>
             </a:pPr>
-            <a:r>
-              <a:t/>
-            </a:r>
-            <a:endParaRPr sz="2400">
+            <a:endParaRPr sz="2400" dirty="0">
               <a:solidFill>
                 <a:srgbClr val="000000"/>
               </a:solidFill>
@@ -15958,7 +16652,7 @@
             </a:endParaRPr>
           </a:p>
           <a:p>
-            <a:pPr indent="0" lvl="0" marL="0" rtl="0" algn="ctr">
+            <a:pPr marL="0" lvl="0" indent="0" algn="ctr" rtl="0">
               <a:spcBef>
                 <a:spcPts val="700"/>
               </a:spcBef>
@@ -15967,8 +16661,20 @@
               </a:spcAft>
               <a:buNone/>
             </a:pPr>
+            <a:r>
+              <a:rPr lang="es-ES" sz="2400" dirty="0">
+                <a:solidFill>
+                  <a:srgbClr val="000000"/>
+                </a:solidFill>
+                <a:latin typeface="Arial"/>
+                <a:ea typeface="Arial"/>
+                <a:cs typeface="Arial"/>
+                <a:sym typeface="Arial"/>
+              </a:rPr>
+              <a:t/>
+            </a:r>
             <a:br>
-              <a:rPr lang="es-ES" sz="2400">
+              <a:rPr lang="es-ES" sz="2400" dirty="0">
                 <a:solidFill>
                   <a:srgbClr val="000000"/>
                 </a:solidFill>
@@ -15979,7 +16685,7 @@
               </a:rPr>
             </a:br>
             <a:r>
-              <a:rPr lang="es-ES" sz="2400">
+              <a:rPr lang="es-ES" sz="2400" dirty="0">
                 <a:solidFill>
                   <a:srgbClr val="000000"/>
                 </a:solidFill>
@@ -15988,10 +16694,10 @@
                 <a:cs typeface="Arial"/>
                 <a:sym typeface="Arial"/>
               </a:rPr>
-              <a:t>Visualitza el vídeo sobre </a:t>
+              <a:t>Visualitza</a:t>
             </a:r>
             <a:r>
-              <a:rPr i="1" lang="es-ES" sz="2400">
+              <a:rPr lang="es-ES" sz="2400" dirty="0">
                 <a:solidFill>
                   <a:srgbClr val="000000"/>
                 </a:solidFill>
@@ -16000,10 +16706,10 @@
                 <a:cs typeface="Arial"/>
                 <a:sym typeface="Arial"/>
               </a:rPr>
-              <a:t>“En món d’en Beakman”</a:t>
+              <a:t> el vídeo sobre </a:t>
             </a:r>
             <a:r>
-              <a:rPr lang="es-ES" sz="2400">
+              <a:rPr lang="es-ES" sz="2400" i="1" dirty="0">
                 <a:solidFill>
                   <a:srgbClr val="000000"/>
                 </a:solidFill>
@@ -16012,9 +16718,165 @@
                 <a:cs typeface="Arial"/>
                 <a:sym typeface="Arial"/>
               </a:rPr>
-              <a:t> i respon les preguntes que trobaràs a la següent diapositiva.</a:t>
+              <a:t>“En </a:t>
             </a:r>
-            <a:endParaRPr sz="2400">
+            <a:r>
+              <a:rPr lang="es-ES" sz="2400" i="1" dirty="0" err="1">
+                <a:solidFill>
+                  <a:srgbClr val="000000"/>
+                </a:solidFill>
+                <a:latin typeface="Arial"/>
+                <a:ea typeface="Arial"/>
+                <a:cs typeface="Arial"/>
+                <a:sym typeface="Arial"/>
+              </a:rPr>
+              <a:t>món</a:t>
+            </a:r>
+            <a:r>
+              <a:rPr lang="es-ES" sz="2400" i="1" dirty="0">
+                <a:solidFill>
+                  <a:srgbClr val="000000"/>
+                </a:solidFill>
+                <a:latin typeface="Arial"/>
+                <a:ea typeface="Arial"/>
+                <a:cs typeface="Arial"/>
+                <a:sym typeface="Arial"/>
+              </a:rPr>
+              <a:t> </a:t>
+            </a:r>
+            <a:r>
+              <a:rPr lang="es-ES" sz="2400" i="1" dirty="0" err="1">
+                <a:solidFill>
+                  <a:srgbClr val="000000"/>
+                </a:solidFill>
+                <a:latin typeface="Arial"/>
+                <a:ea typeface="Arial"/>
+                <a:cs typeface="Arial"/>
+                <a:sym typeface="Arial"/>
+              </a:rPr>
+              <a:t>d’en</a:t>
+            </a:r>
+            <a:r>
+              <a:rPr lang="es-ES" sz="2400" i="1" dirty="0">
+                <a:solidFill>
+                  <a:srgbClr val="000000"/>
+                </a:solidFill>
+                <a:latin typeface="Arial"/>
+                <a:ea typeface="Arial"/>
+                <a:cs typeface="Arial"/>
+                <a:sym typeface="Arial"/>
+              </a:rPr>
+              <a:t> </a:t>
+            </a:r>
+            <a:r>
+              <a:rPr lang="es-ES" sz="2400" i="1" dirty="0" err="1">
+                <a:solidFill>
+                  <a:srgbClr val="000000"/>
+                </a:solidFill>
+                <a:latin typeface="Arial"/>
+                <a:ea typeface="Arial"/>
+                <a:cs typeface="Arial"/>
+                <a:sym typeface="Arial"/>
+              </a:rPr>
+              <a:t>Beakman</a:t>
+            </a:r>
+            <a:r>
+              <a:rPr lang="es-ES" sz="2400" i="1" dirty="0">
+                <a:solidFill>
+                  <a:srgbClr val="000000"/>
+                </a:solidFill>
+                <a:latin typeface="Arial"/>
+                <a:ea typeface="Arial"/>
+                <a:cs typeface="Arial"/>
+                <a:sym typeface="Arial"/>
+              </a:rPr>
+              <a:t>”</a:t>
+            </a:r>
+            <a:r>
+              <a:rPr lang="es-ES" sz="2400" dirty="0">
+                <a:solidFill>
+                  <a:srgbClr val="000000"/>
+                </a:solidFill>
+                <a:latin typeface="Arial"/>
+                <a:ea typeface="Arial"/>
+                <a:cs typeface="Arial"/>
+                <a:sym typeface="Arial"/>
+              </a:rPr>
+              <a:t> i </a:t>
+            </a:r>
+            <a:r>
+              <a:rPr lang="es-ES" sz="2400" dirty="0" err="1">
+                <a:solidFill>
+                  <a:srgbClr val="000000"/>
+                </a:solidFill>
+                <a:latin typeface="Arial"/>
+                <a:ea typeface="Arial"/>
+                <a:cs typeface="Arial"/>
+                <a:sym typeface="Arial"/>
+              </a:rPr>
+              <a:t>respon</a:t>
+            </a:r>
+            <a:r>
+              <a:rPr lang="es-ES" sz="2400" dirty="0">
+                <a:solidFill>
+                  <a:srgbClr val="000000"/>
+                </a:solidFill>
+                <a:latin typeface="Arial"/>
+                <a:ea typeface="Arial"/>
+                <a:cs typeface="Arial"/>
+                <a:sym typeface="Arial"/>
+              </a:rPr>
+              <a:t> les preguntes que </a:t>
+            </a:r>
+            <a:r>
+              <a:rPr lang="es-ES" sz="2400" dirty="0" err="1">
+                <a:solidFill>
+                  <a:srgbClr val="000000"/>
+                </a:solidFill>
+                <a:latin typeface="Arial"/>
+                <a:ea typeface="Arial"/>
+                <a:cs typeface="Arial"/>
+                <a:sym typeface="Arial"/>
+              </a:rPr>
+              <a:t>trobaràs</a:t>
+            </a:r>
+            <a:r>
+              <a:rPr lang="es-ES" sz="2400" dirty="0">
+                <a:solidFill>
+                  <a:srgbClr val="000000"/>
+                </a:solidFill>
+                <a:latin typeface="Arial"/>
+                <a:ea typeface="Arial"/>
+                <a:cs typeface="Arial"/>
+                <a:sym typeface="Arial"/>
+              </a:rPr>
+              <a:t> a la </a:t>
+            </a:r>
+            <a:r>
+              <a:rPr lang="es-ES" sz="2400" dirty="0" err="1">
+                <a:solidFill>
+                  <a:srgbClr val="000000"/>
+                </a:solidFill>
+                <a:latin typeface="Arial"/>
+                <a:ea typeface="Arial"/>
+                <a:cs typeface="Arial"/>
+                <a:sym typeface="Arial"/>
+              </a:rPr>
+              <a:t>següent</a:t>
+            </a:r>
+            <a:r>
+              <a:rPr lang="es-ES" sz="2400" dirty="0">
+                <a:solidFill>
+                  <a:srgbClr val="000000"/>
+                </a:solidFill>
+                <a:latin typeface="Arial"/>
+                <a:ea typeface="Arial"/>
+                <a:cs typeface="Arial"/>
+                <a:sym typeface="Arial"/>
+              </a:rPr>
+              <a:t> diapositiva.</a:t>
+            </a:r>
+            <a:endParaRPr sz="2400" dirty="0">
               <a:solidFill>
                 <a:srgbClr val="000000"/>
               </a:solidFill>
@@ -16025,7 +16887,7 @@
             </a:endParaRPr>
           </a:p>
           <a:p>
-            <a:pPr indent="0" lvl="0" marL="0" rtl="0" algn="ctr">
+            <a:pPr marL="0" lvl="0" indent="0" algn="ctr" rtl="0">
               <a:spcBef>
                 <a:spcPts val="700"/>
               </a:spcBef>
@@ -16034,10 +16896,7 @@
               </a:spcAft>
               <a:buNone/>
             </a:pPr>
-            <a:r>
-              <a:t/>
-            </a:r>
-            <a:endParaRPr sz="2900">
+            <a:endParaRPr sz="2900" dirty="0">
               <a:solidFill>
                 <a:srgbClr val="000000"/>
               </a:solidFill>
@@ -16051,7 +16910,7 @@
       </p:sp>
       <p:pic>
         <p:nvPicPr>
-          <p:cNvPr descr="El Mundo de Beakman es una serie de televisión donde se trata todo tipo de asuntos científicos explicados para niños. En este corto, Beakman y sus ayudantes muestran un ejemplo de cómo funciona el modo de hacer ciencia.&#10;&#10;&quot;En el método científico es bueno equivocarse&quot;&#10;&#10;&quot;El mundo de Beakman&quot; / Columbia Pictures Television" id="123" name="Google Shape;123;g7767cbbf3f_3_10" title="1.4 El mundo de Beakman - Método Científico">
+          <p:cNvPr id="123" name="Google Shape;123;g7767cbbf3f_3_10" descr="El Mundo de Beakman es una serie de televisión donde se trata todo tipo de asuntos científicos explicados para niños. En este corto, Beakman y sus ayudantes muestran un ejemplo de cómo funciona el modo de hacer ciencia.&#10;&#10;&quot;En el método científico es bueno equivocarse&quot;&#10;&#10;&quot;El mundo de Beakman&quot; / Columbia Pictures Television" title="1.4 El mundo de Beakman - Método Científico">
             <a:hlinkClick r:id="rId4"/>
           </p:cNvPr>
           <p:cNvPicPr preferRelativeResize="0"/>
@@ -16092,30 +16951,30 @@
           </a:xfrm>
           <a:prstGeom prst="downArrow">
             <a:avLst>
-              <a:gd fmla="val 50000" name="adj1"/>
-              <a:gd fmla="val 50000" name="adj2"/>
+              <a:gd name="adj1" fmla="val 50000"/>
+              <a:gd name="adj2" fmla="val 50000"/>
             </a:avLst>
           </a:prstGeom>
           <a:solidFill>
             <a:schemeClr val="lt2"/>
           </a:solidFill>
-          <a:ln cap="flat" cmpd="sng" w="9525">
+          <a:ln w="9525" cap="flat" cmpd="sng">
             <a:solidFill>
               <a:schemeClr val="dk2"/>
             </a:solidFill>
             <a:prstDash val="solid"/>
             <a:round/>
-            <a:headEnd len="sm" w="sm" type="none"/>
-            <a:tailEnd len="sm" w="sm" type="none"/>
+            <a:headEnd type="none" w="sm" len="sm"/>
+            <a:tailEnd type="none" w="sm" len="sm"/>
           </a:ln>
         </p:spPr>
         <p:txBody>
-          <a:bodyPr anchorCtr="0" anchor="ctr" bIns="91425" lIns="91425" spcFirstLastPara="1" rIns="91425" wrap="square" tIns="91425">
+          <a:bodyPr spcFirstLastPara="1" wrap="square" lIns="91425" tIns="91425" rIns="91425" bIns="91425" anchor="ctr" anchorCtr="0">
             <a:noAutofit/>
           </a:bodyPr>
           <a:lstStyle/>
           <a:p>
-            <a:pPr indent="0" lvl="0" marL="0" rtl="0" algn="l">
+            <a:pPr marL="0" lvl="0" indent="0" algn="l" rtl="0">
               <a:spcBef>
                 <a:spcPts val="0"/>
               </a:spcBef>
@@ -16124,9 +16983,6 @@
               </a:spcAft>
               <a:buNone/>
             </a:pPr>
-            <a:r>
-              <a:t/>
-            </a:r>
             <a:endParaRPr>
               <a:solidFill>
                 <a:srgbClr val="295736"/>
@@ -16147,11 +17003,11 @@
 </file>
 
 <file path=ppt/slides/slide6.xml><?xml version="1.0" encoding="utf-8"?>
-<p:sld xmlns:a="http://schemas.openxmlformats.org/drawingml/2006/main" xmlns:r="http://schemas.openxmlformats.org/officeDocument/2006/relationships" xmlns:mc="http://schemas.openxmlformats.org/markup-compatibility/2006" xmlns:mv="urn:schemas-microsoft-com:mac:vml" xmlns:p="http://schemas.openxmlformats.org/presentationml/2006/main" xmlns:c="http://schemas.openxmlformats.org/drawingml/2006/chart" xmlns:dgm="http://schemas.openxmlformats.org/drawingml/2006/diagram" xmlns:o="urn:schemas-microsoft-com:office:office" xmlns:v="urn:schemas-microsoft-com:vml" xmlns:pvml="urn:schemas-microsoft-com:office:powerpoint" xmlns:com="http://schemas.openxmlformats.org/drawingml/2006/compatibility" xmlns:p14="http://schemas.microsoft.com/office/powerpoint/2010/main" xmlns:p15="http://schemas.microsoft.com/office/powerpoint/2012/main">
+<p:sld xmlns:a="http://schemas.openxmlformats.org/drawingml/2006/main" xmlns:r="http://schemas.openxmlformats.org/officeDocument/2006/relationships" xmlns:p="http://schemas.openxmlformats.org/presentationml/2006/main">
   <p:cSld>
     <p:spTree>
       <p:nvGrpSpPr>
-        <p:cNvPr id="128" name="Shape 128"/>
+        <p:cNvPr id="1" name="Shape 128"/>
         <p:cNvGrpSpPr/>
         <p:nvPr/>
       </p:nvGrpSpPr>
@@ -16166,7 +17022,9 @@
       <p:sp>
         <p:nvSpPr>
           <p:cNvPr id="129" name="Google Shape;129;g7767cbbf3f_3_5"/>
-          <p:cNvSpPr txBox="1"/>
+          <p:cNvSpPr txBox="1">
+            <a:spLocks noGrp="1"/>
+          </p:cNvSpPr>
           <p:nvPr>
             <p:ph type="title"/>
           </p:nvPr>
@@ -16181,12 +17039,12 @@
           </a:prstGeom>
         </p:spPr>
         <p:txBody>
-          <a:bodyPr anchorCtr="0" anchor="t" bIns="45700" lIns="91425" spcFirstLastPara="1" rIns="91425" wrap="square" tIns="45700">
+          <a:bodyPr spcFirstLastPara="1" wrap="square" lIns="91425" tIns="45700" rIns="91425" bIns="45700" anchor="t" anchorCtr="0">
             <a:noAutofit/>
           </a:bodyPr>
           <a:lstStyle/>
           <a:p>
-            <a:pPr indent="0" lvl="0" marL="0" rtl="0" algn="l">
+            <a:pPr marL="0" lvl="0" indent="0" algn="l" rtl="0">
               <a:spcBef>
                 <a:spcPts val="0"/>
               </a:spcBef>
@@ -16205,7 +17063,7 @@
             <a:endParaRPr sz="200"/>
           </a:p>
           <a:p>
-            <a:pPr indent="0" lvl="0" marL="0" rtl="0" algn="l">
+            <a:pPr marL="0" lvl="0" indent="0" algn="l" rtl="0">
               <a:spcBef>
                 <a:spcPts val="0"/>
               </a:spcBef>
@@ -16214,13 +17072,10 @@
               </a:spcAft>
               <a:buNone/>
             </a:pPr>
-            <a:r>
-              <a:t/>
-            </a:r>
             <a:endParaRPr sz="200"/>
           </a:p>
           <a:p>
-            <a:pPr indent="0" lvl="0" marL="0" rtl="0" algn="l">
+            <a:pPr marL="0" lvl="0" indent="0" algn="l" rtl="0">
               <a:spcBef>
                 <a:spcPts val="0"/>
               </a:spcBef>
@@ -16229,13 +17084,10 @@
               </a:spcAft>
               <a:buNone/>
             </a:pPr>
-            <a:r>
-              <a:t/>
-            </a:r>
             <a:endParaRPr sz="200"/>
           </a:p>
           <a:p>
-            <a:pPr indent="0" lvl="0" marL="0" rtl="0" algn="l">
+            <a:pPr marL="0" lvl="0" indent="0" algn="l" rtl="0">
               <a:spcBef>
                 <a:spcPts val="0"/>
               </a:spcBef>
@@ -16244,13 +17096,10 @@
               </a:spcAft>
               <a:buNone/>
             </a:pPr>
-            <a:r>
-              <a:t/>
-            </a:r>
             <a:endParaRPr sz="200"/>
           </a:p>
           <a:p>
-            <a:pPr indent="0" lvl="0" marL="0" rtl="0" algn="l">
+            <a:pPr marL="0" lvl="0" indent="0" algn="l" rtl="0">
               <a:spcBef>
                 <a:spcPts val="0"/>
               </a:spcBef>
@@ -16259,13 +17108,10 @@
               </a:spcAft>
               <a:buNone/>
             </a:pPr>
-            <a:r>
-              <a:t/>
-            </a:r>
             <a:endParaRPr sz="200"/>
           </a:p>
           <a:p>
-            <a:pPr indent="0" lvl="0" marL="0" rtl="0" algn="l">
+            <a:pPr marL="0" lvl="0" indent="0" algn="l" rtl="0">
               <a:spcBef>
                 <a:spcPts val="0"/>
               </a:spcBef>
@@ -16274,13 +17120,10 @@
               </a:spcAft>
               <a:buNone/>
             </a:pPr>
-            <a:r>
-              <a:t/>
-            </a:r>
             <a:endParaRPr sz="200"/>
           </a:p>
           <a:p>
-            <a:pPr indent="0" lvl="0" marL="0" rtl="0" algn="l">
+            <a:pPr marL="0" lvl="0" indent="0" algn="l" rtl="0">
               <a:spcBef>
                 <a:spcPts val="0"/>
               </a:spcBef>
@@ -16289,13 +17132,10 @@
               </a:spcAft>
               <a:buNone/>
             </a:pPr>
-            <a:r>
-              <a:t/>
-            </a:r>
             <a:endParaRPr sz="200"/>
           </a:p>
           <a:p>
-            <a:pPr indent="0" lvl="0" marL="0" rtl="0" algn="l">
+            <a:pPr marL="0" lvl="0" indent="0" algn="l" rtl="0">
               <a:spcBef>
                 <a:spcPts val="0"/>
               </a:spcBef>
@@ -16314,7 +17154,7 @@
               <a:t>Responde las siguientes preguntas relacionadas con el vídeo que acabas de ver sobre </a:t>
             </a:r>
             <a:r>
-              <a:rPr i="1" lang="es-ES" sz="2400">
+              <a:rPr lang="es-ES" sz="2400" i="1">
                 <a:latin typeface="Arial"/>
                 <a:ea typeface="Arial"/>
                 <a:cs typeface="Arial"/>
@@ -16322,7 +17162,7 @@
               </a:rPr>
               <a:t>“En món d’en Beakman”. </a:t>
             </a:r>
-            <a:endParaRPr i="1" sz="2400">
+            <a:endParaRPr sz="2400" i="1">
               <a:latin typeface="Arial"/>
               <a:ea typeface="Arial"/>
               <a:cs typeface="Arial"/>
@@ -16334,9 +17174,11 @@
       <p:sp>
         <p:nvSpPr>
           <p:cNvPr id="130" name="Google Shape;130;g7767cbbf3f_3_5"/>
-          <p:cNvSpPr txBox="1"/>
+          <p:cNvSpPr txBox="1">
+            <a:spLocks noGrp="1"/>
+          </p:cNvSpPr>
           <p:nvPr>
-            <p:ph idx="1" type="body"/>
+            <p:ph type="body" idx="1"/>
           </p:nvPr>
         </p:nvSpPr>
         <p:spPr>
@@ -16349,12 +17191,12 @@
           </a:prstGeom>
         </p:spPr>
         <p:txBody>
-          <a:bodyPr anchorCtr="0" anchor="t" bIns="45700" lIns="91425" spcFirstLastPara="1" rIns="91425" wrap="square" tIns="45700">
+          <a:bodyPr spcFirstLastPara="1" wrap="square" lIns="91425" tIns="45700" rIns="91425" bIns="45700" anchor="t" anchorCtr="0">
             <a:noAutofit/>
           </a:bodyPr>
           <a:lstStyle/>
           <a:p>
-            <a:pPr indent="-342900" lvl="0" marL="457200" rtl="0" algn="l">
+            <a:pPr marL="457200" lvl="0" indent="-342900" algn="l" rtl="0">
               <a:lnSpc>
                 <a:spcPct val="300000"/>
               </a:lnSpc>
@@ -16384,7 +17226,7 @@
             </a:endParaRPr>
           </a:p>
           <a:p>
-            <a:pPr indent="-342900" lvl="0" marL="457200" rtl="0" algn="l">
+            <a:pPr marL="457200" lvl="0" indent="-342900" algn="l" rtl="0">
               <a:lnSpc>
                 <a:spcPct val="300000"/>
               </a:lnSpc>
@@ -16414,7 +17256,7 @@
             </a:endParaRPr>
           </a:p>
           <a:p>
-            <a:pPr indent="-342900" lvl="0" marL="457200" rtl="0" algn="l">
+            <a:pPr marL="457200" lvl="0" indent="-342900" algn="l" rtl="0">
               <a:lnSpc>
                 <a:spcPct val="300000"/>
               </a:lnSpc>
@@ -16444,7 +17286,7 @@
             </a:endParaRPr>
           </a:p>
           <a:p>
-            <a:pPr indent="-342900" lvl="0" marL="457200" rtl="0" algn="l">
+            <a:pPr marL="457200" lvl="0" indent="-342900" algn="l" rtl="0">
               <a:lnSpc>
                 <a:spcPct val="300000"/>
               </a:lnSpc>
@@ -16474,7 +17316,7 @@
             </a:endParaRPr>
           </a:p>
           <a:p>
-            <a:pPr indent="0" lvl="0" marL="457200" rtl="0" algn="l">
+            <a:pPr marL="457200" lvl="0" indent="0" algn="l" rtl="0">
               <a:lnSpc>
                 <a:spcPct val="200000"/>
               </a:lnSpc>
@@ -16486,9 +17328,6 @@
               </a:spcAft>
               <a:buNone/>
             </a:pPr>
-            <a:r>
-              <a:t/>
-            </a:r>
             <a:endParaRPr>
               <a:latin typeface="Arial"/>
               <a:ea typeface="Arial"/>
@@ -16507,11 +17346,11 @@
 </file>
 
 <file path=ppt/slides/slide7.xml><?xml version="1.0" encoding="utf-8"?>
-<p:sld xmlns:a="http://schemas.openxmlformats.org/drawingml/2006/main" xmlns:r="http://schemas.openxmlformats.org/officeDocument/2006/relationships" xmlns:mc="http://schemas.openxmlformats.org/markup-compatibility/2006" xmlns:mv="urn:schemas-microsoft-com:mac:vml" xmlns:p="http://schemas.openxmlformats.org/presentationml/2006/main" xmlns:c="http://schemas.openxmlformats.org/drawingml/2006/chart" xmlns:dgm="http://schemas.openxmlformats.org/drawingml/2006/diagram" xmlns:o="urn:schemas-microsoft-com:office:office" xmlns:v="urn:schemas-microsoft-com:vml" xmlns:pvml="urn:schemas-microsoft-com:office:powerpoint" xmlns:com="http://schemas.openxmlformats.org/drawingml/2006/compatibility" xmlns:p14="http://schemas.microsoft.com/office/powerpoint/2010/main" xmlns:p15="http://schemas.microsoft.com/office/powerpoint/2012/main">
+<p:sld xmlns:a="http://schemas.openxmlformats.org/drawingml/2006/main" xmlns:r="http://schemas.openxmlformats.org/officeDocument/2006/relationships" xmlns:p="http://schemas.openxmlformats.org/presentationml/2006/main">
   <p:cSld>
     <p:spTree>
       <p:nvGrpSpPr>
-        <p:cNvPr id="134" name="Shape 134"/>
+        <p:cNvPr id="1" name="Shape 134"/>
         <p:cNvGrpSpPr/>
         <p:nvPr/>
       </p:nvGrpSpPr>
@@ -16526,7 +17365,9 @@
       <p:sp>
         <p:nvSpPr>
           <p:cNvPr id="135" name="Google Shape;135;g7754dcdee0_0_0"/>
-          <p:cNvSpPr txBox="1"/>
+          <p:cNvSpPr txBox="1">
+            <a:spLocks noGrp="1"/>
+          </p:cNvSpPr>
           <p:nvPr>
             <p:ph type="title"/>
           </p:nvPr>
@@ -16541,12 +17382,12 @@
           </a:prstGeom>
         </p:spPr>
         <p:txBody>
-          <a:bodyPr anchorCtr="0" anchor="t" bIns="45700" lIns="91425" spcFirstLastPara="1" rIns="91425" wrap="square" tIns="45700">
+          <a:bodyPr spcFirstLastPara="1" wrap="square" lIns="91425" tIns="45700" rIns="91425" bIns="45700" anchor="t" anchorCtr="0">
             <a:noAutofit/>
           </a:bodyPr>
           <a:lstStyle/>
           <a:p>
-            <a:pPr indent="0" lvl="0" marL="0" rtl="0" algn="l">
+            <a:pPr marL="0" lvl="0" indent="0" algn="l" rtl="0">
               <a:spcBef>
                 <a:spcPts val="0"/>
               </a:spcBef>
@@ -16562,7 +17403,7 @@
             <a:br>
               <a:rPr lang="es-ES"/>
             </a:br>
-            <a:endParaRPr i="1" sz="2400">
+            <a:endParaRPr sz="2400" i="1">
               <a:latin typeface="Arial"/>
               <a:ea typeface="Arial"/>
               <a:cs typeface="Arial"/>
@@ -16574,9 +17415,11 @@
       <p:sp>
         <p:nvSpPr>
           <p:cNvPr id="136" name="Google Shape;136;g7754dcdee0_0_0"/>
-          <p:cNvSpPr txBox="1"/>
+          <p:cNvSpPr txBox="1">
+            <a:spLocks noGrp="1"/>
+          </p:cNvSpPr>
           <p:nvPr>
-            <p:ph idx="1" type="body"/>
+            <p:ph type="body" idx="1"/>
           </p:nvPr>
         </p:nvSpPr>
         <p:spPr>
@@ -16589,12 +17432,12 @@
           </a:prstGeom>
         </p:spPr>
         <p:txBody>
-          <a:bodyPr anchorCtr="0" anchor="t" bIns="45700" lIns="91425" spcFirstLastPara="1" rIns="91425" wrap="square" tIns="45700">
+          <a:bodyPr spcFirstLastPara="1" wrap="square" lIns="91425" tIns="45700" rIns="91425" bIns="45700" anchor="t" anchorCtr="0">
             <a:noAutofit/>
           </a:bodyPr>
           <a:lstStyle/>
           <a:p>
-            <a:pPr indent="-342900" lvl="0" marL="457200" rtl="0" algn="l">
+            <a:pPr marL="457200" lvl="0" indent="-342900" algn="l" rtl="0">
               <a:lnSpc>
                 <a:spcPct val="300000"/>
               </a:lnSpc>
@@ -16624,7 +17467,7 @@
             </a:endParaRPr>
           </a:p>
           <a:p>
-            <a:pPr indent="-342900" lvl="0" marL="457200" rtl="0" algn="l">
+            <a:pPr marL="457200" lvl="0" indent="-342900" algn="l" rtl="0">
               <a:lnSpc>
                 <a:spcPct val="300000"/>
               </a:lnSpc>
@@ -16655,7 +17498,7 @@
             </a:endParaRPr>
           </a:p>
           <a:p>
-            <a:pPr indent="-342900" lvl="0" marL="457200" rtl="0" algn="l">
+            <a:pPr marL="457200" lvl="0" indent="-342900" algn="l" rtl="0">
               <a:lnSpc>
                 <a:spcPct val="300000"/>
               </a:lnSpc>
@@ -16724,11 +17567,11 @@
 </file>
 
 <file path=ppt/slides/slide8.xml><?xml version="1.0" encoding="utf-8"?>
-<p:sld xmlns:a="http://schemas.openxmlformats.org/drawingml/2006/main" xmlns:r="http://schemas.openxmlformats.org/officeDocument/2006/relationships" xmlns:mc="http://schemas.openxmlformats.org/markup-compatibility/2006" xmlns:mv="urn:schemas-microsoft-com:mac:vml" xmlns:p="http://schemas.openxmlformats.org/presentationml/2006/main" xmlns:c="http://schemas.openxmlformats.org/drawingml/2006/chart" xmlns:dgm="http://schemas.openxmlformats.org/drawingml/2006/diagram" xmlns:o="urn:schemas-microsoft-com:office:office" xmlns:v="urn:schemas-microsoft-com:vml" xmlns:pvml="urn:schemas-microsoft-com:office:powerpoint" xmlns:com="http://schemas.openxmlformats.org/drawingml/2006/compatibility" xmlns:p14="http://schemas.microsoft.com/office/powerpoint/2010/main" xmlns:p15="http://schemas.microsoft.com/office/powerpoint/2012/main">
+<p:sld xmlns:a="http://schemas.openxmlformats.org/drawingml/2006/main" xmlns:r="http://schemas.openxmlformats.org/officeDocument/2006/relationships" xmlns:p="http://schemas.openxmlformats.org/presentationml/2006/main">
   <p:cSld>
     <p:spTree>
       <p:nvGrpSpPr>
-        <p:cNvPr id="141" name="Shape 141"/>
+        <p:cNvPr id="1" name="Shape 141"/>
         <p:cNvGrpSpPr/>
         <p:nvPr/>
       </p:nvGrpSpPr>
@@ -16743,7 +17586,9 @@
       <p:sp>
         <p:nvSpPr>
           <p:cNvPr id="142" name="Google Shape;142;g776c8fe929_0_0"/>
-          <p:cNvSpPr txBox="1"/>
+          <p:cNvSpPr txBox="1">
+            <a:spLocks noGrp="1"/>
+          </p:cNvSpPr>
           <p:nvPr>
             <p:ph type="title"/>
           </p:nvPr>
@@ -16758,12 +17603,12 @@
           </a:prstGeom>
         </p:spPr>
         <p:txBody>
-          <a:bodyPr anchorCtr="0" anchor="t" bIns="45700" lIns="91425" spcFirstLastPara="1" rIns="91425" wrap="square" tIns="45700">
+          <a:bodyPr spcFirstLastPara="1" wrap="square" lIns="91425" tIns="45700" rIns="91425" bIns="45700" anchor="t" anchorCtr="0">
             <a:noAutofit/>
           </a:bodyPr>
           <a:lstStyle/>
           <a:p>
-            <a:pPr indent="0" lvl="0" marL="0" rtl="0" algn="l">
+            <a:pPr marL="0" lvl="0" indent="0" algn="l" rtl="0">
               <a:spcBef>
                 <a:spcPts val="0"/>
               </a:spcBef>
@@ -16779,6 +17624,10 @@
             <a:r>
               <a:rPr lang="es-ES" sz="3600"/>
               <a:t>(del 13 al 15 de maig)</a:t>
+            </a:r>
+            <a:r>
+              <a:rPr lang="es-ES"/>
+              <a:t/>
             </a:r>
             <a:br>
               <a:rPr lang="es-ES"/>
@@ -16804,9 +17653,11 @@
       <p:sp>
         <p:nvSpPr>
           <p:cNvPr id="143" name="Google Shape;143;g776c8fe929_0_0"/>
-          <p:cNvSpPr txBox="1"/>
+          <p:cNvSpPr txBox="1">
+            <a:spLocks noGrp="1"/>
+          </p:cNvSpPr>
           <p:nvPr>
-            <p:ph idx="1" type="body"/>
+            <p:ph type="body" idx="1"/>
           </p:nvPr>
         </p:nvSpPr>
         <p:spPr>
@@ -16819,12 +17670,12 @@
           </a:prstGeom>
         </p:spPr>
         <p:txBody>
-          <a:bodyPr anchorCtr="0" anchor="t" bIns="45700" lIns="91425" spcFirstLastPara="1" rIns="91425" wrap="square" tIns="45700">
+          <a:bodyPr spcFirstLastPara="1" wrap="square" lIns="91425" tIns="45700" rIns="91425" bIns="45700" anchor="t" anchorCtr="0">
             <a:noAutofit/>
           </a:bodyPr>
           <a:lstStyle/>
           <a:p>
-            <a:pPr indent="0" lvl="0" marL="0" rtl="0" algn="l">
+            <a:pPr marL="0" lvl="0" indent="0" algn="l" rtl="0">
               <a:spcBef>
                 <a:spcPts val="700"/>
               </a:spcBef>
@@ -16833,9 +17684,6 @@
               </a:spcAft>
               <a:buNone/>
             </a:pPr>
-            <a:r>
-              <a:t/>
-            </a:r>
             <a:endParaRPr/>
           </a:p>
         </p:txBody>
@@ -16849,7 +17697,288 @@
 </file>
 
 <file path=ppt/theme/theme1.xml><?xml version="1.0" encoding="utf-8"?>
-<a:theme xmlns:a="http://schemas.openxmlformats.org/drawingml/2006/main" xmlns:r="http://schemas.openxmlformats.org/officeDocument/2006/relationships">
+<a:theme xmlns:a="http://schemas.openxmlformats.org/drawingml/2006/main" name="Badge">
+  <a:themeElements>
+    <a:clrScheme name="Badge">
+      <a:dk1>
+        <a:srgbClr val="000000"/>
+      </a:dk1>
+      <a:lt1>
+        <a:srgbClr val="FFFFFF"/>
+      </a:lt1>
+      <a:dk2>
+        <a:srgbClr val="171312"/>
+      </a:dk2>
+      <a:lt2>
+        <a:srgbClr val="F7F0DF"/>
+      </a:lt2>
+      <a:accent1>
+        <a:srgbClr val="53AE6E"/>
+      </a:accent1>
+      <a:accent2>
+        <a:srgbClr val="326267"/>
+      </a:accent2>
+      <a:accent3>
+        <a:srgbClr val="C5C34A"/>
+      </a:accent3>
+      <a:accent4>
+        <a:srgbClr val="BF6546"/>
+      </a:accent4>
+      <a:accent5>
+        <a:srgbClr val="81B5A8"/>
+      </a:accent5>
+      <a:accent6>
+        <a:srgbClr val="636455"/>
+      </a:accent6>
+      <a:hlink>
+        <a:srgbClr val="81B5A8"/>
+      </a:hlink>
+      <a:folHlink>
+        <a:srgbClr val="936888"/>
+      </a:folHlink>
+    </a:clrScheme>
+    <a:fontScheme name="Office">
+      <a:majorFont>
+        <a:latin typeface="Arial"/>
+        <a:ea typeface=""/>
+        <a:cs typeface=""/>
+        <a:font script="Jpan" typeface="ＭＳ Ｐゴシック"/>
+        <a:font script="Hang" typeface="맑은 고딕"/>
+        <a:font script="Hans" typeface="宋体"/>
+        <a:font script="Hant" typeface="新細明體"/>
+        <a:font script="Arab" typeface="Times New Roman"/>
+        <a:font script="Hebr" typeface="Times New Roman"/>
+        <a:font script="Thai" typeface="Angsana New"/>
+        <a:font script="Ethi" typeface="Nyala"/>
+        <a:font script="Beng" typeface="Vrinda"/>
+        <a:font script="Gujr" typeface="Shruti"/>
+        <a:font script="Khmr" typeface="MoolBoran"/>
+        <a:font script="Knda" typeface="Tunga"/>
+        <a:font script="Guru" typeface="Raavi"/>
+        <a:font script="Cans" typeface="Euphemia"/>
+        <a:font script="Cher" typeface="Plantagenet Cherokee"/>
+        <a:font script="Yiii" typeface="Microsoft Yi Baiti"/>
+        <a:font script="Tibt" typeface="Microsoft Himalaya"/>
+        <a:font script="Thaa" typeface="MV Boli"/>
+        <a:font script="Deva" typeface="Mangal"/>
+        <a:font script="Telu" typeface="Gautami"/>
+        <a:font script="Taml" typeface="Latha"/>
+        <a:font script="Syrc" typeface="Estrangelo Edessa"/>
+        <a:font script="Orya" typeface="Kalinga"/>
+        <a:font script="Mlym" typeface="Kartika"/>
+        <a:font script="Laoo" typeface="DokChampa"/>
+        <a:font script="Sinh" typeface="Iskoola Pota"/>
+        <a:font script="Mong" typeface="Mongolian Baiti"/>
+        <a:font script="Viet" typeface="Times New Roman"/>
+        <a:font script="Uigh" typeface="Microsoft Uighur"/>
+        <a:font script="Geor" typeface="Sylfaen"/>
+      </a:majorFont>
+      <a:minorFont>
+        <a:latin typeface="Arial"/>
+        <a:ea typeface=""/>
+        <a:cs typeface=""/>
+        <a:font script="Jpan" typeface="ＭＳ Ｐゴシック"/>
+        <a:font script="Hang" typeface="맑은 고딕"/>
+        <a:font script="Hans" typeface="宋体"/>
+        <a:font script="Hant" typeface="新細明體"/>
+        <a:font script="Arab" typeface="Arial"/>
+        <a:font script="Hebr" typeface="Arial"/>
+        <a:font script="Thai" typeface="Cordia New"/>
+        <a:font script="Ethi" typeface="Nyala"/>
+        <a:font script="Beng" typeface="Vrinda"/>
+        <a:font script="Gujr" typeface="Shruti"/>
+        <a:font script="Khmr" typeface="DaunPenh"/>
+        <a:font script="Knda" typeface="Tunga"/>
+        <a:font script="Guru" typeface="Raavi"/>
+        <a:font script="Cans" typeface="Euphemia"/>
+        <a:font script="Cher" typeface="Plantagenet Cherokee"/>
+        <a:font script="Yiii" typeface="Microsoft Yi Baiti"/>
+        <a:font script="Tibt" typeface="Microsoft Himalaya"/>
+        <a:font script="Thaa" typeface="MV Boli"/>
+        <a:font script="Deva" typeface="Mangal"/>
+        <a:font script="Telu" typeface="Gautami"/>
+        <a:font script="Taml" typeface="Latha"/>
+        <a:font script="Syrc" typeface="Estrangelo Edessa"/>
+        <a:font script="Orya" typeface="Kalinga"/>
+        <a:font script="Mlym" typeface="Kartika"/>
+        <a:font script="Laoo" typeface="DokChampa"/>
+        <a:font script="Sinh" typeface="Iskoola Pota"/>
+        <a:font script="Mong" typeface="Mongolian Baiti"/>
+        <a:font script="Viet" typeface="Arial"/>
+        <a:font script="Uigh" typeface="Microsoft Uighur"/>
+        <a:font script="Geor" typeface="Sylfaen"/>
+      </a:minorFont>
+    </a:fontScheme>
+    <a:fmtScheme name="Office">
+      <a:fillStyleLst>
+        <a:solidFill>
+          <a:schemeClr val="phClr"/>
+        </a:solidFill>
+        <a:gradFill rotWithShape="1">
+          <a:gsLst>
+            <a:gs pos="0">
+              <a:schemeClr val="phClr">
+                <a:tint val="50000"/>
+                <a:satMod val="300000"/>
+              </a:schemeClr>
+            </a:gs>
+            <a:gs pos="35000">
+              <a:schemeClr val="phClr">
+                <a:tint val="37000"/>
+                <a:satMod val="300000"/>
+              </a:schemeClr>
+            </a:gs>
+            <a:gs pos="100000">
+              <a:schemeClr val="phClr">
+                <a:tint val="15000"/>
+                <a:satMod val="350000"/>
+              </a:schemeClr>
+            </a:gs>
+          </a:gsLst>
+          <a:lin ang="16200000" scaled="1"/>
+        </a:gradFill>
+        <a:gradFill rotWithShape="1">
+          <a:gsLst>
+            <a:gs pos="0">
+              <a:schemeClr val="phClr">
+                <a:tint val="100000"/>
+                <a:shade val="100000"/>
+                <a:satMod val="130000"/>
+              </a:schemeClr>
+            </a:gs>
+            <a:gs pos="100000">
+              <a:schemeClr val="phClr">
+                <a:tint val="50000"/>
+                <a:shade val="100000"/>
+                <a:satMod val="350000"/>
+              </a:schemeClr>
+            </a:gs>
+          </a:gsLst>
+          <a:lin ang="16200000" scaled="0"/>
+        </a:gradFill>
+      </a:fillStyleLst>
+      <a:lnStyleLst>
+        <a:ln w="9525" cap="flat" cmpd="sng" algn="ctr">
+          <a:solidFill>
+            <a:schemeClr val="phClr">
+              <a:shade val="95000"/>
+              <a:satMod val="105000"/>
+            </a:schemeClr>
+          </a:solidFill>
+          <a:prstDash val="solid"/>
+        </a:ln>
+        <a:ln w="25400" cap="flat" cmpd="sng" algn="ctr">
+          <a:solidFill>
+            <a:schemeClr val="phClr"/>
+          </a:solidFill>
+          <a:prstDash val="solid"/>
+        </a:ln>
+        <a:ln w="38100" cap="flat" cmpd="sng" algn="ctr">
+          <a:solidFill>
+            <a:schemeClr val="phClr"/>
+          </a:solidFill>
+          <a:prstDash val="solid"/>
+        </a:ln>
+      </a:lnStyleLst>
+      <a:effectStyleLst>
+        <a:effectStyle>
+          <a:effectLst>
+            <a:outerShdw blurRad="40000" dist="20000" dir="5400000" rotWithShape="0">
+              <a:srgbClr val="000000">
+                <a:alpha val="38000"/>
+              </a:srgbClr>
+            </a:outerShdw>
+          </a:effectLst>
+        </a:effectStyle>
+        <a:effectStyle>
+          <a:effectLst>
+            <a:outerShdw blurRad="40000" dist="23000" dir="5400000" rotWithShape="0">
+              <a:srgbClr val="000000">
+                <a:alpha val="35000"/>
+              </a:srgbClr>
+            </a:outerShdw>
+          </a:effectLst>
+        </a:effectStyle>
+        <a:effectStyle>
+          <a:effectLst>
+            <a:outerShdw blurRad="40000" dist="23000" dir="5400000" rotWithShape="0">
+              <a:srgbClr val="000000">
+                <a:alpha val="35000"/>
+              </a:srgbClr>
+            </a:outerShdw>
+          </a:effectLst>
+          <a:scene3d>
+            <a:camera prst="orthographicFront">
+              <a:rot lat="0" lon="0" rev="0"/>
+            </a:camera>
+            <a:lightRig rig="threePt" dir="t">
+              <a:rot lat="0" lon="0" rev="1200000"/>
+            </a:lightRig>
+          </a:scene3d>
+          <a:sp3d>
+            <a:bevelT w="63500" h="25400"/>
+          </a:sp3d>
+        </a:effectStyle>
+      </a:effectStyleLst>
+      <a:bgFillStyleLst>
+        <a:solidFill>
+          <a:schemeClr val="phClr"/>
+        </a:solidFill>
+        <a:gradFill rotWithShape="1">
+          <a:gsLst>
+            <a:gs pos="0">
+              <a:schemeClr val="phClr">
+                <a:tint val="40000"/>
+                <a:satMod val="350000"/>
+              </a:schemeClr>
+            </a:gs>
+            <a:gs pos="40000">
+              <a:schemeClr val="phClr">
+                <a:tint val="45000"/>
+                <a:shade val="99000"/>
+                <a:satMod val="350000"/>
+              </a:schemeClr>
+            </a:gs>
+            <a:gs pos="100000">
+              <a:schemeClr val="phClr">
+                <a:shade val="20000"/>
+                <a:satMod val="255000"/>
+              </a:schemeClr>
+            </a:gs>
+          </a:gsLst>
+          <a:path path="circle">
+            <a:fillToRect l="50000" t="-80000" r="50000" b="180000"/>
+          </a:path>
+        </a:gradFill>
+        <a:gradFill rotWithShape="1">
+          <a:gsLst>
+            <a:gs pos="0">
+              <a:schemeClr val="phClr">
+                <a:tint val="80000"/>
+                <a:satMod val="300000"/>
+              </a:schemeClr>
+            </a:gs>
+            <a:gs pos="100000">
+              <a:schemeClr val="phClr">
+                <a:shade val="30000"/>
+                <a:satMod val="200000"/>
+              </a:schemeClr>
+            </a:gs>
+          </a:gsLst>
+          <a:path path="circle">
+            <a:fillToRect l="50000" t="50000" r="50000" b="50000"/>
+          </a:path>
+        </a:gradFill>
+      </a:bgFillStyleLst>
+    </a:fmtScheme>
+  </a:themeElements>
+  <a:objectDefaults/>
+  <a:extraClrSchemeLst/>
+</a:theme>
+</file>
+
+<file path=ppt/theme/theme2.xml><?xml version="1.0" encoding="utf-8"?>
+<a:theme xmlns:a="http://schemas.openxmlformats.org/drawingml/2006/main">
   <a:themeElements>
     <a:clrScheme name="Default">
       <a:dk1>
@@ -17124,284 +18253,7 @@
       </a:bgFillStyleLst>
     </a:fmtScheme>
   </a:themeElements>
-</a:theme>
-</file>
-
-<file path=ppt/theme/theme2.xml><?xml version="1.0" encoding="utf-8"?>
-<a:theme xmlns:a="http://schemas.openxmlformats.org/drawingml/2006/main" xmlns:r="http://schemas.openxmlformats.org/officeDocument/2006/relationships" name="Badge">
-  <a:themeElements>
-    <a:clrScheme name="Badge">
-      <a:dk1>
-        <a:srgbClr val="000000"/>
-      </a:dk1>
-      <a:lt1>
-        <a:srgbClr val="FFFFFF"/>
-      </a:lt1>
-      <a:dk2>
-        <a:srgbClr val="171312"/>
-      </a:dk2>
-      <a:lt2>
-        <a:srgbClr val="F7F0DF"/>
-      </a:lt2>
-      <a:accent1>
-        <a:srgbClr val="53AE6E"/>
-      </a:accent1>
-      <a:accent2>
-        <a:srgbClr val="326267"/>
-      </a:accent2>
-      <a:accent3>
-        <a:srgbClr val="C5C34A"/>
-      </a:accent3>
-      <a:accent4>
-        <a:srgbClr val="BF6546"/>
-      </a:accent4>
-      <a:accent5>
-        <a:srgbClr val="81B5A8"/>
-      </a:accent5>
-      <a:accent6>
-        <a:srgbClr val="636455"/>
-      </a:accent6>
-      <a:hlink>
-        <a:srgbClr val="81B5A8"/>
-      </a:hlink>
-      <a:folHlink>
-        <a:srgbClr val="936888"/>
-      </a:folHlink>
-    </a:clrScheme>
-    <a:fontScheme name="Office">
-      <a:majorFont>
-        <a:latin typeface="Arial"/>
-        <a:ea typeface=""/>
-        <a:cs typeface=""/>
-        <a:font script="Jpan" typeface="ＭＳ Ｐゴシック"/>
-        <a:font script="Hang" typeface="맑은 고딕"/>
-        <a:font script="Hans" typeface="宋体"/>
-        <a:font script="Hant" typeface="新細明體"/>
-        <a:font script="Arab" typeface="Times New Roman"/>
-        <a:font script="Hebr" typeface="Times New Roman"/>
-        <a:font script="Thai" typeface="Angsana New"/>
-        <a:font script="Ethi" typeface="Nyala"/>
-        <a:font script="Beng" typeface="Vrinda"/>
-        <a:font script="Gujr" typeface="Shruti"/>
-        <a:font script="Khmr" typeface="MoolBoran"/>
-        <a:font script="Knda" typeface="Tunga"/>
-        <a:font script="Guru" typeface="Raavi"/>
-        <a:font script="Cans" typeface="Euphemia"/>
-        <a:font script="Cher" typeface="Plantagenet Cherokee"/>
-        <a:font script="Yiii" typeface="Microsoft Yi Baiti"/>
-        <a:font script="Tibt" typeface="Microsoft Himalaya"/>
-        <a:font script="Thaa" typeface="MV Boli"/>
-        <a:font script="Deva" typeface="Mangal"/>
-        <a:font script="Telu" typeface="Gautami"/>
-        <a:font script="Taml" typeface="Latha"/>
-        <a:font script="Syrc" typeface="Estrangelo Edessa"/>
-        <a:font script="Orya" typeface="Kalinga"/>
-        <a:font script="Mlym" typeface="Kartika"/>
-        <a:font script="Laoo" typeface="DokChampa"/>
-        <a:font script="Sinh" typeface="Iskoola Pota"/>
-        <a:font script="Mong" typeface="Mongolian Baiti"/>
-        <a:font script="Viet" typeface="Times New Roman"/>
-        <a:font script="Uigh" typeface="Microsoft Uighur"/>
-        <a:font script="Geor" typeface="Sylfaen"/>
-      </a:majorFont>
-      <a:minorFont>
-        <a:latin typeface="Arial"/>
-        <a:ea typeface=""/>
-        <a:cs typeface=""/>
-        <a:font script="Jpan" typeface="ＭＳ Ｐゴシック"/>
-        <a:font script="Hang" typeface="맑은 고딕"/>
-        <a:font script="Hans" typeface="宋体"/>
-        <a:font script="Hant" typeface="新細明體"/>
-        <a:font script="Arab" typeface="Arial"/>
-        <a:font script="Hebr" typeface="Arial"/>
-        <a:font script="Thai" typeface="Cordia New"/>
-        <a:font script="Ethi" typeface="Nyala"/>
-        <a:font script="Beng" typeface="Vrinda"/>
-        <a:font script="Gujr" typeface="Shruti"/>
-        <a:font script="Khmr" typeface="DaunPenh"/>
-        <a:font script="Knda" typeface="Tunga"/>
-        <a:font script="Guru" typeface="Raavi"/>
-        <a:font script="Cans" typeface="Euphemia"/>
-        <a:font script="Cher" typeface="Plantagenet Cherokee"/>
-        <a:font script="Yiii" typeface="Microsoft Yi Baiti"/>
-        <a:font script="Tibt" typeface="Microsoft Himalaya"/>
-        <a:font script="Thaa" typeface="MV Boli"/>
-        <a:font script="Deva" typeface="Mangal"/>
-        <a:font script="Telu" typeface="Gautami"/>
-        <a:font script="Taml" typeface="Latha"/>
-        <a:font script="Syrc" typeface="Estrangelo Edessa"/>
-        <a:font script="Orya" typeface="Kalinga"/>
-        <a:font script="Mlym" typeface="Kartika"/>
-        <a:font script="Laoo" typeface="DokChampa"/>
-        <a:font script="Sinh" typeface="Iskoola Pota"/>
-        <a:font script="Mong" typeface="Mongolian Baiti"/>
-        <a:font script="Viet" typeface="Arial"/>
-        <a:font script="Uigh" typeface="Microsoft Uighur"/>
-        <a:font script="Geor" typeface="Sylfaen"/>
-      </a:minorFont>
-    </a:fontScheme>
-    <a:fmtScheme name="Office">
-      <a:fillStyleLst>
-        <a:solidFill>
-          <a:schemeClr val="phClr"/>
-        </a:solidFill>
-        <a:gradFill rotWithShape="1">
-          <a:gsLst>
-            <a:gs pos="0">
-              <a:schemeClr val="phClr">
-                <a:tint val="50000"/>
-                <a:satMod val="300000"/>
-              </a:schemeClr>
-            </a:gs>
-            <a:gs pos="35000">
-              <a:schemeClr val="phClr">
-                <a:tint val="37000"/>
-                <a:satMod val="300000"/>
-              </a:schemeClr>
-            </a:gs>
-            <a:gs pos="100000">
-              <a:schemeClr val="phClr">
-                <a:tint val="15000"/>
-                <a:satMod val="350000"/>
-              </a:schemeClr>
-            </a:gs>
-          </a:gsLst>
-          <a:lin ang="16200000" scaled="1"/>
-        </a:gradFill>
-        <a:gradFill rotWithShape="1">
-          <a:gsLst>
-            <a:gs pos="0">
-              <a:schemeClr val="phClr">
-                <a:tint val="100000"/>
-                <a:shade val="100000"/>
-                <a:satMod val="130000"/>
-              </a:schemeClr>
-            </a:gs>
-            <a:gs pos="100000">
-              <a:schemeClr val="phClr">
-                <a:tint val="50000"/>
-                <a:shade val="100000"/>
-                <a:satMod val="350000"/>
-              </a:schemeClr>
-            </a:gs>
-          </a:gsLst>
-          <a:lin ang="16200000" scaled="0"/>
-        </a:gradFill>
-      </a:fillStyleLst>
-      <a:lnStyleLst>
-        <a:ln w="9525" cap="flat" cmpd="sng" algn="ctr">
-          <a:solidFill>
-            <a:schemeClr val="phClr">
-              <a:shade val="95000"/>
-              <a:satMod val="105000"/>
-            </a:schemeClr>
-          </a:solidFill>
-          <a:prstDash val="solid"/>
-        </a:ln>
-        <a:ln w="25400" cap="flat" cmpd="sng" algn="ctr">
-          <a:solidFill>
-            <a:schemeClr val="phClr"/>
-          </a:solidFill>
-          <a:prstDash val="solid"/>
-        </a:ln>
-        <a:ln w="38100" cap="flat" cmpd="sng" algn="ctr">
-          <a:solidFill>
-            <a:schemeClr val="phClr"/>
-          </a:solidFill>
-          <a:prstDash val="solid"/>
-        </a:ln>
-      </a:lnStyleLst>
-      <a:effectStyleLst>
-        <a:effectStyle>
-          <a:effectLst>
-            <a:outerShdw blurRad="40000" dist="20000" dir="5400000" rotWithShape="0">
-              <a:srgbClr val="000000">
-                <a:alpha val="38000"/>
-              </a:srgbClr>
-            </a:outerShdw>
-          </a:effectLst>
-        </a:effectStyle>
-        <a:effectStyle>
-          <a:effectLst>
-            <a:outerShdw blurRad="40000" dist="23000" dir="5400000" rotWithShape="0">
-              <a:srgbClr val="000000">
-                <a:alpha val="35000"/>
-              </a:srgbClr>
-            </a:outerShdw>
-          </a:effectLst>
-        </a:effectStyle>
-        <a:effectStyle>
-          <a:effectLst>
-            <a:outerShdw blurRad="40000" dist="23000" dir="5400000" rotWithShape="0">
-              <a:srgbClr val="000000">
-                <a:alpha val="35000"/>
-              </a:srgbClr>
-            </a:outerShdw>
-          </a:effectLst>
-          <a:scene3d>
-            <a:camera prst="orthographicFront">
-              <a:rot lat="0" lon="0" rev="0"/>
-            </a:camera>
-            <a:lightRig rig="threePt" dir="t">
-              <a:rot lat="0" lon="0" rev="1200000"/>
-            </a:lightRig>
-          </a:scene3d>
-          <a:sp3d>
-            <a:bevelT w="63500" h="25400"/>
-          </a:sp3d>
-        </a:effectStyle>
-      </a:effectStyleLst>
-      <a:bgFillStyleLst>
-        <a:solidFill>
-          <a:schemeClr val="phClr"/>
-        </a:solidFill>
-        <a:gradFill rotWithShape="1">
-          <a:gsLst>
-            <a:gs pos="0">
-              <a:schemeClr val="phClr">
-                <a:tint val="40000"/>
-                <a:satMod val="350000"/>
-              </a:schemeClr>
-            </a:gs>
-            <a:gs pos="40000">
-              <a:schemeClr val="phClr">
-                <a:tint val="45000"/>
-                <a:shade val="99000"/>
-                <a:satMod val="350000"/>
-              </a:schemeClr>
-            </a:gs>
-            <a:gs pos="100000">
-              <a:schemeClr val="phClr">
-                <a:shade val="20000"/>
-                <a:satMod val="255000"/>
-              </a:schemeClr>
-            </a:gs>
-          </a:gsLst>
-          <a:path path="circle">
-            <a:fillToRect l="50000" t="-80000" r="50000" b="180000"/>
-          </a:path>
-        </a:gradFill>
-        <a:gradFill rotWithShape="1">
-          <a:gsLst>
-            <a:gs pos="0">
-              <a:schemeClr val="phClr">
-                <a:tint val="80000"/>
-                <a:satMod val="300000"/>
-              </a:schemeClr>
-            </a:gs>
-            <a:gs pos="100000">
-              <a:schemeClr val="phClr">
-                <a:shade val="30000"/>
-                <a:satMod val="200000"/>
-              </a:schemeClr>
-            </a:gs>
-          </a:gsLst>
-          <a:path path="circle">
-            <a:fillToRect l="50000" t="50000" r="50000" b="50000"/>
-          </a:path>
-        </a:gradFill>
-      </a:bgFillStyleLst>
-    </a:fmtScheme>
-  </a:themeElements>
+  <a:objectDefaults/>
+  <a:extraClrSchemeLst/>
 </a:theme>
 </file>
--- a/13-15-05-2020/EXPERIMENTS_Marc_Rios.pptx
+++ b/13-15-05-2020/EXPERIMENTS_Marc_Rios.pptx
@@ -5,7 +5,7 @@
     <p:sldMasterId id="2147483648" r:id="rId1"/>
   </p:sldMasterIdLst>
   <p:notesMasterIdLst>
-    <p:notesMasterId r:id="rId10"/>
+    <p:notesMasterId r:id="rId11"/>
   </p:notesMasterIdLst>
   <p:sldIdLst>
     <p:sldId id="256" r:id="rId2"/>
@@ -14,20 +14,21 @@
     <p:sldId id="259" r:id="rId5"/>
     <p:sldId id="260" r:id="rId6"/>
     <p:sldId id="261" r:id="rId7"/>
-    <p:sldId id="262" r:id="rId8"/>
-    <p:sldId id="263" r:id="rId9"/>
+    <p:sldId id="264" r:id="rId8"/>
+    <p:sldId id="262" r:id="rId9"/>
+    <p:sldId id="263" r:id="rId10"/>
   </p:sldIdLst>
   <p:sldSz cx="12192000" cy="6858000"/>
   <p:notesSz cx="6858000" cy="9144000"/>
   <p:embeddedFontLst>
     <p:embeddedFont>
-      <p:font typeface="Gill Sans" panose="020B0604020202020204" charset="0"/>
-      <p:regular r:id="rId11"/>
-      <p:bold r:id="rId12"/>
+      <p:font typeface="Impact" panose="020B0806030902050204" pitchFamily="34" charset="0"/>
+      <p:regular r:id="rId12"/>
     </p:embeddedFont>
     <p:embeddedFont>
-      <p:font typeface="Impact" panose="020B0806030902050204" pitchFamily="34" charset="0"/>
+      <p:font typeface="Gill Sans" panose="020B0604020202020204" charset="0"/>
       <p:regular r:id="rId13"/>
+      <p:bold r:id="rId14"/>
     </p:embeddedFont>
   </p:embeddedFontLst>
   <p:defaultTextStyle>
@@ -260,6 +261,9 @@
     </a:lvl9pPr>
   </p:defaultTextStyle>
   <p:extLst>
+    <p:ext uri="{EFAFB233-063F-42B5-8137-9DF3F51BA10A}">
+      <p15:sldGuideLst xmlns:p15="http://schemas.microsoft.com/office/powerpoint/2012/main"/>
+    </p:ext>
     <p:ext uri="http://customooxmlschemas.google.com/">
       <go:slidesCustomData xmlns:go="http://customooxmlschemas.google.com/" xmlns:p15="http://schemas.microsoft.com/office/powerpoint/2012/main" xmlns:p14="http://schemas.microsoft.com/office/powerpoint/2010/main" xmlns:com="http://schemas.openxmlformats.org/drawingml/2006/compatibility" xmlns:pvml="urn:schemas-microsoft-com:office:powerpoint" xmlns:v="urn:schemas-microsoft-com:vml" xmlns:o="urn:schemas-microsoft-com:office:office" xmlns:dgm="http://schemas.openxmlformats.org/drawingml/2006/diagram" xmlns:c="http://schemas.openxmlformats.org/drawingml/2006/chart" xmlns:mv="urn:schemas-microsoft-com:mac:vml" xmlns:mc="http://schemas.openxmlformats.org/markup-compatibility/2006" xmlns="" r:id="rId15" roundtripDataSignature="AMtx7mgvbT2buEx5iWy6Fjj57lzKVqGT1w=="/>
     </p:ext>
@@ -1350,7 +1354,7 @@
               </a:spcAft>
               <a:buNone/>
             </a:pPr>
-            <a:endParaRPr/>
+            <a:endParaRPr dirty="0"/>
           </a:p>
         </p:txBody>
       </p:sp>
@@ -1368,6 +1372,115 @@
 </file>
 
 <file path=ppt/notesSlides/notesSlide7.xml><?xml version="1.0" encoding="utf-8"?>
+<p:notes xmlns:a="http://schemas.openxmlformats.org/drawingml/2006/main" xmlns:r="http://schemas.openxmlformats.org/officeDocument/2006/relationships" xmlns:p="http://schemas.openxmlformats.org/presentationml/2006/main" showMasterSp="0" showMasterPhAnim="0">
+  <p:cSld>
+    <p:spTree>
+      <p:nvGrpSpPr>
+        <p:cNvPr id="1" name="Shape 125"/>
+        <p:cNvGrpSpPr/>
+        <p:nvPr/>
+      </p:nvGrpSpPr>
+      <p:grpSpPr>
+        <a:xfrm>
+          <a:off x="0" y="0"/>
+          <a:ext cx="0" cy="0"/>
+          <a:chOff x="0" y="0"/>
+          <a:chExt cx="0" cy="0"/>
+        </a:xfrm>
+      </p:grpSpPr>
+      <p:sp>
+        <p:nvSpPr>
+          <p:cNvPr id="126" name="Google Shape;126;g7767cbbf3f_3_5:notes"/>
+          <p:cNvSpPr>
+            <a:spLocks noGrp="1" noRot="1" noChangeAspect="1"/>
+          </p:cNvSpPr>
+          <p:nvPr>
+            <p:ph type="sldImg" idx="2"/>
+          </p:nvPr>
+        </p:nvSpPr>
+        <p:spPr>
+          <a:xfrm>
+            <a:off x="381000" y="685800"/>
+            <a:ext cx="6096000" cy="3429000"/>
+          </a:xfrm>
+          <a:custGeom>
+            <a:avLst/>
+            <a:gdLst/>
+            <a:ahLst/>
+            <a:cxnLst/>
+            <a:rect l="l" t="t" r="r" b="b"/>
+            <a:pathLst>
+              <a:path w="120000" h="120000" extrusionOk="0">
+                <a:moveTo>
+                  <a:pt x="0" y="0"/>
+                </a:moveTo>
+                <a:lnTo>
+                  <a:pt x="120000" y="0"/>
+                </a:lnTo>
+                <a:lnTo>
+                  <a:pt x="120000" y="120000"/>
+                </a:lnTo>
+                <a:lnTo>
+                  <a:pt x="0" y="120000"/>
+                </a:lnTo>
+                <a:close/>
+              </a:path>
+            </a:pathLst>
+          </a:custGeom>
+        </p:spPr>
+      </p:sp>
+      <p:sp>
+        <p:nvSpPr>
+          <p:cNvPr id="127" name="Google Shape;127;g7767cbbf3f_3_5:notes"/>
+          <p:cNvSpPr txBox="1">
+            <a:spLocks noGrp="1"/>
+          </p:cNvSpPr>
+          <p:nvPr>
+            <p:ph type="body" idx="1"/>
+          </p:nvPr>
+        </p:nvSpPr>
+        <p:spPr>
+          <a:xfrm>
+            <a:off x="685800" y="4343400"/>
+            <a:ext cx="5486400" cy="4114800"/>
+          </a:xfrm>
+          <a:prstGeom prst="rect">
+            <a:avLst/>
+          </a:prstGeom>
+        </p:spPr>
+        <p:txBody>
+          <a:bodyPr spcFirstLastPara="1" wrap="square" lIns="91425" tIns="91425" rIns="91425" bIns="91425" anchor="t" anchorCtr="0">
+            <a:noAutofit/>
+          </a:bodyPr>
+          <a:lstStyle/>
+          <a:p>
+            <a:pPr marL="0" lvl="0" indent="0" algn="l" rtl="0">
+              <a:spcBef>
+                <a:spcPts val="0"/>
+              </a:spcBef>
+              <a:spcAft>
+                <a:spcPts val="0"/>
+              </a:spcAft>
+              <a:buNone/>
+            </a:pPr>
+            <a:endParaRPr dirty="0"/>
+          </a:p>
+        </p:txBody>
+      </p:sp>
+    </p:spTree>
+    <p:extLst>
+      <p:ext uri="{BB962C8B-B14F-4D97-AF65-F5344CB8AC3E}">
+        <p14:creationId xmlns:p14="http://schemas.microsoft.com/office/powerpoint/2010/main" val="2945783187"/>
+      </p:ext>
+    </p:extLst>
+  </p:cSld>
+  <p:clrMapOvr>
+    <a:masterClrMapping/>
+  </p:clrMapOvr>
+</p:notes>
+</file>
+
+<file path=ppt/notesSlides/notesSlide8.xml><?xml version="1.0" encoding="utf-8"?>
 <p:notes xmlns:a="http://schemas.openxmlformats.org/drawingml/2006/main" xmlns:r="http://schemas.openxmlformats.org/officeDocument/2006/relationships" xmlns:p="http://schemas.openxmlformats.org/presentationml/2006/main" showMasterSp="0" showMasterPhAnim="0">
   <p:cSld>
     <p:spTree>
@@ -1459,7 +1572,7 @@
               </a:spcAft>
               <a:buNone/>
             </a:pPr>
-            <a:endParaRPr/>
+            <a:endParaRPr dirty="0"/>
           </a:p>
         </p:txBody>
       </p:sp>
@@ -1476,7 +1589,7 @@
 </p:notes>
 </file>
 
-<file path=ppt/notesSlides/notesSlide8.xml><?xml version="1.0" encoding="utf-8"?>
+<file path=ppt/notesSlides/notesSlide9.xml><?xml version="1.0" encoding="utf-8"?>
 <p:notes xmlns:a="http://schemas.openxmlformats.org/drawingml/2006/main" xmlns:r="http://schemas.openxmlformats.org/officeDocument/2006/relationships" xmlns:p="http://schemas.openxmlformats.org/presentationml/2006/main" showMasterSp="0" showMasterPhAnim="0">
   <p:cSld>
     <p:spTree>
@@ -1568,7 +1681,7 @@
               </a:spcAft>
               <a:buNone/>
             </a:pPr>
-            <a:endParaRPr/>
+            <a:endParaRPr dirty="0"/>
           </a:p>
         </p:txBody>
       </p:sp>
@@ -3089,7 +3202,7 @@
             </a:lvl9pPr>
           </a:lstStyle>
           <a:p>
-            <a:endParaRPr/>
+            <a:endParaRPr dirty="0"/>
           </a:p>
         </p:txBody>
       </p:sp>
@@ -3226,7 +3339,7 @@
             </a:lvl9pPr>
           </a:lstStyle>
           <a:p>
-            <a:endParaRPr/>
+            <a:endParaRPr dirty="0"/>
           </a:p>
         </p:txBody>
       </p:sp>
@@ -3408,7 +3521,7 @@
               <a:rPr lang="es-ES"/>
               <a:t>‹Nº›</a:t>
             </a:fld>
-            <a:endParaRPr/>
+            <a:endParaRPr dirty="0"/>
           </a:p>
         </p:txBody>
       </p:sp>
@@ -3448,7 +3561,7 @@
               </a:spcAft>
               <a:buNone/>
             </a:pPr>
-            <a:endParaRPr/>
+            <a:endParaRPr dirty="0"/>
           </a:p>
         </p:txBody>
       </p:sp>
@@ -3905,7 +4018,7 @@
             </a:lvl9pPr>
           </a:lstStyle>
           <a:p>
-            <a:endParaRPr/>
+            <a:endParaRPr dirty="0"/>
           </a:p>
         </p:txBody>
       </p:sp>
@@ -4038,7 +4151,7 @@
             </a:lvl9pPr>
           </a:lstStyle>
           <a:p>
-            <a:endParaRPr/>
+            <a:endParaRPr dirty="0"/>
           </a:p>
         </p:txBody>
       </p:sp>
@@ -4148,7 +4261,7 @@
               <a:rPr lang="es-ES"/>
               <a:t>‹Nº›</a:t>
             </a:fld>
-            <a:endParaRPr/>
+            <a:endParaRPr dirty="0"/>
           </a:p>
         </p:txBody>
       </p:sp>
@@ -4605,7 +4718,7 @@
             </a:lvl9pPr>
           </a:lstStyle>
           <a:p>
-            <a:endParaRPr/>
+            <a:endParaRPr dirty="0"/>
           </a:p>
         </p:txBody>
       </p:sp>
@@ -4738,7 +4851,7 @@
             </a:lvl9pPr>
           </a:lstStyle>
           <a:p>
-            <a:endParaRPr/>
+            <a:endParaRPr dirty="0"/>
           </a:p>
         </p:txBody>
       </p:sp>
@@ -4848,7 +4961,7 @@
               <a:rPr lang="es-ES"/>
               <a:t>‹Nº›</a:t>
             </a:fld>
-            <a:endParaRPr/>
+            <a:endParaRPr dirty="0"/>
           </a:p>
         </p:txBody>
       </p:sp>
@@ -5305,7 +5418,7 @@
             </a:lvl9pPr>
           </a:lstStyle>
           <a:p>
-            <a:endParaRPr/>
+            <a:endParaRPr dirty="0"/>
           </a:p>
         </p:txBody>
       </p:sp>
@@ -5438,7 +5551,7 @@
             </a:lvl9pPr>
           </a:lstStyle>
           <a:p>
-            <a:endParaRPr/>
+            <a:endParaRPr dirty="0"/>
           </a:p>
         </p:txBody>
       </p:sp>
@@ -5548,7 +5661,7 @@
               <a:rPr lang="es-ES"/>
               <a:t>‹Nº›</a:t>
             </a:fld>
-            <a:endParaRPr/>
+            <a:endParaRPr dirty="0"/>
           </a:p>
         </p:txBody>
       </p:sp>
@@ -6058,7 +6171,7 @@
             </a:lvl9pPr>
           </a:lstStyle>
           <a:p>
-            <a:endParaRPr/>
+            <a:endParaRPr dirty="0"/>
           </a:p>
         </p:txBody>
       </p:sp>
@@ -6195,7 +6308,7 @@
             </a:lvl9pPr>
           </a:lstStyle>
           <a:p>
-            <a:endParaRPr/>
+            <a:endParaRPr dirty="0"/>
           </a:p>
         </p:txBody>
       </p:sp>
@@ -6377,7 +6490,7 @@
               <a:rPr lang="es-ES"/>
               <a:t>‹Nº›</a:t>
             </a:fld>
-            <a:endParaRPr/>
+            <a:endParaRPr dirty="0"/>
           </a:p>
         </p:txBody>
       </p:sp>
@@ -7929,7 +8042,7 @@
             </a:lvl9pPr>
           </a:lstStyle>
           <a:p>
-            <a:endParaRPr/>
+            <a:endParaRPr dirty="0"/>
           </a:p>
         </p:txBody>
       </p:sp>
@@ -8062,7 +8175,7 @@
             </a:lvl9pPr>
           </a:lstStyle>
           <a:p>
-            <a:endParaRPr/>
+            <a:endParaRPr dirty="0"/>
           </a:p>
         </p:txBody>
       </p:sp>
@@ -8172,7 +8285,7 @@
               <a:rPr lang="es-ES"/>
               <a:t>‹Nº›</a:t>
             </a:fld>
-            <a:endParaRPr/>
+            <a:endParaRPr dirty="0"/>
           </a:p>
         </p:txBody>
       </p:sp>
@@ -9117,7 +9230,7 @@
             </a:lvl9pPr>
           </a:lstStyle>
           <a:p>
-            <a:endParaRPr/>
+            <a:endParaRPr dirty="0"/>
           </a:p>
         </p:txBody>
       </p:sp>
@@ -9250,7 +9363,7 @@
             </a:lvl9pPr>
           </a:lstStyle>
           <a:p>
-            <a:endParaRPr/>
+            <a:endParaRPr dirty="0"/>
           </a:p>
         </p:txBody>
       </p:sp>
@@ -9360,7 +9473,7 @@
               <a:rPr lang="es-ES"/>
               <a:t>‹Nº›</a:t>
             </a:fld>
-            <a:endParaRPr/>
+            <a:endParaRPr dirty="0"/>
           </a:p>
         </p:txBody>
       </p:sp>
@@ -9657,7 +9770,7 @@
             </a:lvl9pPr>
           </a:lstStyle>
           <a:p>
-            <a:endParaRPr/>
+            <a:endParaRPr dirty="0"/>
           </a:p>
         </p:txBody>
       </p:sp>
@@ -9790,7 +9903,7 @@
             </a:lvl9pPr>
           </a:lstStyle>
           <a:p>
-            <a:endParaRPr/>
+            <a:endParaRPr dirty="0"/>
           </a:p>
         </p:txBody>
       </p:sp>
@@ -9900,7 +10013,7 @@
               <a:rPr lang="es-ES"/>
               <a:t>‹Nº›</a:t>
             </a:fld>
-            <a:endParaRPr/>
+            <a:endParaRPr dirty="0"/>
           </a:p>
         </p:txBody>
       </p:sp>
@@ -10058,7 +10171,7 @@
             </a:lvl9pPr>
           </a:lstStyle>
           <a:p>
-            <a:endParaRPr/>
+            <a:endParaRPr dirty="0"/>
           </a:p>
         </p:txBody>
       </p:sp>
@@ -10191,7 +10304,7 @@
             </a:lvl9pPr>
           </a:lstStyle>
           <a:p>
-            <a:endParaRPr/>
+            <a:endParaRPr dirty="0"/>
           </a:p>
         </p:txBody>
       </p:sp>
@@ -10301,7 +10414,7 @@
               <a:rPr lang="es-ES"/>
               <a:t>‹Nº›</a:t>
             </a:fld>
-            <a:endParaRPr/>
+            <a:endParaRPr dirty="0"/>
           </a:p>
         </p:txBody>
       </p:sp>
@@ -11388,7 +11501,7 @@
             </a:lvl9pPr>
           </a:lstStyle>
           <a:p>
-            <a:endParaRPr/>
+            <a:endParaRPr dirty="0"/>
           </a:p>
         </p:txBody>
       </p:sp>
@@ -11521,7 +11634,7 @@
             </a:lvl9pPr>
           </a:lstStyle>
           <a:p>
-            <a:endParaRPr/>
+            <a:endParaRPr dirty="0"/>
           </a:p>
         </p:txBody>
       </p:sp>
@@ -11631,7 +11744,7 @@
               <a:rPr lang="es-ES"/>
               <a:t>‹Nº›</a:t>
             </a:fld>
-            <a:endParaRPr/>
+            <a:endParaRPr dirty="0"/>
           </a:p>
         </p:txBody>
       </p:sp>
@@ -11671,7 +11784,7 @@
               </a:spcAft>
               <a:buNone/>
             </a:pPr>
-            <a:endParaRPr/>
+            <a:endParaRPr dirty="0"/>
           </a:p>
         </p:txBody>
       </p:sp>
@@ -11975,7 +12088,7 @@
             </a:lvl9pPr>
           </a:lstStyle>
           <a:p>
-            <a:endParaRPr/>
+            <a:endParaRPr dirty="0"/>
           </a:p>
         </p:txBody>
       </p:sp>
@@ -12472,7 +12585,7 @@
               </a:spcAft>
               <a:buNone/>
             </a:pPr>
-            <a:endParaRPr/>
+            <a:endParaRPr dirty="0"/>
           </a:p>
         </p:txBody>
       </p:sp>
@@ -12917,7 +13030,7 @@
             </a:lvl9pPr>
           </a:lstStyle>
           <a:p>
-            <a:endParaRPr/>
+            <a:endParaRPr dirty="0"/>
           </a:p>
         </p:txBody>
       </p:sp>
@@ -13050,7 +13163,7 @@
             </a:lvl9pPr>
           </a:lstStyle>
           <a:p>
-            <a:endParaRPr/>
+            <a:endParaRPr dirty="0"/>
           </a:p>
         </p:txBody>
       </p:sp>
@@ -13160,7 +13273,7 @@
               <a:rPr lang="es-ES"/>
               <a:t>‹Nº›</a:t>
             </a:fld>
-            <a:endParaRPr/>
+            <a:endParaRPr dirty="0"/>
           </a:p>
         </p:txBody>
       </p:sp>
@@ -13814,7 +13927,7 @@
             </a:lvl9pPr>
           </a:lstStyle>
           <a:p>
-            <a:endParaRPr/>
+            <a:endParaRPr dirty="0"/>
           </a:p>
         </p:txBody>
       </p:sp>
@@ -14019,7 +14132,7 @@
             </a:lvl9pPr>
           </a:lstStyle>
           <a:p>
-            <a:endParaRPr/>
+            <a:endParaRPr dirty="0"/>
           </a:p>
         </p:txBody>
       </p:sp>
@@ -14201,7 +14314,7 @@
               <a:rPr lang="es-ES"/>
               <a:t>‹Nº›</a:t>
             </a:fld>
-            <a:endParaRPr/>
+            <a:endParaRPr dirty="0"/>
           </a:p>
         </p:txBody>
       </p:sp>
@@ -14701,7 +14814,7 @@
               </a:spcAft>
               <a:buNone/>
             </a:pPr>
-            <a:endParaRPr/>
+            <a:endParaRPr dirty="0"/>
           </a:p>
         </p:txBody>
       </p:sp>
@@ -15694,24 +15807,15 @@
               <a:buNone/>
             </a:pPr>
             <a:r>
-              <a:rPr lang="es-ES" sz="2400" dirty="0" err="1">
+              <a:rPr lang="es-ES" sz="2400" dirty="0">
                 <a:latin typeface="Arial"/>
                 <a:ea typeface="Arial"/>
                 <a:cs typeface="Arial"/>
                 <a:sym typeface="Arial"/>
               </a:rPr>
-              <a:t>Escriu</a:t>
+              <a:t>Escriu a continuació què és per a tu la ciència. Explica-ho amb les teves paraules. </a:t>
             </a:r>
-            <a:r>
-              <a:rPr lang="es-ES" sz="2400">
-                <a:latin typeface="Arial"/>
-                <a:ea typeface="Arial"/>
-                <a:cs typeface="Arial"/>
-                <a:sym typeface="Arial"/>
-              </a:rPr>
-              <a:t> a continuació què és per a tu la ciència. Explica-ho amb les teves paraules. </a:t>
-            </a:r>
-            <a:endParaRPr sz="2400">
+            <a:endParaRPr sz="2400" dirty="0">
               <a:latin typeface="Arial"/>
               <a:ea typeface="Arial"/>
               <a:cs typeface="Arial"/>
@@ -15758,16 +15862,39 @@
             <a:endParaRPr lang="es-ES" dirty="0" smtClean="0"/>
           </a:p>
           <a:p>
+            <a:pPr marL="114300" indent="0">
+              <a:spcBef>
+                <a:spcPts val="0"/>
+              </a:spcBef>
+              <a:buNone/>
+            </a:pPr>
             <a:r>
               <a:rPr lang="ca-ES" dirty="0"/>
-              <a:t>La ciència es la facultat dels éssers humans que ens permet explorar, conèixer, analitzar i observar, donant curs a la nostra curiositat i trobant respostes a tot el que ens puguem arribar a preguntar.</a:t>
+              <a:t>La ciència </a:t>
             </a:r>
-            <a:endParaRPr lang="es-ES" dirty="0"/>
-          </a:p>
-          <a:p>
+            <a:r>
+              <a:rPr lang="ca-ES" dirty="0" smtClean="0"/>
+              <a:t>es lo </a:t>
+            </a:r>
             <a:r>
               <a:rPr lang="ca-ES" dirty="0"/>
-              <a:t>Tenim el mètode científic que consisteix en Plantejar un problema, di una idea de com resoldrà lo, si cal fe un experiment o una proba, fe una conclusió de aquet problema y si cal tornar a fer un nou plantejament. </a:t>
+              <a:t>que nos permet explorar </a:t>
+            </a:r>
+            <a:r>
+              <a:rPr lang="ca-ES" dirty="0" smtClean="0"/>
+              <a:t>i conèixer </a:t>
+            </a:r>
+            <a:r>
+              <a:rPr lang="ca-ES" dirty="0"/>
+              <a:t>noves coses ham la ciència no i a límits ham la ciència i a que provar mes cures per les infermetats, per la nova tecnologia del futur que vindrà </a:t>
+            </a:r>
+            <a:r>
+              <a:rPr lang="ca-ES" dirty="0" smtClean="0"/>
+              <a:t>de </a:t>
+            </a:r>
+            <a:r>
+              <a:rPr lang="ca-ES" dirty="0"/>
+              <a:t>sort que tenim  el mètode científic que es plantejar un problema, fer una hipòtesis, experimentar-lo, fer una conclusió i si fa falta fer una nova hipòtesis. </a:t>
             </a:r>
             <a:endParaRPr lang="es-ES" dirty="0"/>
           </a:p>
@@ -15983,214 +16110,7 @@
                 <a:cs typeface="Arial"/>
                 <a:sym typeface="Arial"/>
               </a:rPr>
-              <a:t>Escriu</a:t>
-            </a:r>
-            <a:r>
-              <a:rPr lang="es-ES" sz="2400" dirty="0">
-                <a:latin typeface="Arial"/>
-                <a:ea typeface="Arial"/>
-                <a:cs typeface="Arial"/>
-                <a:sym typeface="Arial"/>
-              </a:rPr>
-              <a:t> a </a:t>
-            </a:r>
-            <a:r>
-              <a:rPr lang="es-ES" sz="2400" dirty="0">
-                <a:latin typeface="Arial"/>
-                <a:ea typeface="Arial"/>
-                <a:cs typeface="Arial"/>
-                <a:sym typeface="Arial"/>
-              </a:rPr>
-              <a:t>continuació</a:t>
-            </a:r>
-            <a:r>
-              <a:rPr lang="es-ES" sz="2400" dirty="0">
-                <a:latin typeface="Arial"/>
-                <a:ea typeface="Arial"/>
-                <a:cs typeface="Arial"/>
-                <a:sym typeface="Arial"/>
-              </a:rPr>
-              <a:t> que </a:t>
-            </a:r>
-            <a:r>
-              <a:rPr lang="es-ES" sz="2400" dirty="0">
-                <a:latin typeface="Arial"/>
-                <a:ea typeface="Arial"/>
-                <a:cs typeface="Arial"/>
-                <a:sym typeface="Arial"/>
-              </a:rPr>
-              <a:t>t’imagines</a:t>
-            </a:r>
-            <a:r>
-              <a:rPr lang="es-ES" sz="2400" dirty="0">
-                <a:latin typeface="Arial"/>
-                <a:ea typeface="Arial"/>
-                <a:cs typeface="Arial"/>
-                <a:sym typeface="Arial"/>
-              </a:rPr>
-              <a:t> </a:t>
-            </a:r>
-            <a:r>
-              <a:rPr lang="es-ES" sz="2400" dirty="0">
-                <a:latin typeface="Arial"/>
-                <a:ea typeface="Arial"/>
-                <a:cs typeface="Arial"/>
-                <a:sym typeface="Arial"/>
-              </a:rPr>
-              <a:t>què</a:t>
-            </a:r>
-            <a:r>
-              <a:rPr lang="es-ES" sz="2400" dirty="0">
-                <a:latin typeface="Arial"/>
-                <a:ea typeface="Arial"/>
-                <a:cs typeface="Arial"/>
-                <a:sym typeface="Arial"/>
-              </a:rPr>
-              <a:t> fa un </a:t>
-            </a:r>
-            <a:r>
-              <a:rPr lang="es-ES" sz="2400" dirty="0">
-                <a:latin typeface="Arial"/>
-                <a:ea typeface="Arial"/>
-                <a:cs typeface="Arial"/>
-                <a:sym typeface="Arial"/>
-              </a:rPr>
-              <a:t>científic</a:t>
-            </a:r>
-            <a:r>
-              <a:rPr lang="es-ES" sz="2400" dirty="0">
-                <a:latin typeface="Arial"/>
-                <a:ea typeface="Arial"/>
-                <a:cs typeface="Arial"/>
-                <a:sym typeface="Arial"/>
-              </a:rPr>
-              <a:t> en el </a:t>
-            </a:r>
-            <a:r>
-              <a:rPr lang="es-ES" sz="2400" dirty="0">
-                <a:latin typeface="Arial"/>
-                <a:ea typeface="Arial"/>
-                <a:cs typeface="Arial"/>
-                <a:sym typeface="Arial"/>
-              </a:rPr>
-              <a:t>seu</a:t>
-            </a:r>
-            <a:r>
-              <a:rPr lang="es-ES" sz="2400" dirty="0">
-                <a:latin typeface="Arial"/>
-                <a:ea typeface="Arial"/>
-                <a:cs typeface="Arial"/>
-                <a:sym typeface="Arial"/>
-              </a:rPr>
-              <a:t> </a:t>
-            </a:r>
-            <a:r>
-              <a:rPr lang="es-ES" sz="2400" dirty="0">
-                <a:latin typeface="Arial"/>
-                <a:ea typeface="Arial"/>
-                <a:cs typeface="Arial"/>
-                <a:sym typeface="Arial"/>
-              </a:rPr>
-              <a:t>dia</a:t>
-            </a:r>
-            <a:r>
-              <a:rPr lang="es-ES" sz="2400" dirty="0">
-                <a:latin typeface="Arial"/>
-                <a:ea typeface="Arial"/>
-                <a:cs typeface="Arial"/>
-                <a:sym typeface="Arial"/>
-              </a:rPr>
-              <a:t> a </a:t>
-            </a:r>
-            <a:r>
-              <a:rPr lang="es-ES" sz="2400" dirty="0">
-                <a:latin typeface="Arial"/>
-                <a:ea typeface="Arial"/>
-                <a:cs typeface="Arial"/>
-                <a:sym typeface="Arial"/>
-              </a:rPr>
-              <a:t>dia</a:t>
-            </a:r>
-            <a:r>
-              <a:rPr lang="es-ES" sz="2400" dirty="0">
-                <a:latin typeface="Arial"/>
-                <a:ea typeface="Arial"/>
-                <a:cs typeface="Arial"/>
-                <a:sym typeface="Arial"/>
-              </a:rPr>
-              <a:t>, </a:t>
-            </a:r>
-            <a:r>
-              <a:rPr lang="es-ES" sz="2400" dirty="0">
-                <a:latin typeface="Arial"/>
-                <a:ea typeface="Arial"/>
-                <a:cs typeface="Arial"/>
-                <a:sym typeface="Arial"/>
-              </a:rPr>
-              <a:t>què</a:t>
-            </a:r>
-            <a:r>
-              <a:rPr lang="es-ES" sz="2400" dirty="0">
-                <a:latin typeface="Arial"/>
-                <a:ea typeface="Arial"/>
-                <a:cs typeface="Arial"/>
-                <a:sym typeface="Arial"/>
-              </a:rPr>
-              <a:t> fa </a:t>
-            </a:r>
-            <a:r>
-              <a:rPr lang="es-ES" sz="2400" dirty="0">
-                <a:latin typeface="Arial"/>
-                <a:ea typeface="Arial"/>
-                <a:cs typeface="Arial"/>
-                <a:sym typeface="Arial"/>
-              </a:rPr>
-              <a:t>quan</a:t>
-            </a:r>
-            <a:r>
-              <a:rPr lang="es-ES" sz="2400" dirty="0">
-                <a:latin typeface="Arial"/>
-                <a:ea typeface="Arial"/>
-                <a:cs typeface="Arial"/>
-                <a:sym typeface="Arial"/>
-              </a:rPr>
-              <a:t> </a:t>
-            </a:r>
-            <a:r>
-              <a:rPr lang="es-ES" sz="2400" dirty="0">
-                <a:latin typeface="Arial"/>
-                <a:ea typeface="Arial"/>
-                <a:cs typeface="Arial"/>
-                <a:sym typeface="Arial"/>
-              </a:rPr>
-              <a:t>està</a:t>
-            </a:r>
-            <a:r>
-              <a:rPr lang="es-ES" sz="2400" dirty="0">
-                <a:latin typeface="Arial"/>
-                <a:ea typeface="Arial"/>
-                <a:cs typeface="Arial"/>
-                <a:sym typeface="Arial"/>
-              </a:rPr>
-              <a:t> al </a:t>
-            </a:r>
-            <a:r>
-              <a:rPr lang="es-ES" sz="2400" dirty="0">
-                <a:latin typeface="Arial"/>
-                <a:ea typeface="Arial"/>
-                <a:cs typeface="Arial"/>
-                <a:sym typeface="Arial"/>
-              </a:rPr>
-              <a:t>laboratori</a:t>
-            </a:r>
-            <a:r>
-              <a:rPr lang="es-ES" sz="2400" dirty="0">
-                <a:latin typeface="Arial"/>
-                <a:ea typeface="Arial"/>
-                <a:cs typeface="Arial"/>
-                <a:sym typeface="Arial"/>
-              </a:rPr>
-              <a:t>...</a:t>
+              <a:t>Escriu a continuació que t’imagines què fa un científic en el seu dia a dia, què fa quan està al laboratori...</a:t>
             </a:r>
             <a:endParaRPr sz="2400" dirty="0">
               <a:latin typeface="Arial"/>
@@ -16249,11 +16169,7 @@
             </a:r>
             <a:r>
               <a:rPr lang="ca-ES" dirty="0"/>
-              <a:t>desenvolupament  d'una cura per una malaltia, nous sistemes informàtics y mecànics, de les noves tecnologies. </a:t>
-            </a:r>
-            <a:r>
-              <a:rPr lang="ca-ES"/>
-              <a:t>No només al que mira per un microscopi es científic</a:t>
+              <a:t>desenvolupament  d'una cura per una malaltia, nous sistemes informàtics y mecànics, de les noves tecnologies. No només al que mira per un microscopi es científic</a:t>
             </a:r>
             <a:endParaRPr dirty="0"/>
           </a:p>
@@ -16694,19 +16610,7 @@
                 <a:cs typeface="Arial"/>
                 <a:sym typeface="Arial"/>
               </a:rPr>
-              <a:t>Visualitza</a:t>
-            </a:r>
-            <a:r>
-              <a:rPr lang="es-ES" sz="2400" dirty="0">
-                <a:solidFill>
-                  <a:srgbClr val="000000"/>
-                </a:solidFill>
-                <a:latin typeface="Arial"/>
-                <a:ea typeface="Arial"/>
-                <a:cs typeface="Arial"/>
-                <a:sym typeface="Arial"/>
-              </a:rPr>
-              <a:t> el vídeo sobre </a:t>
+              <a:t>Visualitza el vídeo sobre </a:t>
             </a:r>
             <a:r>
               <a:rPr lang="es-ES" sz="2400" i="1" dirty="0">
@@ -17196,21 +17100,13 @@
           </a:bodyPr>
           <a:lstStyle/>
           <a:p>
-            <a:pPr marL="457200" lvl="0" indent="-342900" algn="l" rtl="0">
+            <a:pPr>
               <a:lnSpc>
                 <a:spcPct val="300000"/>
               </a:lnSpc>
-              <a:spcBef>
-                <a:spcPts val="700"/>
-              </a:spcBef>
-              <a:spcAft>
-                <a:spcPts val="0"/>
-              </a:spcAft>
-              <a:buSzPts val="1800"/>
-              <a:buChar char="•"/>
             </a:pPr>
             <a:r>
-              <a:rPr lang="es-ES">
+              <a:rPr lang="es-ES" dirty="0">
                 <a:latin typeface="Arial"/>
                 <a:ea typeface="Arial"/>
                 <a:cs typeface="Arial"/>
@@ -17218,7 +17114,60 @@
               </a:rPr>
               <a:t>¿Qué es el método científico? </a:t>
             </a:r>
-            <a:endParaRPr>
+            <a:r>
+              <a:rPr lang="ca-ES" dirty="0">
+                <a:ea typeface="Arial"/>
+                <a:cs typeface="Arial"/>
+              </a:rPr>
+              <a:t>E</a:t>
+            </a:r>
+            <a:r>
+              <a:rPr lang="ca-ES" dirty="0" smtClean="0"/>
+              <a:t>l </a:t>
+            </a:r>
+            <a:r>
+              <a:rPr lang="ca-ES" dirty="0"/>
+              <a:t>mètode científic que es plantejar un problema, fer una hipòtesis, experimentar-lo, fer una conclusió i si fa falta fer una nova hipòtesis. </a:t>
+            </a:r>
+            <a:endParaRPr dirty="0">
+              <a:latin typeface="Arial"/>
+              <a:ea typeface="Arial"/>
+              <a:cs typeface="Arial"/>
+              <a:sym typeface="Arial"/>
+            </a:endParaRPr>
+          </a:p>
+          <a:p>
+            <a:pPr lvl="0">
+              <a:lnSpc>
+                <a:spcPct val="300000"/>
+              </a:lnSpc>
+              <a:spcBef>
+                <a:spcPts val="0"/>
+              </a:spcBef>
+            </a:pPr>
+            <a:r>
+              <a:rPr lang="es-ES" dirty="0">
+                <a:latin typeface="Arial"/>
+                <a:ea typeface="Arial"/>
+                <a:cs typeface="Arial"/>
+                <a:sym typeface="Arial"/>
+              </a:rPr>
+              <a:t>¿Cuál es el primer paso del método científico</a:t>
+            </a:r>
+            <a:r>
+              <a:rPr lang="es-ES" dirty="0" smtClean="0">
+                <a:latin typeface="Arial"/>
+                <a:ea typeface="Arial"/>
+                <a:cs typeface="Arial"/>
+                <a:sym typeface="Arial"/>
+              </a:rPr>
+              <a:t>?</a:t>
+            </a:r>
+            <a:r>
+              <a:rPr lang="ca-ES" dirty="0"/>
+              <a:t> es plantejar un problema</a:t>
+            </a:r>
+            <a:endParaRPr dirty="0">
               <a:latin typeface="Arial"/>
               <a:ea typeface="Arial"/>
               <a:cs typeface="Arial"/>
@@ -17240,75 +17189,33 @@
               <a:buChar char="•"/>
             </a:pPr>
             <a:r>
-              <a:rPr lang="es-ES">
+              <a:rPr lang="es-ES" dirty="0" smtClean="0">
                 <a:latin typeface="Arial"/>
                 <a:ea typeface="Arial"/>
                 <a:cs typeface="Arial"/>
                 <a:sym typeface="Arial"/>
               </a:rPr>
-              <a:t>¿Cuál es el primer paso del método científico?</a:t>
+              <a:t>¿</a:t>
             </a:r>
-            <a:endParaRPr>
-              <a:latin typeface="Arial"/>
-              <a:ea typeface="Arial"/>
-              <a:cs typeface="Arial"/>
-              <a:sym typeface="Arial"/>
-            </a:endParaRPr>
-          </a:p>
-          <a:p>
-            <a:pPr marL="457200" lvl="0" indent="-342900" algn="l" rtl="0">
-              <a:lnSpc>
-                <a:spcPct val="300000"/>
-              </a:lnSpc>
-              <a:spcBef>
-                <a:spcPts val="0"/>
-              </a:spcBef>
-              <a:spcAft>
-                <a:spcPts val="0"/>
-              </a:spcAft>
-              <a:buSzPts val="1800"/>
-              <a:buChar char="•"/>
-            </a:pPr>
             <a:r>
-              <a:rPr lang="es-ES">
+              <a:rPr lang="es-ES" dirty="0">
                 <a:latin typeface="Arial"/>
                 <a:ea typeface="Arial"/>
                 <a:cs typeface="Arial"/>
                 <a:sym typeface="Arial"/>
               </a:rPr>
-              <a:t>¿Qué es una hipótesis?</a:t>
+              <a:t>Cuál es el tercer paso</a:t>
             </a:r>
-            <a:endParaRPr>
-              <a:latin typeface="Arial"/>
-              <a:ea typeface="Arial"/>
-              <a:cs typeface="Arial"/>
-              <a:sym typeface="Arial"/>
-            </a:endParaRPr>
-          </a:p>
-          <a:p>
-            <a:pPr marL="457200" lvl="0" indent="-342900" algn="l" rtl="0">
-              <a:lnSpc>
-                <a:spcPct val="300000"/>
-              </a:lnSpc>
-              <a:spcBef>
-                <a:spcPts val="0"/>
-              </a:spcBef>
-              <a:spcAft>
-                <a:spcPts val="0"/>
-              </a:spcAft>
-              <a:buSzPts val="1800"/>
-              <a:buChar char="•"/>
-            </a:pPr>
             <a:r>
-              <a:rPr lang="es-ES">
+              <a:rPr lang="es-ES" dirty="0" smtClean="0">
                 <a:latin typeface="Arial"/>
                 <a:ea typeface="Arial"/>
                 <a:cs typeface="Arial"/>
                 <a:sym typeface="Arial"/>
               </a:rPr>
-              <a:t>¿Cuál es el tercer paso?</a:t>
+              <a:t>? Experimentarlo.</a:t>
             </a:r>
-            <a:endParaRPr>
+            <a:endParaRPr dirty="0">
               <a:latin typeface="Arial"/>
               <a:ea typeface="Arial"/>
               <a:cs typeface="Arial"/>
@@ -17328,7 +17235,7 @@
               </a:spcAft>
               <a:buNone/>
             </a:pPr>
-            <a:endParaRPr>
+            <a:endParaRPr dirty="0">
               <a:latin typeface="Arial"/>
               <a:ea typeface="Arial"/>
               <a:cs typeface="Arial"/>
@@ -17346,6 +17253,273 @@
 </file>
 
 <file path=ppt/slides/slide7.xml><?xml version="1.0" encoding="utf-8"?>
+<p:sld xmlns:a="http://schemas.openxmlformats.org/drawingml/2006/main" xmlns:r="http://schemas.openxmlformats.org/officeDocument/2006/relationships" xmlns:p="http://schemas.openxmlformats.org/presentationml/2006/main">
+  <p:cSld>
+    <p:spTree>
+      <p:nvGrpSpPr>
+        <p:cNvPr id="1" name="Shape 128"/>
+        <p:cNvGrpSpPr/>
+        <p:nvPr/>
+      </p:nvGrpSpPr>
+      <p:grpSpPr>
+        <a:xfrm>
+          <a:off x="0" y="0"/>
+          <a:ext cx="0" cy="0"/>
+          <a:chOff x="0" y="0"/>
+          <a:chExt cx="0" cy="0"/>
+        </a:xfrm>
+      </p:grpSpPr>
+      <p:sp>
+        <p:nvSpPr>
+          <p:cNvPr id="130" name="Google Shape;130;g7767cbbf3f_3_5"/>
+          <p:cNvSpPr txBox="1">
+            <a:spLocks noGrp="1"/>
+          </p:cNvSpPr>
+          <p:nvPr>
+            <p:ph type="body" idx="1"/>
+          </p:nvPr>
+        </p:nvSpPr>
+        <p:spPr>
+          <a:xfrm>
+            <a:off x="1251675" y="2286000"/>
+            <a:ext cx="10178400" cy="3805800"/>
+          </a:xfrm>
+          <a:prstGeom prst="rect">
+            <a:avLst/>
+          </a:prstGeom>
+        </p:spPr>
+        <p:txBody>
+          <a:bodyPr spcFirstLastPara="1" wrap="square" lIns="91425" tIns="45700" rIns="91425" bIns="45700" anchor="t" anchorCtr="0">
+            <a:noAutofit/>
+          </a:bodyPr>
+          <a:lstStyle/>
+          <a:p>
+            <a:pPr marL="457200" lvl="0" indent="-342900" algn="l" rtl="0">
+              <a:lnSpc>
+                <a:spcPct val="300000"/>
+              </a:lnSpc>
+              <a:spcBef>
+                <a:spcPts val="0"/>
+              </a:spcBef>
+              <a:spcAft>
+                <a:spcPts val="0"/>
+              </a:spcAft>
+              <a:buSzPts val="1800"/>
+              <a:buChar char="•"/>
+            </a:pPr>
+            <a:r>
+              <a:rPr lang="es-ES" dirty="0" smtClean="0">
+                <a:latin typeface="Arial"/>
+                <a:ea typeface="Arial"/>
+                <a:cs typeface="Arial"/>
+                <a:sym typeface="Arial"/>
+              </a:rPr>
+              <a:t>¿</a:t>
+            </a:r>
+            <a:r>
+              <a:rPr lang="es-ES" dirty="0">
+                <a:latin typeface="Arial"/>
+                <a:ea typeface="Arial"/>
+                <a:cs typeface="Arial"/>
+                <a:sym typeface="Arial"/>
+              </a:rPr>
+              <a:t>Qué es una hipótesis</a:t>
+            </a:r>
+            <a:r>
+              <a:rPr lang="es-ES" dirty="0" smtClean="0">
+                <a:latin typeface="Arial"/>
+                <a:ea typeface="Arial"/>
+                <a:cs typeface="Arial"/>
+                <a:sym typeface="Arial"/>
+              </a:rPr>
+              <a:t>? Es una pregunta que  es resol am un problema o </a:t>
+            </a:r>
+            <a:r>
+              <a:rPr lang="es-ES" dirty="0" err="1" smtClean="0">
+                <a:latin typeface="Arial"/>
+                <a:ea typeface="Arial"/>
+                <a:cs typeface="Arial"/>
+                <a:sym typeface="Arial"/>
+              </a:rPr>
+              <a:t>fent</a:t>
+            </a:r>
+            <a:r>
+              <a:rPr lang="es-ES" dirty="0" smtClean="0">
+                <a:latin typeface="Arial"/>
+                <a:ea typeface="Arial"/>
+                <a:cs typeface="Arial"/>
+                <a:sym typeface="Arial"/>
+              </a:rPr>
+              <a:t> un experiment</a:t>
+            </a:r>
+            <a:endParaRPr dirty="0">
+              <a:latin typeface="Arial"/>
+              <a:ea typeface="Arial"/>
+              <a:cs typeface="Arial"/>
+              <a:sym typeface="Arial"/>
+            </a:endParaRPr>
+          </a:p>
+          <a:p>
+            <a:pPr marL="457200" lvl="0" indent="-342900" algn="l" rtl="0">
+              <a:lnSpc>
+                <a:spcPct val="300000"/>
+              </a:lnSpc>
+              <a:spcBef>
+                <a:spcPts val="0"/>
+              </a:spcBef>
+              <a:spcAft>
+                <a:spcPts val="0"/>
+              </a:spcAft>
+              <a:buSzPts val="1800"/>
+              <a:buChar char="•"/>
+            </a:pPr>
+            <a:r>
+              <a:rPr lang="es-ES" dirty="0">
+                <a:latin typeface="Arial"/>
+                <a:ea typeface="Arial"/>
+                <a:cs typeface="Arial"/>
+                <a:sym typeface="Arial"/>
+              </a:rPr>
+              <a:t>¿Cuál es el tercer paso</a:t>
+            </a:r>
+            <a:r>
+              <a:rPr lang="es-ES" dirty="0" smtClean="0">
+                <a:latin typeface="Arial"/>
+                <a:ea typeface="Arial"/>
+                <a:cs typeface="Arial"/>
+                <a:sym typeface="Arial"/>
+              </a:rPr>
+              <a:t>? </a:t>
+            </a:r>
+            <a:r>
+              <a:rPr lang="es-ES" dirty="0" err="1" smtClean="0">
+                <a:latin typeface="Arial"/>
+                <a:ea typeface="Arial"/>
+                <a:cs typeface="Arial"/>
+                <a:sym typeface="Arial"/>
+              </a:rPr>
+              <a:t>Demostra</a:t>
+            </a:r>
+            <a:r>
+              <a:rPr lang="es-ES" dirty="0" smtClean="0">
+                <a:latin typeface="Arial"/>
+                <a:ea typeface="Arial"/>
+                <a:cs typeface="Arial"/>
+                <a:sym typeface="Arial"/>
+              </a:rPr>
+              <a:t> </a:t>
+            </a:r>
+            <a:r>
+              <a:rPr lang="es-ES" dirty="0" err="1" smtClean="0">
+                <a:latin typeface="Arial"/>
+                <a:ea typeface="Arial"/>
+                <a:cs typeface="Arial"/>
+                <a:sym typeface="Arial"/>
+              </a:rPr>
+              <a:t>amb</a:t>
+            </a:r>
+            <a:r>
+              <a:rPr lang="es-ES" dirty="0" smtClean="0">
+                <a:latin typeface="Arial"/>
+                <a:ea typeface="Arial"/>
+                <a:cs typeface="Arial"/>
+                <a:sym typeface="Arial"/>
+              </a:rPr>
+              <a:t> un </a:t>
+            </a:r>
+            <a:r>
+              <a:rPr lang="es-ES" dirty="0" err="1" smtClean="0">
+                <a:latin typeface="Arial"/>
+                <a:ea typeface="Arial"/>
+                <a:cs typeface="Arial"/>
+                <a:sym typeface="Arial"/>
+              </a:rPr>
+              <a:t>experiment</a:t>
+            </a:r>
+            <a:r>
+              <a:rPr lang="es-ES" dirty="0" smtClean="0">
+                <a:latin typeface="Arial"/>
+                <a:ea typeface="Arial"/>
+                <a:cs typeface="Arial"/>
+                <a:sym typeface="Arial"/>
+              </a:rPr>
+              <a:t> la </a:t>
+            </a:r>
+            <a:r>
+              <a:rPr lang="es-ES" dirty="0" err="1" smtClean="0">
+                <a:latin typeface="Arial"/>
+                <a:ea typeface="Arial"/>
+                <a:cs typeface="Arial"/>
+                <a:sym typeface="Arial"/>
+              </a:rPr>
+              <a:t>hipotesis</a:t>
+            </a:r>
+            <a:endParaRPr dirty="0">
+              <a:latin typeface="Arial"/>
+              <a:ea typeface="Arial"/>
+              <a:cs typeface="Arial"/>
+              <a:sym typeface="Arial"/>
+            </a:endParaRPr>
+          </a:p>
+          <a:p>
+            <a:pPr marL="457200" lvl="0" indent="0" algn="l" rtl="0">
+              <a:lnSpc>
+                <a:spcPct val="200000"/>
+              </a:lnSpc>
+              <a:spcBef>
+                <a:spcPts val="700"/>
+              </a:spcBef>
+              <a:spcAft>
+                <a:spcPts val="0"/>
+              </a:spcAft>
+              <a:buNone/>
+            </a:pPr>
+            <a:endParaRPr dirty="0">
+              <a:latin typeface="Arial"/>
+              <a:ea typeface="Arial"/>
+              <a:cs typeface="Arial"/>
+              <a:sym typeface="Arial"/>
+            </a:endParaRPr>
+          </a:p>
+        </p:txBody>
+      </p:sp>
+      <p:sp>
+        <p:nvSpPr>
+          <p:cNvPr id="2" name="Título 1"/>
+          <p:cNvSpPr>
+            <a:spLocks noGrp="1"/>
+          </p:cNvSpPr>
+          <p:nvPr>
+            <p:ph type="title"/>
+          </p:nvPr>
+        </p:nvSpPr>
+        <p:spPr/>
+        <p:txBody>
+          <a:bodyPr/>
+          <a:lstStyle/>
+          <a:p>
+            <a:r>
+              <a:rPr lang="es-ES" dirty="0" smtClean="0"/>
+              <a:t>PAGINA 2</a:t>
+            </a:r>
+            <a:endParaRPr lang="es-ES" dirty="0"/>
+          </a:p>
+        </p:txBody>
+      </p:sp>
+    </p:spTree>
+    <p:extLst>
+      <p:ext uri="{BB962C8B-B14F-4D97-AF65-F5344CB8AC3E}">
+        <p14:creationId xmlns:p14="http://schemas.microsoft.com/office/powerpoint/2010/main" val="2503823929"/>
+      </p:ext>
+    </p:extLst>
+  </p:cSld>
+  <p:clrMapOvr>
+    <a:masterClrMapping/>
+  </p:clrMapOvr>
+</p:sld>
+</file>
+
+<file path=ppt/slides/slide8.xml><?xml version="1.0" encoding="utf-8"?>
 <p:sld xmlns:a="http://schemas.openxmlformats.org/drawingml/2006/main" xmlns:r="http://schemas.openxmlformats.org/officeDocument/2006/relationships" xmlns:p="http://schemas.openxmlformats.org/presentationml/2006/main">
   <p:cSld>
     <p:spTree>
@@ -17397,13 +17571,13 @@
               <a:buNone/>
             </a:pPr>
             <a:r>
-              <a:rPr lang="es-ES"/>
+              <a:rPr lang="es-ES" dirty="0"/>
               <a:t>PREGUNTAS</a:t>
             </a:r>
             <a:br>
-              <a:rPr lang="es-ES"/>
+              <a:rPr lang="es-ES" dirty="0"/>
             </a:br>
-            <a:endParaRPr sz="2400" i="1">
+            <a:endParaRPr sz="2400" i="1" dirty="0">
               <a:latin typeface="Arial"/>
               <a:ea typeface="Arial"/>
               <a:cs typeface="Arial"/>
@@ -17451,15 +17625,24 @@
               <a:buChar char="•"/>
             </a:pPr>
             <a:r>
-              <a:rPr lang="es-ES">
+              <a:rPr lang="es-ES" dirty="0">
                 <a:latin typeface="Arial"/>
                 <a:ea typeface="Arial"/>
                 <a:cs typeface="Arial"/>
                 <a:sym typeface="Arial"/>
               </a:rPr>
-              <a:t>¿Qué nombre recibe el tercer paso?</a:t>
+              <a:t>¿Qué nombre recibe el tercer paso</a:t>
             </a:r>
-            <a:endParaRPr>
+            <a:r>
+              <a:rPr lang="es-ES" dirty="0" smtClean="0">
+                <a:latin typeface="Arial"/>
+                <a:ea typeface="Arial"/>
+                <a:cs typeface="Arial"/>
+                <a:sym typeface="Arial"/>
+              </a:rPr>
+              <a:t>? Experimentacio</a:t>
+            </a:r>
+            <a:endParaRPr dirty="0">
               <a:latin typeface="Arial"/>
               <a:ea typeface="Arial"/>
               <a:cs typeface="Arial"/>
@@ -17482,15 +17665,69 @@
               <a:buChar char="•"/>
             </a:pPr>
             <a:r>
-              <a:rPr lang="es-ES">
+              <a:rPr lang="es-ES" dirty="0">
                 <a:latin typeface="Arial"/>
                 <a:ea typeface="Arial"/>
                 <a:cs typeface="Arial"/>
                 <a:sym typeface="Arial"/>
               </a:rPr>
-              <a:t>¿Es bueno equivocarse en el método científico?</a:t>
+              <a:t>¿Es bueno equivocarse en el método científico</a:t>
             </a:r>
-            <a:endParaRPr>
+            <a:r>
+              <a:rPr lang="es-ES" dirty="0" smtClean="0">
+                <a:latin typeface="Arial"/>
+                <a:ea typeface="Arial"/>
+                <a:cs typeface="Arial"/>
+                <a:sym typeface="Arial"/>
+              </a:rPr>
+              <a:t>? Si perqué </a:t>
+            </a:r>
+            <a:r>
+              <a:rPr lang="es-ES" dirty="0" err="1" smtClean="0">
+                <a:latin typeface="Arial"/>
+                <a:ea typeface="Arial"/>
+                <a:cs typeface="Arial"/>
+                <a:sym typeface="Arial"/>
+              </a:rPr>
+              <a:t>aprens</a:t>
+            </a:r>
+            <a:r>
+              <a:rPr lang="es-ES" dirty="0" smtClean="0">
+                <a:latin typeface="Arial"/>
+                <a:ea typeface="Arial"/>
+                <a:cs typeface="Arial"/>
+                <a:sym typeface="Arial"/>
+              </a:rPr>
+              <a:t> </a:t>
+            </a:r>
+            <a:r>
+              <a:rPr lang="es-ES" dirty="0" err="1" smtClean="0">
+                <a:latin typeface="Arial"/>
+                <a:ea typeface="Arial"/>
+                <a:cs typeface="Arial"/>
+                <a:sym typeface="Arial"/>
+              </a:rPr>
+              <a:t>dels</a:t>
+            </a:r>
+            <a:r>
+              <a:rPr lang="es-ES" dirty="0" smtClean="0">
+                <a:latin typeface="Arial"/>
+                <a:ea typeface="Arial"/>
+                <a:cs typeface="Arial"/>
+                <a:sym typeface="Arial"/>
+              </a:rPr>
+              <a:t> </a:t>
+            </a:r>
+            <a:r>
+              <a:rPr lang="es-ES" dirty="0" err="1" smtClean="0">
+                <a:latin typeface="Arial"/>
+                <a:ea typeface="Arial"/>
+                <a:cs typeface="Arial"/>
+                <a:sym typeface="Arial"/>
+              </a:rPr>
+              <a:t>errors</a:t>
+            </a:r>
+            <a:endParaRPr dirty="0">
               <a:latin typeface="Arial"/>
               <a:ea typeface="Arial"/>
               <a:cs typeface="Arial"/>
@@ -17498,30 +17735,69 @@
             </a:endParaRPr>
           </a:p>
           <a:p>
-            <a:pPr marL="457200" lvl="0" indent="-342900" algn="l" rtl="0">
+            <a:pPr lvl="0">
               <a:lnSpc>
                 <a:spcPct val="300000"/>
               </a:lnSpc>
               <a:spcBef>
                 <a:spcPts val="0"/>
               </a:spcBef>
-              <a:spcAft>
-                <a:spcPts val="0"/>
-              </a:spcAft>
-              <a:buSzPts val="1800"/>
-              <a:buFont typeface="Arial"/>
-              <a:buChar char="•"/>
             </a:pPr>
             <a:r>
-              <a:rPr lang="es-ES">
+              <a:rPr lang="es-ES" dirty="0">
                 <a:latin typeface="Arial"/>
                 <a:ea typeface="Arial"/>
                 <a:cs typeface="Arial"/>
                 <a:sym typeface="Arial"/>
               </a:rPr>
-              <a:t>¿Qué pasa si el resultado no coincide con nuestra hipótesis?</a:t>
+              <a:t>¿Qué pasa si el resultado no coincide con nuestra hipótesis</a:t>
             </a:r>
-            <a:endParaRPr>
+            <a:r>
+              <a:rPr lang="es-ES" dirty="0" smtClean="0">
+                <a:latin typeface="Arial"/>
+                <a:ea typeface="Arial"/>
+                <a:cs typeface="Arial"/>
+                <a:sym typeface="Arial"/>
+              </a:rPr>
+              <a:t>? Que </a:t>
+            </a:r>
+            <a:r>
+              <a:rPr lang="es-ES" dirty="0" err="1" smtClean="0">
+                <a:latin typeface="Arial"/>
+                <a:ea typeface="Arial"/>
+                <a:cs typeface="Arial"/>
+                <a:sym typeface="Arial"/>
+              </a:rPr>
+              <a:t>tens</a:t>
+            </a:r>
+            <a:r>
+              <a:rPr lang="es-ES" dirty="0" smtClean="0">
+                <a:latin typeface="Arial"/>
+                <a:ea typeface="Arial"/>
+                <a:cs typeface="Arial"/>
+                <a:sym typeface="Arial"/>
+              </a:rPr>
+              <a:t> que </a:t>
+            </a:r>
+            <a:r>
+              <a:rPr lang="es-ES" dirty="0" err="1" smtClean="0">
+                <a:latin typeface="Arial"/>
+                <a:ea typeface="Arial"/>
+                <a:cs typeface="Arial"/>
+                <a:sym typeface="Arial"/>
+              </a:rPr>
+              <a:t>fer</a:t>
+            </a:r>
+            <a:r>
+              <a:rPr lang="es-ES" dirty="0" smtClean="0">
+                <a:latin typeface="Arial"/>
+                <a:ea typeface="Arial"/>
+                <a:cs typeface="Arial"/>
+                <a:sym typeface="Arial"/>
+              </a:rPr>
+              <a:t> una nova hipótesis</a:t>
+            </a:r>
+            <a:endParaRPr dirty="0">
               <a:latin typeface="Arial"/>
               <a:ea typeface="Arial"/>
               <a:cs typeface="Arial"/>
@@ -17566,7 +17842,7 @@
 </p:sld>
 </file>
 
-<file path=ppt/slides/slide8.xml><?xml version="1.0" encoding="utf-8"?>
+<file path=ppt/slides/slide9.xml><?xml version="1.0" encoding="utf-8"?>
 <p:sld xmlns:a="http://schemas.openxmlformats.org/drawingml/2006/main" xmlns:r="http://schemas.openxmlformats.org/officeDocument/2006/relationships" xmlns:p="http://schemas.openxmlformats.org/presentationml/2006/main">
   <p:cSld>
     <p:spTree>
@@ -17618,22 +17894,26 @@
               <a:buNone/>
             </a:pPr>
             <a:r>
-              <a:rPr lang="es-ES"/>
+              <a:rPr lang="es-ES" dirty="0"/>
               <a:t>DIARI CIENTÍFIC </a:t>
             </a:r>
             <a:r>
-              <a:rPr lang="es-ES" sz="3600"/>
-              <a:t>(del 13 al 15 de maig)</a:t>
+              <a:rPr lang="es-ES" sz="3600" dirty="0"/>
+              <a:t>(del 13 al 15 de </a:t>
             </a:r>
             <a:r>
-              <a:rPr lang="es-ES"/>
+              <a:rPr lang="es-ES" sz="3600" dirty="0" smtClean="0"/>
+              <a:t>mail)</a:t>
+            </a:r>
+            <a:r>
+              <a:rPr lang="es-ES" dirty="0"/>
               <a:t/>
             </a:r>
             <a:br>
-              <a:rPr lang="es-ES"/>
+              <a:rPr lang="es-ES" dirty="0"/>
             </a:br>
             <a:r>
-              <a:rPr lang="es-ES" sz="2400">
+              <a:rPr lang="es-ES" sz="2400" dirty="0">
                 <a:latin typeface="Arial"/>
                 <a:ea typeface="Arial"/>
                 <a:cs typeface="Arial"/>
@@ -17641,7 +17921,7 @@
               </a:rPr>
               <a:t>Explica en català què has descobert durant aquesta setmana.</a:t>
             </a:r>
-            <a:endParaRPr sz="2400">
+            <a:endParaRPr sz="2400" dirty="0">
               <a:latin typeface="Arial"/>
               <a:ea typeface="Arial"/>
               <a:cs typeface="Arial"/>
@@ -17684,7 +17964,104 @@
               </a:spcAft>
               <a:buNone/>
             </a:pPr>
-            <a:endParaRPr/>
+            <a:r>
+              <a:rPr lang="es-ES" dirty="0" smtClean="0"/>
+              <a:t>Jo he apres que es la ciencia que fa un cientifc tambe he apres el </a:t>
+            </a:r>
+            <a:r>
+              <a:rPr lang="es-ES" dirty="0" err="1" smtClean="0"/>
+              <a:t>metode</a:t>
+            </a:r>
+            <a:r>
+              <a:rPr lang="es-ES" dirty="0" smtClean="0"/>
+              <a:t> </a:t>
+            </a:r>
+            <a:r>
+              <a:rPr lang="es-ES" dirty="0" err="1" smtClean="0"/>
+              <a:t>cientific</a:t>
+            </a:r>
+            <a:r>
+              <a:rPr lang="es-ES" dirty="0" smtClean="0"/>
+              <a:t>.</a:t>
+            </a:r>
+          </a:p>
+          <a:p>
+            <a:pPr marL="0" lvl="0" indent="0" algn="l" rtl="0">
+              <a:spcBef>
+                <a:spcPts val="700"/>
+              </a:spcBef>
+              <a:spcAft>
+                <a:spcPts val="0"/>
+              </a:spcAft>
+              <a:buNone/>
+            </a:pPr>
+            <a:endParaRPr lang="es-ES" dirty="0"/>
+          </a:p>
+          <a:p>
+            <a:pPr marL="0" lvl="0" indent="0" algn="l" rtl="0">
+              <a:spcBef>
+                <a:spcPts val="700"/>
+              </a:spcBef>
+              <a:spcAft>
+                <a:spcPts val="0"/>
+              </a:spcAft>
+              <a:buNone/>
+            </a:pPr>
+            <a:r>
+              <a:rPr lang="es-ES" dirty="0" smtClean="0"/>
+              <a:t>Mi </a:t>
+            </a:r>
+            <a:r>
+              <a:rPr lang="es-ES" dirty="0" err="1" smtClean="0"/>
+              <a:t>demostració</a:t>
+            </a:r>
+            <a:r>
+              <a:rPr lang="es-ES" dirty="0" smtClean="0"/>
+              <a:t> de método </a:t>
+            </a:r>
+            <a:r>
+              <a:rPr lang="es-ES" dirty="0" err="1" smtClean="0"/>
+              <a:t>cientific</a:t>
+            </a:r>
+            <a:r>
+              <a:rPr lang="es-ES" dirty="0" smtClean="0"/>
+              <a:t>, </a:t>
+            </a:r>
+          </a:p>
+          <a:p>
+            <a:r>
+              <a:rPr lang="ca-ES" smtClean="0"/>
+              <a:t>Problema:</a:t>
+            </a:r>
+            <a:endParaRPr lang="es-ES" dirty="0"/>
+          </a:p>
+          <a:p>
+            <a:r>
+              <a:rPr lang="ca-ES" dirty="0"/>
+              <a:t>Com se aixecant las globus de persones. </a:t>
+            </a:r>
+            <a:endParaRPr lang="es-ES" dirty="0"/>
+          </a:p>
+          <a:p>
+            <a:r>
+              <a:rPr lang="ca-ES" dirty="0"/>
+              <a:t>Hipòtesis per que escalfant al aire calen que hi a dintre.</a:t>
+            </a:r>
+            <a:endParaRPr lang="es-ES" dirty="0"/>
+          </a:p>
+          <a:p>
+            <a:r>
+              <a:rPr lang="ca-ES" dirty="0"/>
+              <a:t>Experiment. He comprovat que escalfant l’aire de una bossa aquesta se aixeca.</a:t>
+            </a:r>
+            <a:endParaRPr lang="es-ES" dirty="0"/>
+          </a:p>
+          <a:p>
+            <a:r>
+              <a:rPr lang="ca-ES" dirty="0"/>
+              <a:t>Conclusió: Es veritat l’ara calen es menis dens que l’aïra del seu voltant </a:t>
+            </a:r>
+            <a:endParaRPr lang="es-ES" dirty="0"/>
           </a:p>
         </p:txBody>
       </p:sp>
